--- a/slide/xbyak_aarch64.pptx
+++ b/slide/xbyak_aarch64.pptx
@@ -5,10 +5,13 @@
     <p:sldMasterId id="2147483663" r:id="rId1"/>
   </p:sldMasterIdLst>
   <p:notesMasterIdLst>
-    <p:notesMasterId r:id="rId3"/>
+    <p:notesMasterId r:id="rId6"/>
   </p:notesMasterIdLst>
   <p:sldIdLst>
     <p:sldId id="256" r:id="rId2"/>
+    <p:sldId id="257" r:id="rId3"/>
+    <p:sldId id="258" r:id="rId4"/>
+    <p:sldId id="259" r:id="rId5"/>
   </p:sldIdLst>
   <p:sldSz cx="9144000" cy="6858000" type="screen4x3"/>
   <p:notesSz cx="6858000" cy="9144000"/>
@@ -1319,10 +1322,1075 @@
           </a:p>
         </p:txBody>
       </p:sp>
+      <p:sp>
+        <p:nvSpPr>
+          <p:cNvPr id="7" name="テキスト ボックス 6">
+            <a:extLst>
+              <a:ext uri="{FF2B5EF4-FFF2-40B4-BE49-F238E27FC236}">
+                <a16:creationId xmlns:a16="http://schemas.microsoft.com/office/drawing/2014/main" id="{3DC140FE-82A7-4219-9107-A37A64B80CD2}"/>
+              </a:ext>
+            </a:extLst>
+          </p:cNvPr>
+          <p:cNvSpPr txBox="1"/>
+          <p:nvPr/>
+        </p:nvSpPr>
+        <p:spPr>
+          <a:xfrm>
+            <a:off x="971600" y="4581128"/>
+            <a:ext cx="7560840" cy="461665"/>
+          </a:xfrm>
+          <a:prstGeom prst="rect">
+            <a:avLst/>
+          </a:prstGeom>
+          <a:noFill/>
+        </p:spPr>
+        <p:txBody>
+          <a:bodyPr wrap="square">
+            <a:spAutoFit/>
+          </a:bodyPr>
+          <a:lstStyle/>
+          <a:p>
+            <a:r>
+              <a:rPr lang="ja-JP" altLang="en-US" sz="2400">
+                <a:hlinkClick r:id="rId2"/>
+              </a:rPr>
+              <a:t>https://github.com/kaityo256/xbyak_aarch64_handson</a:t>
+            </a:r>
+            <a:endParaRPr lang="ja-JP" altLang="en-US" sz="2400"/>
+          </a:p>
+        </p:txBody>
+      </p:sp>
+      <p:sp>
+        <p:nvSpPr>
+          <p:cNvPr id="8" name="テキスト ボックス 7">
+            <a:extLst>
+              <a:ext uri="{FF2B5EF4-FFF2-40B4-BE49-F238E27FC236}">
+                <a16:creationId xmlns:a16="http://schemas.microsoft.com/office/drawing/2014/main" id="{0B1D45F5-8B4A-432F-A6AC-49D660629E34}"/>
+              </a:ext>
+            </a:extLst>
+          </p:cNvPr>
+          <p:cNvSpPr txBox="1"/>
+          <p:nvPr/>
+        </p:nvSpPr>
+        <p:spPr>
+          <a:xfrm>
+            <a:off x="323528" y="4149080"/>
+            <a:ext cx="2339102" cy="461665"/>
+          </a:xfrm>
+          <a:prstGeom prst="rect">
+            <a:avLst/>
+          </a:prstGeom>
+          <a:noFill/>
+        </p:spPr>
+        <p:txBody>
+          <a:bodyPr wrap="none" rtlCol="0">
+            <a:spAutoFit/>
+          </a:bodyPr>
+          <a:lstStyle/>
+          <a:p>
+            <a:r>
+              <a:rPr kumimoji="1" lang="ja-JP" altLang="en-US" sz="2400"/>
+              <a:t>ハンズオン資料</a:t>
+            </a:r>
+          </a:p>
+        </p:txBody>
+      </p:sp>
     </p:spTree>
     <p:extLst>
       <p:ext uri="{BB962C8B-B14F-4D97-AF65-F5344CB8AC3E}">
         <p14:creationId xmlns:p14="http://schemas.microsoft.com/office/powerpoint/2010/main" val="4079533921"/>
+      </p:ext>
+    </p:extLst>
+  </p:cSld>
+  <p:clrMapOvr>
+    <a:masterClrMapping/>
+  </p:clrMapOvr>
+</p:sld>
+</file>
+
+<file path=ppt/slides/slide2.xml><?xml version="1.0" encoding="utf-8"?>
+<p:sld xmlns:a="http://schemas.openxmlformats.org/drawingml/2006/main" xmlns:r="http://schemas.openxmlformats.org/officeDocument/2006/relationships" xmlns:p="http://schemas.openxmlformats.org/presentationml/2006/main">
+  <p:cSld>
+    <p:spTree>
+      <p:nvGrpSpPr>
+        <p:cNvPr id="1" name=""/>
+        <p:cNvGrpSpPr/>
+        <p:nvPr/>
+      </p:nvGrpSpPr>
+      <p:grpSpPr>
+        <a:xfrm>
+          <a:off x="0" y="0"/>
+          <a:ext cx="0" cy="0"/>
+          <a:chOff x="0" y="0"/>
+          <a:chExt cx="0" cy="0"/>
+        </a:xfrm>
+      </p:grpSpPr>
+      <p:sp>
+        <p:nvSpPr>
+          <p:cNvPr id="2" name="テキスト プレースホルダー 1">
+            <a:extLst>
+              <a:ext uri="{FF2B5EF4-FFF2-40B4-BE49-F238E27FC236}">
+                <a16:creationId xmlns:a16="http://schemas.microsoft.com/office/drawing/2014/main" id="{3EA01B9E-E5E4-464F-A577-47CFD68359F6}"/>
+              </a:ext>
+            </a:extLst>
+          </p:cNvPr>
+          <p:cNvSpPr>
+            <a:spLocks noGrp="1"/>
+          </p:cNvSpPr>
+          <p:nvPr>
+            <p:ph type="body" sz="quarter" idx="10"/>
+          </p:nvPr>
+        </p:nvSpPr>
+        <p:spPr/>
+        <p:txBody>
+          <a:bodyPr/>
+          <a:lstStyle/>
+          <a:p>
+            <a:r>
+              <a:rPr lang="ja-JP" altLang="en-US"/>
+              <a:t>本ハンズオンの構成</a:t>
+            </a:r>
+            <a:endParaRPr kumimoji="1" lang="ja-JP" altLang="en-US"/>
+          </a:p>
+        </p:txBody>
+      </p:sp>
+      <p:sp>
+        <p:nvSpPr>
+          <p:cNvPr id="4" name="テキスト ボックス 3">
+            <a:extLst>
+              <a:ext uri="{FF2B5EF4-FFF2-40B4-BE49-F238E27FC236}">
+                <a16:creationId xmlns:a16="http://schemas.microsoft.com/office/drawing/2014/main" id="{7C3246CB-8156-4B27-95C0-D04906F5F6DB}"/>
+              </a:ext>
+            </a:extLst>
+          </p:cNvPr>
+          <p:cNvSpPr txBox="1"/>
+          <p:nvPr/>
+        </p:nvSpPr>
+        <p:spPr>
+          <a:xfrm>
+            <a:off x="395536" y="1340768"/>
+            <a:ext cx="7409401" cy="4832092"/>
+          </a:xfrm>
+          <a:prstGeom prst="rect">
+            <a:avLst/>
+          </a:prstGeom>
+          <a:noFill/>
+        </p:spPr>
+        <p:txBody>
+          <a:bodyPr wrap="none" rtlCol="0">
+            <a:spAutoFit/>
+          </a:bodyPr>
+          <a:lstStyle/>
+          <a:p>
+            <a:pPr marL="457200" indent="-457200">
+              <a:buFont typeface="Arial" panose="020B0604020202020204" pitchFamily="34" charset="0"/>
+              <a:buChar char="•"/>
+            </a:pPr>
+            <a:r>
+              <a:rPr kumimoji="1" lang="ja-JP" altLang="en-US" sz="4400"/>
+              <a:t>事前準備編</a:t>
+            </a:r>
+            <a:endParaRPr kumimoji="1" lang="en-US" altLang="ja-JP" sz="4400"/>
+          </a:p>
+          <a:p>
+            <a:pPr marL="914400" lvl="1" indent="-457200">
+              <a:buFont typeface="Arial" panose="020B0604020202020204" pitchFamily="34" charset="0"/>
+              <a:buChar char="•"/>
+            </a:pPr>
+            <a:r>
+              <a:rPr kumimoji="1" lang="en-US" altLang="ja-JP" sz="4400"/>
+              <a:t>Docker</a:t>
+            </a:r>
+            <a:r>
+              <a:rPr kumimoji="1" lang="ja-JP" altLang="en-US" sz="4400"/>
+              <a:t>イメージのビルド</a:t>
+            </a:r>
+            <a:endParaRPr lang="en-US" altLang="ja-JP" sz="4400"/>
+          </a:p>
+          <a:p>
+            <a:pPr marL="914400" lvl="1" indent="-457200">
+              <a:buFont typeface="Arial" panose="020B0604020202020204" pitchFamily="34" charset="0"/>
+              <a:buChar char="•"/>
+            </a:pPr>
+            <a:r>
+              <a:rPr kumimoji="1" lang="en-US" altLang="ja-JP" sz="4400"/>
+              <a:t>SVE</a:t>
+            </a:r>
+            <a:r>
+              <a:rPr kumimoji="1" lang="ja-JP" altLang="en-US" sz="4400"/>
+              <a:t>と</a:t>
+            </a:r>
+            <a:r>
+              <a:rPr kumimoji="1" lang="en-US" altLang="ja-JP" sz="4400"/>
+              <a:t>Xbyak</a:t>
+            </a:r>
+            <a:r>
+              <a:rPr kumimoji="1" lang="ja-JP" altLang="en-US" sz="4400"/>
+              <a:t>の説明</a:t>
+            </a:r>
+            <a:endParaRPr kumimoji="1" lang="en-US" altLang="ja-JP" sz="4400"/>
+          </a:p>
+          <a:p>
+            <a:pPr marL="457200" indent="-457200">
+              <a:buFont typeface="Arial" panose="020B0604020202020204" pitchFamily="34" charset="0"/>
+              <a:buChar char="•"/>
+            </a:pPr>
+            <a:r>
+              <a:rPr kumimoji="1" lang="ja-JP" altLang="en-US" sz="4400"/>
+              <a:t>ハンズオン編</a:t>
+            </a:r>
+            <a:endParaRPr kumimoji="1" lang="en-US" altLang="ja-JP" sz="4400"/>
+          </a:p>
+          <a:p>
+            <a:pPr marL="914400" lvl="1" indent="-457200">
+              <a:buFont typeface="Arial" panose="020B0604020202020204" pitchFamily="34" charset="0"/>
+              <a:buChar char="•"/>
+            </a:pPr>
+            <a:r>
+              <a:rPr kumimoji="1" lang="ja-JP" altLang="en-US" sz="4400"/>
+              <a:t>動作確認</a:t>
+            </a:r>
+            <a:endParaRPr kumimoji="1" lang="en-US" altLang="ja-JP" sz="4400"/>
+          </a:p>
+          <a:p>
+            <a:pPr marL="914400" lvl="1" indent="-457200">
+              <a:buFont typeface="Arial" panose="020B0604020202020204" pitchFamily="34" charset="0"/>
+              <a:buChar char="•"/>
+            </a:pPr>
+            <a:r>
+              <a:rPr kumimoji="1" lang="ja-JP" altLang="en-US" sz="4400"/>
+              <a:t>組み込み関数編</a:t>
+            </a:r>
+            <a:endParaRPr kumimoji="1" lang="en-US" altLang="ja-JP" sz="4400"/>
+          </a:p>
+          <a:p>
+            <a:pPr marL="914400" lvl="1" indent="-457200">
+              <a:buFont typeface="Arial" panose="020B0604020202020204" pitchFamily="34" charset="0"/>
+              <a:buChar char="•"/>
+            </a:pPr>
+            <a:r>
+              <a:rPr lang="en-US" altLang="ja-JP" sz="4400"/>
+              <a:t>Xbyak</a:t>
+            </a:r>
+            <a:r>
+              <a:rPr lang="ja-JP" altLang="en-US" sz="4400"/>
+              <a:t>編</a:t>
+            </a:r>
+            <a:endParaRPr kumimoji="1" lang="en-US" altLang="ja-JP" sz="4400"/>
+          </a:p>
+        </p:txBody>
+      </p:sp>
+    </p:spTree>
+    <p:extLst>
+      <p:ext uri="{BB962C8B-B14F-4D97-AF65-F5344CB8AC3E}">
+        <p14:creationId xmlns:p14="http://schemas.microsoft.com/office/powerpoint/2010/main" val="4253713017"/>
+      </p:ext>
+    </p:extLst>
+  </p:cSld>
+  <p:clrMapOvr>
+    <a:masterClrMapping/>
+  </p:clrMapOvr>
+</p:sld>
+</file>
+
+<file path=ppt/slides/slide3.xml><?xml version="1.0" encoding="utf-8"?>
+<p:sld xmlns:a="http://schemas.openxmlformats.org/drawingml/2006/main" xmlns:r="http://schemas.openxmlformats.org/officeDocument/2006/relationships" xmlns:p="http://schemas.openxmlformats.org/presentationml/2006/main">
+  <p:cSld>
+    <p:spTree>
+      <p:nvGrpSpPr>
+        <p:cNvPr id="1" name=""/>
+        <p:cNvGrpSpPr/>
+        <p:nvPr/>
+      </p:nvGrpSpPr>
+      <p:grpSpPr>
+        <a:xfrm>
+          <a:off x="0" y="0"/>
+          <a:ext cx="0" cy="0"/>
+          <a:chOff x="0" y="0"/>
+          <a:chExt cx="0" cy="0"/>
+        </a:xfrm>
+      </p:grpSpPr>
+      <p:sp>
+        <p:nvSpPr>
+          <p:cNvPr id="2" name="テキスト プレースホルダー 1">
+            <a:extLst>
+              <a:ext uri="{FF2B5EF4-FFF2-40B4-BE49-F238E27FC236}">
+                <a16:creationId xmlns:a16="http://schemas.microsoft.com/office/drawing/2014/main" id="{7D8B1346-D7EA-40B6-AFFA-6250557AB85D}"/>
+              </a:ext>
+            </a:extLst>
+          </p:cNvPr>
+          <p:cNvSpPr>
+            <a:spLocks noGrp="1"/>
+          </p:cNvSpPr>
+          <p:nvPr>
+            <p:ph type="body" sz="quarter" idx="10"/>
+          </p:nvPr>
+        </p:nvSpPr>
+        <p:spPr/>
+        <p:txBody>
+          <a:bodyPr/>
+          <a:lstStyle/>
+          <a:p>
+            <a:r>
+              <a:rPr kumimoji="1" lang="en-US" altLang="ja-JP"/>
+              <a:t>Docker</a:t>
+            </a:r>
+            <a:r>
+              <a:rPr kumimoji="1" lang="ja-JP" altLang="en-US"/>
+              <a:t>イメージのビルド</a:t>
+            </a:r>
+          </a:p>
+        </p:txBody>
+      </p:sp>
+      <p:sp>
+        <p:nvSpPr>
+          <p:cNvPr id="3" name="テキスト ボックス 2">
+            <a:extLst>
+              <a:ext uri="{FF2B5EF4-FFF2-40B4-BE49-F238E27FC236}">
+                <a16:creationId xmlns:a16="http://schemas.microsoft.com/office/drawing/2014/main" id="{0B642996-3294-4832-9D07-58154B6D26EC}"/>
+              </a:ext>
+            </a:extLst>
+          </p:cNvPr>
+          <p:cNvSpPr txBox="1"/>
+          <p:nvPr/>
+        </p:nvSpPr>
+        <p:spPr>
+          <a:xfrm>
+            <a:off x="107504" y="1340768"/>
+            <a:ext cx="7665881" cy="400110"/>
+          </a:xfrm>
+          <a:prstGeom prst="rect">
+            <a:avLst/>
+          </a:prstGeom>
+          <a:noFill/>
+        </p:spPr>
+        <p:txBody>
+          <a:bodyPr wrap="none" rtlCol="0">
+            <a:spAutoFit/>
+          </a:bodyPr>
+          <a:lstStyle/>
+          <a:p>
+            <a:r>
+              <a:rPr lang="ja-JP" altLang="en-US" sz="2000">
+                <a:solidFill>
+                  <a:srgbClr val="011893"/>
+                </a:solidFill>
+              </a:rPr>
+              <a:t>ハンズオン資料「ハンズオン編」「</a:t>
+            </a:r>
+            <a:r>
+              <a:rPr lang="en-US" altLang="ja-JP" sz="2000">
+                <a:solidFill>
+                  <a:srgbClr val="011893"/>
+                </a:solidFill>
+              </a:rPr>
+              <a:t>Docker</a:t>
+            </a:r>
+            <a:r>
+              <a:rPr lang="ja-JP" altLang="en-US" sz="2000">
+                <a:solidFill>
+                  <a:srgbClr val="011893"/>
+                </a:solidFill>
+              </a:rPr>
+              <a:t>イメージのビルド」</a:t>
+            </a:r>
+            <a:endParaRPr kumimoji="1" lang="ja-JP" altLang="en-US" sz="2000">
+              <a:solidFill>
+                <a:srgbClr val="011893"/>
+              </a:solidFill>
+            </a:endParaRPr>
+          </a:p>
+        </p:txBody>
+      </p:sp>
+      <p:sp>
+        <p:nvSpPr>
+          <p:cNvPr id="5" name="テキスト ボックス 4">
+            <a:extLst>
+              <a:ext uri="{FF2B5EF4-FFF2-40B4-BE49-F238E27FC236}">
+                <a16:creationId xmlns:a16="http://schemas.microsoft.com/office/drawing/2014/main" id="{95FEFF8A-E59B-43C5-8808-9759D1619E24}"/>
+              </a:ext>
+            </a:extLst>
+          </p:cNvPr>
+          <p:cNvSpPr txBox="1"/>
+          <p:nvPr/>
+        </p:nvSpPr>
+        <p:spPr>
+          <a:xfrm>
+            <a:off x="395536" y="2708920"/>
+            <a:ext cx="8352928" cy="646331"/>
+          </a:xfrm>
+          <a:prstGeom prst="rect">
+            <a:avLst/>
+          </a:prstGeom>
+          <a:noFill/>
+          <a:ln>
+            <a:solidFill>
+              <a:schemeClr val="tx1"/>
+            </a:solidFill>
+          </a:ln>
+        </p:spPr>
+        <p:txBody>
+          <a:bodyPr wrap="square">
+            <a:spAutoFit/>
+          </a:bodyPr>
+          <a:lstStyle/>
+          <a:p>
+            <a:r>
+              <a:rPr lang="en-US" altLang="ja-JP">
+                <a:latin typeface="Consolas" panose="020B0609020204030204" pitchFamily="49" charset="0"/>
+              </a:rPr>
+              <a:t>git clone https://github.com/kaityo256/xbyak_aarch64_handson.git</a:t>
+            </a:r>
+          </a:p>
+          <a:p>
+            <a:r>
+              <a:rPr lang="en-US" altLang="ja-JP">
+                <a:latin typeface="Consolas" panose="020B0609020204030204" pitchFamily="49" charset="0"/>
+              </a:rPr>
+              <a:t>cd xbyak_aarch64_handson</a:t>
+            </a:r>
+          </a:p>
+        </p:txBody>
+      </p:sp>
+      <p:sp>
+        <p:nvSpPr>
+          <p:cNvPr id="6" name="テキスト ボックス 5">
+            <a:extLst>
+              <a:ext uri="{FF2B5EF4-FFF2-40B4-BE49-F238E27FC236}">
+                <a16:creationId xmlns:a16="http://schemas.microsoft.com/office/drawing/2014/main" id="{99771C58-151B-417B-9547-427F75BA056E}"/>
+              </a:ext>
+            </a:extLst>
+          </p:cNvPr>
+          <p:cNvSpPr txBox="1"/>
+          <p:nvPr/>
+        </p:nvSpPr>
+        <p:spPr>
+          <a:xfrm>
+            <a:off x="251520" y="2060848"/>
+            <a:ext cx="5929828" cy="523220"/>
+          </a:xfrm>
+          <a:prstGeom prst="rect">
+            <a:avLst/>
+          </a:prstGeom>
+          <a:noFill/>
+        </p:spPr>
+        <p:txBody>
+          <a:bodyPr wrap="none" rtlCol="0">
+            <a:spAutoFit/>
+          </a:bodyPr>
+          <a:lstStyle/>
+          <a:p>
+            <a:r>
+              <a:rPr lang="ja-JP" altLang="en-US" sz="2800"/>
+              <a:t>適当な場所でリポジトリをクローン</a:t>
+            </a:r>
+            <a:endParaRPr kumimoji="1" lang="ja-JP" altLang="en-US" sz="2800"/>
+          </a:p>
+        </p:txBody>
+      </p:sp>
+      <p:sp>
+        <p:nvSpPr>
+          <p:cNvPr id="8" name="テキスト ボックス 7">
+            <a:extLst>
+              <a:ext uri="{FF2B5EF4-FFF2-40B4-BE49-F238E27FC236}">
+                <a16:creationId xmlns:a16="http://schemas.microsoft.com/office/drawing/2014/main" id="{307A34B8-6DFC-4654-92D5-E157C7B994C7}"/>
+              </a:ext>
+            </a:extLst>
+          </p:cNvPr>
+          <p:cNvSpPr txBox="1"/>
+          <p:nvPr/>
+        </p:nvSpPr>
+        <p:spPr>
+          <a:xfrm>
+            <a:off x="179512" y="3645024"/>
+            <a:ext cx="6633547" cy="523220"/>
+          </a:xfrm>
+          <a:prstGeom prst="rect">
+            <a:avLst/>
+          </a:prstGeom>
+          <a:noFill/>
+        </p:spPr>
+        <p:txBody>
+          <a:bodyPr wrap="none" rtlCol="0">
+            <a:spAutoFit/>
+          </a:bodyPr>
+          <a:lstStyle/>
+          <a:p>
+            <a:r>
+              <a:rPr kumimoji="1" lang="en-US" altLang="ja-JP" sz="2800"/>
+              <a:t>Docker</a:t>
+            </a:r>
+            <a:r>
+              <a:rPr kumimoji="1" lang="ja-JP" altLang="en-US" sz="2800"/>
+              <a:t>イメージをビルド</a:t>
+            </a:r>
+            <a:r>
+              <a:rPr kumimoji="1" lang="en-US" altLang="ja-JP" sz="2800"/>
+              <a:t>(3</a:t>
+            </a:r>
+            <a:r>
+              <a:rPr kumimoji="1" lang="ja-JP" altLang="en-US" sz="2800"/>
+              <a:t>～</a:t>
+            </a:r>
+            <a:r>
+              <a:rPr lang="en-US" altLang="ja-JP" sz="2800"/>
+              <a:t>5</a:t>
+            </a:r>
+            <a:r>
+              <a:rPr lang="ja-JP" altLang="en-US" sz="2800"/>
+              <a:t>分くらい</a:t>
+            </a:r>
+            <a:r>
+              <a:rPr lang="en-US" altLang="ja-JP" sz="2800"/>
+              <a:t>)</a:t>
+            </a:r>
+            <a:endParaRPr kumimoji="1" lang="en-US" altLang="ja-JP" sz="2800"/>
+          </a:p>
+        </p:txBody>
+      </p:sp>
+      <p:sp>
+        <p:nvSpPr>
+          <p:cNvPr id="12" name="テキスト ボックス 11">
+            <a:extLst>
+              <a:ext uri="{FF2B5EF4-FFF2-40B4-BE49-F238E27FC236}">
+                <a16:creationId xmlns:a16="http://schemas.microsoft.com/office/drawing/2014/main" id="{1FFCADE6-57E0-4573-93C5-4F27AFB11B53}"/>
+              </a:ext>
+            </a:extLst>
+          </p:cNvPr>
+          <p:cNvSpPr txBox="1"/>
+          <p:nvPr/>
+        </p:nvSpPr>
+        <p:spPr>
+          <a:xfrm>
+            <a:off x="395536" y="4293096"/>
+            <a:ext cx="4572000" cy="646331"/>
+          </a:xfrm>
+          <a:prstGeom prst="rect">
+            <a:avLst/>
+          </a:prstGeom>
+          <a:noFill/>
+          <a:ln>
+            <a:solidFill>
+              <a:schemeClr val="tx1"/>
+            </a:solidFill>
+          </a:ln>
+        </p:spPr>
+        <p:txBody>
+          <a:bodyPr wrap="square">
+            <a:spAutoFit/>
+          </a:bodyPr>
+          <a:lstStyle/>
+          <a:p>
+            <a:r>
+              <a:rPr lang="en-US" altLang="ja-JP">
+                <a:latin typeface="Consolas" panose="020B0609020204030204" pitchFamily="49" charset="0"/>
+              </a:rPr>
+              <a:t>cd docker</a:t>
+            </a:r>
+          </a:p>
+          <a:p>
+            <a:r>
+              <a:rPr lang="en-US" altLang="ja-JP">
+                <a:latin typeface="Consolas" panose="020B0609020204030204" pitchFamily="49" charset="0"/>
+              </a:rPr>
+              <a:t>make</a:t>
+            </a:r>
+          </a:p>
+        </p:txBody>
+      </p:sp>
+    </p:spTree>
+    <p:extLst>
+      <p:ext uri="{BB962C8B-B14F-4D97-AF65-F5344CB8AC3E}">
+        <p14:creationId xmlns:p14="http://schemas.microsoft.com/office/powerpoint/2010/main" val="101393791"/>
+      </p:ext>
+    </p:extLst>
+  </p:cSld>
+  <p:clrMapOvr>
+    <a:masterClrMapping/>
+  </p:clrMapOvr>
+</p:sld>
+</file>
+
+<file path=ppt/slides/slide4.xml><?xml version="1.0" encoding="utf-8"?>
+<p:sld xmlns:a="http://schemas.openxmlformats.org/drawingml/2006/main" xmlns:r="http://schemas.openxmlformats.org/officeDocument/2006/relationships" xmlns:p="http://schemas.openxmlformats.org/presentationml/2006/main">
+  <p:cSld>
+    <p:spTree>
+      <p:nvGrpSpPr>
+        <p:cNvPr id="1" name=""/>
+        <p:cNvGrpSpPr/>
+        <p:nvPr/>
+      </p:nvGrpSpPr>
+      <p:grpSpPr>
+        <a:xfrm>
+          <a:off x="0" y="0"/>
+          <a:ext cx="0" cy="0"/>
+          <a:chOff x="0" y="0"/>
+          <a:chExt cx="0" cy="0"/>
+        </a:xfrm>
+      </p:grpSpPr>
+      <p:sp>
+        <p:nvSpPr>
+          <p:cNvPr id="2" name="テキスト プレースホルダー 1">
+            <a:extLst>
+              <a:ext uri="{FF2B5EF4-FFF2-40B4-BE49-F238E27FC236}">
+                <a16:creationId xmlns:a16="http://schemas.microsoft.com/office/drawing/2014/main" id="{1B35B213-20D3-46C2-B1B3-B39B27C5D441}"/>
+              </a:ext>
+            </a:extLst>
+          </p:cNvPr>
+          <p:cNvSpPr>
+            <a:spLocks noGrp="1"/>
+          </p:cNvSpPr>
+          <p:nvPr>
+            <p:ph type="body" sz="quarter" idx="10"/>
+          </p:nvPr>
+        </p:nvSpPr>
+        <p:spPr/>
+        <p:txBody>
+          <a:bodyPr/>
+          <a:lstStyle/>
+          <a:p>
+            <a:r>
+              <a:rPr kumimoji="1" lang="ja-JP" altLang="en-US"/>
+              <a:t>富岳でやりたい人</a:t>
+            </a:r>
+          </a:p>
+        </p:txBody>
+      </p:sp>
+      <p:sp>
+        <p:nvSpPr>
+          <p:cNvPr id="3" name="テキスト ボックス 2">
+            <a:extLst>
+              <a:ext uri="{FF2B5EF4-FFF2-40B4-BE49-F238E27FC236}">
+                <a16:creationId xmlns:a16="http://schemas.microsoft.com/office/drawing/2014/main" id="{821F8B86-AC96-4EA8-90F9-A80B795B677A}"/>
+              </a:ext>
+            </a:extLst>
+          </p:cNvPr>
+          <p:cNvSpPr txBox="1"/>
+          <p:nvPr/>
+        </p:nvSpPr>
+        <p:spPr>
+          <a:xfrm>
+            <a:off x="251520" y="1340768"/>
+            <a:ext cx="7460697" cy="523220"/>
+          </a:xfrm>
+          <a:prstGeom prst="rect">
+            <a:avLst/>
+          </a:prstGeom>
+          <a:noFill/>
+        </p:spPr>
+        <p:txBody>
+          <a:bodyPr wrap="none" rtlCol="0">
+            <a:spAutoFit/>
+          </a:bodyPr>
+          <a:lstStyle/>
+          <a:p>
+            <a:r>
+              <a:rPr lang="ja-JP" altLang="en-US" sz="2800"/>
+              <a:t>適当な場所</a:t>
+            </a:r>
+            <a:r>
+              <a:rPr lang="en-US" altLang="ja-JP" sz="2800"/>
+              <a:t>(~/github)</a:t>
+            </a:r>
+            <a:r>
+              <a:rPr lang="ja-JP" altLang="en-US" sz="2800"/>
+              <a:t>でリポジトリをクローン</a:t>
+            </a:r>
+            <a:endParaRPr kumimoji="1" lang="ja-JP" altLang="en-US" sz="2800"/>
+          </a:p>
+        </p:txBody>
+      </p:sp>
+      <p:sp>
+        <p:nvSpPr>
+          <p:cNvPr id="4" name="テキスト ボックス 3">
+            <a:extLst>
+              <a:ext uri="{FF2B5EF4-FFF2-40B4-BE49-F238E27FC236}">
+                <a16:creationId xmlns:a16="http://schemas.microsoft.com/office/drawing/2014/main" id="{83945FB3-3E45-43E7-9E15-1A2A30F83E7B}"/>
+              </a:ext>
+            </a:extLst>
+          </p:cNvPr>
+          <p:cNvSpPr txBox="1"/>
+          <p:nvPr/>
+        </p:nvSpPr>
+        <p:spPr>
+          <a:xfrm>
+            <a:off x="31472" y="908720"/>
+            <a:ext cx="4544834" cy="400110"/>
+          </a:xfrm>
+          <a:prstGeom prst="rect">
+            <a:avLst/>
+          </a:prstGeom>
+          <a:noFill/>
+        </p:spPr>
+        <p:txBody>
+          <a:bodyPr wrap="none" rtlCol="0">
+            <a:spAutoFit/>
+          </a:bodyPr>
+          <a:lstStyle/>
+          <a:p>
+            <a:r>
+              <a:rPr lang="ja-JP" altLang="en-US" sz="2000">
+                <a:solidFill>
+                  <a:srgbClr val="011893"/>
+                </a:solidFill>
+              </a:rPr>
+              <a:t>ハンズオン資料「富岳実機での動作」</a:t>
+            </a:r>
+            <a:endParaRPr kumimoji="1" lang="ja-JP" altLang="en-US" sz="2000">
+              <a:solidFill>
+                <a:srgbClr val="011893"/>
+              </a:solidFill>
+            </a:endParaRPr>
+          </a:p>
+        </p:txBody>
+      </p:sp>
+      <p:sp>
+        <p:nvSpPr>
+          <p:cNvPr id="6" name="テキスト ボックス 5">
+            <a:extLst>
+              <a:ext uri="{FF2B5EF4-FFF2-40B4-BE49-F238E27FC236}">
+                <a16:creationId xmlns:a16="http://schemas.microsoft.com/office/drawing/2014/main" id="{54C61DDA-E05A-4F4B-8A12-A3D9FDFA05C2}"/>
+              </a:ext>
+            </a:extLst>
+          </p:cNvPr>
+          <p:cNvSpPr txBox="1"/>
+          <p:nvPr/>
+        </p:nvSpPr>
+        <p:spPr>
+          <a:xfrm>
+            <a:off x="179512" y="1844824"/>
+            <a:ext cx="8784976" cy="584775"/>
+          </a:xfrm>
+          <a:prstGeom prst="rect">
+            <a:avLst/>
+          </a:prstGeom>
+          <a:noFill/>
+          <a:ln>
+            <a:solidFill>
+              <a:schemeClr val="tx1"/>
+            </a:solidFill>
+          </a:ln>
+        </p:spPr>
+        <p:txBody>
+          <a:bodyPr wrap="square">
+            <a:spAutoFit/>
+          </a:bodyPr>
+          <a:lstStyle/>
+          <a:p>
+            <a:r>
+              <a:rPr lang="en-US" altLang="ja-JP" sz="1600">
+                <a:latin typeface="Consolas" panose="020B0609020204030204" pitchFamily="49" charset="0"/>
+              </a:rPr>
+              <a:t>cd github</a:t>
+            </a:r>
+          </a:p>
+          <a:p>
+            <a:r>
+              <a:rPr lang="en-US" altLang="ja-JP" sz="1600">
+                <a:latin typeface="Consolas" panose="020B0609020204030204" pitchFamily="49" charset="0"/>
+              </a:rPr>
+              <a:t>git clone </a:t>
+            </a:r>
+            <a:r>
+              <a:rPr lang="en-US" altLang="ja-JP" sz="1600">
+                <a:solidFill>
+                  <a:srgbClr val="FF0000"/>
+                </a:solidFill>
+                <a:latin typeface="Consolas" panose="020B0609020204030204" pitchFamily="49" charset="0"/>
+              </a:rPr>
+              <a:t>--recursive</a:t>
+            </a:r>
+            <a:r>
+              <a:rPr lang="en-US" altLang="ja-JP" sz="1600">
+                <a:latin typeface="Consolas" panose="020B0609020204030204" pitchFamily="49" charset="0"/>
+              </a:rPr>
+              <a:t> https://github.com/kaityo256/xbyak_aarch64_handson.git</a:t>
+            </a:r>
+          </a:p>
+        </p:txBody>
+      </p:sp>
+      <p:sp>
+        <p:nvSpPr>
+          <p:cNvPr id="7" name="テキスト ボックス 6">
+            <a:extLst>
+              <a:ext uri="{FF2B5EF4-FFF2-40B4-BE49-F238E27FC236}">
+                <a16:creationId xmlns:a16="http://schemas.microsoft.com/office/drawing/2014/main" id="{E4B8F9C2-0F2D-4D12-9CA0-F43E7D6EB773}"/>
+              </a:ext>
+            </a:extLst>
+          </p:cNvPr>
+          <p:cNvSpPr txBox="1"/>
+          <p:nvPr/>
+        </p:nvSpPr>
+        <p:spPr>
+          <a:xfrm>
+            <a:off x="107504" y="2564904"/>
+            <a:ext cx="7946406" cy="523220"/>
+          </a:xfrm>
+          <a:prstGeom prst="rect">
+            <a:avLst/>
+          </a:prstGeom>
+          <a:noFill/>
+        </p:spPr>
+        <p:txBody>
+          <a:bodyPr wrap="none" rtlCol="0">
+            <a:spAutoFit/>
+          </a:bodyPr>
+          <a:lstStyle/>
+          <a:p>
+            <a:r>
+              <a:rPr lang="ja-JP" altLang="en-US" sz="2800"/>
+              <a:t>インタラクティブキューに入って</a:t>
+            </a:r>
+            <a:r>
+              <a:rPr lang="en-US" altLang="ja-JP" sz="2800"/>
+              <a:t>Xbyak</a:t>
+            </a:r>
+            <a:r>
+              <a:rPr lang="ja-JP" altLang="en-US" sz="2800"/>
+              <a:t>のビルド</a:t>
+            </a:r>
+            <a:endParaRPr kumimoji="1" lang="ja-JP" altLang="en-US" sz="2800"/>
+          </a:p>
+        </p:txBody>
+      </p:sp>
+      <p:sp>
+        <p:nvSpPr>
+          <p:cNvPr id="9" name="テキスト ボックス 8">
+            <a:extLst>
+              <a:ext uri="{FF2B5EF4-FFF2-40B4-BE49-F238E27FC236}">
+                <a16:creationId xmlns:a16="http://schemas.microsoft.com/office/drawing/2014/main" id="{99FFDCFA-32C0-47EC-920E-AD7F8561703D}"/>
+              </a:ext>
+            </a:extLst>
+          </p:cNvPr>
+          <p:cNvSpPr txBox="1"/>
+          <p:nvPr/>
+        </p:nvSpPr>
+        <p:spPr>
+          <a:xfrm>
+            <a:off x="179512" y="3212976"/>
+            <a:ext cx="4587240" cy="1200329"/>
+          </a:xfrm>
+          <a:prstGeom prst="rect">
+            <a:avLst/>
+          </a:prstGeom>
+          <a:noFill/>
+          <a:ln>
+            <a:solidFill>
+              <a:schemeClr val="tx1"/>
+            </a:solidFill>
+          </a:ln>
+        </p:spPr>
+        <p:txBody>
+          <a:bodyPr wrap="square">
+            <a:spAutoFit/>
+          </a:bodyPr>
+          <a:lstStyle/>
+          <a:p>
+            <a:r>
+              <a:rPr lang="en-US" altLang="ja-JP">
+                <a:latin typeface="Consolas" panose="020B0609020204030204" pitchFamily="49" charset="0"/>
+              </a:rPr>
+              <a:t>cd xbyak_aarch64_handson</a:t>
+            </a:r>
+          </a:p>
+          <a:p>
+            <a:r>
+              <a:rPr lang="en-US" altLang="ja-JP">
+                <a:latin typeface="Consolas" panose="020B0609020204030204" pitchFamily="49" charset="0"/>
+              </a:rPr>
+              <a:t># </a:t>
+            </a:r>
+            <a:r>
+              <a:rPr lang="ja-JP" altLang="en-US">
+                <a:latin typeface="Consolas" panose="020B0609020204030204" pitchFamily="49" charset="0"/>
+              </a:rPr>
+              <a:t>ここでインタラクティブキューに入る</a:t>
+            </a:r>
+            <a:endParaRPr lang="en-US" altLang="ja-JP">
+              <a:latin typeface="Consolas" panose="020B0609020204030204" pitchFamily="49" charset="0"/>
+            </a:endParaRPr>
+          </a:p>
+          <a:p>
+            <a:r>
+              <a:rPr lang="en-US" altLang="ja-JP">
+                <a:latin typeface="Consolas" panose="020B0609020204030204" pitchFamily="49" charset="0"/>
+              </a:rPr>
+              <a:t>cd xbyak_aarch64/</a:t>
+            </a:r>
+          </a:p>
+          <a:p>
+            <a:r>
+              <a:rPr lang="en-US" altLang="ja-JP">
+                <a:latin typeface="Consolas" panose="020B0609020204030204" pitchFamily="49" charset="0"/>
+              </a:rPr>
+              <a:t>make</a:t>
+            </a:r>
+            <a:endParaRPr lang="ja-JP" altLang="en-US">
+              <a:latin typeface="Consolas" panose="020B0609020204030204" pitchFamily="49" charset="0"/>
+            </a:endParaRPr>
+          </a:p>
+        </p:txBody>
+      </p:sp>
+      <p:sp>
+        <p:nvSpPr>
+          <p:cNvPr id="10" name="テキスト ボックス 9">
+            <a:extLst>
+              <a:ext uri="{FF2B5EF4-FFF2-40B4-BE49-F238E27FC236}">
+                <a16:creationId xmlns:a16="http://schemas.microsoft.com/office/drawing/2014/main" id="{1B28F998-0CA0-4A0A-B176-B9D08C042890}"/>
+              </a:ext>
+            </a:extLst>
+          </p:cNvPr>
+          <p:cNvSpPr txBox="1"/>
+          <p:nvPr/>
+        </p:nvSpPr>
+        <p:spPr>
+          <a:xfrm>
+            <a:off x="107504" y="4509120"/>
+            <a:ext cx="2698175" cy="523220"/>
+          </a:xfrm>
+          <a:prstGeom prst="rect">
+            <a:avLst/>
+          </a:prstGeom>
+          <a:noFill/>
+        </p:spPr>
+        <p:txBody>
+          <a:bodyPr wrap="none" rtlCol="0">
+            <a:spAutoFit/>
+          </a:bodyPr>
+          <a:lstStyle/>
+          <a:p>
+            <a:r>
+              <a:rPr kumimoji="1" lang="ja-JP" altLang="en-US" sz="2800"/>
+              <a:t>環境変数の設定</a:t>
+            </a:r>
+          </a:p>
+        </p:txBody>
+      </p:sp>
+      <p:sp>
+        <p:nvSpPr>
+          <p:cNvPr id="12" name="テキスト ボックス 11">
+            <a:extLst>
+              <a:ext uri="{FF2B5EF4-FFF2-40B4-BE49-F238E27FC236}">
+                <a16:creationId xmlns:a16="http://schemas.microsoft.com/office/drawing/2014/main" id="{F4C9A82B-6CE5-4F5A-AF6D-ADB7FF330B51}"/>
+              </a:ext>
+            </a:extLst>
+          </p:cNvPr>
+          <p:cNvSpPr txBox="1"/>
+          <p:nvPr/>
+        </p:nvSpPr>
+        <p:spPr>
+          <a:xfrm>
+            <a:off x="179512" y="5013176"/>
+            <a:ext cx="8404488" cy="923330"/>
+          </a:xfrm>
+          <a:prstGeom prst="rect">
+            <a:avLst/>
+          </a:prstGeom>
+          <a:noFill/>
+          <a:ln>
+            <a:solidFill>
+              <a:schemeClr val="tx1"/>
+            </a:solidFill>
+          </a:ln>
+        </p:spPr>
+        <p:txBody>
+          <a:bodyPr wrap="square">
+            <a:spAutoFit/>
+          </a:bodyPr>
+          <a:lstStyle/>
+          <a:p>
+            <a:r>
+              <a:rPr lang="en-US" altLang="ja-JP">
+                <a:latin typeface="Consolas" panose="020B0609020204030204" pitchFamily="49" charset="0"/>
+              </a:rPr>
+              <a:t>export XBYAK_PATH=~/github/xbyak_aarch64_handson/xbyak_aarch64</a:t>
+            </a:r>
+          </a:p>
+          <a:p>
+            <a:r>
+              <a:rPr lang="en-US" altLang="ja-JP">
+                <a:latin typeface="Consolas" panose="020B0609020204030204" pitchFamily="49" charset="0"/>
+              </a:rPr>
+              <a:t>export CPLUS_INCLUDE_PATH=$XBYAK_PATH</a:t>
+            </a:r>
+          </a:p>
+          <a:p>
+            <a:r>
+              <a:rPr lang="en-US" altLang="ja-JP">
+                <a:latin typeface="Consolas" panose="020B0609020204030204" pitchFamily="49" charset="0"/>
+              </a:rPr>
+              <a:t>export LIBRARY_PATH=$XBYAK_PATH/lib</a:t>
+            </a:r>
+            <a:endParaRPr lang="ja-JP" altLang="en-US">
+              <a:latin typeface="Consolas" panose="020B0609020204030204" pitchFamily="49" charset="0"/>
+            </a:endParaRPr>
+          </a:p>
+        </p:txBody>
+      </p:sp>
+      <p:sp>
+        <p:nvSpPr>
+          <p:cNvPr id="13" name="テキスト ボックス 12">
+            <a:extLst>
+              <a:ext uri="{FF2B5EF4-FFF2-40B4-BE49-F238E27FC236}">
+                <a16:creationId xmlns:a16="http://schemas.microsoft.com/office/drawing/2014/main" id="{F36BF1EE-061D-4464-B6EC-0E156204150D}"/>
+              </a:ext>
+            </a:extLst>
+          </p:cNvPr>
+          <p:cNvSpPr txBox="1"/>
+          <p:nvPr/>
+        </p:nvSpPr>
+        <p:spPr>
+          <a:xfrm>
+            <a:off x="35496" y="6237312"/>
+            <a:ext cx="8815234" cy="369332"/>
+          </a:xfrm>
+          <a:prstGeom prst="rect">
+            <a:avLst/>
+          </a:prstGeom>
+          <a:noFill/>
+        </p:spPr>
+        <p:txBody>
+          <a:bodyPr wrap="none" rtlCol="0">
+            <a:spAutoFit/>
+          </a:bodyPr>
+          <a:lstStyle/>
+          <a:p>
+            <a:r>
+              <a:rPr kumimoji="1" lang="ja-JP" altLang="en-US"/>
+              <a:t>組み込み関数は</a:t>
+            </a:r>
+            <a:r>
+              <a:rPr lang="en-US" altLang="ja-JP"/>
+              <a:t>FCC</a:t>
+            </a:r>
+            <a:r>
+              <a:rPr lang="ja-JP" altLang="en-US"/>
+              <a:t>、</a:t>
+            </a:r>
+            <a:r>
+              <a:rPr lang="en-US" altLang="ja-JP"/>
+              <a:t>Xbyak</a:t>
+            </a:r>
+            <a:r>
+              <a:rPr lang="ja-JP" altLang="en-US"/>
+              <a:t>は</a:t>
+            </a:r>
+            <a:r>
+              <a:rPr lang="en-US" altLang="ja-JP"/>
+              <a:t> g++ filename.cpp -lxbyak_aarch64</a:t>
+            </a:r>
+            <a:r>
+              <a:rPr lang="ja-JP" altLang="en-US"/>
+              <a:t>でビルドできる</a:t>
+            </a:r>
+            <a:endParaRPr kumimoji="1" lang="ja-JP" altLang="en-US"/>
+          </a:p>
+        </p:txBody>
+      </p:sp>
+    </p:spTree>
+    <p:extLst>
+      <p:ext uri="{BB962C8B-B14F-4D97-AF65-F5344CB8AC3E}">
+        <p14:creationId xmlns:p14="http://schemas.microsoft.com/office/powerpoint/2010/main" val="3359608580"/>
       </p:ext>
     </p:extLst>
   </p:cSld>

--- a/slide/xbyak_aarch64.pptx
+++ b/slide/xbyak_aarch64.pptx
@@ -5,13 +5,26 @@
     <p:sldMasterId id="2147483663" r:id="rId1"/>
   </p:sldMasterIdLst>
   <p:notesMasterIdLst>
-    <p:notesMasterId r:id="rId6"/>
+    <p:notesMasterId r:id="rId19"/>
   </p:notesMasterIdLst>
   <p:sldIdLst>
     <p:sldId id="256" r:id="rId2"/>
     <p:sldId id="257" r:id="rId3"/>
     <p:sldId id="258" r:id="rId4"/>
     <p:sldId id="259" r:id="rId5"/>
+    <p:sldId id="260" r:id="rId6"/>
+    <p:sldId id="261" r:id="rId7"/>
+    <p:sldId id="263" r:id="rId8"/>
+    <p:sldId id="264" r:id="rId9"/>
+    <p:sldId id="265" r:id="rId10"/>
+    <p:sldId id="266" r:id="rId11"/>
+    <p:sldId id="267" r:id="rId12"/>
+    <p:sldId id="262" r:id="rId13"/>
+    <p:sldId id="268" r:id="rId14"/>
+    <p:sldId id="269" r:id="rId15"/>
+    <p:sldId id="270" r:id="rId16"/>
+    <p:sldId id="271" r:id="rId17"/>
+    <p:sldId id="272" r:id="rId18"/>
   </p:sldIdLst>
   <p:sldSz cx="9144000" cy="6858000" type="screen4x3"/>
   <p:notesSz cx="6858000" cy="9144000"/>
@@ -210,7 +223,7 @@
           </a:lstStyle>
           <a:p>
             <a:fld id="{6B8D1B20-A248-FB47-8240-73C0C5F47C9D}" type="datetimeFigureOut">
-              <a:t>2021/11/22</a:t>
+              <a:t>2021/11/23</a:t>
             </a:fld>
             <a:endParaRPr kumimoji="1" lang="ja-JP" altLang="en-US"/>
           </a:p>
@@ -1408,6 +1421,5903 @@
 </p:sld>
 </file>
 
+<file path=ppt/slides/slide10.xml><?xml version="1.0" encoding="utf-8"?>
+<p:sld xmlns:a="http://schemas.openxmlformats.org/drawingml/2006/main" xmlns:r="http://schemas.openxmlformats.org/officeDocument/2006/relationships" xmlns:p="http://schemas.openxmlformats.org/presentationml/2006/main">
+  <p:cSld>
+    <p:spTree>
+      <p:nvGrpSpPr>
+        <p:cNvPr id="1" name=""/>
+        <p:cNvGrpSpPr/>
+        <p:nvPr/>
+      </p:nvGrpSpPr>
+      <p:grpSpPr>
+        <a:xfrm>
+          <a:off x="0" y="0"/>
+          <a:ext cx="0" cy="0"/>
+          <a:chOff x="0" y="0"/>
+          <a:chExt cx="0" cy="0"/>
+        </a:xfrm>
+      </p:grpSpPr>
+      <p:sp>
+        <p:nvSpPr>
+          <p:cNvPr id="2" name="テキスト プレースホルダー 1">
+            <a:extLst>
+              <a:ext uri="{FF2B5EF4-FFF2-40B4-BE49-F238E27FC236}">
+                <a16:creationId xmlns:a16="http://schemas.microsoft.com/office/drawing/2014/main" id="{F8096922-DEC4-4C84-B1D3-FA38E5CA9ABB}"/>
+              </a:ext>
+            </a:extLst>
+          </p:cNvPr>
+          <p:cNvSpPr>
+            <a:spLocks noGrp="1"/>
+          </p:cNvSpPr>
+          <p:nvPr>
+            <p:ph type="body" sz="quarter" idx="10"/>
+          </p:nvPr>
+        </p:nvSpPr>
+        <p:spPr/>
+        <p:txBody>
+          <a:bodyPr/>
+          <a:lstStyle/>
+          <a:p>
+            <a:r>
+              <a:rPr kumimoji="1" lang="en-US" altLang="ja-JP"/>
+              <a:t>SIMD</a:t>
+            </a:r>
+            <a:r>
+              <a:rPr kumimoji="1" lang="ja-JP" altLang="en-US"/>
+              <a:t>幅を伸ばす</a:t>
+            </a:r>
+          </a:p>
+        </p:txBody>
+      </p:sp>
+      <p:sp>
+        <p:nvSpPr>
+          <p:cNvPr id="3" name="正方形/長方形 2">
+            <a:extLst>
+              <a:ext uri="{FF2B5EF4-FFF2-40B4-BE49-F238E27FC236}">
+                <a16:creationId xmlns:a16="http://schemas.microsoft.com/office/drawing/2014/main" id="{B50CB365-9265-485F-A295-0DC55F4457CB}"/>
+              </a:ext>
+            </a:extLst>
+          </p:cNvPr>
+          <p:cNvSpPr/>
+          <p:nvPr/>
+        </p:nvSpPr>
+        <p:spPr>
+          <a:xfrm>
+            <a:off x="1691680" y="2124145"/>
+            <a:ext cx="5760640" cy="720080"/>
+          </a:xfrm>
+          <a:prstGeom prst="rect">
+            <a:avLst/>
+          </a:prstGeom>
+          <a:solidFill>
+            <a:srgbClr val="92D050"/>
+          </a:solidFill>
+          <a:ln>
+            <a:solidFill>
+              <a:schemeClr val="tx1"/>
+            </a:solidFill>
+          </a:ln>
+        </p:spPr>
+        <p:style>
+          <a:lnRef idx="2">
+            <a:schemeClr val="accent1">
+              <a:shade val="50000"/>
+            </a:schemeClr>
+          </a:lnRef>
+          <a:fillRef idx="1">
+            <a:schemeClr val="accent1"/>
+          </a:fillRef>
+          <a:effectRef idx="0">
+            <a:schemeClr val="accent1"/>
+          </a:effectRef>
+          <a:fontRef idx="minor">
+            <a:schemeClr val="lt1"/>
+          </a:fontRef>
+        </p:style>
+        <p:txBody>
+          <a:bodyPr rtlCol="0" anchor="ctr"/>
+          <a:lstStyle/>
+          <a:p>
+            <a:pPr algn="ctr"/>
+            <a:endParaRPr kumimoji="1" lang="ja-JP" altLang="en-US">
+              <a:solidFill>
+                <a:schemeClr val="tx1"/>
+              </a:solidFill>
+            </a:endParaRPr>
+          </a:p>
+        </p:txBody>
+      </p:sp>
+      <p:sp>
+        <p:nvSpPr>
+          <p:cNvPr id="4" name="テキスト ボックス 3">
+            <a:extLst>
+              <a:ext uri="{FF2B5EF4-FFF2-40B4-BE49-F238E27FC236}">
+                <a16:creationId xmlns:a16="http://schemas.microsoft.com/office/drawing/2014/main" id="{18FED60D-4404-4511-A731-09B2638C4723}"/>
+              </a:ext>
+            </a:extLst>
+          </p:cNvPr>
+          <p:cNvSpPr txBox="1"/>
+          <p:nvPr/>
+        </p:nvSpPr>
+        <p:spPr>
+          <a:xfrm>
+            <a:off x="4067944" y="1412776"/>
+            <a:ext cx="1072730" cy="584775"/>
+          </a:xfrm>
+          <a:prstGeom prst="rect">
+            <a:avLst/>
+          </a:prstGeom>
+          <a:noFill/>
+        </p:spPr>
+        <p:txBody>
+          <a:bodyPr wrap="none" rtlCol="0">
+            <a:spAutoFit/>
+          </a:bodyPr>
+          <a:lstStyle/>
+          <a:p>
+            <a:r>
+              <a:rPr kumimoji="1" lang="en-US" altLang="ja-JP" sz="3200"/>
+              <a:t>zmm</a:t>
+            </a:r>
+            <a:endParaRPr kumimoji="1" lang="ja-JP" altLang="en-US" sz="3200"/>
+          </a:p>
+        </p:txBody>
+      </p:sp>
+      <p:cxnSp>
+        <p:nvCxnSpPr>
+          <p:cNvPr id="5" name="直線矢印コネクタ 4">
+            <a:extLst>
+              <a:ext uri="{FF2B5EF4-FFF2-40B4-BE49-F238E27FC236}">
+                <a16:creationId xmlns:a16="http://schemas.microsoft.com/office/drawing/2014/main" id="{CDABD080-BB9C-4622-9B1E-D70A34AAD858}"/>
+              </a:ext>
+            </a:extLst>
+          </p:cNvPr>
+          <p:cNvCxnSpPr>
+            <a:cxnSpLocks/>
+          </p:cNvCxnSpPr>
+          <p:nvPr/>
+        </p:nvCxnSpPr>
+        <p:spPr>
+          <a:xfrm>
+            <a:off x="1691680" y="1980129"/>
+            <a:ext cx="5760640" cy="0"/>
+          </a:xfrm>
+          <a:prstGeom prst="straightConnector1">
+            <a:avLst/>
+          </a:prstGeom>
+          <a:ln>
+            <a:solidFill>
+              <a:schemeClr val="tx1"/>
+            </a:solidFill>
+            <a:headEnd type="triangle"/>
+            <a:tailEnd type="triangle"/>
+          </a:ln>
+        </p:spPr>
+        <p:style>
+          <a:lnRef idx="1">
+            <a:schemeClr val="accent1"/>
+          </a:lnRef>
+          <a:fillRef idx="0">
+            <a:schemeClr val="accent1"/>
+          </a:fillRef>
+          <a:effectRef idx="0">
+            <a:schemeClr val="accent1"/>
+          </a:effectRef>
+          <a:fontRef idx="minor">
+            <a:schemeClr val="tx1"/>
+          </a:fontRef>
+        </p:style>
+      </p:cxnSp>
+      <p:sp>
+        <p:nvSpPr>
+          <p:cNvPr id="6" name="正方形/長方形 5">
+            <a:extLst>
+              <a:ext uri="{FF2B5EF4-FFF2-40B4-BE49-F238E27FC236}">
+                <a16:creationId xmlns:a16="http://schemas.microsoft.com/office/drawing/2014/main" id="{632D524A-5628-490C-9B02-7BC24FE9A382}"/>
+              </a:ext>
+            </a:extLst>
+          </p:cNvPr>
+          <p:cNvSpPr/>
+          <p:nvPr/>
+        </p:nvSpPr>
+        <p:spPr>
+          <a:xfrm>
+            <a:off x="4572000" y="2124145"/>
+            <a:ext cx="2880320" cy="720080"/>
+          </a:xfrm>
+          <a:prstGeom prst="rect">
+            <a:avLst/>
+          </a:prstGeom>
+          <a:solidFill>
+            <a:schemeClr val="accent4">
+              <a:lumMod val="20000"/>
+              <a:lumOff val="80000"/>
+            </a:schemeClr>
+          </a:solidFill>
+          <a:ln>
+            <a:solidFill>
+              <a:schemeClr val="tx1"/>
+            </a:solidFill>
+          </a:ln>
+        </p:spPr>
+        <p:style>
+          <a:lnRef idx="2">
+            <a:schemeClr val="accent1">
+              <a:shade val="50000"/>
+            </a:schemeClr>
+          </a:lnRef>
+          <a:fillRef idx="1">
+            <a:schemeClr val="accent1"/>
+          </a:fillRef>
+          <a:effectRef idx="0">
+            <a:schemeClr val="accent1"/>
+          </a:effectRef>
+          <a:fontRef idx="minor">
+            <a:schemeClr val="lt1"/>
+          </a:fontRef>
+        </p:style>
+        <p:txBody>
+          <a:bodyPr rtlCol="0" anchor="ctr"/>
+          <a:lstStyle/>
+          <a:p>
+            <a:pPr algn="ctr"/>
+            <a:endParaRPr kumimoji="1" lang="ja-JP" altLang="en-US">
+              <a:solidFill>
+                <a:schemeClr val="tx1"/>
+              </a:solidFill>
+            </a:endParaRPr>
+          </a:p>
+        </p:txBody>
+      </p:sp>
+      <p:cxnSp>
+        <p:nvCxnSpPr>
+          <p:cNvPr id="7" name="直線矢印コネクタ 6">
+            <a:extLst>
+              <a:ext uri="{FF2B5EF4-FFF2-40B4-BE49-F238E27FC236}">
+                <a16:creationId xmlns:a16="http://schemas.microsoft.com/office/drawing/2014/main" id="{BA2C4D96-14AE-455A-B673-C3E68F63DDD2}"/>
+              </a:ext>
+            </a:extLst>
+          </p:cNvPr>
+          <p:cNvCxnSpPr>
+            <a:cxnSpLocks/>
+          </p:cNvCxnSpPr>
+          <p:nvPr/>
+        </p:nvCxnSpPr>
+        <p:spPr>
+          <a:xfrm>
+            <a:off x="4572000" y="3060249"/>
+            <a:ext cx="2880320" cy="0"/>
+          </a:xfrm>
+          <a:prstGeom prst="straightConnector1">
+            <a:avLst/>
+          </a:prstGeom>
+          <a:ln>
+            <a:solidFill>
+              <a:schemeClr val="tx1"/>
+            </a:solidFill>
+            <a:headEnd type="triangle"/>
+            <a:tailEnd type="triangle"/>
+          </a:ln>
+        </p:spPr>
+        <p:style>
+          <a:lnRef idx="1">
+            <a:schemeClr val="accent1"/>
+          </a:lnRef>
+          <a:fillRef idx="0">
+            <a:schemeClr val="accent1"/>
+          </a:fillRef>
+          <a:effectRef idx="0">
+            <a:schemeClr val="accent1"/>
+          </a:effectRef>
+          <a:fontRef idx="minor">
+            <a:schemeClr val="tx1"/>
+          </a:fontRef>
+        </p:style>
+      </p:cxnSp>
+      <p:sp>
+        <p:nvSpPr>
+          <p:cNvPr id="8" name="テキスト ボックス 7">
+            <a:extLst>
+              <a:ext uri="{FF2B5EF4-FFF2-40B4-BE49-F238E27FC236}">
+                <a16:creationId xmlns:a16="http://schemas.microsoft.com/office/drawing/2014/main" id="{9546519E-19A5-4741-8037-F1639D10218B}"/>
+              </a:ext>
+            </a:extLst>
+          </p:cNvPr>
+          <p:cNvSpPr txBox="1"/>
+          <p:nvPr/>
+        </p:nvSpPr>
+        <p:spPr>
+          <a:xfrm>
+            <a:off x="5508104" y="3132257"/>
+            <a:ext cx="1072730" cy="584775"/>
+          </a:xfrm>
+          <a:prstGeom prst="rect">
+            <a:avLst/>
+          </a:prstGeom>
+          <a:noFill/>
+        </p:spPr>
+        <p:txBody>
+          <a:bodyPr wrap="none" rtlCol="0">
+            <a:spAutoFit/>
+          </a:bodyPr>
+          <a:lstStyle/>
+          <a:p>
+            <a:r>
+              <a:rPr kumimoji="1" lang="en-US" altLang="ja-JP" sz="3200"/>
+              <a:t>ymm</a:t>
+            </a:r>
+            <a:endParaRPr kumimoji="1" lang="ja-JP" altLang="en-US" sz="3200"/>
+          </a:p>
+        </p:txBody>
+      </p:sp>
+      <p:sp>
+        <p:nvSpPr>
+          <p:cNvPr id="9" name="正方形/長方形 8">
+            <a:extLst>
+              <a:ext uri="{FF2B5EF4-FFF2-40B4-BE49-F238E27FC236}">
+                <a16:creationId xmlns:a16="http://schemas.microsoft.com/office/drawing/2014/main" id="{E59B9556-1171-4045-8F29-D025C36E6E93}"/>
+              </a:ext>
+            </a:extLst>
+          </p:cNvPr>
+          <p:cNvSpPr/>
+          <p:nvPr/>
+        </p:nvSpPr>
+        <p:spPr>
+          <a:xfrm>
+            <a:off x="6012160" y="2124145"/>
+            <a:ext cx="1440160" cy="720080"/>
+          </a:xfrm>
+          <a:prstGeom prst="rect">
+            <a:avLst/>
+          </a:prstGeom>
+          <a:solidFill>
+            <a:schemeClr val="accent3">
+              <a:lumMod val="20000"/>
+              <a:lumOff val="80000"/>
+            </a:schemeClr>
+          </a:solidFill>
+          <a:ln>
+            <a:solidFill>
+              <a:schemeClr val="tx1"/>
+            </a:solidFill>
+          </a:ln>
+        </p:spPr>
+        <p:style>
+          <a:lnRef idx="2">
+            <a:schemeClr val="accent1">
+              <a:shade val="50000"/>
+            </a:schemeClr>
+          </a:lnRef>
+          <a:fillRef idx="1">
+            <a:schemeClr val="accent1"/>
+          </a:fillRef>
+          <a:effectRef idx="0">
+            <a:schemeClr val="accent1"/>
+          </a:effectRef>
+          <a:fontRef idx="minor">
+            <a:schemeClr val="lt1"/>
+          </a:fontRef>
+        </p:style>
+        <p:txBody>
+          <a:bodyPr rtlCol="0" anchor="ctr"/>
+          <a:lstStyle/>
+          <a:p>
+            <a:pPr algn="ctr"/>
+            <a:endParaRPr kumimoji="1" lang="ja-JP" altLang="en-US">
+              <a:solidFill>
+                <a:schemeClr val="tx1"/>
+              </a:solidFill>
+            </a:endParaRPr>
+          </a:p>
+        </p:txBody>
+      </p:sp>
+      <p:sp>
+        <p:nvSpPr>
+          <p:cNvPr id="10" name="テキスト ボックス 9">
+            <a:extLst>
+              <a:ext uri="{FF2B5EF4-FFF2-40B4-BE49-F238E27FC236}">
+                <a16:creationId xmlns:a16="http://schemas.microsoft.com/office/drawing/2014/main" id="{2680FC4C-C1DE-42CC-8C81-7CE59522E7B1}"/>
+              </a:ext>
+            </a:extLst>
+          </p:cNvPr>
+          <p:cNvSpPr txBox="1"/>
+          <p:nvPr/>
+        </p:nvSpPr>
+        <p:spPr>
+          <a:xfrm>
+            <a:off x="6228184" y="2196153"/>
+            <a:ext cx="1072730" cy="584775"/>
+          </a:xfrm>
+          <a:prstGeom prst="rect">
+            <a:avLst/>
+          </a:prstGeom>
+          <a:noFill/>
+        </p:spPr>
+        <p:txBody>
+          <a:bodyPr wrap="none" rtlCol="0">
+            <a:spAutoFit/>
+          </a:bodyPr>
+          <a:lstStyle/>
+          <a:p>
+            <a:r>
+              <a:rPr kumimoji="1" lang="en-US" altLang="ja-JP" sz="3200"/>
+              <a:t>xmm</a:t>
+            </a:r>
+            <a:endParaRPr kumimoji="1" lang="ja-JP" altLang="en-US" sz="3200"/>
+          </a:p>
+        </p:txBody>
+      </p:sp>
+      <p:sp>
+        <p:nvSpPr>
+          <p:cNvPr id="11" name="テキスト ボックス 10">
+            <a:extLst>
+              <a:ext uri="{FF2B5EF4-FFF2-40B4-BE49-F238E27FC236}">
+                <a16:creationId xmlns:a16="http://schemas.microsoft.com/office/drawing/2014/main" id="{23B17F69-0893-46B8-A65F-B54A3D4D5F52}"/>
+              </a:ext>
+            </a:extLst>
+          </p:cNvPr>
+          <p:cNvSpPr txBox="1"/>
+          <p:nvPr/>
+        </p:nvSpPr>
+        <p:spPr>
+          <a:xfrm>
+            <a:off x="107504" y="1052736"/>
+            <a:ext cx="9264075" cy="461665"/>
+          </a:xfrm>
+          <a:prstGeom prst="rect">
+            <a:avLst/>
+          </a:prstGeom>
+          <a:noFill/>
+        </p:spPr>
+        <p:txBody>
+          <a:bodyPr wrap="none" rtlCol="0">
+            <a:spAutoFit/>
+          </a:bodyPr>
+          <a:lstStyle/>
+          <a:p>
+            <a:r>
+              <a:rPr lang="en-US" altLang="ja-JP" sz="2400"/>
+              <a:t>SIMD</a:t>
+            </a:r>
+            <a:r>
+              <a:rPr lang="ja-JP" altLang="en-US" sz="2400"/>
+              <a:t>幅が伸びても下位を同じ名前でアクセスできるようにする</a:t>
+            </a:r>
+            <a:endParaRPr kumimoji="1" lang="ja-JP" altLang="en-US" sz="2400"/>
+          </a:p>
+        </p:txBody>
+      </p:sp>
+      <p:pic>
+        <p:nvPicPr>
+          <p:cNvPr id="1026" name="Picture 2" descr="丸のマークのイラスト「○」">
+            <a:extLst>
+              <a:ext uri="{FF2B5EF4-FFF2-40B4-BE49-F238E27FC236}">
+                <a16:creationId xmlns:a16="http://schemas.microsoft.com/office/drawing/2014/main" id="{9CD05E52-6A2F-42A2-AAC0-D922BDFFE230}"/>
+              </a:ext>
+            </a:extLst>
+          </p:cNvPr>
+          <p:cNvPicPr>
+            <a:picLocks noChangeAspect="1" noChangeArrowheads="1"/>
+          </p:cNvPicPr>
+          <p:nvPr/>
+        </p:nvPicPr>
+        <p:blipFill>
+          <a:blip r:embed="rId2" cstate="print">
+            <a:extLst>
+              <a:ext uri="{28A0092B-C50C-407E-A947-70E740481C1C}">
+                <a14:useLocalDpi xmlns:a14="http://schemas.microsoft.com/office/drawing/2010/main" val="0"/>
+              </a:ext>
+            </a:extLst>
+          </a:blip>
+          <a:srcRect/>
+          <a:stretch>
+            <a:fillRect/>
+          </a:stretch>
+        </p:blipFill>
+        <p:spPr bwMode="auto">
+          <a:xfrm>
+            <a:off x="539552" y="3647926"/>
+            <a:ext cx="720080" cy="720080"/>
+          </a:xfrm>
+          <a:prstGeom prst="rect">
+            <a:avLst/>
+          </a:prstGeom>
+          <a:noFill/>
+          <a:extLst>
+            <a:ext uri="{909E8E84-426E-40DD-AFC4-6F175D3DCCD1}">
+              <a14:hiddenFill xmlns:a14="http://schemas.microsoft.com/office/drawing/2010/main">
+                <a:solidFill>
+                  <a:srgbClr val="FFFFFF"/>
+                </a:solidFill>
+              </a14:hiddenFill>
+            </a:ext>
+          </a:extLst>
+        </p:spPr>
+      </p:pic>
+      <p:sp>
+        <p:nvSpPr>
+          <p:cNvPr id="12" name="テキスト ボックス 11">
+            <a:extLst>
+              <a:ext uri="{FF2B5EF4-FFF2-40B4-BE49-F238E27FC236}">
+                <a16:creationId xmlns:a16="http://schemas.microsoft.com/office/drawing/2014/main" id="{E3D1F2AE-E7D7-4749-8F10-A2CF4ED1B554}"/>
+              </a:ext>
+            </a:extLst>
+          </p:cNvPr>
+          <p:cNvSpPr txBox="1"/>
+          <p:nvPr/>
+        </p:nvSpPr>
+        <p:spPr>
+          <a:xfrm>
+            <a:off x="1486103" y="3719934"/>
+            <a:ext cx="3467616" cy="584775"/>
+          </a:xfrm>
+          <a:prstGeom prst="rect">
+            <a:avLst/>
+          </a:prstGeom>
+          <a:noFill/>
+        </p:spPr>
+        <p:txBody>
+          <a:bodyPr wrap="none" rtlCol="0">
+            <a:spAutoFit/>
+          </a:bodyPr>
+          <a:lstStyle/>
+          <a:p>
+            <a:r>
+              <a:rPr lang="ja-JP" altLang="en-US" sz="3200"/>
+              <a:t>後方互換性を保つ</a:t>
+            </a:r>
+            <a:endParaRPr kumimoji="1" lang="ja-JP" altLang="en-US" sz="3200"/>
+          </a:p>
+        </p:txBody>
+      </p:sp>
+      <p:pic>
+        <p:nvPicPr>
+          <p:cNvPr id="1028" name="Picture 4" descr="バツのマークのイラスト「×」">
+            <a:extLst>
+              <a:ext uri="{FF2B5EF4-FFF2-40B4-BE49-F238E27FC236}">
+                <a16:creationId xmlns:a16="http://schemas.microsoft.com/office/drawing/2014/main" id="{BF52D46D-9A2C-4F25-85E0-AF0AD6E33FD4}"/>
+              </a:ext>
+            </a:extLst>
+          </p:cNvPr>
+          <p:cNvPicPr>
+            <a:picLocks noChangeAspect="1" noChangeArrowheads="1"/>
+          </p:cNvPicPr>
+          <p:nvPr/>
+        </p:nvPicPr>
+        <p:blipFill>
+          <a:blip r:embed="rId3" cstate="print">
+            <a:extLst>
+              <a:ext uri="{28A0092B-C50C-407E-A947-70E740481C1C}">
+                <a14:useLocalDpi xmlns:a14="http://schemas.microsoft.com/office/drawing/2010/main" val="0"/>
+              </a:ext>
+            </a:extLst>
+          </a:blip>
+          <a:srcRect/>
+          <a:stretch>
+            <a:fillRect/>
+          </a:stretch>
+        </p:blipFill>
+        <p:spPr bwMode="auto">
+          <a:xfrm>
+            <a:off x="506760" y="4584030"/>
+            <a:ext cx="824880" cy="824880"/>
+          </a:xfrm>
+          <a:prstGeom prst="rect">
+            <a:avLst/>
+          </a:prstGeom>
+          <a:noFill/>
+          <a:extLst>
+            <a:ext uri="{909E8E84-426E-40DD-AFC4-6F175D3DCCD1}">
+              <a14:hiddenFill xmlns:a14="http://schemas.microsoft.com/office/drawing/2010/main">
+                <a:solidFill>
+                  <a:srgbClr val="FFFFFF"/>
+                </a:solidFill>
+              </a14:hiddenFill>
+            </a:ext>
+          </a:extLst>
+        </p:spPr>
+      </p:pic>
+      <p:sp>
+        <p:nvSpPr>
+          <p:cNvPr id="15" name="テキスト ボックス 14">
+            <a:extLst>
+              <a:ext uri="{FF2B5EF4-FFF2-40B4-BE49-F238E27FC236}">
+                <a16:creationId xmlns:a16="http://schemas.microsoft.com/office/drawing/2014/main" id="{4460C69C-72A1-456F-B0C9-A749893D995E}"/>
+              </a:ext>
+            </a:extLst>
+          </p:cNvPr>
+          <p:cNvSpPr txBox="1"/>
+          <p:nvPr/>
+        </p:nvSpPr>
+        <p:spPr>
+          <a:xfrm>
+            <a:off x="1475656" y="4440014"/>
+            <a:ext cx="6955750" cy="1077218"/>
+          </a:xfrm>
+          <a:prstGeom prst="rect">
+            <a:avLst/>
+          </a:prstGeom>
+          <a:noFill/>
+        </p:spPr>
+        <p:txBody>
+          <a:bodyPr wrap="none" rtlCol="0">
+            <a:spAutoFit/>
+          </a:bodyPr>
+          <a:lstStyle/>
+          <a:p>
+            <a:r>
+              <a:rPr lang="ja-JP" altLang="en-US" sz="3200"/>
+              <a:t>古いコードは、広くなった</a:t>
+            </a:r>
+            <a:r>
+              <a:rPr lang="en-US" altLang="ja-JP" sz="3200"/>
+              <a:t>SIMD</a:t>
+            </a:r>
+            <a:r>
+              <a:rPr lang="ja-JP" altLang="en-US" sz="3200"/>
+              <a:t>幅を</a:t>
+            </a:r>
+            <a:endParaRPr lang="en-US" altLang="ja-JP" sz="3200"/>
+          </a:p>
+          <a:p>
+            <a:r>
+              <a:rPr lang="ja-JP" altLang="en-US" sz="3200"/>
+              <a:t>活かせない</a:t>
+            </a:r>
+            <a:endParaRPr lang="en-US" altLang="ja-JP" sz="3200"/>
+          </a:p>
+        </p:txBody>
+      </p:sp>
+    </p:spTree>
+    <p:extLst>
+      <p:ext uri="{BB962C8B-B14F-4D97-AF65-F5344CB8AC3E}">
+        <p14:creationId xmlns:p14="http://schemas.microsoft.com/office/powerpoint/2010/main" val="2797158605"/>
+      </p:ext>
+    </p:extLst>
+  </p:cSld>
+  <p:clrMapOvr>
+    <a:masterClrMapping/>
+  </p:clrMapOvr>
+</p:sld>
+</file>
+
+<file path=ppt/slides/slide11.xml><?xml version="1.0" encoding="utf-8"?>
+<p:sld xmlns:a="http://schemas.openxmlformats.org/drawingml/2006/main" xmlns:r="http://schemas.openxmlformats.org/officeDocument/2006/relationships" xmlns:p="http://schemas.openxmlformats.org/presentationml/2006/main">
+  <p:cSld>
+    <p:spTree>
+      <p:nvGrpSpPr>
+        <p:cNvPr id="1" name=""/>
+        <p:cNvGrpSpPr/>
+        <p:nvPr/>
+      </p:nvGrpSpPr>
+      <p:grpSpPr>
+        <a:xfrm>
+          <a:off x="0" y="0"/>
+          <a:ext cx="0" cy="0"/>
+          <a:chOff x="0" y="0"/>
+          <a:chExt cx="0" cy="0"/>
+        </a:xfrm>
+      </p:grpSpPr>
+      <p:sp>
+        <p:nvSpPr>
+          <p:cNvPr id="4" name="吹き出し: 角を丸めた四角形 3">
+            <a:extLst>
+              <a:ext uri="{FF2B5EF4-FFF2-40B4-BE49-F238E27FC236}">
+                <a16:creationId xmlns:a16="http://schemas.microsoft.com/office/drawing/2014/main" id="{F7A9701C-C2B6-4282-9818-D3523C363712}"/>
+              </a:ext>
+            </a:extLst>
+          </p:cNvPr>
+          <p:cNvSpPr/>
+          <p:nvPr/>
+        </p:nvSpPr>
+        <p:spPr>
+          <a:xfrm>
+            <a:off x="1691680" y="1124744"/>
+            <a:ext cx="7128792" cy="1296144"/>
+          </a:xfrm>
+          <a:prstGeom prst="wedgeRoundRectCallout">
+            <a:avLst>
+              <a:gd name="adj1" fmla="val -56323"/>
+              <a:gd name="adj2" fmla="val 38984"/>
+              <a:gd name="adj3" fmla="val 16667"/>
+            </a:avLst>
+          </a:prstGeom>
+          <a:solidFill>
+            <a:schemeClr val="bg1"/>
+          </a:solidFill>
+          <a:ln>
+            <a:solidFill>
+              <a:schemeClr val="tx1"/>
+            </a:solidFill>
+          </a:ln>
+        </p:spPr>
+        <p:style>
+          <a:lnRef idx="2">
+            <a:schemeClr val="accent1">
+              <a:shade val="50000"/>
+            </a:schemeClr>
+          </a:lnRef>
+          <a:fillRef idx="1">
+            <a:schemeClr val="accent1"/>
+          </a:fillRef>
+          <a:effectRef idx="0">
+            <a:schemeClr val="accent1"/>
+          </a:effectRef>
+          <a:fontRef idx="minor">
+            <a:schemeClr val="lt1"/>
+          </a:fontRef>
+        </p:style>
+        <p:txBody>
+          <a:bodyPr rtlCol="0" anchor="ctr"/>
+          <a:lstStyle/>
+          <a:p>
+            <a:pPr algn="ctr"/>
+            <a:endParaRPr kumimoji="1" lang="ja-JP" altLang="en-US">
+              <a:solidFill>
+                <a:schemeClr val="tx1"/>
+              </a:solidFill>
+            </a:endParaRPr>
+          </a:p>
+        </p:txBody>
+      </p:sp>
+      <p:sp>
+        <p:nvSpPr>
+          <p:cNvPr id="2" name="テキスト プレースホルダー 1">
+            <a:extLst>
+              <a:ext uri="{FF2B5EF4-FFF2-40B4-BE49-F238E27FC236}">
+                <a16:creationId xmlns:a16="http://schemas.microsoft.com/office/drawing/2014/main" id="{BCA7A9EB-0056-4DBE-9E68-38A296C21080}"/>
+              </a:ext>
+            </a:extLst>
+          </p:cNvPr>
+          <p:cNvSpPr>
+            <a:spLocks noGrp="1"/>
+          </p:cNvSpPr>
+          <p:nvPr>
+            <p:ph type="body" sz="quarter" idx="10"/>
+          </p:nvPr>
+        </p:nvSpPr>
+        <p:spPr/>
+        <p:txBody>
+          <a:bodyPr/>
+          <a:lstStyle/>
+          <a:p>
+            <a:r>
+              <a:rPr kumimoji="1" lang="en-US" altLang="ja-JP"/>
+              <a:t>SIMD</a:t>
+            </a:r>
+            <a:r>
+              <a:rPr kumimoji="1" lang="ja-JP" altLang="en-US"/>
+              <a:t>幅を伸ばす</a:t>
+            </a:r>
+          </a:p>
+        </p:txBody>
+      </p:sp>
+      <p:sp>
+        <p:nvSpPr>
+          <p:cNvPr id="3" name="テキスト ボックス 2">
+            <a:extLst>
+              <a:ext uri="{FF2B5EF4-FFF2-40B4-BE49-F238E27FC236}">
+                <a16:creationId xmlns:a16="http://schemas.microsoft.com/office/drawing/2014/main" id="{6195B94E-09BE-4CA3-9519-6B9428702068}"/>
+              </a:ext>
+            </a:extLst>
+          </p:cNvPr>
+          <p:cNvSpPr txBox="1"/>
+          <p:nvPr/>
+        </p:nvSpPr>
+        <p:spPr>
+          <a:xfrm>
+            <a:off x="1907704" y="1268760"/>
+            <a:ext cx="6840760" cy="1077218"/>
+          </a:xfrm>
+          <a:prstGeom prst="rect">
+            <a:avLst/>
+          </a:prstGeom>
+          <a:noFill/>
+        </p:spPr>
+        <p:txBody>
+          <a:bodyPr wrap="square" rtlCol="0">
+            <a:spAutoFit/>
+          </a:bodyPr>
+          <a:lstStyle/>
+          <a:p>
+            <a:r>
+              <a:rPr kumimoji="1" lang="en-US" altLang="ja-JP" sz="3200"/>
+              <a:t>SIMD</a:t>
+            </a:r>
+            <a:r>
+              <a:rPr kumimoji="1" lang="ja-JP" altLang="en-US" sz="3200"/>
+              <a:t>幅が伸びるたび</a:t>
+            </a:r>
+            <a:r>
+              <a:rPr lang="ja-JP" altLang="en-US" sz="3200"/>
+              <a:t>に</a:t>
+            </a:r>
+            <a:r>
+              <a:rPr kumimoji="1" lang="ja-JP" altLang="en-US" sz="3200"/>
+              <a:t>コード</a:t>
+            </a:r>
+            <a:r>
+              <a:rPr lang="ja-JP" altLang="en-US" sz="3200"/>
+              <a:t>を</a:t>
+            </a:r>
+            <a:endParaRPr lang="en-US" altLang="ja-JP" sz="3200"/>
+          </a:p>
+          <a:p>
+            <a:r>
+              <a:rPr kumimoji="1" lang="ja-JP" altLang="en-US" sz="3200"/>
+              <a:t>書き直し。なんとかならないかな</a:t>
+            </a:r>
+            <a:r>
+              <a:rPr kumimoji="1" lang="en-US" altLang="ja-JP" sz="3200"/>
+              <a:t>…</a:t>
+            </a:r>
+            <a:endParaRPr kumimoji="1" lang="ja-JP" altLang="en-US" sz="3200"/>
+          </a:p>
+        </p:txBody>
+      </p:sp>
+      <p:sp>
+        <p:nvSpPr>
+          <p:cNvPr id="6" name="吹き出し: 角を丸めた四角形 5">
+            <a:extLst>
+              <a:ext uri="{FF2B5EF4-FFF2-40B4-BE49-F238E27FC236}">
+                <a16:creationId xmlns:a16="http://schemas.microsoft.com/office/drawing/2014/main" id="{56C10967-5D86-4911-8862-8DEBBAE92A81}"/>
+              </a:ext>
+            </a:extLst>
+          </p:cNvPr>
+          <p:cNvSpPr/>
+          <p:nvPr/>
+        </p:nvSpPr>
+        <p:spPr>
+          <a:xfrm>
+            <a:off x="251520" y="3789040"/>
+            <a:ext cx="6912768" cy="1224136"/>
+          </a:xfrm>
+          <a:prstGeom prst="wedgeRoundRectCallout">
+            <a:avLst>
+              <a:gd name="adj1" fmla="val 58513"/>
+              <a:gd name="adj2" fmla="val -39770"/>
+              <a:gd name="adj3" fmla="val 16667"/>
+            </a:avLst>
+          </a:prstGeom>
+          <a:solidFill>
+            <a:schemeClr val="bg1"/>
+          </a:solidFill>
+          <a:ln>
+            <a:solidFill>
+              <a:schemeClr val="tx1"/>
+            </a:solidFill>
+          </a:ln>
+        </p:spPr>
+        <p:style>
+          <a:lnRef idx="2">
+            <a:schemeClr val="accent1">
+              <a:shade val="50000"/>
+            </a:schemeClr>
+          </a:lnRef>
+          <a:fillRef idx="1">
+            <a:schemeClr val="accent1"/>
+          </a:fillRef>
+          <a:effectRef idx="0">
+            <a:schemeClr val="accent1"/>
+          </a:effectRef>
+          <a:fontRef idx="minor">
+            <a:schemeClr val="lt1"/>
+          </a:fontRef>
+        </p:style>
+        <p:txBody>
+          <a:bodyPr rtlCol="0" anchor="ctr"/>
+          <a:lstStyle/>
+          <a:p>
+            <a:pPr algn="ctr"/>
+            <a:endParaRPr kumimoji="1" lang="ja-JP" altLang="en-US">
+              <a:solidFill>
+                <a:schemeClr val="tx1"/>
+              </a:solidFill>
+            </a:endParaRPr>
+          </a:p>
+        </p:txBody>
+      </p:sp>
+      <p:sp>
+        <p:nvSpPr>
+          <p:cNvPr id="7" name="テキスト ボックス 6">
+            <a:extLst>
+              <a:ext uri="{FF2B5EF4-FFF2-40B4-BE49-F238E27FC236}">
+                <a16:creationId xmlns:a16="http://schemas.microsoft.com/office/drawing/2014/main" id="{EB31DF96-442A-4FDE-9323-26C00B037C40}"/>
+              </a:ext>
+            </a:extLst>
+          </p:cNvPr>
+          <p:cNvSpPr txBox="1"/>
+          <p:nvPr/>
+        </p:nvSpPr>
+        <p:spPr>
+          <a:xfrm>
+            <a:off x="395536" y="3861048"/>
+            <a:ext cx="6624736" cy="1077218"/>
+          </a:xfrm>
+          <a:prstGeom prst="rect">
+            <a:avLst/>
+          </a:prstGeom>
+          <a:noFill/>
+        </p:spPr>
+        <p:txBody>
+          <a:bodyPr wrap="square" rtlCol="0">
+            <a:spAutoFit/>
+          </a:bodyPr>
+          <a:lstStyle/>
+          <a:p>
+            <a:r>
+              <a:rPr kumimoji="1" lang="en-US" altLang="ja-JP" sz="3200"/>
+              <a:t>SIMD</a:t>
+            </a:r>
+            <a:r>
+              <a:rPr kumimoji="1" lang="ja-JP" altLang="en-US" sz="3200"/>
+              <a:t>幅を固定しない命令セットに</a:t>
+            </a:r>
+            <a:endParaRPr kumimoji="1" lang="en-US" altLang="ja-JP" sz="3200"/>
+          </a:p>
+          <a:p>
+            <a:r>
+              <a:rPr lang="ja-JP" altLang="en-US" sz="3200"/>
+              <a:t>すればよいのでは？</a:t>
+            </a:r>
+            <a:endParaRPr kumimoji="1" lang="ja-JP" altLang="en-US" sz="3200"/>
+          </a:p>
+        </p:txBody>
+      </p:sp>
+      <p:pic>
+        <p:nvPicPr>
+          <p:cNvPr id="2054" name="Picture 6" descr="白衣を着た人のイラスト（男性・悩む）">
+            <a:extLst>
+              <a:ext uri="{FF2B5EF4-FFF2-40B4-BE49-F238E27FC236}">
+                <a16:creationId xmlns:a16="http://schemas.microsoft.com/office/drawing/2014/main" id="{C369E2B3-EF7D-4595-9C12-043AB62ED965}"/>
+              </a:ext>
+            </a:extLst>
+          </p:cNvPr>
+          <p:cNvPicPr>
+            <a:picLocks noChangeAspect="1" noChangeArrowheads="1"/>
+          </p:cNvPicPr>
+          <p:nvPr/>
+        </p:nvPicPr>
+        <p:blipFill>
+          <a:blip r:embed="rId2">
+            <a:extLst>
+              <a:ext uri="{28A0092B-C50C-407E-A947-70E740481C1C}">
+                <a14:useLocalDpi xmlns:a14="http://schemas.microsoft.com/office/drawing/2010/main" val="0"/>
+              </a:ext>
+            </a:extLst>
+          </a:blip>
+          <a:srcRect/>
+          <a:stretch>
+            <a:fillRect/>
+          </a:stretch>
+        </p:blipFill>
+        <p:spPr bwMode="auto">
+          <a:xfrm>
+            <a:off x="0" y="1052736"/>
+            <a:ext cx="1400175" cy="1905000"/>
+          </a:xfrm>
+          <a:prstGeom prst="rect">
+            <a:avLst/>
+          </a:prstGeom>
+          <a:noFill/>
+          <a:extLst>
+            <a:ext uri="{909E8E84-426E-40DD-AFC4-6F175D3DCCD1}">
+              <a14:hiddenFill xmlns:a14="http://schemas.microsoft.com/office/drawing/2010/main">
+                <a:solidFill>
+                  <a:srgbClr val="FFFFFF"/>
+                </a:solidFill>
+              </a14:hiddenFill>
+            </a:ext>
+          </a:extLst>
+        </p:spPr>
+      </p:pic>
+      <p:pic>
+        <p:nvPicPr>
+          <p:cNvPr id="2056" name="Picture 8" descr="白衣を着た人のイラスト（男性・閃いた）">
+            <a:extLst>
+              <a:ext uri="{FF2B5EF4-FFF2-40B4-BE49-F238E27FC236}">
+                <a16:creationId xmlns:a16="http://schemas.microsoft.com/office/drawing/2014/main" id="{4870180A-B63B-446C-B134-EC0EC91F2475}"/>
+              </a:ext>
+            </a:extLst>
+          </p:cNvPr>
+          <p:cNvPicPr>
+            <a:picLocks noChangeAspect="1" noChangeArrowheads="1"/>
+          </p:cNvPicPr>
+          <p:nvPr/>
+        </p:nvPicPr>
+        <p:blipFill>
+          <a:blip r:embed="rId3">
+            <a:extLst>
+              <a:ext uri="{28A0092B-C50C-407E-A947-70E740481C1C}">
+                <a14:useLocalDpi xmlns:a14="http://schemas.microsoft.com/office/drawing/2010/main" val="0"/>
+              </a:ext>
+            </a:extLst>
+          </a:blip>
+          <a:srcRect/>
+          <a:stretch>
+            <a:fillRect/>
+          </a:stretch>
+        </p:blipFill>
+        <p:spPr bwMode="auto">
+          <a:xfrm>
+            <a:off x="7721545" y="2996952"/>
+            <a:ext cx="1400175" cy="1905000"/>
+          </a:xfrm>
+          <a:prstGeom prst="rect">
+            <a:avLst/>
+          </a:prstGeom>
+          <a:noFill/>
+          <a:extLst>
+            <a:ext uri="{909E8E84-426E-40DD-AFC4-6F175D3DCCD1}">
+              <a14:hiddenFill xmlns:a14="http://schemas.microsoft.com/office/drawing/2010/main">
+                <a:solidFill>
+                  <a:srgbClr val="FFFFFF"/>
+                </a:solidFill>
+              </a14:hiddenFill>
+            </a:ext>
+          </a:extLst>
+        </p:spPr>
+      </p:pic>
+    </p:spTree>
+    <p:extLst>
+      <p:ext uri="{BB962C8B-B14F-4D97-AF65-F5344CB8AC3E}">
+        <p14:creationId xmlns:p14="http://schemas.microsoft.com/office/powerpoint/2010/main" val="1198902383"/>
+      </p:ext>
+    </p:extLst>
+  </p:cSld>
+  <p:clrMapOvr>
+    <a:masterClrMapping/>
+  </p:clrMapOvr>
+</p:sld>
+</file>
+
+<file path=ppt/slides/slide12.xml><?xml version="1.0" encoding="utf-8"?>
+<p:sld xmlns:a="http://schemas.openxmlformats.org/drawingml/2006/main" xmlns:r="http://schemas.openxmlformats.org/officeDocument/2006/relationships" xmlns:p="http://schemas.openxmlformats.org/presentationml/2006/main">
+  <p:cSld>
+    <p:spTree>
+      <p:nvGrpSpPr>
+        <p:cNvPr id="1" name=""/>
+        <p:cNvGrpSpPr/>
+        <p:nvPr/>
+      </p:nvGrpSpPr>
+      <p:grpSpPr>
+        <a:xfrm>
+          <a:off x="0" y="0"/>
+          <a:ext cx="0" cy="0"/>
+          <a:chOff x="0" y="0"/>
+          <a:chExt cx="0" cy="0"/>
+        </a:xfrm>
+      </p:grpSpPr>
+      <p:sp>
+        <p:nvSpPr>
+          <p:cNvPr id="2" name="テキスト プレースホルダー 1">
+            <a:extLst>
+              <a:ext uri="{FF2B5EF4-FFF2-40B4-BE49-F238E27FC236}">
+                <a16:creationId xmlns:a16="http://schemas.microsoft.com/office/drawing/2014/main" id="{2CE4E91A-559F-464D-8DB9-F56856A10927}"/>
+              </a:ext>
+            </a:extLst>
+          </p:cNvPr>
+          <p:cNvSpPr>
+            <a:spLocks noGrp="1"/>
+          </p:cNvSpPr>
+          <p:nvPr>
+            <p:ph type="body" sz="quarter" idx="10"/>
+          </p:nvPr>
+        </p:nvSpPr>
+        <p:spPr/>
+        <p:txBody>
+          <a:bodyPr/>
+          <a:lstStyle/>
+          <a:p>
+            <a:r>
+              <a:rPr kumimoji="1" lang="en-US" altLang="ja-JP"/>
+              <a:t>SVE</a:t>
+            </a:r>
+            <a:r>
+              <a:rPr kumimoji="1" lang="ja-JP" altLang="en-US"/>
+              <a:t>とは何か？</a:t>
+            </a:r>
+          </a:p>
+        </p:txBody>
+      </p:sp>
+      <p:sp>
+        <p:nvSpPr>
+          <p:cNvPr id="3" name="テキスト ボックス 2">
+            <a:extLst>
+              <a:ext uri="{FF2B5EF4-FFF2-40B4-BE49-F238E27FC236}">
+                <a16:creationId xmlns:a16="http://schemas.microsoft.com/office/drawing/2014/main" id="{731F3589-3834-4545-99CF-B1DE088F455D}"/>
+              </a:ext>
+            </a:extLst>
+          </p:cNvPr>
+          <p:cNvSpPr txBox="1"/>
+          <p:nvPr/>
+        </p:nvSpPr>
+        <p:spPr>
+          <a:xfrm>
+            <a:off x="467544" y="1268760"/>
+            <a:ext cx="8087470" cy="2308324"/>
+          </a:xfrm>
+          <a:prstGeom prst="rect">
+            <a:avLst/>
+          </a:prstGeom>
+          <a:noFill/>
+        </p:spPr>
+        <p:txBody>
+          <a:bodyPr wrap="none" rtlCol="0">
+            <a:spAutoFit/>
+          </a:bodyPr>
+          <a:lstStyle/>
+          <a:p>
+            <a:r>
+              <a:rPr kumimoji="1" lang="en-US" altLang="ja-JP" sz="4800">
+                <a:solidFill>
+                  <a:srgbClr val="FF0000"/>
+                </a:solidFill>
+              </a:rPr>
+              <a:t>S</a:t>
+            </a:r>
+            <a:r>
+              <a:rPr kumimoji="1" lang="en-US" altLang="ja-JP" sz="4800"/>
+              <a:t>calable</a:t>
+            </a:r>
+            <a:r>
+              <a:rPr kumimoji="1" lang="ja-JP" altLang="en-US" sz="4800"/>
+              <a:t>　　</a:t>
+            </a:r>
+            <a:r>
+              <a:rPr lang="ja-JP" altLang="en-US" sz="4800"/>
+              <a:t>幅を</a:t>
+            </a:r>
+            <a:r>
+              <a:rPr kumimoji="1" lang="ja-JP" altLang="en-US" sz="4800"/>
+              <a:t>固定しない</a:t>
+            </a:r>
+            <a:endParaRPr kumimoji="1" lang="en-US" altLang="ja-JP" sz="4800"/>
+          </a:p>
+          <a:p>
+            <a:r>
+              <a:rPr kumimoji="1" lang="en-US" altLang="ja-JP" sz="4800">
+                <a:solidFill>
+                  <a:srgbClr val="FF0000"/>
+                </a:solidFill>
+              </a:rPr>
+              <a:t>V</a:t>
+            </a:r>
+            <a:r>
+              <a:rPr kumimoji="1" lang="en-US" altLang="ja-JP" sz="4800"/>
+              <a:t>ector</a:t>
+            </a:r>
+            <a:r>
+              <a:rPr kumimoji="1" lang="ja-JP" altLang="en-US" sz="4800"/>
+              <a:t>　　　</a:t>
+            </a:r>
+            <a:r>
+              <a:rPr kumimoji="1" lang="en-US" altLang="ja-JP" sz="4800"/>
+              <a:t>SIMD</a:t>
+            </a:r>
+            <a:r>
+              <a:rPr kumimoji="1" lang="ja-JP" altLang="en-US" sz="4800"/>
+              <a:t>の</a:t>
+            </a:r>
+            <a:endParaRPr kumimoji="1" lang="en-US" altLang="ja-JP" sz="4800"/>
+          </a:p>
+          <a:p>
+            <a:r>
+              <a:rPr kumimoji="1" lang="en-US" altLang="ja-JP" sz="4800">
+                <a:solidFill>
+                  <a:srgbClr val="FF0000"/>
+                </a:solidFill>
+              </a:rPr>
+              <a:t>E</a:t>
+            </a:r>
+            <a:r>
+              <a:rPr kumimoji="1" lang="en-US" altLang="ja-JP" sz="4800"/>
+              <a:t>xtension     </a:t>
+            </a:r>
+            <a:r>
+              <a:rPr kumimoji="1" lang="ja-JP" altLang="en-US" sz="4800"/>
+              <a:t>追加命令セット</a:t>
+            </a:r>
+          </a:p>
+        </p:txBody>
+      </p:sp>
+      <p:sp>
+        <p:nvSpPr>
+          <p:cNvPr id="5" name="テキスト ボックス 4">
+            <a:extLst>
+              <a:ext uri="{FF2B5EF4-FFF2-40B4-BE49-F238E27FC236}">
+                <a16:creationId xmlns:a16="http://schemas.microsoft.com/office/drawing/2014/main" id="{04BB10AB-A974-4D06-91CC-03B347174B00}"/>
+              </a:ext>
+            </a:extLst>
+          </p:cNvPr>
+          <p:cNvSpPr txBox="1"/>
+          <p:nvPr/>
+        </p:nvSpPr>
+        <p:spPr>
+          <a:xfrm>
+            <a:off x="179512" y="4149080"/>
+            <a:ext cx="7109831" cy="646331"/>
+          </a:xfrm>
+          <a:prstGeom prst="rect">
+            <a:avLst/>
+          </a:prstGeom>
+          <a:noFill/>
+        </p:spPr>
+        <p:txBody>
+          <a:bodyPr wrap="none" rtlCol="0">
+            <a:spAutoFit/>
+          </a:bodyPr>
+          <a:lstStyle/>
+          <a:p>
+            <a:r>
+              <a:rPr kumimoji="1" lang="ja-JP" altLang="en-US" sz="3600"/>
+              <a:t>特徴：</a:t>
+            </a:r>
+            <a:r>
+              <a:rPr kumimoji="1" lang="en-US" altLang="ja-JP" sz="3600"/>
+              <a:t>Predicate-centric Approach</a:t>
+            </a:r>
+            <a:endParaRPr kumimoji="1" lang="ja-JP" altLang="en-US" sz="3600"/>
+          </a:p>
+        </p:txBody>
+      </p:sp>
+      <p:sp>
+        <p:nvSpPr>
+          <p:cNvPr id="6" name="テキスト ボックス 5">
+            <a:extLst>
+              <a:ext uri="{FF2B5EF4-FFF2-40B4-BE49-F238E27FC236}">
+                <a16:creationId xmlns:a16="http://schemas.microsoft.com/office/drawing/2014/main" id="{DCCA78AE-7790-4636-BB85-8C1691615622}"/>
+              </a:ext>
+            </a:extLst>
+          </p:cNvPr>
+          <p:cNvSpPr txBox="1"/>
+          <p:nvPr/>
+        </p:nvSpPr>
+        <p:spPr>
+          <a:xfrm>
+            <a:off x="467544" y="5085184"/>
+            <a:ext cx="8084264" cy="523220"/>
+          </a:xfrm>
+          <a:prstGeom prst="rect">
+            <a:avLst/>
+          </a:prstGeom>
+          <a:noFill/>
+        </p:spPr>
+        <p:txBody>
+          <a:bodyPr wrap="none" rtlCol="0">
+            <a:spAutoFit/>
+          </a:bodyPr>
+          <a:lstStyle/>
+          <a:p>
+            <a:r>
+              <a:rPr lang="ja-JP" altLang="en-US" sz="2800"/>
+              <a:t>命令ごとにどの要素を使うかをマスク処理できる</a:t>
+            </a:r>
+            <a:endParaRPr kumimoji="1" lang="ja-JP" altLang="en-US" sz="2800"/>
+          </a:p>
+        </p:txBody>
+      </p:sp>
+    </p:spTree>
+    <p:extLst>
+      <p:ext uri="{BB962C8B-B14F-4D97-AF65-F5344CB8AC3E}">
+        <p14:creationId xmlns:p14="http://schemas.microsoft.com/office/powerpoint/2010/main" val="2304400018"/>
+      </p:ext>
+    </p:extLst>
+  </p:cSld>
+  <p:clrMapOvr>
+    <a:masterClrMapping/>
+  </p:clrMapOvr>
+</p:sld>
+</file>
+
+<file path=ppt/slides/slide13.xml><?xml version="1.0" encoding="utf-8"?>
+<p:sld xmlns:a="http://schemas.openxmlformats.org/drawingml/2006/main" xmlns:r="http://schemas.openxmlformats.org/officeDocument/2006/relationships" xmlns:p="http://schemas.openxmlformats.org/presentationml/2006/main">
+  <p:cSld>
+    <p:spTree>
+      <p:nvGrpSpPr>
+        <p:cNvPr id="1" name=""/>
+        <p:cNvGrpSpPr/>
+        <p:nvPr/>
+      </p:nvGrpSpPr>
+      <p:grpSpPr>
+        <a:xfrm>
+          <a:off x="0" y="0"/>
+          <a:ext cx="0" cy="0"/>
+          <a:chOff x="0" y="0"/>
+          <a:chExt cx="0" cy="0"/>
+        </a:xfrm>
+      </p:grpSpPr>
+      <p:sp>
+        <p:nvSpPr>
+          <p:cNvPr id="28" name="正方形/長方形 27">
+            <a:extLst>
+              <a:ext uri="{FF2B5EF4-FFF2-40B4-BE49-F238E27FC236}">
+                <a16:creationId xmlns:a16="http://schemas.microsoft.com/office/drawing/2014/main" id="{F46C0FE8-FFAB-494C-A7B6-6C8675A8E587}"/>
+              </a:ext>
+            </a:extLst>
+          </p:cNvPr>
+          <p:cNvSpPr/>
+          <p:nvPr/>
+        </p:nvSpPr>
+        <p:spPr>
+          <a:xfrm>
+            <a:off x="6012160" y="4509120"/>
+            <a:ext cx="2160240" cy="720080"/>
+          </a:xfrm>
+          <a:prstGeom prst="rect">
+            <a:avLst/>
+          </a:prstGeom>
+          <a:solidFill>
+            <a:schemeClr val="bg1"/>
+          </a:solidFill>
+          <a:ln>
+            <a:solidFill>
+              <a:schemeClr val="tx1"/>
+            </a:solidFill>
+          </a:ln>
+        </p:spPr>
+        <p:style>
+          <a:lnRef idx="2">
+            <a:schemeClr val="accent1">
+              <a:shade val="50000"/>
+            </a:schemeClr>
+          </a:lnRef>
+          <a:fillRef idx="1">
+            <a:schemeClr val="accent1"/>
+          </a:fillRef>
+          <a:effectRef idx="0">
+            <a:schemeClr val="accent1"/>
+          </a:effectRef>
+          <a:fontRef idx="minor">
+            <a:schemeClr val="lt1"/>
+          </a:fontRef>
+        </p:style>
+        <p:txBody>
+          <a:bodyPr rtlCol="0" anchor="ctr"/>
+          <a:lstStyle/>
+          <a:p>
+            <a:pPr algn="ctr"/>
+            <a:endParaRPr kumimoji="1" lang="ja-JP" altLang="en-US">
+              <a:solidFill>
+                <a:schemeClr val="tx1"/>
+              </a:solidFill>
+            </a:endParaRPr>
+          </a:p>
+        </p:txBody>
+      </p:sp>
+      <p:sp>
+        <p:nvSpPr>
+          <p:cNvPr id="27" name="正方形/長方形 26">
+            <a:extLst>
+              <a:ext uri="{FF2B5EF4-FFF2-40B4-BE49-F238E27FC236}">
+                <a16:creationId xmlns:a16="http://schemas.microsoft.com/office/drawing/2014/main" id="{90812BCF-7976-48A5-87D3-0CD2E28A38C3}"/>
+              </a:ext>
+            </a:extLst>
+          </p:cNvPr>
+          <p:cNvSpPr/>
+          <p:nvPr/>
+        </p:nvSpPr>
+        <p:spPr>
+          <a:xfrm>
+            <a:off x="3131840" y="4509120"/>
+            <a:ext cx="2880320" cy="720080"/>
+          </a:xfrm>
+          <a:prstGeom prst="rect">
+            <a:avLst/>
+          </a:prstGeom>
+          <a:solidFill>
+            <a:srgbClr val="FFC000"/>
+          </a:solidFill>
+          <a:ln>
+            <a:solidFill>
+              <a:schemeClr val="tx1"/>
+            </a:solidFill>
+          </a:ln>
+        </p:spPr>
+        <p:style>
+          <a:lnRef idx="2">
+            <a:schemeClr val="accent1">
+              <a:shade val="50000"/>
+            </a:schemeClr>
+          </a:lnRef>
+          <a:fillRef idx="1">
+            <a:schemeClr val="accent1"/>
+          </a:fillRef>
+          <a:effectRef idx="0">
+            <a:schemeClr val="accent1"/>
+          </a:effectRef>
+          <a:fontRef idx="minor">
+            <a:schemeClr val="lt1"/>
+          </a:fontRef>
+        </p:style>
+        <p:txBody>
+          <a:bodyPr rtlCol="0" anchor="ctr"/>
+          <a:lstStyle/>
+          <a:p>
+            <a:pPr algn="ctr"/>
+            <a:endParaRPr kumimoji="1" lang="ja-JP" altLang="en-US">
+              <a:solidFill>
+                <a:schemeClr val="tx1"/>
+              </a:solidFill>
+            </a:endParaRPr>
+          </a:p>
+        </p:txBody>
+      </p:sp>
+      <p:sp>
+        <p:nvSpPr>
+          <p:cNvPr id="2" name="テキスト プレースホルダー 1">
+            <a:extLst>
+              <a:ext uri="{FF2B5EF4-FFF2-40B4-BE49-F238E27FC236}">
+                <a16:creationId xmlns:a16="http://schemas.microsoft.com/office/drawing/2014/main" id="{BAE3BE49-5C7C-4E13-B487-5B47EE93399F}"/>
+              </a:ext>
+            </a:extLst>
+          </p:cNvPr>
+          <p:cNvSpPr>
+            <a:spLocks noGrp="1"/>
+          </p:cNvSpPr>
+          <p:nvPr>
+            <p:ph type="body" sz="quarter" idx="10"/>
+          </p:nvPr>
+        </p:nvSpPr>
+        <p:spPr/>
+        <p:txBody>
+          <a:bodyPr/>
+          <a:lstStyle/>
+          <a:p>
+            <a:r>
+              <a:rPr kumimoji="1" lang="ja-JP" altLang="en-US"/>
+              <a:t>マスク処理</a:t>
+            </a:r>
+          </a:p>
+        </p:txBody>
+      </p:sp>
+      <p:sp>
+        <p:nvSpPr>
+          <p:cNvPr id="3" name="正方形/長方形 2">
+            <a:extLst>
+              <a:ext uri="{FF2B5EF4-FFF2-40B4-BE49-F238E27FC236}">
+                <a16:creationId xmlns:a16="http://schemas.microsoft.com/office/drawing/2014/main" id="{D948DC4C-4D73-439D-BB6A-9D2553EE2387}"/>
+              </a:ext>
+            </a:extLst>
+          </p:cNvPr>
+          <p:cNvSpPr/>
+          <p:nvPr/>
+        </p:nvSpPr>
+        <p:spPr>
+          <a:xfrm>
+            <a:off x="251520" y="1988840"/>
+            <a:ext cx="7920880" cy="720080"/>
+          </a:xfrm>
+          <a:prstGeom prst="rect">
+            <a:avLst/>
+          </a:prstGeom>
+          <a:solidFill>
+            <a:schemeClr val="bg1"/>
+          </a:solidFill>
+          <a:ln>
+            <a:solidFill>
+              <a:schemeClr val="tx1"/>
+            </a:solidFill>
+          </a:ln>
+        </p:spPr>
+        <p:style>
+          <a:lnRef idx="2">
+            <a:schemeClr val="accent1">
+              <a:shade val="50000"/>
+            </a:schemeClr>
+          </a:lnRef>
+          <a:fillRef idx="1">
+            <a:schemeClr val="accent1"/>
+          </a:fillRef>
+          <a:effectRef idx="0">
+            <a:schemeClr val="accent1"/>
+          </a:effectRef>
+          <a:fontRef idx="minor">
+            <a:schemeClr val="lt1"/>
+          </a:fontRef>
+        </p:style>
+        <p:txBody>
+          <a:bodyPr rtlCol="0" anchor="ctr"/>
+          <a:lstStyle/>
+          <a:p>
+            <a:pPr algn="ctr"/>
+            <a:endParaRPr kumimoji="1" lang="ja-JP" altLang="en-US">
+              <a:solidFill>
+                <a:schemeClr val="tx1"/>
+              </a:solidFill>
+            </a:endParaRPr>
+          </a:p>
+        </p:txBody>
+      </p:sp>
+      <p:cxnSp>
+        <p:nvCxnSpPr>
+          <p:cNvPr id="5" name="直線コネクタ 4">
+            <a:extLst>
+              <a:ext uri="{FF2B5EF4-FFF2-40B4-BE49-F238E27FC236}">
+                <a16:creationId xmlns:a16="http://schemas.microsoft.com/office/drawing/2014/main" id="{5AE552D9-D156-4F5E-AB8F-652C0F69AF38}"/>
+              </a:ext>
+            </a:extLst>
+          </p:cNvPr>
+          <p:cNvCxnSpPr/>
+          <p:nvPr/>
+        </p:nvCxnSpPr>
+        <p:spPr>
+          <a:xfrm>
+            <a:off x="971600" y="1988840"/>
+            <a:ext cx="0" cy="720080"/>
+          </a:xfrm>
+          <a:prstGeom prst="line">
+            <a:avLst/>
+          </a:prstGeom>
+          <a:ln>
+            <a:solidFill>
+              <a:schemeClr val="tx1"/>
+            </a:solidFill>
+            <a:headEnd type="none" w="med" len="med"/>
+            <a:tailEnd type="none" w="med" len="med"/>
+          </a:ln>
+        </p:spPr>
+        <p:style>
+          <a:lnRef idx="1">
+            <a:schemeClr val="accent1"/>
+          </a:lnRef>
+          <a:fillRef idx="0">
+            <a:schemeClr val="accent1"/>
+          </a:fillRef>
+          <a:effectRef idx="0">
+            <a:schemeClr val="accent1"/>
+          </a:effectRef>
+          <a:fontRef idx="minor">
+            <a:schemeClr val="tx1"/>
+          </a:fontRef>
+        </p:style>
+      </p:cxnSp>
+      <p:cxnSp>
+        <p:nvCxnSpPr>
+          <p:cNvPr id="6" name="直線コネクタ 5">
+            <a:extLst>
+              <a:ext uri="{FF2B5EF4-FFF2-40B4-BE49-F238E27FC236}">
+                <a16:creationId xmlns:a16="http://schemas.microsoft.com/office/drawing/2014/main" id="{07F62969-AE1E-42C7-914A-BF2AE6D39FB7}"/>
+              </a:ext>
+            </a:extLst>
+          </p:cNvPr>
+          <p:cNvCxnSpPr/>
+          <p:nvPr/>
+        </p:nvCxnSpPr>
+        <p:spPr>
+          <a:xfrm>
+            <a:off x="1691680" y="1988840"/>
+            <a:ext cx="0" cy="720080"/>
+          </a:xfrm>
+          <a:prstGeom prst="line">
+            <a:avLst/>
+          </a:prstGeom>
+          <a:ln>
+            <a:solidFill>
+              <a:schemeClr val="tx1"/>
+            </a:solidFill>
+            <a:headEnd type="none" w="med" len="med"/>
+            <a:tailEnd type="none" w="med" len="med"/>
+          </a:ln>
+        </p:spPr>
+        <p:style>
+          <a:lnRef idx="1">
+            <a:schemeClr val="accent1"/>
+          </a:lnRef>
+          <a:fillRef idx="0">
+            <a:schemeClr val="accent1"/>
+          </a:fillRef>
+          <a:effectRef idx="0">
+            <a:schemeClr val="accent1"/>
+          </a:effectRef>
+          <a:fontRef idx="minor">
+            <a:schemeClr val="tx1"/>
+          </a:fontRef>
+        </p:style>
+      </p:cxnSp>
+      <p:cxnSp>
+        <p:nvCxnSpPr>
+          <p:cNvPr id="7" name="直線コネクタ 6">
+            <a:extLst>
+              <a:ext uri="{FF2B5EF4-FFF2-40B4-BE49-F238E27FC236}">
+                <a16:creationId xmlns:a16="http://schemas.microsoft.com/office/drawing/2014/main" id="{489BFDB9-3E18-462B-B902-08EF1914078A}"/>
+              </a:ext>
+            </a:extLst>
+          </p:cNvPr>
+          <p:cNvCxnSpPr/>
+          <p:nvPr/>
+        </p:nvCxnSpPr>
+        <p:spPr>
+          <a:xfrm>
+            <a:off x="2411760" y="1988840"/>
+            <a:ext cx="0" cy="720080"/>
+          </a:xfrm>
+          <a:prstGeom prst="line">
+            <a:avLst/>
+          </a:prstGeom>
+          <a:ln>
+            <a:solidFill>
+              <a:schemeClr val="tx1"/>
+            </a:solidFill>
+            <a:headEnd type="none" w="med" len="med"/>
+            <a:tailEnd type="none" w="med" len="med"/>
+          </a:ln>
+        </p:spPr>
+        <p:style>
+          <a:lnRef idx="1">
+            <a:schemeClr val="accent1"/>
+          </a:lnRef>
+          <a:fillRef idx="0">
+            <a:schemeClr val="accent1"/>
+          </a:fillRef>
+          <a:effectRef idx="0">
+            <a:schemeClr val="accent1"/>
+          </a:effectRef>
+          <a:fontRef idx="minor">
+            <a:schemeClr val="tx1"/>
+          </a:fontRef>
+        </p:style>
+      </p:cxnSp>
+      <p:cxnSp>
+        <p:nvCxnSpPr>
+          <p:cNvPr id="8" name="直線コネクタ 7">
+            <a:extLst>
+              <a:ext uri="{FF2B5EF4-FFF2-40B4-BE49-F238E27FC236}">
+                <a16:creationId xmlns:a16="http://schemas.microsoft.com/office/drawing/2014/main" id="{78DEF3E3-AF19-4F7B-BEFA-46F5E2C5BEDF}"/>
+              </a:ext>
+            </a:extLst>
+          </p:cNvPr>
+          <p:cNvCxnSpPr/>
+          <p:nvPr/>
+        </p:nvCxnSpPr>
+        <p:spPr>
+          <a:xfrm>
+            <a:off x="3131840" y="1988840"/>
+            <a:ext cx="0" cy="720080"/>
+          </a:xfrm>
+          <a:prstGeom prst="line">
+            <a:avLst/>
+          </a:prstGeom>
+          <a:ln>
+            <a:solidFill>
+              <a:schemeClr val="tx1"/>
+            </a:solidFill>
+            <a:headEnd type="none" w="med" len="med"/>
+            <a:tailEnd type="none" w="med" len="med"/>
+          </a:ln>
+        </p:spPr>
+        <p:style>
+          <a:lnRef idx="1">
+            <a:schemeClr val="accent1"/>
+          </a:lnRef>
+          <a:fillRef idx="0">
+            <a:schemeClr val="accent1"/>
+          </a:fillRef>
+          <a:effectRef idx="0">
+            <a:schemeClr val="accent1"/>
+          </a:effectRef>
+          <a:fontRef idx="minor">
+            <a:schemeClr val="tx1"/>
+          </a:fontRef>
+        </p:style>
+      </p:cxnSp>
+      <p:cxnSp>
+        <p:nvCxnSpPr>
+          <p:cNvPr id="9" name="直線コネクタ 8">
+            <a:extLst>
+              <a:ext uri="{FF2B5EF4-FFF2-40B4-BE49-F238E27FC236}">
+                <a16:creationId xmlns:a16="http://schemas.microsoft.com/office/drawing/2014/main" id="{CA650036-0F9A-4206-B191-638EB0EF9326}"/>
+              </a:ext>
+            </a:extLst>
+          </p:cNvPr>
+          <p:cNvCxnSpPr/>
+          <p:nvPr/>
+        </p:nvCxnSpPr>
+        <p:spPr>
+          <a:xfrm>
+            <a:off x="3851920" y="1988840"/>
+            <a:ext cx="0" cy="720080"/>
+          </a:xfrm>
+          <a:prstGeom prst="line">
+            <a:avLst/>
+          </a:prstGeom>
+          <a:ln>
+            <a:solidFill>
+              <a:schemeClr val="tx1"/>
+            </a:solidFill>
+            <a:headEnd type="none" w="med" len="med"/>
+            <a:tailEnd type="none" w="med" len="med"/>
+          </a:ln>
+        </p:spPr>
+        <p:style>
+          <a:lnRef idx="1">
+            <a:schemeClr val="accent1"/>
+          </a:lnRef>
+          <a:fillRef idx="0">
+            <a:schemeClr val="accent1"/>
+          </a:fillRef>
+          <a:effectRef idx="0">
+            <a:schemeClr val="accent1"/>
+          </a:effectRef>
+          <a:fontRef idx="minor">
+            <a:schemeClr val="tx1"/>
+          </a:fontRef>
+        </p:style>
+      </p:cxnSp>
+      <p:cxnSp>
+        <p:nvCxnSpPr>
+          <p:cNvPr id="10" name="直線コネクタ 9">
+            <a:extLst>
+              <a:ext uri="{FF2B5EF4-FFF2-40B4-BE49-F238E27FC236}">
+                <a16:creationId xmlns:a16="http://schemas.microsoft.com/office/drawing/2014/main" id="{8D394190-ECC0-4C0A-BEC8-DB52BC35D45A}"/>
+              </a:ext>
+            </a:extLst>
+          </p:cNvPr>
+          <p:cNvCxnSpPr/>
+          <p:nvPr/>
+        </p:nvCxnSpPr>
+        <p:spPr>
+          <a:xfrm>
+            <a:off x="4572000" y="1988840"/>
+            <a:ext cx="0" cy="720080"/>
+          </a:xfrm>
+          <a:prstGeom prst="line">
+            <a:avLst/>
+          </a:prstGeom>
+          <a:ln>
+            <a:solidFill>
+              <a:schemeClr val="tx1"/>
+            </a:solidFill>
+            <a:headEnd type="none" w="med" len="med"/>
+            <a:tailEnd type="none" w="med" len="med"/>
+          </a:ln>
+        </p:spPr>
+        <p:style>
+          <a:lnRef idx="1">
+            <a:schemeClr val="accent1"/>
+          </a:lnRef>
+          <a:fillRef idx="0">
+            <a:schemeClr val="accent1"/>
+          </a:fillRef>
+          <a:effectRef idx="0">
+            <a:schemeClr val="accent1"/>
+          </a:effectRef>
+          <a:fontRef idx="minor">
+            <a:schemeClr val="tx1"/>
+          </a:fontRef>
+        </p:style>
+      </p:cxnSp>
+      <p:cxnSp>
+        <p:nvCxnSpPr>
+          <p:cNvPr id="11" name="直線コネクタ 10">
+            <a:extLst>
+              <a:ext uri="{FF2B5EF4-FFF2-40B4-BE49-F238E27FC236}">
+                <a16:creationId xmlns:a16="http://schemas.microsoft.com/office/drawing/2014/main" id="{0BA811A4-F424-498C-82C4-79D9AC33C537}"/>
+              </a:ext>
+            </a:extLst>
+          </p:cNvPr>
+          <p:cNvCxnSpPr/>
+          <p:nvPr/>
+        </p:nvCxnSpPr>
+        <p:spPr>
+          <a:xfrm>
+            <a:off x="5292080" y="1988840"/>
+            <a:ext cx="0" cy="720080"/>
+          </a:xfrm>
+          <a:prstGeom prst="line">
+            <a:avLst/>
+          </a:prstGeom>
+          <a:ln>
+            <a:solidFill>
+              <a:schemeClr val="tx1"/>
+            </a:solidFill>
+            <a:headEnd type="none" w="med" len="med"/>
+            <a:tailEnd type="none" w="med" len="med"/>
+          </a:ln>
+        </p:spPr>
+        <p:style>
+          <a:lnRef idx="1">
+            <a:schemeClr val="accent1"/>
+          </a:lnRef>
+          <a:fillRef idx="0">
+            <a:schemeClr val="accent1"/>
+          </a:fillRef>
+          <a:effectRef idx="0">
+            <a:schemeClr val="accent1"/>
+          </a:effectRef>
+          <a:fontRef idx="minor">
+            <a:schemeClr val="tx1"/>
+          </a:fontRef>
+        </p:style>
+      </p:cxnSp>
+      <p:cxnSp>
+        <p:nvCxnSpPr>
+          <p:cNvPr id="12" name="直線コネクタ 11">
+            <a:extLst>
+              <a:ext uri="{FF2B5EF4-FFF2-40B4-BE49-F238E27FC236}">
+                <a16:creationId xmlns:a16="http://schemas.microsoft.com/office/drawing/2014/main" id="{7D7A439F-1777-4C09-B157-131237599184}"/>
+              </a:ext>
+            </a:extLst>
+          </p:cNvPr>
+          <p:cNvCxnSpPr/>
+          <p:nvPr/>
+        </p:nvCxnSpPr>
+        <p:spPr>
+          <a:xfrm>
+            <a:off x="6012160" y="1988840"/>
+            <a:ext cx="0" cy="720080"/>
+          </a:xfrm>
+          <a:prstGeom prst="line">
+            <a:avLst/>
+          </a:prstGeom>
+          <a:ln>
+            <a:solidFill>
+              <a:schemeClr val="tx1"/>
+            </a:solidFill>
+            <a:headEnd type="none" w="med" len="med"/>
+            <a:tailEnd type="none" w="med" len="med"/>
+          </a:ln>
+        </p:spPr>
+        <p:style>
+          <a:lnRef idx="1">
+            <a:schemeClr val="accent1"/>
+          </a:lnRef>
+          <a:fillRef idx="0">
+            <a:schemeClr val="accent1"/>
+          </a:fillRef>
+          <a:effectRef idx="0">
+            <a:schemeClr val="accent1"/>
+          </a:effectRef>
+          <a:fontRef idx="minor">
+            <a:schemeClr val="tx1"/>
+          </a:fontRef>
+        </p:style>
+      </p:cxnSp>
+      <p:cxnSp>
+        <p:nvCxnSpPr>
+          <p:cNvPr id="13" name="直線コネクタ 12">
+            <a:extLst>
+              <a:ext uri="{FF2B5EF4-FFF2-40B4-BE49-F238E27FC236}">
+                <a16:creationId xmlns:a16="http://schemas.microsoft.com/office/drawing/2014/main" id="{18F9DCCE-FB0A-4C6A-9A23-C30026868C9F}"/>
+              </a:ext>
+            </a:extLst>
+          </p:cNvPr>
+          <p:cNvCxnSpPr/>
+          <p:nvPr/>
+        </p:nvCxnSpPr>
+        <p:spPr>
+          <a:xfrm>
+            <a:off x="6732240" y="1988840"/>
+            <a:ext cx="0" cy="720080"/>
+          </a:xfrm>
+          <a:prstGeom prst="line">
+            <a:avLst/>
+          </a:prstGeom>
+          <a:ln>
+            <a:solidFill>
+              <a:schemeClr val="tx1"/>
+            </a:solidFill>
+            <a:headEnd type="none" w="med" len="med"/>
+            <a:tailEnd type="none" w="med" len="med"/>
+          </a:ln>
+        </p:spPr>
+        <p:style>
+          <a:lnRef idx="1">
+            <a:schemeClr val="accent1"/>
+          </a:lnRef>
+          <a:fillRef idx="0">
+            <a:schemeClr val="accent1"/>
+          </a:fillRef>
+          <a:effectRef idx="0">
+            <a:schemeClr val="accent1"/>
+          </a:effectRef>
+          <a:fontRef idx="minor">
+            <a:schemeClr val="tx1"/>
+          </a:fontRef>
+        </p:style>
+      </p:cxnSp>
+      <p:cxnSp>
+        <p:nvCxnSpPr>
+          <p:cNvPr id="14" name="直線コネクタ 13">
+            <a:extLst>
+              <a:ext uri="{FF2B5EF4-FFF2-40B4-BE49-F238E27FC236}">
+                <a16:creationId xmlns:a16="http://schemas.microsoft.com/office/drawing/2014/main" id="{CA0555D5-3AFD-40CE-A539-4FF1370E516C}"/>
+              </a:ext>
+            </a:extLst>
+          </p:cNvPr>
+          <p:cNvCxnSpPr/>
+          <p:nvPr/>
+        </p:nvCxnSpPr>
+        <p:spPr>
+          <a:xfrm>
+            <a:off x="7452320" y="1988840"/>
+            <a:ext cx="0" cy="720080"/>
+          </a:xfrm>
+          <a:prstGeom prst="line">
+            <a:avLst/>
+          </a:prstGeom>
+          <a:ln>
+            <a:solidFill>
+              <a:schemeClr val="tx1"/>
+            </a:solidFill>
+            <a:headEnd type="none" w="med" len="med"/>
+            <a:tailEnd type="none" w="med" len="med"/>
+          </a:ln>
+        </p:spPr>
+        <p:style>
+          <a:lnRef idx="1">
+            <a:schemeClr val="accent1"/>
+          </a:lnRef>
+          <a:fillRef idx="0">
+            <a:schemeClr val="accent1"/>
+          </a:fillRef>
+          <a:effectRef idx="0">
+            <a:schemeClr val="accent1"/>
+          </a:effectRef>
+          <a:fontRef idx="minor">
+            <a:schemeClr val="tx1"/>
+          </a:fontRef>
+        </p:style>
+      </p:cxnSp>
+      <p:sp>
+        <p:nvSpPr>
+          <p:cNvPr id="15" name="テキスト ボックス 14">
+            <a:extLst>
+              <a:ext uri="{FF2B5EF4-FFF2-40B4-BE49-F238E27FC236}">
+                <a16:creationId xmlns:a16="http://schemas.microsoft.com/office/drawing/2014/main" id="{A5570AA4-41FC-427F-9803-348DFC8147E4}"/>
+              </a:ext>
+            </a:extLst>
+          </p:cNvPr>
+          <p:cNvSpPr txBox="1"/>
+          <p:nvPr/>
+        </p:nvSpPr>
+        <p:spPr>
+          <a:xfrm>
+            <a:off x="179512" y="1268760"/>
+            <a:ext cx="5786136" cy="523220"/>
+          </a:xfrm>
+          <a:prstGeom prst="rect">
+            <a:avLst/>
+          </a:prstGeom>
+          <a:noFill/>
+        </p:spPr>
+        <p:txBody>
+          <a:bodyPr wrap="none" rtlCol="0">
+            <a:spAutoFit/>
+          </a:bodyPr>
+          <a:lstStyle/>
+          <a:p>
+            <a:r>
+              <a:rPr kumimoji="1" lang="en-US" altLang="ja-JP" sz="2800"/>
+              <a:t>11</a:t>
+            </a:r>
+            <a:r>
+              <a:rPr kumimoji="1" lang="ja-JP" altLang="en-US" sz="2800"/>
+              <a:t>個のデータを</a:t>
+            </a:r>
+            <a:r>
+              <a:rPr kumimoji="1" lang="en-US" altLang="ja-JP" sz="2800"/>
+              <a:t>4</a:t>
+            </a:r>
+            <a:r>
+              <a:rPr kumimoji="1" lang="ja-JP" altLang="en-US" sz="2800"/>
+              <a:t>つずつ処理したい</a:t>
+            </a:r>
+          </a:p>
+        </p:txBody>
+      </p:sp>
+      <p:sp>
+        <p:nvSpPr>
+          <p:cNvPr id="16" name="正方形/長方形 15">
+            <a:extLst>
+              <a:ext uri="{FF2B5EF4-FFF2-40B4-BE49-F238E27FC236}">
+                <a16:creationId xmlns:a16="http://schemas.microsoft.com/office/drawing/2014/main" id="{77A6503F-2219-41CB-BEAF-A88878CBF3E4}"/>
+              </a:ext>
+            </a:extLst>
+          </p:cNvPr>
+          <p:cNvSpPr/>
+          <p:nvPr/>
+        </p:nvSpPr>
+        <p:spPr>
+          <a:xfrm>
+            <a:off x="251520" y="4509120"/>
+            <a:ext cx="2880320" cy="720080"/>
+          </a:xfrm>
+          <a:prstGeom prst="rect">
+            <a:avLst/>
+          </a:prstGeom>
+          <a:solidFill>
+            <a:srgbClr val="92D050"/>
+          </a:solidFill>
+          <a:ln>
+            <a:solidFill>
+              <a:schemeClr val="tx1"/>
+            </a:solidFill>
+          </a:ln>
+        </p:spPr>
+        <p:style>
+          <a:lnRef idx="2">
+            <a:schemeClr val="accent1">
+              <a:shade val="50000"/>
+            </a:schemeClr>
+          </a:lnRef>
+          <a:fillRef idx="1">
+            <a:schemeClr val="accent1"/>
+          </a:fillRef>
+          <a:effectRef idx="0">
+            <a:schemeClr val="accent1"/>
+          </a:effectRef>
+          <a:fontRef idx="minor">
+            <a:schemeClr val="lt1"/>
+          </a:fontRef>
+        </p:style>
+        <p:txBody>
+          <a:bodyPr rtlCol="0" anchor="ctr"/>
+          <a:lstStyle/>
+          <a:p>
+            <a:pPr algn="ctr"/>
+            <a:endParaRPr kumimoji="1" lang="ja-JP" altLang="en-US">
+              <a:solidFill>
+                <a:schemeClr val="tx1"/>
+              </a:solidFill>
+            </a:endParaRPr>
+          </a:p>
+        </p:txBody>
+      </p:sp>
+      <p:cxnSp>
+        <p:nvCxnSpPr>
+          <p:cNvPr id="17" name="直線コネクタ 16">
+            <a:extLst>
+              <a:ext uri="{FF2B5EF4-FFF2-40B4-BE49-F238E27FC236}">
+                <a16:creationId xmlns:a16="http://schemas.microsoft.com/office/drawing/2014/main" id="{106C48D5-8A24-47E6-B898-9D0E1B87337F}"/>
+              </a:ext>
+            </a:extLst>
+          </p:cNvPr>
+          <p:cNvCxnSpPr/>
+          <p:nvPr/>
+        </p:nvCxnSpPr>
+        <p:spPr>
+          <a:xfrm>
+            <a:off x="971600" y="4509120"/>
+            <a:ext cx="0" cy="720080"/>
+          </a:xfrm>
+          <a:prstGeom prst="line">
+            <a:avLst/>
+          </a:prstGeom>
+          <a:ln>
+            <a:solidFill>
+              <a:schemeClr val="tx1"/>
+            </a:solidFill>
+            <a:headEnd type="none" w="med" len="med"/>
+            <a:tailEnd type="none" w="med" len="med"/>
+          </a:ln>
+        </p:spPr>
+        <p:style>
+          <a:lnRef idx="1">
+            <a:schemeClr val="accent1"/>
+          </a:lnRef>
+          <a:fillRef idx="0">
+            <a:schemeClr val="accent1"/>
+          </a:fillRef>
+          <a:effectRef idx="0">
+            <a:schemeClr val="accent1"/>
+          </a:effectRef>
+          <a:fontRef idx="minor">
+            <a:schemeClr val="tx1"/>
+          </a:fontRef>
+        </p:style>
+      </p:cxnSp>
+      <p:cxnSp>
+        <p:nvCxnSpPr>
+          <p:cNvPr id="18" name="直線コネクタ 17">
+            <a:extLst>
+              <a:ext uri="{FF2B5EF4-FFF2-40B4-BE49-F238E27FC236}">
+                <a16:creationId xmlns:a16="http://schemas.microsoft.com/office/drawing/2014/main" id="{44435F9A-F4C1-46DE-AB33-36D013E4A723}"/>
+              </a:ext>
+            </a:extLst>
+          </p:cNvPr>
+          <p:cNvCxnSpPr/>
+          <p:nvPr/>
+        </p:nvCxnSpPr>
+        <p:spPr>
+          <a:xfrm>
+            <a:off x="1691680" y="4509120"/>
+            <a:ext cx="0" cy="720080"/>
+          </a:xfrm>
+          <a:prstGeom prst="line">
+            <a:avLst/>
+          </a:prstGeom>
+          <a:ln>
+            <a:solidFill>
+              <a:schemeClr val="tx1"/>
+            </a:solidFill>
+            <a:headEnd type="none" w="med" len="med"/>
+            <a:tailEnd type="none" w="med" len="med"/>
+          </a:ln>
+        </p:spPr>
+        <p:style>
+          <a:lnRef idx="1">
+            <a:schemeClr val="accent1"/>
+          </a:lnRef>
+          <a:fillRef idx="0">
+            <a:schemeClr val="accent1"/>
+          </a:fillRef>
+          <a:effectRef idx="0">
+            <a:schemeClr val="accent1"/>
+          </a:effectRef>
+          <a:fontRef idx="minor">
+            <a:schemeClr val="tx1"/>
+          </a:fontRef>
+        </p:style>
+      </p:cxnSp>
+      <p:cxnSp>
+        <p:nvCxnSpPr>
+          <p:cNvPr id="19" name="直線コネクタ 18">
+            <a:extLst>
+              <a:ext uri="{FF2B5EF4-FFF2-40B4-BE49-F238E27FC236}">
+                <a16:creationId xmlns:a16="http://schemas.microsoft.com/office/drawing/2014/main" id="{04D36C09-B253-4643-BD48-43A93E841D7B}"/>
+              </a:ext>
+            </a:extLst>
+          </p:cNvPr>
+          <p:cNvCxnSpPr/>
+          <p:nvPr/>
+        </p:nvCxnSpPr>
+        <p:spPr>
+          <a:xfrm>
+            <a:off x="2411760" y="4509120"/>
+            <a:ext cx="0" cy="720080"/>
+          </a:xfrm>
+          <a:prstGeom prst="line">
+            <a:avLst/>
+          </a:prstGeom>
+          <a:ln>
+            <a:solidFill>
+              <a:schemeClr val="tx1"/>
+            </a:solidFill>
+            <a:headEnd type="none" w="med" len="med"/>
+            <a:tailEnd type="none" w="med" len="med"/>
+          </a:ln>
+        </p:spPr>
+        <p:style>
+          <a:lnRef idx="1">
+            <a:schemeClr val="accent1"/>
+          </a:lnRef>
+          <a:fillRef idx="0">
+            <a:schemeClr val="accent1"/>
+          </a:fillRef>
+          <a:effectRef idx="0">
+            <a:schemeClr val="accent1"/>
+          </a:effectRef>
+          <a:fontRef idx="minor">
+            <a:schemeClr val="tx1"/>
+          </a:fontRef>
+        </p:style>
+      </p:cxnSp>
+      <p:cxnSp>
+        <p:nvCxnSpPr>
+          <p:cNvPr id="20" name="直線コネクタ 19">
+            <a:extLst>
+              <a:ext uri="{FF2B5EF4-FFF2-40B4-BE49-F238E27FC236}">
+                <a16:creationId xmlns:a16="http://schemas.microsoft.com/office/drawing/2014/main" id="{39509167-BEE3-46FD-B7AE-715A2A45885F}"/>
+              </a:ext>
+            </a:extLst>
+          </p:cNvPr>
+          <p:cNvCxnSpPr/>
+          <p:nvPr/>
+        </p:nvCxnSpPr>
+        <p:spPr>
+          <a:xfrm>
+            <a:off x="3131840" y="4509120"/>
+            <a:ext cx="0" cy="720080"/>
+          </a:xfrm>
+          <a:prstGeom prst="line">
+            <a:avLst/>
+          </a:prstGeom>
+          <a:ln>
+            <a:solidFill>
+              <a:schemeClr val="tx1"/>
+            </a:solidFill>
+            <a:headEnd type="none" w="med" len="med"/>
+            <a:tailEnd type="none" w="med" len="med"/>
+          </a:ln>
+        </p:spPr>
+        <p:style>
+          <a:lnRef idx="1">
+            <a:schemeClr val="accent1"/>
+          </a:lnRef>
+          <a:fillRef idx="0">
+            <a:schemeClr val="accent1"/>
+          </a:fillRef>
+          <a:effectRef idx="0">
+            <a:schemeClr val="accent1"/>
+          </a:effectRef>
+          <a:fontRef idx="minor">
+            <a:schemeClr val="tx1"/>
+          </a:fontRef>
+        </p:style>
+      </p:cxnSp>
+      <p:cxnSp>
+        <p:nvCxnSpPr>
+          <p:cNvPr id="21" name="直線コネクタ 20">
+            <a:extLst>
+              <a:ext uri="{FF2B5EF4-FFF2-40B4-BE49-F238E27FC236}">
+                <a16:creationId xmlns:a16="http://schemas.microsoft.com/office/drawing/2014/main" id="{513D432A-90D8-4E35-A48C-D22D76390ADA}"/>
+              </a:ext>
+            </a:extLst>
+          </p:cNvPr>
+          <p:cNvCxnSpPr/>
+          <p:nvPr/>
+        </p:nvCxnSpPr>
+        <p:spPr>
+          <a:xfrm>
+            <a:off x="3851920" y="4509120"/>
+            <a:ext cx="0" cy="720080"/>
+          </a:xfrm>
+          <a:prstGeom prst="line">
+            <a:avLst/>
+          </a:prstGeom>
+          <a:ln>
+            <a:solidFill>
+              <a:schemeClr val="tx1"/>
+            </a:solidFill>
+            <a:headEnd type="none" w="med" len="med"/>
+            <a:tailEnd type="none" w="med" len="med"/>
+          </a:ln>
+        </p:spPr>
+        <p:style>
+          <a:lnRef idx="1">
+            <a:schemeClr val="accent1"/>
+          </a:lnRef>
+          <a:fillRef idx="0">
+            <a:schemeClr val="accent1"/>
+          </a:fillRef>
+          <a:effectRef idx="0">
+            <a:schemeClr val="accent1"/>
+          </a:effectRef>
+          <a:fontRef idx="minor">
+            <a:schemeClr val="tx1"/>
+          </a:fontRef>
+        </p:style>
+      </p:cxnSp>
+      <p:cxnSp>
+        <p:nvCxnSpPr>
+          <p:cNvPr id="22" name="直線コネクタ 21">
+            <a:extLst>
+              <a:ext uri="{FF2B5EF4-FFF2-40B4-BE49-F238E27FC236}">
+                <a16:creationId xmlns:a16="http://schemas.microsoft.com/office/drawing/2014/main" id="{87A0776D-44F3-464B-95E4-4ABE9CF5743A}"/>
+              </a:ext>
+            </a:extLst>
+          </p:cNvPr>
+          <p:cNvCxnSpPr/>
+          <p:nvPr/>
+        </p:nvCxnSpPr>
+        <p:spPr>
+          <a:xfrm>
+            <a:off x="4572000" y="4509120"/>
+            <a:ext cx="0" cy="720080"/>
+          </a:xfrm>
+          <a:prstGeom prst="line">
+            <a:avLst/>
+          </a:prstGeom>
+          <a:ln>
+            <a:solidFill>
+              <a:schemeClr val="tx1"/>
+            </a:solidFill>
+            <a:headEnd type="none" w="med" len="med"/>
+            <a:tailEnd type="none" w="med" len="med"/>
+          </a:ln>
+        </p:spPr>
+        <p:style>
+          <a:lnRef idx="1">
+            <a:schemeClr val="accent1"/>
+          </a:lnRef>
+          <a:fillRef idx="0">
+            <a:schemeClr val="accent1"/>
+          </a:fillRef>
+          <a:effectRef idx="0">
+            <a:schemeClr val="accent1"/>
+          </a:effectRef>
+          <a:fontRef idx="minor">
+            <a:schemeClr val="tx1"/>
+          </a:fontRef>
+        </p:style>
+      </p:cxnSp>
+      <p:cxnSp>
+        <p:nvCxnSpPr>
+          <p:cNvPr id="23" name="直線コネクタ 22">
+            <a:extLst>
+              <a:ext uri="{FF2B5EF4-FFF2-40B4-BE49-F238E27FC236}">
+                <a16:creationId xmlns:a16="http://schemas.microsoft.com/office/drawing/2014/main" id="{94EA609F-3AAF-46F7-91D0-0FD42BFC1555}"/>
+              </a:ext>
+            </a:extLst>
+          </p:cNvPr>
+          <p:cNvCxnSpPr/>
+          <p:nvPr/>
+        </p:nvCxnSpPr>
+        <p:spPr>
+          <a:xfrm>
+            <a:off x="5292080" y="4509120"/>
+            <a:ext cx="0" cy="720080"/>
+          </a:xfrm>
+          <a:prstGeom prst="line">
+            <a:avLst/>
+          </a:prstGeom>
+          <a:ln>
+            <a:solidFill>
+              <a:schemeClr val="tx1"/>
+            </a:solidFill>
+            <a:headEnd type="none" w="med" len="med"/>
+            <a:tailEnd type="none" w="med" len="med"/>
+          </a:ln>
+        </p:spPr>
+        <p:style>
+          <a:lnRef idx="1">
+            <a:schemeClr val="accent1"/>
+          </a:lnRef>
+          <a:fillRef idx="0">
+            <a:schemeClr val="accent1"/>
+          </a:fillRef>
+          <a:effectRef idx="0">
+            <a:schemeClr val="accent1"/>
+          </a:effectRef>
+          <a:fontRef idx="minor">
+            <a:schemeClr val="tx1"/>
+          </a:fontRef>
+        </p:style>
+      </p:cxnSp>
+      <p:cxnSp>
+        <p:nvCxnSpPr>
+          <p:cNvPr id="24" name="直線コネクタ 23">
+            <a:extLst>
+              <a:ext uri="{FF2B5EF4-FFF2-40B4-BE49-F238E27FC236}">
+                <a16:creationId xmlns:a16="http://schemas.microsoft.com/office/drawing/2014/main" id="{6CE18BFB-1DD8-4713-8369-35DAB3AEAB8C}"/>
+              </a:ext>
+            </a:extLst>
+          </p:cNvPr>
+          <p:cNvCxnSpPr/>
+          <p:nvPr/>
+        </p:nvCxnSpPr>
+        <p:spPr>
+          <a:xfrm>
+            <a:off x="6012160" y="4509120"/>
+            <a:ext cx="0" cy="720080"/>
+          </a:xfrm>
+          <a:prstGeom prst="line">
+            <a:avLst/>
+          </a:prstGeom>
+          <a:ln>
+            <a:solidFill>
+              <a:schemeClr val="tx1"/>
+            </a:solidFill>
+            <a:headEnd type="none" w="med" len="med"/>
+            <a:tailEnd type="none" w="med" len="med"/>
+          </a:ln>
+        </p:spPr>
+        <p:style>
+          <a:lnRef idx="1">
+            <a:schemeClr val="accent1"/>
+          </a:lnRef>
+          <a:fillRef idx="0">
+            <a:schemeClr val="accent1"/>
+          </a:fillRef>
+          <a:effectRef idx="0">
+            <a:schemeClr val="accent1"/>
+          </a:effectRef>
+          <a:fontRef idx="minor">
+            <a:schemeClr val="tx1"/>
+          </a:fontRef>
+        </p:style>
+      </p:cxnSp>
+      <p:cxnSp>
+        <p:nvCxnSpPr>
+          <p:cNvPr id="25" name="直線コネクタ 24">
+            <a:extLst>
+              <a:ext uri="{FF2B5EF4-FFF2-40B4-BE49-F238E27FC236}">
+                <a16:creationId xmlns:a16="http://schemas.microsoft.com/office/drawing/2014/main" id="{9B61D7F8-34AC-459E-B243-44F814B15D6C}"/>
+              </a:ext>
+            </a:extLst>
+          </p:cNvPr>
+          <p:cNvCxnSpPr/>
+          <p:nvPr/>
+        </p:nvCxnSpPr>
+        <p:spPr>
+          <a:xfrm>
+            <a:off x="6732240" y="4509120"/>
+            <a:ext cx="0" cy="720080"/>
+          </a:xfrm>
+          <a:prstGeom prst="line">
+            <a:avLst/>
+          </a:prstGeom>
+          <a:ln>
+            <a:solidFill>
+              <a:schemeClr val="tx1"/>
+            </a:solidFill>
+            <a:headEnd type="none" w="med" len="med"/>
+            <a:tailEnd type="none" w="med" len="med"/>
+          </a:ln>
+        </p:spPr>
+        <p:style>
+          <a:lnRef idx="1">
+            <a:schemeClr val="accent1"/>
+          </a:lnRef>
+          <a:fillRef idx="0">
+            <a:schemeClr val="accent1"/>
+          </a:fillRef>
+          <a:effectRef idx="0">
+            <a:schemeClr val="accent1"/>
+          </a:effectRef>
+          <a:fontRef idx="minor">
+            <a:schemeClr val="tx1"/>
+          </a:fontRef>
+        </p:style>
+      </p:cxnSp>
+      <p:cxnSp>
+        <p:nvCxnSpPr>
+          <p:cNvPr id="26" name="直線コネクタ 25">
+            <a:extLst>
+              <a:ext uri="{FF2B5EF4-FFF2-40B4-BE49-F238E27FC236}">
+                <a16:creationId xmlns:a16="http://schemas.microsoft.com/office/drawing/2014/main" id="{D12F97B3-8B2A-427A-95F7-9043DC000DE8}"/>
+              </a:ext>
+            </a:extLst>
+          </p:cNvPr>
+          <p:cNvCxnSpPr/>
+          <p:nvPr/>
+        </p:nvCxnSpPr>
+        <p:spPr>
+          <a:xfrm>
+            <a:off x="7452320" y="4509120"/>
+            <a:ext cx="0" cy="720080"/>
+          </a:xfrm>
+          <a:prstGeom prst="line">
+            <a:avLst/>
+          </a:prstGeom>
+          <a:ln>
+            <a:solidFill>
+              <a:schemeClr val="tx1"/>
+            </a:solidFill>
+            <a:headEnd type="none" w="med" len="med"/>
+            <a:tailEnd type="none" w="med" len="med"/>
+          </a:ln>
+        </p:spPr>
+        <p:style>
+          <a:lnRef idx="1">
+            <a:schemeClr val="accent1"/>
+          </a:lnRef>
+          <a:fillRef idx="0">
+            <a:schemeClr val="accent1"/>
+          </a:fillRef>
+          <a:effectRef idx="0">
+            <a:schemeClr val="accent1"/>
+          </a:effectRef>
+          <a:fontRef idx="minor">
+            <a:schemeClr val="tx1"/>
+          </a:fontRef>
+        </p:style>
+      </p:cxnSp>
+      <p:sp>
+        <p:nvSpPr>
+          <p:cNvPr id="29" name="テキスト ボックス 28">
+            <a:extLst>
+              <a:ext uri="{FF2B5EF4-FFF2-40B4-BE49-F238E27FC236}">
+                <a16:creationId xmlns:a16="http://schemas.microsoft.com/office/drawing/2014/main" id="{84DD57EC-8F8E-4F97-A9B1-44CD6AFD5310}"/>
+              </a:ext>
+            </a:extLst>
+          </p:cNvPr>
+          <p:cNvSpPr txBox="1"/>
+          <p:nvPr/>
+        </p:nvSpPr>
+        <p:spPr>
+          <a:xfrm>
+            <a:off x="323528" y="2924944"/>
+            <a:ext cx="5463355" cy="1384995"/>
+          </a:xfrm>
+          <a:prstGeom prst="rect">
+            <a:avLst/>
+          </a:prstGeom>
+          <a:noFill/>
+        </p:spPr>
+        <p:txBody>
+          <a:bodyPr wrap="none" rtlCol="0">
+            <a:spAutoFit/>
+          </a:bodyPr>
+          <a:lstStyle/>
+          <a:p>
+            <a:r>
+              <a:rPr lang="ja-JP" altLang="en-US" sz="2800"/>
+              <a:t>普通にやると</a:t>
+            </a:r>
+            <a:r>
+              <a:rPr lang="en-US" altLang="ja-JP" sz="2800"/>
+              <a:t>3</a:t>
+            </a:r>
+            <a:r>
+              <a:rPr lang="ja-JP" altLang="en-US" sz="2800"/>
+              <a:t>個余る</a:t>
+            </a:r>
+            <a:endParaRPr lang="en-US" altLang="ja-JP" sz="2800"/>
+          </a:p>
+          <a:p>
+            <a:r>
+              <a:rPr kumimoji="1" lang="ja-JP" altLang="en-US" sz="2800"/>
+              <a:t>余りをスカラループで回す</a:t>
+            </a:r>
+            <a:endParaRPr kumimoji="1" lang="en-US" altLang="ja-JP" sz="2800"/>
+          </a:p>
+          <a:p>
+            <a:r>
+              <a:rPr lang="ja-JP" altLang="en-US" sz="2800"/>
+              <a:t>→ベクトル</a:t>
+            </a:r>
+            <a:r>
+              <a:rPr lang="en-US" altLang="ja-JP" sz="2800"/>
+              <a:t>2</a:t>
+            </a:r>
+            <a:r>
+              <a:rPr lang="ja-JP" altLang="en-US" sz="2800"/>
+              <a:t>回転</a:t>
+            </a:r>
+            <a:r>
+              <a:rPr lang="en-US" altLang="ja-JP" sz="2800"/>
+              <a:t>+</a:t>
+            </a:r>
+            <a:r>
+              <a:rPr lang="ja-JP" altLang="en-US" sz="2800"/>
+              <a:t>スカラー</a:t>
+            </a:r>
+            <a:r>
+              <a:rPr lang="en-US" altLang="ja-JP" sz="2800"/>
+              <a:t>3</a:t>
+            </a:r>
+            <a:r>
+              <a:rPr lang="ja-JP" altLang="en-US" sz="2800"/>
+              <a:t>回転</a:t>
+            </a:r>
+            <a:endParaRPr kumimoji="1" lang="ja-JP" altLang="en-US" sz="2800"/>
+          </a:p>
+        </p:txBody>
+      </p:sp>
+      <p:cxnSp>
+        <p:nvCxnSpPr>
+          <p:cNvPr id="33" name="直線矢印コネクタ 32">
+            <a:extLst>
+              <a:ext uri="{FF2B5EF4-FFF2-40B4-BE49-F238E27FC236}">
+                <a16:creationId xmlns:a16="http://schemas.microsoft.com/office/drawing/2014/main" id="{641E4BF2-4950-41AA-BA71-C6128BE2556B}"/>
+              </a:ext>
+            </a:extLst>
+          </p:cNvPr>
+          <p:cNvCxnSpPr/>
+          <p:nvPr/>
+        </p:nvCxnSpPr>
+        <p:spPr>
+          <a:xfrm>
+            <a:off x="251520" y="5517232"/>
+            <a:ext cx="2880320" cy="0"/>
+          </a:xfrm>
+          <a:prstGeom prst="straightConnector1">
+            <a:avLst/>
+          </a:prstGeom>
+          <a:ln>
+            <a:solidFill>
+              <a:schemeClr val="tx1"/>
+            </a:solidFill>
+            <a:headEnd type="triangle"/>
+            <a:tailEnd type="triangle"/>
+          </a:ln>
+        </p:spPr>
+        <p:style>
+          <a:lnRef idx="1">
+            <a:schemeClr val="accent1"/>
+          </a:lnRef>
+          <a:fillRef idx="0">
+            <a:schemeClr val="accent1"/>
+          </a:fillRef>
+          <a:effectRef idx="0">
+            <a:schemeClr val="accent1"/>
+          </a:effectRef>
+          <a:fontRef idx="minor">
+            <a:schemeClr val="tx1"/>
+          </a:fontRef>
+        </p:style>
+      </p:cxnSp>
+      <p:cxnSp>
+        <p:nvCxnSpPr>
+          <p:cNvPr id="34" name="直線矢印コネクタ 33">
+            <a:extLst>
+              <a:ext uri="{FF2B5EF4-FFF2-40B4-BE49-F238E27FC236}">
+                <a16:creationId xmlns:a16="http://schemas.microsoft.com/office/drawing/2014/main" id="{0734DC84-3E26-418A-A4A8-DABBFAD57DD7}"/>
+              </a:ext>
+            </a:extLst>
+          </p:cNvPr>
+          <p:cNvCxnSpPr/>
+          <p:nvPr/>
+        </p:nvCxnSpPr>
+        <p:spPr>
+          <a:xfrm>
+            <a:off x="3131840" y="5517232"/>
+            <a:ext cx="2880320" cy="0"/>
+          </a:xfrm>
+          <a:prstGeom prst="straightConnector1">
+            <a:avLst/>
+          </a:prstGeom>
+          <a:ln>
+            <a:solidFill>
+              <a:schemeClr val="tx1"/>
+            </a:solidFill>
+            <a:headEnd type="triangle"/>
+            <a:tailEnd type="triangle"/>
+          </a:ln>
+        </p:spPr>
+        <p:style>
+          <a:lnRef idx="1">
+            <a:schemeClr val="accent1"/>
+          </a:lnRef>
+          <a:fillRef idx="0">
+            <a:schemeClr val="accent1"/>
+          </a:fillRef>
+          <a:effectRef idx="0">
+            <a:schemeClr val="accent1"/>
+          </a:effectRef>
+          <a:fontRef idx="minor">
+            <a:schemeClr val="tx1"/>
+          </a:fontRef>
+        </p:style>
+      </p:cxnSp>
+      <p:cxnSp>
+        <p:nvCxnSpPr>
+          <p:cNvPr id="35" name="直線矢印コネクタ 34">
+            <a:extLst>
+              <a:ext uri="{FF2B5EF4-FFF2-40B4-BE49-F238E27FC236}">
+                <a16:creationId xmlns:a16="http://schemas.microsoft.com/office/drawing/2014/main" id="{5250F794-799B-4D64-91CE-AAC21BFE4BD6}"/>
+              </a:ext>
+            </a:extLst>
+          </p:cNvPr>
+          <p:cNvCxnSpPr>
+            <a:cxnSpLocks/>
+          </p:cNvCxnSpPr>
+          <p:nvPr/>
+        </p:nvCxnSpPr>
+        <p:spPr>
+          <a:xfrm>
+            <a:off x="6012160" y="5517232"/>
+            <a:ext cx="720080" cy="0"/>
+          </a:xfrm>
+          <a:prstGeom prst="straightConnector1">
+            <a:avLst/>
+          </a:prstGeom>
+          <a:ln>
+            <a:solidFill>
+              <a:schemeClr val="tx1"/>
+            </a:solidFill>
+            <a:headEnd type="triangle"/>
+            <a:tailEnd type="triangle"/>
+          </a:ln>
+        </p:spPr>
+        <p:style>
+          <a:lnRef idx="1">
+            <a:schemeClr val="accent1"/>
+          </a:lnRef>
+          <a:fillRef idx="0">
+            <a:schemeClr val="accent1"/>
+          </a:fillRef>
+          <a:effectRef idx="0">
+            <a:schemeClr val="accent1"/>
+          </a:effectRef>
+          <a:fontRef idx="minor">
+            <a:schemeClr val="tx1"/>
+          </a:fontRef>
+        </p:style>
+      </p:cxnSp>
+      <p:cxnSp>
+        <p:nvCxnSpPr>
+          <p:cNvPr id="37" name="直線矢印コネクタ 36">
+            <a:extLst>
+              <a:ext uri="{FF2B5EF4-FFF2-40B4-BE49-F238E27FC236}">
+                <a16:creationId xmlns:a16="http://schemas.microsoft.com/office/drawing/2014/main" id="{75D0D38A-E261-4C6F-A578-F8CE04904B25}"/>
+              </a:ext>
+            </a:extLst>
+          </p:cNvPr>
+          <p:cNvCxnSpPr>
+            <a:cxnSpLocks/>
+          </p:cNvCxnSpPr>
+          <p:nvPr/>
+        </p:nvCxnSpPr>
+        <p:spPr>
+          <a:xfrm>
+            <a:off x="6732240" y="5517232"/>
+            <a:ext cx="720080" cy="0"/>
+          </a:xfrm>
+          <a:prstGeom prst="straightConnector1">
+            <a:avLst/>
+          </a:prstGeom>
+          <a:ln>
+            <a:solidFill>
+              <a:schemeClr val="tx1"/>
+            </a:solidFill>
+            <a:headEnd type="triangle"/>
+            <a:tailEnd type="triangle"/>
+          </a:ln>
+        </p:spPr>
+        <p:style>
+          <a:lnRef idx="1">
+            <a:schemeClr val="accent1"/>
+          </a:lnRef>
+          <a:fillRef idx="0">
+            <a:schemeClr val="accent1"/>
+          </a:fillRef>
+          <a:effectRef idx="0">
+            <a:schemeClr val="accent1"/>
+          </a:effectRef>
+          <a:fontRef idx="minor">
+            <a:schemeClr val="tx1"/>
+          </a:fontRef>
+        </p:style>
+      </p:cxnSp>
+      <p:cxnSp>
+        <p:nvCxnSpPr>
+          <p:cNvPr id="38" name="直線矢印コネクタ 37">
+            <a:extLst>
+              <a:ext uri="{FF2B5EF4-FFF2-40B4-BE49-F238E27FC236}">
+                <a16:creationId xmlns:a16="http://schemas.microsoft.com/office/drawing/2014/main" id="{B8261387-0207-411C-B498-DEC03F39EBAB}"/>
+              </a:ext>
+            </a:extLst>
+          </p:cNvPr>
+          <p:cNvCxnSpPr>
+            <a:cxnSpLocks/>
+          </p:cNvCxnSpPr>
+          <p:nvPr/>
+        </p:nvCxnSpPr>
+        <p:spPr>
+          <a:xfrm>
+            <a:off x="7452320" y="5517232"/>
+            <a:ext cx="720080" cy="0"/>
+          </a:xfrm>
+          <a:prstGeom prst="straightConnector1">
+            <a:avLst/>
+          </a:prstGeom>
+          <a:ln>
+            <a:solidFill>
+              <a:schemeClr val="tx1"/>
+            </a:solidFill>
+            <a:headEnd type="triangle"/>
+            <a:tailEnd type="triangle"/>
+          </a:ln>
+        </p:spPr>
+        <p:style>
+          <a:lnRef idx="1">
+            <a:schemeClr val="accent1"/>
+          </a:lnRef>
+          <a:fillRef idx="0">
+            <a:schemeClr val="accent1"/>
+          </a:fillRef>
+          <a:effectRef idx="0">
+            <a:schemeClr val="accent1"/>
+          </a:effectRef>
+          <a:fontRef idx="minor">
+            <a:schemeClr val="tx1"/>
+          </a:fontRef>
+        </p:style>
+      </p:cxnSp>
+      <p:sp>
+        <p:nvSpPr>
+          <p:cNvPr id="39" name="テキスト ボックス 38">
+            <a:extLst>
+              <a:ext uri="{FF2B5EF4-FFF2-40B4-BE49-F238E27FC236}">
+                <a16:creationId xmlns:a16="http://schemas.microsoft.com/office/drawing/2014/main" id="{96473998-5D88-4669-9773-5D24A9DE1A34}"/>
+              </a:ext>
+            </a:extLst>
+          </p:cNvPr>
+          <p:cNvSpPr txBox="1"/>
+          <p:nvPr/>
+        </p:nvSpPr>
+        <p:spPr>
+          <a:xfrm>
+            <a:off x="842100" y="5651956"/>
+            <a:ext cx="1569660" cy="369332"/>
+          </a:xfrm>
+          <a:prstGeom prst="rect">
+            <a:avLst/>
+          </a:prstGeom>
+          <a:noFill/>
+        </p:spPr>
+        <p:txBody>
+          <a:bodyPr wrap="none" rtlCol="0">
+            <a:spAutoFit/>
+          </a:bodyPr>
+          <a:lstStyle/>
+          <a:p>
+            <a:r>
+              <a:rPr kumimoji="1" lang="ja-JP" altLang="en-US"/>
+              <a:t>ベクトル処理</a:t>
+            </a:r>
+          </a:p>
+        </p:txBody>
+      </p:sp>
+      <p:sp>
+        <p:nvSpPr>
+          <p:cNvPr id="40" name="テキスト ボックス 39">
+            <a:extLst>
+              <a:ext uri="{FF2B5EF4-FFF2-40B4-BE49-F238E27FC236}">
+                <a16:creationId xmlns:a16="http://schemas.microsoft.com/office/drawing/2014/main" id="{4C00DB44-7C2E-4D11-9589-826BDC1F6E77}"/>
+              </a:ext>
+            </a:extLst>
+          </p:cNvPr>
+          <p:cNvSpPr txBox="1"/>
+          <p:nvPr/>
+        </p:nvSpPr>
+        <p:spPr>
+          <a:xfrm>
+            <a:off x="3650412" y="5661248"/>
+            <a:ext cx="1569660" cy="369332"/>
+          </a:xfrm>
+          <a:prstGeom prst="rect">
+            <a:avLst/>
+          </a:prstGeom>
+          <a:noFill/>
+        </p:spPr>
+        <p:txBody>
+          <a:bodyPr wrap="none" rtlCol="0">
+            <a:spAutoFit/>
+          </a:bodyPr>
+          <a:lstStyle/>
+          <a:p>
+            <a:r>
+              <a:rPr kumimoji="1" lang="ja-JP" altLang="en-US"/>
+              <a:t>ベクトル処理</a:t>
+            </a:r>
+          </a:p>
+        </p:txBody>
+      </p:sp>
+      <p:sp>
+        <p:nvSpPr>
+          <p:cNvPr id="41" name="テキスト ボックス 40">
+            <a:extLst>
+              <a:ext uri="{FF2B5EF4-FFF2-40B4-BE49-F238E27FC236}">
+                <a16:creationId xmlns:a16="http://schemas.microsoft.com/office/drawing/2014/main" id="{8432F151-B1B3-411D-B4B9-59F8383E2041}"/>
+              </a:ext>
+            </a:extLst>
+          </p:cNvPr>
+          <p:cNvSpPr txBox="1"/>
+          <p:nvPr/>
+        </p:nvSpPr>
+        <p:spPr>
+          <a:xfrm>
+            <a:off x="6242700" y="5661248"/>
+            <a:ext cx="1569660" cy="369332"/>
+          </a:xfrm>
+          <a:prstGeom prst="rect">
+            <a:avLst/>
+          </a:prstGeom>
+          <a:noFill/>
+        </p:spPr>
+        <p:txBody>
+          <a:bodyPr wrap="none" rtlCol="0">
+            <a:spAutoFit/>
+          </a:bodyPr>
+          <a:lstStyle/>
+          <a:p>
+            <a:r>
+              <a:rPr lang="ja-JP" altLang="en-US"/>
+              <a:t>スカラー</a:t>
+            </a:r>
+            <a:r>
+              <a:rPr kumimoji="1" lang="ja-JP" altLang="en-US"/>
+              <a:t>処理</a:t>
+            </a:r>
+          </a:p>
+        </p:txBody>
+      </p:sp>
+    </p:spTree>
+    <p:extLst>
+      <p:ext uri="{BB962C8B-B14F-4D97-AF65-F5344CB8AC3E}">
+        <p14:creationId xmlns:p14="http://schemas.microsoft.com/office/powerpoint/2010/main" val="1042469433"/>
+      </p:ext>
+    </p:extLst>
+  </p:cSld>
+  <p:clrMapOvr>
+    <a:masterClrMapping/>
+  </p:clrMapOvr>
+</p:sld>
+</file>
+
+<file path=ppt/slides/slide14.xml><?xml version="1.0" encoding="utf-8"?>
+<p:sld xmlns:a="http://schemas.openxmlformats.org/drawingml/2006/main" xmlns:r="http://schemas.openxmlformats.org/officeDocument/2006/relationships" xmlns:p="http://schemas.openxmlformats.org/presentationml/2006/main">
+  <p:cSld>
+    <p:spTree>
+      <p:nvGrpSpPr>
+        <p:cNvPr id="1" name=""/>
+        <p:cNvGrpSpPr/>
+        <p:nvPr/>
+      </p:nvGrpSpPr>
+      <p:grpSpPr>
+        <a:xfrm>
+          <a:off x="0" y="0"/>
+          <a:ext cx="0" cy="0"/>
+          <a:chOff x="0" y="0"/>
+          <a:chExt cx="0" cy="0"/>
+        </a:xfrm>
+      </p:grpSpPr>
+      <p:sp>
+        <p:nvSpPr>
+          <p:cNvPr id="33" name="矢印: 下 32">
+            <a:extLst>
+              <a:ext uri="{FF2B5EF4-FFF2-40B4-BE49-F238E27FC236}">
+                <a16:creationId xmlns:a16="http://schemas.microsoft.com/office/drawing/2014/main" id="{9BBB6D6C-7049-41C8-8B43-485431FFFE70}"/>
+              </a:ext>
+            </a:extLst>
+          </p:cNvPr>
+          <p:cNvSpPr/>
+          <p:nvPr/>
+        </p:nvSpPr>
+        <p:spPr>
+          <a:xfrm>
+            <a:off x="395536" y="2564904"/>
+            <a:ext cx="432048" cy="1728192"/>
+          </a:xfrm>
+          <a:prstGeom prst="downArrow">
+            <a:avLst/>
+          </a:prstGeom>
+          <a:solidFill>
+            <a:schemeClr val="bg1"/>
+          </a:solidFill>
+          <a:ln>
+            <a:solidFill>
+              <a:schemeClr val="tx1"/>
+            </a:solidFill>
+          </a:ln>
+        </p:spPr>
+        <p:style>
+          <a:lnRef idx="2">
+            <a:schemeClr val="accent1">
+              <a:shade val="50000"/>
+            </a:schemeClr>
+          </a:lnRef>
+          <a:fillRef idx="1">
+            <a:schemeClr val="accent1"/>
+          </a:fillRef>
+          <a:effectRef idx="0">
+            <a:schemeClr val="accent1"/>
+          </a:effectRef>
+          <a:fontRef idx="minor">
+            <a:schemeClr val="lt1"/>
+          </a:fontRef>
+        </p:style>
+        <p:txBody>
+          <a:bodyPr rtlCol="0" anchor="ctr"/>
+          <a:lstStyle/>
+          <a:p>
+            <a:pPr algn="ctr"/>
+            <a:endParaRPr kumimoji="1" lang="ja-JP" altLang="en-US">
+              <a:solidFill>
+                <a:schemeClr val="tx1"/>
+              </a:solidFill>
+            </a:endParaRPr>
+          </a:p>
+        </p:txBody>
+      </p:sp>
+      <p:sp>
+        <p:nvSpPr>
+          <p:cNvPr id="34" name="矢印: 下 33">
+            <a:extLst>
+              <a:ext uri="{FF2B5EF4-FFF2-40B4-BE49-F238E27FC236}">
+                <a16:creationId xmlns:a16="http://schemas.microsoft.com/office/drawing/2014/main" id="{710A0171-42B5-49B0-9AA6-24EBFACD881E}"/>
+              </a:ext>
+            </a:extLst>
+          </p:cNvPr>
+          <p:cNvSpPr/>
+          <p:nvPr/>
+        </p:nvSpPr>
+        <p:spPr>
+          <a:xfrm>
+            <a:off x="1115616" y="2564904"/>
+            <a:ext cx="432048" cy="1728192"/>
+          </a:xfrm>
+          <a:prstGeom prst="downArrow">
+            <a:avLst/>
+          </a:prstGeom>
+          <a:solidFill>
+            <a:schemeClr val="bg1"/>
+          </a:solidFill>
+          <a:ln>
+            <a:solidFill>
+              <a:schemeClr val="tx1"/>
+            </a:solidFill>
+          </a:ln>
+        </p:spPr>
+        <p:style>
+          <a:lnRef idx="2">
+            <a:schemeClr val="accent1">
+              <a:shade val="50000"/>
+            </a:schemeClr>
+          </a:lnRef>
+          <a:fillRef idx="1">
+            <a:schemeClr val="accent1"/>
+          </a:fillRef>
+          <a:effectRef idx="0">
+            <a:schemeClr val="accent1"/>
+          </a:effectRef>
+          <a:fontRef idx="minor">
+            <a:schemeClr val="lt1"/>
+          </a:fontRef>
+        </p:style>
+        <p:txBody>
+          <a:bodyPr rtlCol="0" anchor="ctr"/>
+          <a:lstStyle/>
+          <a:p>
+            <a:pPr algn="ctr"/>
+            <a:endParaRPr kumimoji="1" lang="ja-JP" altLang="en-US">
+              <a:solidFill>
+                <a:schemeClr val="tx1"/>
+              </a:solidFill>
+            </a:endParaRPr>
+          </a:p>
+        </p:txBody>
+      </p:sp>
+      <p:sp>
+        <p:nvSpPr>
+          <p:cNvPr id="35" name="矢印: 下 34">
+            <a:extLst>
+              <a:ext uri="{FF2B5EF4-FFF2-40B4-BE49-F238E27FC236}">
+                <a16:creationId xmlns:a16="http://schemas.microsoft.com/office/drawing/2014/main" id="{E5B418EC-DEFC-4D76-B644-1B2E006077AC}"/>
+              </a:ext>
+            </a:extLst>
+          </p:cNvPr>
+          <p:cNvSpPr/>
+          <p:nvPr/>
+        </p:nvSpPr>
+        <p:spPr>
+          <a:xfrm>
+            <a:off x="1835696" y="2564904"/>
+            <a:ext cx="432048" cy="1728192"/>
+          </a:xfrm>
+          <a:prstGeom prst="downArrow">
+            <a:avLst/>
+          </a:prstGeom>
+          <a:solidFill>
+            <a:schemeClr val="bg1"/>
+          </a:solidFill>
+          <a:ln>
+            <a:solidFill>
+              <a:schemeClr val="tx1"/>
+            </a:solidFill>
+          </a:ln>
+        </p:spPr>
+        <p:style>
+          <a:lnRef idx="2">
+            <a:schemeClr val="accent1">
+              <a:shade val="50000"/>
+            </a:schemeClr>
+          </a:lnRef>
+          <a:fillRef idx="1">
+            <a:schemeClr val="accent1"/>
+          </a:fillRef>
+          <a:effectRef idx="0">
+            <a:schemeClr val="accent1"/>
+          </a:effectRef>
+          <a:fontRef idx="minor">
+            <a:schemeClr val="lt1"/>
+          </a:fontRef>
+        </p:style>
+        <p:txBody>
+          <a:bodyPr rtlCol="0" anchor="ctr"/>
+          <a:lstStyle/>
+          <a:p>
+            <a:pPr algn="ctr"/>
+            <a:endParaRPr kumimoji="1" lang="ja-JP" altLang="en-US">
+              <a:solidFill>
+                <a:schemeClr val="tx1"/>
+              </a:solidFill>
+            </a:endParaRPr>
+          </a:p>
+        </p:txBody>
+      </p:sp>
+      <p:sp>
+        <p:nvSpPr>
+          <p:cNvPr id="36" name="矢印: 下 35">
+            <a:extLst>
+              <a:ext uri="{FF2B5EF4-FFF2-40B4-BE49-F238E27FC236}">
+                <a16:creationId xmlns:a16="http://schemas.microsoft.com/office/drawing/2014/main" id="{E9E2190F-FE51-4ACE-8CDB-5D027713F803}"/>
+              </a:ext>
+            </a:extLst>
+          </p:cNvPr>
+          <p:cNvSpPr/>
+          <p:nvPr/>
+        </p:nvSpPr>
+        <p:spPr>
+          <a:xfrm>
+            <a:off x="2555776" y="2564904"/>
+            <a:ext cx="432048" cy="1728192"/>
+          </a:xfrm>
+          <a:prstGeom prst="downArrow">
+            <a:avLst/>
+          </a:prstGeom>
+          <a:solidFill>
+            <a:schemeClr val="bg1"/>
+          </a:solidFill>
+          <a:ln>
+            <a:solidFill>
+              <a:schemeClr val="tx1"/>
+            </a:solidFill>
+          </a:ln>
+        </p:spPr>
+        <p:style>
+          <a:lnRef idx="2">
+            <a:schemeClr val="accent1">
+              <a:shade val="50000"/>
+            </a:schemeClr>
+          </a:lnRef>
+          <a:fillRef idx="1">
+            <a:schemeClr val="accent1"/>
+          </a:fillRef>
+          <a:effectRef idx="0">
+            <a:schemeClr val="accent1"/>
+          </a:effectRef>
+          <a:fontRef idx="minor">
+            <a:schemeClr val="lt1"/>
+          </a:fontRef>
+        </p:style>
+        <p:txBody>
+          <a:bodyPr rtlCol="0" anchor="ctr"/>
+          <a:lstStyle/>
+          <a:p>
+            <a:pPr algn="ctr"/>
+            <a:endParaRPr kumimoji="1" lang="ja-JP" altLang="en-US">
+              <a:solidFill>
+                <a:schemeClr val="tx1"/>
+              </a:solidFill>
+            </a:endParaRPr>
+          </a:p>
+        </p:txBody>
+      </p:sp>
+      <p:sp>
+        <p:nvSpPr>
+          <p:cNvPr id="37" name="矢印: 下 36">
+            <a:extLst>
+              <a:ext uri="{FF2B5EF4-FFF2-40B4-BE49-F238E27FC236}">
+                <a16:creationId xmlns:a16="http://schemas.microsoft.com/office/drawing/2014/main" id="{11C9C38F-5A44-46F1-844B-57BE58D782A0}"/>
+              </a:ext>
+            </a:extLst>
+          </p:cNvPr>
+          <p:cNvSpPr/>
+          <p:nvPr/>
+        </p:nvSpPr>
+        <p:spPr>
+          <a:xfrm>
+            <a:off x="3275856" y="2564904"/>
+            <a:ext cx="432048" cy="1728192"/>
+          </a:xfrm>
+          <a:prstGeom prst="downArrow">
+            <a:avLst/>
+          </a:prstGeom>
+          <a:solidFill>
+            <a:schemeClr val="bg1"/>
+          </a:solidFill>
+          <a:ln>
+            <a:solidFill>
+              <a:schemeClr val="tx1"/>
+            </a:solidFill>
+          </a:ln>
+        </p:spPr>
+        <p:style>
+          <a:lnRef idx="2">
+            <a:schemeClr val="accent1">
+              <a:shade val="50000"/>
+            </a:schemeClr>
+          </a:lnRef>
+          <a:fillRef idx="1">
+            <a:schemeClr val="accent1"/>
+          </a:fillRef>
+          <a:effectRef idx="0">
+            <a:schemeClr val="accent1"/>
+          </a:effectRef>
+          <a:fontRef idx="minor">
+            <a:schemeClr val="lt1"/>
+          </a:fontRef>
+        </p:style>
+        <p:txBody>
+          <a:bodyPr rtlCol="0" anchor="ctr"/>
+          <a:lstStyle/>
+          <a:p>
+            <a:pPr algn="ctr"/>
+            <a:endParaRPr kumimoji="1" lang="ja-JP" altLang="en-US">
+              <a:solidFill>
+                <a:schemeClr val="tx1"/>
+              </a:solidFill>
+            </a:endParaRPr>
+          </a:p>
+        </p:txBody>
+      </p:sp>
+      <p:sp>
+        <p:nvSpPr>
+          <p:cNvPr id="38" name="矢印: 下 37">
+            <a:extLst>
+              <a:ext uri="{FF2B5EF4-FFF2-40B4-BE49-F238E27FC236}">
+                <a16:creationId xmlns:a16="http://schemas.microsoft.com/office/drawing/2014/main" id="{D462C18D-869B-4DEB-992B-332B556386C8}"/>
+              </a:ext>
+            </a:extLst>
+          </p:cNvPr>
+          <p:cNvSpPr/>
+          <p:nvPr/>
+        </p:nvSpPr>
+        <p:spPr>
+          <a:xfrm>
+            <a:off x="3995936" y="2564904"/>
+            <a:ext cx="432048" cy="1728192"/>
+          </a:xfrm>
+          <a:prstGeom prst="downArrow">
+            <a:avLst/>
+          </a:prstGeom>
+          <a:solidFill>
+            <a:schemeClr val="bg1"/>
+          </a:solidFill>
+          <a:ln>
+            <a:solidFill>
+              <a:schemeClr val="tx1"/>
+            </a:solidFill>
+          </a:ln>
+        </p:spPr>
+        <p:style>
+          <a:lnRef idx="2">
+            <a:schemeClr val="accent1">
+              <a:shade val="50000"/>
+            </a:schemeClr>
+          </a:lnRef>
+          <a:fillRef idx="1">
+            <a:schemeClr val="accent1"/>
+          </a:fillRef>
+          <a:effectRef idx="0">
+            <a:schemeClr val="accent1"/>
+          </a:effectRef>
+          <a:fontRef idx="minor">
+            <a:schemeClr val="lt1"/>
+          </a:fontRef>
+        </p:style>
+        <p:txBody>
+          <a:bodyPr rtlCol="0" anchor="ctr"/>
+          <a:lstStyle/>
+          <a:p>
+            <a:pPr algn="ctr"/>
+            <a:endParaRPr kumimoji="1" lang="ja-JP" altLang="en-US">
+              <a:solidFill>
+                <a:schemeClr val="tx1"/>
+              </a:solidFill>
+            </a:endParaRPr>
+          </a:p>
+        </p:txBody>
+      </p:sp>
+      <p:sp>
+        <p:nvSpPr>
+          <p:cNvPr id="39" name="矢印: 下 38">
+            <a:extLst>
+              <a:ext uri="{FF2B5EF4-FFF2-40B4-BE49-F238E27FC236}">
+                <a16:creationId xmlns:a16="http://schemas.microsoft.com/office/drawing/2014/main" id="{40DAAB7A-29D7-407C-B494-E0A6120D2D37}"/>
+              </a:ext>
+            </a:extLst>
+          </p:cNvPr>
+          <p:cNvSpPr/>
+          <p:nvPr/>
+        </p:nvSpPr>
+        <p:spPr>
+          <a:xfrm>
+            <a:off x="4716016" y="2564904"/>
+            <a:ext cx="432048" cy="1728192"/>
+          </a:xfrm>
+          <a:prstGeom prst="downArrow">
+            <a:avLst/>
+          </a:prstGeom>
+          <a:solidFill>
+            <a:schemeClr val="bg1"/>
+          </a:solidFill>
+          <a:ln>
+            <a:solidFill>
+              <a:schemeClr val="tx1"/>
+            </a:solidFill>
+          </a:ln>
+        </p:spPr>
+        <p:style>
+          <a:lnRef idx="2">
+            <a:schemeClr val="accent1">
+              <a:shade val="50000"/>
+            </a:schemeClr>
+          </a:lnRef>
+          <a:fillRef idx="1">
+            <a:schemeClr val="accent1"/>
+          </a:fillRef>
+          <a:effectRef idx="0">
+            <a:schemeClr val="accent1"/>
+          </a:effectRef>
+          <a:fontRef idx="minor">
+            <a:schemeClr val="lt1"/>
+          </a:fontRef>
+        </p:style>
+        <p:txBody>
+          <a:bodyPr rtlCol="0" anchor="ctr"/>
+          <a:lstStyle/>
+          <a:p>
+            <a:pPr algn="ctr"/>
+            <a:endParaRPr kumimoji="1" lang="ja-JP" altLang="en-US">
+              <a:solidFill>
+                <a:schemeClr val="tx1"/>
+              </a:solidFill>
+            </a:endParaRPr>
+          </a:p>
+        </p:txBody>
+      </p:sp>
+      <p:sp>
+        <p:nvSpPr>
+          <p:cNvPr id="40" name="矢印: 下 39">
+            <a:extLst>
+              <a:ext uri="{FF2B5EF4-FFF2-40B4-BE49-F238E27FC236}">
+                <a16:creationId xmlns:a16="http://schemas.microsoft.com/office/drawing/2014/main" id="{89E2136C-EF0E-4C56-BA16-BAC6FE40320B}"/>
+              </a:ext>
+            </a:extLst>
+          </p:cNvPr>
+          <p:cNvSpPr/>
+          <p:nvPr/>
+        </p:nvSpPr>
+        <p:spPr>
+          <a:xfrm>
+            <a:off x="5436096" y="2564904"/>
+            <a:ext cx="432048" cy="1728192"/>
+          </a:xfrm>
+          <a:prstGeom prst="downArrow">
+            <a:avLst/>
+          </a:prstGeom>
+          <a:solidFill>
+            <a:schemeClr val="bg1"/>
+          </a:solidFill>
+          <a:ln>
+            <a:solidFill>
+              <a:schemeClr val="tx1"/>
+            </a:solidFill>
+          </a:ln>
+        </p:spPr>
+        <p:style>
+          <a:lnRef idx="2">
+            <a:schemeClr val="accent1">
+              <a:shade val="50000"/>
+            </a:schemeClr>
+          </a:lnRef>
+          <a:fillRef idx="1">
+            <a:schemeClr val="accent1"/>
+          </a:fillRef>
+          <a:effectRef idx="0">
+            <a:schemeClr val="accent1"/>
+          </a:effectRef>
+          <a:fontRef idx="minor">
+            <a:schemeClr val="lt1"/>
+          </a:fontRef>
+        </p:style>
+        <p:txBody>
+          <a:bodyPr rtlCol="0" anchor="ctr"/>
+          <a:lstStyle/>
+          <a:p>
+            <a:pPr algn="ctr"/>
+            <a:endParaRPr kumimoji="1" lang="ja-JP" altLang="en-US">
+              <a:solidFill>
+                <a:schemeClr val="tx1"/>
+              </a:solidFill>
+            </a:endParaRPr>
+          </a:p>
+        </p:txBody>
+      </p:sp>
+      <p:sp>
+        <p:nvSpPr>
+          <p:cNvPr id="41" name="矢印: 下 40">
+            <a:extLst>
+              <a:ext uri="{FF2B5EF4-FFF2-40B4-BE49-F238E27FC236}">
+                <a16:creationId xmlns:a16="http://schemas.microsoft.com/office/drawing/2014/main" id="{7B5498B2-9EC6-4101-B855-4F6CF90E9FD6}"/>
+              </a:ext>
+            </a:extLst>
+          </p:cNvPr>
+          <p:cNvSpPr/>
+          <p:nvPr/>
+        </p:nvSpPr>
+        <p:spPr>
+          <a:xfrm>
+            <a:off x="6156176" y="2564904"/>
+            <a:ext cx="432048" cy="1728192"/>
+          </a:xfrm>
+          <a:prstGeom prst="downArrow">
+            <a:avLst/>
+          </a:prstGeom>
+          <a:solidFill>
+            <a:schemeClr val="bg1"/>
+          </a:solidFill>
+          <a:ln>
+            <a:solidFill>
+              <a:schemeClr val="tx1"/>
+            </a:solidFill>
+          </a:ln>
+        </p:spPr>
+        <p:style>
+          <a:lnRef idx="2">
+            <a:schemeClr val="accent1">
+              <a:shade val="50000"/>
+            </a:schemeClr>
+          </a:lnRef>
+          <a:fillRef idx="1">
+            <a:schemeClr val="accent1"/>
+          </a:fillRef>
+          <a:effectRef idx="0">
+            <a:schemeClr val="accent1"/>
+          </a:effectRef>
+          <a:fontRef idx="minor">
+            <a:schemeClr val="lt1"/>
+          </a:fontRef>
+        </p:style>
+        <p:txBody>
+          <a:bodyPr rtlCol="0" anchor="ctr"/>
+          <a:lstStyle/>
+          <a:p>
+            <a:pPr algn="ctr"/>
+            <a:endParaRPr kumimoji="1" lang="ja-JP" altLang="en-US">
+              <a:solidFill>
+                <a:schemeClr val="tx1"/>
+              </a:solidFill>
+            </a:endParaRPr>
+          </a:p>
+        </p:txBody>
+      </p:sp>
+      <p:sp>
+        <p:nvSpPr>
+          <p:cNvPr id="42" name="矢印: 下 41">
+            <a:extLst>
+              <a:ext uri="{FF2B5EF4-FFF2-40B4-BE49-F238E27FC236}">
+                <a16:creationId xmlns:a16="http://schemas.microsoft.com/office/drawing/2014/main" id="{601BEFA0-768B-4D36-BDCA-62C3284728F0}"/>
+              </a:ext>
+            </a:extLst>
+          </p:cNvPr>
+          <p:cNvSpPr/>
+          <p:nvPr/>
+        </p:nvSpPr>
+        <p:spPr>
+          <a:xfrm>
+            <a:off x="6876256" y="2564904"/>
+            <a:ext cx="432048" cy="1728192"/>
+          </a:xfrm>
+          <a:prstGeom prst="downArrow">
+            <a:avLst/>
+          </a:prstGeom>
+          <a:solidFill>
+            <a:schemeClr val="bg1"/>
+          </a:solidFill>
+          <a:ln>
+            <a:solidFill>
+              <a:schemeClr val="tx1"/>
+            </a:solidFill>
+          </a:ln>
+        </p:spPr>
+        <p:style>
+          <a:lnRef idx="2">
+            <a:schemeClr val="accent1">
+              <a:shade val="50000"/>
+            </a:schemeClr>
+          </a:lnRef>
+          <a:fillRef idx="1">
+            <a:schemeClr val="accent1"/>
+          </a:fillRef>
+          <a:effectRef idx="0">
+            <a:schemeClr val="accent1"/>
+          </a:effectRef>
+          <a:fontRef idx="minor">
+            <a:schemeClr val="lt1"/>
+          </a:fontRef>
+        </p:style>
+        <p:txBody>
+          <a:bodyPr rtlCol="0" anchor="ctr"/>
+          <a:lstStyle/>
+          <a:p>
+            <a:pPr algn="ctr"/>
+            <a:endParaRPr kumimoji="1" lang="ja-JP" altLang="en-US">
+              <a:solidFill>
+                <a:schemeClr val="tx1"/>
+              </a:solidFill>
+            </a:endParaRPr>
+          </a:p>
+        </p:txBody>
+      </p:sp>
+      <p:sp>
+        <p:nvSpPr>
+          <p:cNvPr id="43" name="矢印: 下 42">
+            <a:extLst>
+              <a:ext uri="{FF2B5EF4-FFF2-40B4-BE49-F238E27FC236}">
+                <a16:creationId xmlns:a16="http://schemas.microsoft.com/office/drawing/2014/main" id="{78E3DC74-8639-4129-BA4D-6193F247D233}"/>
+              </a:ext>
+            </a:extLst>
+          </p:cNvPr>
+          <p:cNvSpPr/>
+          <p:nvPr/>
+        </p:nvSpPr>
+        <p:spPr>
+          <a:xfrm>
+            <a:off x="7596336" y="2564904"/>
+            <a:ext cx="432048" cy="1728192"/>
+          </a:xfrm>
+          <a:prstGeom prst="downArrow">
+            <a:avLst/>
+          </a:prstGeom>
+          <a:solidFill>
+            <a:schemeClr val="bg1"/>
+          </a:solidFill>
+          <a:ln>
+            <a:solidFill>
+              <a:schemeClr val="tx1"/>
+            </a:solidFill>
+          </a:ln>
+        </p:spPr>
+        <p:style>
+          <a:lnRef idx="2">
+            <a:schemeClr val="accent1">
+              <a:shade val="50000"/>
+            </a:schemeClr>
+          </a:lnRef>
+          <a:fillRef idx="1">
+            <a:schemeClr val="accent1"/>
+          </a:fillRef>
+          <a:effectRef idx="0">
+            <a:schemeClr val="accent1"/>
+          </a:effectRef>
+          <a:fontRef idx="minor">
+            <a:schemeClr val="lt1"/>
+          </a:fontRef>
+        </p:style>
+        <p:txBody>
+          <a:bodyPr rtlCol="0" anchor="ctr"/>
+          <a:lstStyle/>
+          <a:p>
+            <a:pPr algn="ctr"/>
+            <a:endParaRPr kumimoji="1" lang="ja-JP" altLang="en-US">
+              <a:solidFill>
+                <a:schemeClr val="tx1"/>
+              </a:solidFill>
+            </a:endParaRPr>
+          </a:p>
+        </p:txBody>
+      </p:sp>
+      <p:sp>
+        <p:nvSpPr>
+          <p:cNvPr id="2" name="テキスト プレースホルダー 1">
+            <a:extLst>
+              <a:ext uri="{FF2B5EF4-FFF2-40B4-BE49-F238E27FC236}">
+                <a16:creationId xmlns:a16="http://schemas.microsoft.com/office/drawing/2014/main" id="{26772FC4-936B-4F9B-9243-C8F1FE5D9BA2}"/>
+              </a:ext>
+            </a:extLst>
+          </p:cNvPr>
+          <p:cNvSpPr>
+            <a:spLocks noGrp="1"/>
+          </p:cNvSpPr>
+          <p:nvPr>
+            <p:ph type="body" sz="quarter" idx="10"/>
+          </p:nvPr>
+        </p:nvSpPr>
+        <p:spPr/>
+        <p:txBody>
+          <a:bodyPr/>
+          <a:lstStyle/>
+          <a:p>
+            <a:r>
+              <a:rPr lang="ja-JP" altLang="en-US"/>
+              <a:t>マスク処理</a:t>
+            </a:r>
+            <a:endParaRPr kumimoji="1" lang="ja-JP" altLang="en-US"/>
+          </a:p>
+        </p:txBody>
+      </p:sp>
+      <p:sp>
+        <p:nvSpPr>
+          <p:cNvPr id="3" name="正方形/長方形 2">
+            <a:extLst>
+              <a:ext uri="{FF2B5EF4-FFF2-40B4-BE49-F238E27FC236}">
+                <a16:creationId xmlns:a16="http://schemas.microsoft.com/office/drawing/2014/main" id="{FD4DF23B-94F1-49FF-BDDA-EC0F1654A23A}"/>
+              </a:ext>
+            </a:extLst>
+          </p:cNvPr>
+          <p:cNvSpPr/>
+          <p:nvPr/>
+        </p:nvSpPr>
+        <p:spPr>
+          <a:xfrm>
+            <a:off x="251520" y="1556792"/>
+            <a:ext cx="7920880" cy="720080"/>
+          </a:xfrm>
+          <a:prstGeom prst="rect">
+            <a:avLst/>
+          </a:prstGeom>
+          <a:solidFill>
+            <a:schemeClr val="bg1"/>
+          </a:solidFill>
+          <a:ln>
+            <a:solidFill>
+              <a:schemeClr val="tx1"/>
+            </a:solidFill>
+          </a:ln>
+        </p:spPr>
+        <p:style>
+          <a:lnRef idx="2">
+            <a:schemeClr val="accent1">
+              <a:shade val="50000"/>
+            </a:schemeClr>
+          </a:lnRef>
+          <a:fillRef idx="1">
+            <a:schemeClr val="accent1"/>
+          </a:fillRef>
+          <a:effectRef idx="0">
+            <a:schemeClr val="accent1"/>
+          </a:effectRef>
+          <a:fontRef idx="minor">
+            <a:schemeClr val="lt1"/>
+          </a:fontRef>
+        </p:style>
+        <p:txBody>
+          <a:bodyPr rtlCol="0" anchor="ctr"/>
+          <a:lstStyle/>
+          <a:p>
+            <a:pPr algn="ctr"/>
+            <a:endParaRPr kumimoji="1" lang="ja-JP" altLang="en-US">
+              <a:solidFill>
+                <a:schemeClr val="tx1"/>
+              </a:solidFill>
+            </a:endParaRPr>
+          </a:p>
+        </p:txBody>
+      </p:sp>
+      <p:cxnSp>
+        <p:nvCxnSpPr>
+          <p:cNvPr id="4" name="直線コネクタ 3">
+            <a:extLst>
+              <a:ext uri="{FF2B5EF4-FFF2-40B4-BE49-F238E27FC236}">
+                <a16:creationId xmlns:a16="http://schemas.microsoft.com/office/drawing/2014/main" id="{46883398-C4C2-4B77-860F-ADFF5613F8A9}"/>
+              </a:ext>
+            </a:extLst>
+          </p:cNvPr>
+          <p:cNvCxnSpPr/>
+          <p:nvPr/>
+        </p:nvCxnSpPr>
+        <p:spPr>
+          <a:xfrm>
+            <a:off x="971600" y="1556792"/>
+            <a:ext cx="0" cy="720080"/>
+          </a:xfrm>
+          <a:prstGeom prst="line">
+            <a:avLst/>
+          </a:prstGeom>
+          <a:ln>
+            <a:solidFill>
+              <a:schemeClr val="tx1"/>
+            </a:solidFill>
+            <a:headEnd type="none" w="med" len="med"/>
+            <a:tailEnd type="none" w="med" len="med"/>
+          </a:ln>
+        </p:spPr>
+        <p:style>
+          <a:lnRef idx="1">
+            <a:schemeClr val="accent1"/>
+          </a:lnRef>
+          <a:fillRef idx="0">
+            <a:schemeClr val="accent1"/>
+          </a:fillRef>
+          <a:effectRef idx="0">
+            <a:schemeClr val="accent1"/>
+          </a:effectRef>
+          <a:fontRef idx="minor">
+            <a:schemeClr val="tx1"/>
+          </a:fontRef>
+        </p:style>
+      </p:cxnSp>
+      <p:cxnSp>
+        <p:nvCxnSpPr>
+          <p:cNvPr id="5" name="直線コネクタ 4">
+            <a:extLst>
+              <a:ext uri="{FF2B5EF4-FFF2-40B4-BE49-F238E27FC236}">
+                <a16:creationId xmlns:a16="http://schemas.microsoft.com/office/drawing/2014/main" id="{B0EE8DC4-E21A-44A8-91A5-408E5422A028}"/>
+              </a:ext>
+            </a:extLst>
+          </p:cNvPr>
+          <p:cNvCxnSpPr/>
+          <p:nvPr/>
+        </p:nvCxnSpPr>
+        <p:spPr>
+          <a:xfrm>
+            <a:off x="1691680" y="1556792"/>
+            <a:ext cx="0" cy="720080"/>
+          </a:xfrm>
+          <a:prstGeom prst="line">
+            <a:avLst/>
+          </a:prstGeom>
+          <a:ln>
+            <a:solidFill>
+              <a:schemeClr val="tx1"/>
+            </a:solidFill>
+            <a:headEnd type="none" w="med" len="med"/>
+            <a:tailEnd type="none" w="med" len="med"/>
+          </a:ln>
+        </p:spPr>
+        <p:style>
+          <a:lnRef idx="1">
+            <a:schemeClr val="accent1"/>
+          </a:lnRef>
+          <a:fillRef idx="0">
+            <a:schemeClr val="accent1"/>
+          </a:fillRef>
+          <a:effectRef idx="0">
+            <a:schemeClr val="accent1"/>
+          </a:effectRef>
+          <a:fontRef idx="minor">
+            <a:schemeClr val="tx1"/>
+          </a:fontRef>
+        </p:style>
+      </p:cxnSp>
+      <p:cxnSp>
+        <p:nvCxnSpPr>
+          <p:cNvPr id="6" name="直線コネクタ 5">
+            <a:extLst>
+              <a:ext uri="{FF2B5EF4-FFF2-40B4-BE49-F238E27FC236}">
+                <a16:creationId xmlns:a16="http://schemas.microsoft.com/office/drawing/2014/main" id="{64686FD3-0DC8-4157-ABC8-7B5FD790B89E}"/>
+              </a:ext>
+            </a:extLst>
+          </p:cNvPr>
+          <p:cNvCxnSpPr/>
+          <p:nvPr/>
+        </p:nvCxnSpPr>
+        <p:spPr>
+          <a:xfrm>
+            <a:off x="2411760" y="1556792"/>
+            <a:ext cx="0" cy="720080"/>
+          </a:xfrm>
+          <a:prstGeom prst="line">
+            <a:avLst/>
+          </a:prstGeom>
+          <a:ln>
+            <a:solidFill>
+              <a:schemeClr val="tx1"/>
+            </a:solidFill>
+            <a:headEnd type="none" w="med" len="med"/>
+            <a:tailEnd type="none" w="med" len="med"/>
+          </a:ln>
+        </p:spPr>
+        <p:style>
+          <a:lnRef idx="1">
+            <a:schemeClr val="accent1"/>
+          </a:lnRef>
+          <a:fillRef idx="0">
+            <a:schemeClr val="accent1"/>
+          </a:fillRef>
+          <a:effectRef idx="0">
+            <a:schemeClr val="accent1"/>
+          </a:effectRef>
+          <a:fontRef idx="minor">
+            <a:schemeClr val="tx1"/>
+          </a:fontRef>
+        </p:style>
+      </p:cxnSp>
+      <p:cxnSp>
+        <p:nvCxnSpPr>
+          <p:cNvPr id="7" name="直線コネクタ 6">
+            <a:extLst>
+              <a:ext uri="{FF2B5EF4-FFF2-40B4-BE49-F238E27FC236}">
+                <a16:creationId xmlns:a16="http://schemas.microsoft.com/office/drawing/2014/main" id="{4E1CE211-7A51-4978-8818-F4DB201A9FEA}"/>
+              </a:ext>
+            </a:extLst>
+          </p:cNvPr>
+          <p:cNvCxnSpPr/>
+          <p:nvPr/>
+        </p:nvCxnSpPr>
+        <p:spPr>
+          <a:xfrm>
+            <a:off x="3131840" y="1556792"/>
+            <a:ext cx="0" cy="720080"/>
+          </a:xfrm>
+          <a:prstGeom prst="line">
+            <a:avLst/>
+          </a:prstGeom>
+          <a:ln>
+            <a:solidFill>
+              <a:schemeClr val="tx1"/>
+            </a:solidFill>
+            <a:headEnd type="none" w="med" len="med"/>
+            <a:tailEnd type="none" w="med" len="med"/>
+          </a:ln>
+        </p:spPr>
+        <p:style>
+          <a:lnRef idx="1">
+            <a:schemeClr val="accent1"/>
+          </a:lnRef>
+          <a:fillRef idx="0">
+            <a:schemeClr val="accent1"/>
+          </a:fillRef>
+          <a:effectRef idx="0">
+            <a:schemeClr val="accent1"/>
+          </a:effectRef>
+          <a:fontRef idx="minor">
+            <a:schemeClr val="tx1"/>
+          </a:fontRef>
+        </p:style>
+      </p:cxnSp>
+      <p:cxnSp>
+        <p:nvCxnSpPr>
+          <p:cNvPr id="8" name="直線コネクタ 7">
+            <a:extLst>
+              <a:ext uri="{FF2B5EF4-FFF2-40B4-BE49-F238E27FC236}">
+                <a16:creationId xmlns:a16="http://schemas.microsoft.com/office/drawing/2014/main" id="{022E92AA-68BC-4B8E-88E5-178F9AD63A42}"/>
+              </a:ext>
+            </a:extLst>
+          </p:cNvPr>
+          <p:cNvCxnSpPr/>
+          <p:nvPr/>
+        </p:nvCxnSpPr>
+        <p:spPr>
+          <a:xfrm>
+            <a:off x="3851920" y="1556792"/>
+            <a:ext cx="0" cy="720080"/>
+          </a:xfrm>
+          <a:prstGeom prst="line">
+            <a:avLst/>
+          </a:prstGeom>
+          <a:ln>
+            <a:solidFill>
+              <a:schemeClr val="tx1"/>
+            </a:solidFill>
+            <a:headEnd type="none" w="med" len="med"/>
+            <a:tailEnd type="none" w="med" len="med"/>
+          </a:ln>
+        </p:spPr>
+        <p:style>
+          <a:lnRef idx="1">
+            <a:schemeClr val="accent1"/>
+          </a:lnRef>
+          <a:fillRef idx="0">
+            <a:schemeClr val="accent1"/>
+          </a:fillRef>
+          <a:effectRef idx="0">
+            <a:schemeClr val="accent1"/>
+          </a:effectRef>
+          <a:fontRef idx="minor">
+            <a:schemeClr val="tx1"/>
+          </a:fontRef>
+        </p:style>
+      </p:cxnSp>
+      <p:cxnSp>
+        <p:nvCxnSpPr>
+          <p:cNvPr id="9" name="直線コネクタ 8">
+            <a:extLst>
+              <a:ext uri="{FF2B5EF4-FFF2-40B4-BE49-F238E27FC236}">
+                <a16:creationId xmlns:a16="http://schemas.microsoft.com/office/drawing/2014/main" id="{07E41190-67A8-4A3B-8519-084F93AAB107}"/>
+              </a:ext>
+            </a:extLst>
+          </p:cNvPr>
+          <p:cNvCxnSpPr/>
+          <p:nvPr/>
+        </p:nvCxnSpPr>
+        <p:spPr>
+          <a:xfrm>
+            <a:off x="4572000" y="1556792"/>
+            <a:ext cx="0" cy="720080"/>
+          </a:xfrm>
+          <a:prstGeom prst="line">
+            <a:avLst/>
+          </a:prstGeom>
+          <a:ln>
+            <a:solidFill>
+              <a:schemeClr val="tx1"/>
+            </a:solidFill>
+            <a:headEnd type="none" w="med" len="med"/>
+            <a:tailEnd type="none" w="med" len="med"/>
+          </a:ln>
+        </p:spPr>
+        <p:style>
+          <a:lnRef idx="1">
+            <a:schemeClr val="accent1"/>
+          </a:lnRef>
+          <a:fillRef idx="0">
+            <a:schemeClr val="accent1"/>
+          </a:fillRef>
+          <a:effectRef idx="0">
+            <a:schemeClr val="accent1"/>
+          </a:effectRef>
+          <a:fontRef idx="minor">
+            <a:schemeClr val="tx1"/>
+          </a:fontRef>
+        </p:style>
+      </p:cxnSp>
+      <p:cxnSp>
+        <p:nvCxnSpPr>
+          <p:cNvPr id="10" name="直線コネクタ 9">
+            <a:extLst>
+              <a:ext uri="{FF2B5EF4-FFF2-40B4-BE49-F238E27FC236}">
+                <a16:creationId xmlns:a16="http://schemas.microsoft.com/office/drawing/2014/main" id="{7D948077-D5E7-4B06-B786-69785568B93C}"/>
+              </a:ext>
+            </a:extLst>
+          </p:cNvPr>
+          <p:cNvCxnSpPr/>
+          <p:nvPr/>
+        </p:nvCxnSpPr>
+        <p:spPr>
+          <a:xfrm>
+            <a:off x="5292080" y="1556792"/>
+            <a:ext cx="0" cy="720080"/>
+          </a:xfrm>
+          <a:prstGeom prst="line">
+            <a:avLst/>
+          </a:prstGeom>
+          <a:ln>
+            <a:solidFill>
+              <a:schemeClr val="tx1"/>
+            </a:solidFill>
+            <a:headEnd type="none" w="med" len="med"/>
+            <a:tailEnd type="none" w="med" len="med"/>
+          </a:ln>
+        </p:spPr>
+        <p:style>
+          <a:lnRef idx="1">
+            <a:schemeClr val="accent1"/>
+          </a:lnRef>
+          <a:fillRef idx="0">
+            <a:schemeClr val="accent1"/>
+          </a:fillRef>
+          <a:effectRef idx="0">
+            <a:schemeClr val="accent1"/>
+          </a:effectRef>
+          <a:fontRef idx="minor">
+            <a:schemeClr val="tx1"/>
+          </a:fontRef>
+        </p:style>
+      </p:cxnSp>
+      <p:cxnSp>
+        <p:nvCxnSpPr>
+          <p:cNvPr id="11" name="直線コネクタ 10">
+            <a:extLst>
+              <a:ext uri="{FF2B5EF4-FFF2-40B4-BE49-F238E27FC236}">
+                <a16:creationId xmlns:a16="http://schemas.microsoft.com/office/drawing/2014/main" id="{8752B5CC-3A87-4F21-8B42-CB634486A8CA}"/>
+              </a:ext>
+            </a:extLst>
+          </p:cNvPr>
+          <p:cNvCxnSpPr/>
+          <p:nvPr/>
+        </p:nvCxnSpPr>
+        <p:spPr>
+          <a:xfrm>
+            <a:off x="6012160" y="1556792"/>
+            <a:ext cx="0" cy="720080"/>
+          </a:xfrm>
+          <a:prstGeom prst="line">
+            <a:avLst/>
+          </a:prstGeom>
+          <a:ln>
+            <a:solidFill>
+              <a:schemeClr val="tx1"/>
+            </a:solidFill>
+            <a:headEnd type="none" w="med" len="med"/>
+            <a:tailEnd type="none" w="med" len="med"/>
+          </a:ln>
+        </p:spPr>
+        <p:style>
+          <a:lnRef idx="1">
+            <a:schemeClr val="accent1"/>
+          </a:lnRef>
+          <a:fillRef idx="0">
+            <a:schemeClr val="accent1"/>
+          </a:fillRef>
+          <a:effectRef idx="0">
+            <a:schemeClr val="accent1"/>
+          </a:effectRef>
+          <a:fontRef idx="minor">
+            <a:schemeClr val="tx1"/>
+          </a:fontRef>
+        </p:style>
+      </p:cxnSp>
+      <p:cxnSp>
+        <p:nvCxnSpPr>
+          <p:cNvPr id="12" name="直線コネクタ 11">
+            <a:extLst>
+              <a:ext uri="{FF2B5EF4-FFF2-40B4-BE49-F238E27FC236}">
+                <a16:creationId xmlns:a16="http://schemas.microsoft.com/office/drawing/2014/main" id="{82547A64-B090-4A29-B152-5950F07A1130}"/>
+              </a:ext>
+            </a:extLst>
+          </p:cNvPr>
+          <p:cNvCxnSpPr/>
+          <p:nvPr/>
+        </p:nvCxnSpPr>
+        <p:spPr>
+          <a:xfrm>
+            <a:off x="6732240" y="1556792"/>
+            <a:ext cx="0" cy="720080"/>
+          </a:xfrm>
+          <a:prstGeom prst="line">
+            <a:avLst/>
+          </a:prstGeom>
+          <a:ln>
+            <a:solidFill>
+              <a:schemeClr val="tx1"/>
+            </a:solidFill>
+            <a:headEnd type="none" w="med" len="med"/>
+            <a:tailEnd type="none" w="med" len="med"/>
+          </a:ln>
+        </p:spPr>
+        <p:style>
+          <a:lnRef idx="1">
+            <a:schemeClr val="accent1"/>
+          </a:lnRef>
+          <a:fillRef idx="0">
+            <a:schemeClr val="accent1"/>
+          </a:fillRef>
+          <a:effectRef idx="0">
+            <a:schemeClr val="accent1"/>
+          </a:effectRef>
+          <a:fontRef idx="minor">
+            <a:schemeClr val="tx1"/>
+          </a:fontRef>
+        </p:style>
+      </p:cxnSp>
+      <p:cxnSp>
+        <p:nvCxnSpPr>
+          <p:cNvPr id="13" name="直線コネクタ 12">
+            <a:extLst>
+              <a:ext uri="{FF2B5EF4-FFF2-40B4-BE49-F238E27FC236}">
+                <a16:creationId xmlns:a16="http://schemas.microsoft.com/office/drawing/2014/main" id="{BA4C2F2D-E7CB-47D8-A6AD-EDB012B114C7}"/>
+              </a:ext>
+            </a:extLst>
+          </p:cNvPr>
+          <p:cNvCxnSpPr/>
+          <p:nvPr/>
+        </p:nvCxnSpPr>
+        <p:spPr>
+          <a:xfrm>
+            <a:off x="7452320" y="1556792"/>
+            <a:ext cx="0" cy="720080"/>
+          </a:xfrm>
+          <a:prstGeom prst="line">
+            <a:avLst/>
+          </a:prstGeom>
+          <a:ln>
+            <a:solidFill>
+              <a:schemeClr val="tx1"/>
+            </a:solidFill>
+            <a:headEnd type="none" w="med" len="med"/>
+            <a:tailEnd type="none" w="med" len="med"/>
+          </a:ln>
+        </p:spPr>
+        <p:style>
+          <a:lnRef idx="1">
+            <a:schemeClr val="accent1"/>
+          </a:lnRef>
+          <a:fillRef idx="0">
+            <a:schemeClr val="accent1"/>
+          </a:fillRef>
+          <a:effectRef idx="0">
+            <a:schemeClr val="accent1"/>
+          </a:effectRef>
+          <a:fontRef idx="minor">
+            <a:schemeClr val="tx1"/>
+          </a:fontRef>
+        </p:style>
+      </p:cxnSp>
+      <p:sp>
+        <p:nvSpPr>
+          <p:cNvPr id="14" name="正方形/長方形 13">
+            <a:extLst>
+              <a:ext uri="{FF2B5EF4-FFF2-40B4-BE49-F238E27FC236}">
+                <a16:creationId xmlns:a16="http://schemas.microsoft.com/office/drawing/2014/main" id="{79BC466F-2975-477F-A21A-C9ADD27575B6}"/>
+              </a:ext>
+            </a:extLst>
+          </p:cNvPr>
+          <p:cNvSpPr/>
+          <p:nvPr/>
+        </p:nvSpPr>
+        <p:spPr>
+          <a:xfrm>
+            <a:off x="251520" y="4437112"/>
+            <a:ext cx="2880320" cy="720080"/>
+          </a:xfrm>
+          <a:prstGeom prst="rect">
+            <a:avLst/>
+          </a:prstGeom>
+          <a:solidFill>
+            <a:srgbClr val="92D050"/>
+          </a:solidFill>
+          <a:ln>
+            <a:solidFill>
+              <a:schemeClr val="tx1"/>
+            </a:solidFill>
+          </a:ln>
+        </p:spPr>
+        <p:style>
+          <a:lnRef idx="2">
+            <a:schemeClr val="accent1">
+              <a:shade val="50000"/>
+            </a:schemeClr>
+          </a:lnRef>
+          <a:fillRef idx="1">
+            <a:schemeClr val="accent1"/>
+          </a:fillRef>
+          <a:effectRef idx="0">
+            <a:schemeClr val="accent1"/>
+          </a:effectRef>
+          <a:fontRef idx="minor">
+            <a:schemeClr val="lt1"/>
+          </a:fontRef>
+        </p:style>
+        <p:txBody>
+          <a:bodyPr rtlCol="0" anchor="ctr"/>
+          <a:lstStyle/>
+          <a:p>
+            <a:pPr algn="ctr"/>
+            <a:endParaRPr kumimoji="1" lang="ja-JP" altLang="en-US">
+              <a:solidFill>
+                <a:schemeClr val="tx1"/>
+              </a:solidFill>
+            </a:endParaRPr>
+          </a:p>
+        </p:txBody>
+      </p:sp>
+      <p:sp>
+        <p:nvSpPr>
+          <p:cNvPr id="15" name="正方形/長方形 14">
+            <a:extLst>
+              <a:ext uri="{FF2B5EF4-FFF2-40B4-BE49-F238E27FC236}">
+                <a16:creationId xmlns:a16="http://schemas.microsoft.com/office/drawing/2014/main" id="{8C2BDEB3-4F4B-40BC-A485-79F06C6BB2AB}"/>
+              </a:ext>
+            </a:extLst>
+          </p:cNvPr>
+          <p:cNvSpPr/>
+          <p:nvPr/>
+        </p:nvSpPr>
+        <p:spPr>
+          <a:xfrm>
+            <a:off x="3131840" y="4437112"/>
+            <a:ext cx="2880320" cy="720080"/>
+          </a:xfrm>
+          <a:prstGeom prst="rect">
+            <a:avLst/>
+          </a:prstGeom>
+          <a:solidFill>
+            <a:srgbClr val="FFC000"/>
+          </a:solidFill>
+          <a:ln>
+            <a:solidFill>
+              <a:schemeClr val="tx1"/>
+            </a:solidFill>
+          </a:ln>
+        </p:spPr>
+        <p:style>
+          <a:lnRef idx="2">
+            <a:schemeClr val="accent1">
+              <a:shade val="50000"/>
+            </a:schemeClr>
+          </a:lnRef>
+          <a:fillRef idx="1">
+            <a:schemeClr val="accent1"/>
+          </a:fillRef>
+          <a:effectRef idx="0">
+            <a:schemeClr val="accent1"/>
+          </a:effectRef>
+          <a:fontRef idx="minor">
+            <a:schemeClr val="lt1"/>
+          </a:fontRef>
+        </p:style>
+        <p:txBody>
+          <a:bodyPr rtlCol="0" anchor="ctr"/>
+          <a:lstStyle/>
+          <a:p>
+            <a:pPr algn="ctr"/>
+            <a:endParaRPr kumimoji="1" lang="ja-JP" altLang="en-US">
+              <a:solidFill>
+                <a:schemeClr val="tx1"/>
+              </a:solidFill>
+            </a:endParaRPr>
+          </a:p>
+        </p:txBody>
+      </p:sp>
+      <p:sp>
+        <p:nvSpPr>
+          <p:cNvPr id="16" name="正方形/長方形 15">
+            <a:extLst>
+              <a:ext uri="{FF2B5EF4-FFF2-40B4-BE49-F238E27FC236}">
+                <a16:creationId xmlns:a16="http://schemas.microsoft.com/office/drawing/2014/main" id="{35AA263C-0AC2-4925-A7EC-A988C50F18B4}"/>
+              </a:ext>
+            </a:extLst>
+          </p:cNvPr>
+          <p:cNvSpPr/>
+          <p:nvPr/>
+        </p:nvSpPr>
+        <p:spPr>
+          <a:xfrm>
+            <a:off x="6012160" y="4437112"/>
+            <a:ext cx="2880320" cy="720080"/>
+          </a:xfrm>
+          <a:prstGeom prst="rect">
+            <a:avLst/>
+          </a:prstGeom>
+          <a:solidFill>
+            <a:schemeClr val="accent1">
+              <a:lumMod val="40000"/>
+              <a:lumOff val="60000"/>
+            </a:schemeClr>
+          </a:solidFill>
+          <a:ln>
+            <a:solidFill>
+              <a:schemeClr val="tx1"/>
+            </a:solidFill>
+          </a:ln>
+        </p:spPr>
+        <p:style>
+          <a:lnRef idx="2">
+            <a:schemeClr val="accent1">
+              <a:shade val="50000"/>
+            </a:schemeClr>
+          </a:lnRef>
+          <a:fillRef idx="1">
+            <a:schemeClr val="accent1"/>
+          </a:fillRef>
+          <a:effectRef idx="0">
+            <a:schemeClr val="accent1"/>
+          </a:effectRef>
+          <a:fontRef idx="minor">
+            <a:schemeClr val="lt1"/>
+          </a:fontRef>
+        </p:style>
+        <p:txBody>
+          <a:bodyPr rtlCol="0" anchor="ctr"/>
+          <a:lstStyle/>
+          <a:p>
+            <a:pPr algn="ctr"/>
+            <a:endParaRPr kumimoji="1" lang="ja-JP" altLang="en-US">
+              <a:solidFill>
+                <a:schemeClr val="tx1"/>
+              </a:solidFill>
+            </a:endParaRPr>
+          </a:p>
+        </p:txBody>
+      </p:sp>
+      <p:sp>
+        <p:nvSpPr>
+          <p:cNvPr id="17" name="正方形/長方形 16">
+            <a:extLst>
+              <a:ext uri="{FF2B5EF4-FFF2-40B4-BE49-F238E27FC236}">
+                <a16:creationId xmlns:a16="http://schemas.microsoft.com/office/drawing/2014/main" id="{03508500-6606-47D3-878E-17FC57482053}"/>
+              </a:ext>
+            </a:extLst>
+          </p:cNvPr>
+          <p:cNvSpPr/>
+          <p:nvPr/>
+        </p:nvSpPr>
+        <p:spPr>
+          <a:xfrm>
+            <a:off x="251520" y="2996952"/>
+            <a:ext cx="2880320" cy="720080"/>
+          </a:xfrm>
+          <a:prstGeom prst="rect">
+            <a:avLst/>
+          </a:prstGeom>
+          <a:solidFill>
+            <a:schemeClr val="accent2">
+              <a:lumMod val="20000"/>
+              <a:lumOff val="80000"/>
+            </a:schemeClr>
+          </a:solidFill>
+          <a:ln>
+            <a:solidFill>
+              <a:schemeClr val="tx1"/>
+            </a:solidFill>
+          </a:ln>
+        </p:spPr>
+        <p:style>
+          <a:lnRef idx="2">
+            <a:schemeClr val="accent1">
+              <a:shade val="50000"/>
+            </a:schemeClr>
+          </a:lnRef>
+          <a:fillRef idx="1">
+            <a:schemeClr val="accent1"/>
+          </a:fillRef>
+          <a:effectRef idx="0">
+            <a:schemeClr val="accent1"/>
+          </a:effectRef>
+          <a:fontRef idx="minor">
+            <a:schemeClr val="lt1"/>
+          </a:fontRef>
+        </p:style>
+        <p:txBody>
+          <a:bodyPr rtlCol="0" anchor="ctr"/>
+          <a:lstStyle/>
+          <a:p>
+            <a:pPr algn="ctr"/>
+            <a:endParaRPr kumimoji="1" lang="ja-JP" altLang="en-US">
+              <a:solidFill>
+                <a:schemeClr val="tx1"/>
+              </a:solidFill>
+            </a:endParaRPr>
+          </a:p>
+        </p:txBody>
+      </p:sp>
+      <p:pic>
+        <p:nvPicPr>
+          <p:cNvPr id="18" name="Picture 2" descr="丸のマークのイラスト「○」">
+            <a:extLst>
+              <a:ext uri="{FF2B5EF4-FFF2-40B4-BE49-F238E27FC236}">
+                <a16:creationId xmlns:a16="http://schemas.microsoft.com/office/drawing/2014/main" id="{42CF9DC9-2F1D-43DB-B011-905C4AA628F2}"/>
+              </a:ext>
+            </a:extLst>
+          </p:cNvPr>
+          <p:cNvPicPr>
+            <a:picLocks noChangeAspect="1" noChangeArrowheads="1"/>
+          </p:cNvPicPr>
+          <p:nvPr/>
+        </p:nvPicPr>
+        <p:blipFill>
+          <a:blip r:embed="rId2" cstate="print">
+            <a:extLst>
+              <a:ext uri="{28A0092B-C50C-407E-A947-70E740481C1C}">
+                <a14:useLocalDpi xmlns:a14="http://schemas.microsoft.com/office/drawing/2010/main" val="0"/>
+              </a:ext>
+            </a:extLst>
+          </a:blip>
+          <a:srcRect/>
+          <a:stretch>
+            <a:fillRect/>
+          </a:stretch>
+        </p:blipFill>
+        <p:spPr bwMode="auto">
+          <a:xfrm>
+            <a:off x="323528" y="3071862"/>
+            <a:ext cx="576064" cy="576064"/>
+          </a:xfrm>
+          <a:prstGeom prst="rect">
+            <a:avLst/>
+          </a:prstGeom>
+          <a:noFill/>
+          <a:extLst>
+            <a:ext uri="{909E8E84-426E-40DD-AFC4-6F175D3DCCD1}">
+              <a14:hiddenFill xmlns:a14="http://schemas.microsoft.com/office/drawing/2010/main">
+                <a:solidFill>
+                  <a:srgbClr val="FFFFFF"/>
+                </a:solidFill>
+              </a14:hiddenFill>
+            </a:ext>
+          </a:extLst>
+        </p:spPr>
+      </p:pic>
+      <p:pic>
+        <p:nvPicPr>
+          <p:cNvPr id="19" name="Picture 2" descr="丸のマークのイラスト「○」">
+            <a:extLst>
+              <a:ext uri="{FF2B5EF4-FFF2-40B4-BE49-F238E27FC236}">
+                <a16:creationId xmlns:a16="http://schemas.microsoft.com/office/drawing/2014/main" id="{0D619B3E-5A9A-4CCB-A815-5B7CC5CDD840}"/>
+              </a:ext>
+            </a:extLst>
+          </p:cNvPr>
+          <p:cNvPicPr>
+            <a:picLocks noChangeAspect="1" noChangeArrowheads="1"/>
+          </p:cNvPicPr>
+          <p:nvPr/>
+        </p:nvPicPr>
+        <p:blipFill>
+          <a:blip r:embed="rId2" cstate="print">
+            <a:extLst>
+              <a:ext uri="{28A0092B-C50C-407E-A947-70E740481C1C}">
+                <a14:useLocalDpi xmlns:a14="http://schemas.microsoft.com/office/drawing/2010/main" val="0"/>
+              </a:ext>
+            </a:extLst>
+          </a:blip>
+          <a:srcRect/>
+          <a:stretch>
+            <a:fillRect/>
+          </a:stretch>
+        </p:blipFill>
+        <p:spPr bwMode="auto">
+          <a:xfrm>
+            <a:off x="1043608" y="3068960"/>
+            <a:ext cx="576064" cy="576064"/>
+          </a:xfrm>
+          <a:prstGeom prst="rect">
+            <a:avLst/>
+          </a:prstGeom>
+          <a:noFill/>
+          <a:extLst>
+            <a:ext uri="{909E8E84-426E-40DD-AFC4-6F175D3DCCD1}">
+              <a14:hiddenFill xmlns:a14="http://schemas.microsoft.com/office/drawing/2010/main">
+                <a:solidFill>
+                  <a:srgbClr val="FFFFFF"/>
+                </a:solidFill>
+              </a14:hiddenFill>
+            </a:ext>
+          </a:extLst>
+        </p:spPr>
+      </p:pic>
+      <p:pic>
+        <p:nvPicPr>
+          <p:cNvPr id="20" name="Picture 2" descr="丸のマークのイラスト「○」">
+            <a:extLst>
+              <a:ext uri="{FF2B5EF4-FFF2-40B4-BE49-F238E27FC236}">
+                <a16:creationId xmlns:a16="http://schemas.microsoft.com/office/drawing/2014/main" id="{C4ECB161-D15E-46DC-A13F-C7967F35FFD3}"/>
+              </a:ext>
+            </a:extLst>
+          </p:cNvPr>
+          <p:cNvPicPr>
+            <a:picLocks noChangeAspect="1" noChangeArrowheads="1"/>
+          </p:cNvPicPr>
+          <p:nvPr/>
+        </p:nvPicPr>
+        <p:blipFill>
+          <a:blip r:embed="rId2" cstate="print">
+            <a:extLst>
+              <a:ext uri="{28A0092B-C50C-407E-A947-70E740481C1C}">
+                <a14:useLocalDpi xmlns:a14="http://schemas.microsoft.com/office/drawing/2010/main" val="0"/>
+              </a:ext>
+            </a:extLst>
+          </a:blip>
+          <a:srcRect/>
+          <a:stretch>
+            <a:fillRect/>
+          </a:stretch>
+        </p:blipFill>
+        <p:spPr bwMode="auto">
+          <a:xfrm>
+            <a:off x="1763688" y="3068960"/>
+            <a:ext cx="576064" cy="576064"/>
+          </a:xfrm>
+          <a:prstGeom prst="rect">
+            <a:avLst/>
+          </a:prstGeom>
+          <a:noFill/>
+          <a:extLst>
+            <a:ext uri="{909E8E84-426E-40DD-AFC4-6F175D3DCCD1}">
+              <a14:hiddenFill xmlns:a14="http://schemas.microsoft.com/office/drawing/2010/main">
+                <a:solidFill>
+                  <a:srgbClr val="FFFFFF"/>
+                </a:solidFill>
+              </a14:hiddenFill>
+            </a:ext>
+          </a:extLst>
+        </p:spPr>
+      </p:pic>
+      <p:pic>
+        <p:nvPicPr>
+          <p:cNvPr id="21" name="Picture 2" descr="丸のマークのイラスト「○」">
+            <a:extLst>
+              <a:ext uri="{FF2B5EF4-FFF2-40B4-BE49-F238E27FC236}">
+                <a16:creationId xmlns:a16="http://schemas.microsoft.com/office/drawing/2014/main" id="{F6FE7FC1-7556-4E8D-9527-6117B39A88CA}"/>
+              </a:ext>
+            </a:extLst>
+          </p:cNvPr>
+          <p:cNvPicPr>
+            <a:picLocks noChangeAspect="1" noChangeArrowheads="1"/>
+          </p:cNvPicPr>
+          <p:nvPr/>
+        </p:nvPicPr>
+        <p:blipFill>
+          <a:blip r:embed="rId2" cstate="print">
+            <a:extLst>
+              <a:ext uri="{28A0092B-C50C-407E-A947-70E740481C1C}">
+                <a14:useLocalDpi xmlns:a14="http://schemas.microsoft.com/office/drawing/2010/main" val="0"/>
+              </a:ext>
+            </a:extLst>
+          </a:blip>
+          <a:srcRect/>
+          <a:stretch>
+            <a:fillRect/>
+          </a:stretch>
+        </p:blipFill>
+        <p:spPr bwMode="auto">
+          <a:xfrm>
+            <a:off x="2411760" y="3068960"/>
+            <a:ext cx="576064" cy="576064"/>
+          </a:xfrm>
+          <a:prstGeom prst="rect">
+            <a:avLst/>
+          </a:prstGeom>
+          <a:noFill/>
+          <a:extLst>
+            <a:ext uri="{909E8E84-426E-40DD-AFC4-6F175D3DCCD1}">
+              <a14:hiddenFill xmlns:a14="http://schemas.microsoft.com/office/drawing/2010/main">
+                <a:solidFill>
+                  <a:srgbClr val="FFFFFF"/>
+                </a:solidFill>
+              </a14:hiddenFill>
+            </a:ext>
+          </a:extLst>
+        </p:spPr>
+      </p:pic>
+      <p:sp>
+        <p:nvSpPr>
+          <p:cNvPr id="22" name="正方形/長方形 21">
+            <a:extLst>
+              <a:ext uri="{FF2B5EF4-FFF2-40B4-BE49-F238E27FC236}">
+                <a16:creationId xmlns:a16="http://schemas.microsoft.com/office/drawing/2014/main" id="{32899AD5-CAC4-41F2-9239-8F5EDAAEF322}"/>
+              </a:ext>
+            </a:extLst>
+          </p:cNvPr>
+          <p:cNvSpPr/>
+          <p:nvPr/>
+        </p:nvSpPr>
+        <p:spPr>
+          <a:xfrm>
+            <a:off x="3131840" y="2996952"/>
+            <a:ext cx="2880320" cy="720080"/>
+          </a:xfrm>
+          <a:prstGeom prst="rect">
+            <a:avLst/>
+          </a:prstGeom>
+          <a:solidFill>
+            <a:schemeClr val="accent1">
+              <a:lumMod val="20000"/>
+              <a:lumOff val="80000"/>
+            </a:schemeClr>
+          </a:solidFill>
+          <a:ln>
+            <a:solidFill>
+              <a:schemeClr val="tx1"/>
+            </a:solidFill>
+          </a:ln>
+        </p:spPr>
+        <p:style>
+          <a:lnRef idx="2">
+            <a:schemeClr val="accent1">
+              <a:shade val="50000"/>
+            </a:schemeClr>
+          </a:lnRef>
+          <a:fillRef idx="1">
+            <a:schemeClr val="accent1"/>
+          </a:fillRef>
+          <a:effectRef idx="0">
+            <a:schemeClr val="accent1"/>
+          </a:effectRef>
+          <a:fontRef idx="minor">
+            <a:schemeClr val="lt1"/>
+          </a:fontRef>
+        </p:style>
+        <p:txBody>
+          <a:bodyPr rtlCol="0" anchor="ctr"/>
+          <a:lstStyle/>
+          <a:p>
+            <a:pPr algn="ctr"/>
+            <a:endParaRPr kumimoji="1" lang="ja-JP" altLang="en-US">
+              <a:solidFill>
+                <a:schemeClr val="tx1"/>
+              </a:solidFill>
+            </a:endParaRPr>
+          </a:p>
+        </p:txBody>
+      </p:sp>
+      <p:pic>
+        <p:nvPicPr>
+          <p:cNvPr id="23" name="Picture 2" descr="丸のマークのイラスト「○」">
+            <a:extLst>
+              <a:ext uri="{FF2B5EF4-FFF2-40B4-BE49-F238E27FC236}">
+                <a16:creationId xmlns:a16="http://schemas.microsoft.com/office/drawing/2014/main" id="{D327199F-3165-4F1A-A664-39781DC5775F}"/>
+              </a:ext>
+            </a:extLst>
+          </p:cNvPr>
+          <p:cNvPicPr>
+            <a:picLocks noChangeAspect="1" noChangeArrowheads="1"/>
+          </p:cNvPicPr>
+          <p:nvPr/>
+        </p:nvPicPr>
+        <p:blipFill>
+          <a:blip r:embed="rId2" cstate="print">
+            <a:extLst>
+              <a:ext uri="{28A0092B-C50C-407E-A947-70E740481C1C}">
+                <a14:useLocalDpi xmlns:a14="http://schemas.microsoft.com/office/drawing/2010/main" val="0"/>
+              </a:ext>
+            </a:extLst>
+          </a:blip>
+          <a:srcRect/>
+          <a:stretch>
+            <a:fillRect/>
+          </a:stretch>
+        </p:blipFill>
+        <p:spPr bwMode="auto">
+          <a:xfrm>
+            <a:off x="3203848" y="3071862"/>
+            <a:ext cx="576064" cy="576064"/>
+          </a:xfrm>
+          <a:prstGeom prst="rect">
+            <a:avLst/>
+          </a:prstGeom>
+          <a:noFill/>
+          <a:extLst>
+            <a:ext uri="{909E8E84-426E-40DD-AFC4-6F175D3DCCD1}">
+              <a14:hiddenFill xmlns:a14="http://schemas.microsoft.com/office/drawing/2010/main">
+                <a:solidFill>
+                  <a:srgbClr val="FFFFFF"/>
+                </a:solidFill>
+              </a14:hiddenFill>
+            </a:ext>
+          </a:extLst>
+        </p:spPr>
+      </p:pic>
+      <p:pic>
+        <p:nvPicPr>
+          <p:cNvPr id="24" name="Picture 2" descr="丸のマークのイラスト「○」">
+            <a:extLst>
+              <a:ext uri="{FF2B5EF4-FFF2-40B4-BE49-F238E27FC236}">
+                <a16:creationId xmlns:a16="http://schemas.microsoft.com/office/drawing/2014/main" id="{52D1FD4E-ECC7-437A-B527-DFB7A6BA7F52}"/>
+              </a:ext>
+            </a:extLst>
+          </p:cNvPr>
+          <p:cNvPicPr>
+            <a:picLocks noChangeAspect="1" noChangeArrowheads="1"/>
+          </p:cNvPicPr>
+          <p:nvPr/>
+        </p:nvPicPr>
+        <p:blipFill>
+          <a:blip r:embed="rId2" cstate="print">
+            <a:extLst>
+              <a:ext uri="{28A0092B-C50C-407E-A947-70E740481C1C}">
+                <a14:useLocalDpi xmlns:a14="http://schemas.microsoft.com/office/drawing/2010/main" val="0"/>
+              </a:ext>
+            </a:extLst>
+          </a:blip>
+          <a:srcRect/>
+          <a:stretch>
+            <a:fillRect/>
+          </a:stretch>
+        </p:blipFill>
+        <p:spPr bwMode="auto">
+          <a:xfrm>
+            <a:off x="3923928" y="3068960"/>
+            <a:ext cx="576064" cy="576064"/>
+          </a:xfrm>
+          <a:prstGeom prst="rect">
+            <a:avLst/>
+          </a:prstGeom>
+          <a:noFill/>
+          <a:extLst>
+            <a:ext uri="{909E8E84-426E-40DD-AFC4-6F175D3DCCD1}">
+              <a14:hiddenFill xmlns:a14="http://schemas.microsoft.com/office/drawing/2010/main">
+                <a:solidFill>
+                  <a:srgbClr val="FFFFFF"/>
+                </a:solidFill>
+              </a14:hiddenFill>
+            </a:ext>
+          </a:extLst>
+        </p:spPr>
+      </p:pic>
+      <p:pic>
+        <p:nvPicPr>
+          <p:cNvPr id="25" name="Picture 2" descr="丸のマークのイラスト「○」">
+            <a:extLst>
+              <a:ext uri="{FF2B5EF4-FFF2-40B4-BE49-F238E27FC236}">
+                <a16:creationId xmlns:a16="http://schemas.microsoft.com/office/drawing/2014/main" id="{87A82C81-AE1A-4973-877D-0B07CCB13E96}"/>
+              </a:ext>
+            </a:extLst>
+          </p:cNvPr>
+          <p:cNvPicPr>
+            <a:picLocks noChangeAspect="1" noChangeArrowheads="1"/>
+          </p:cNvPicPr>
+          <p:nvPr/>
+        </p:nvPicPr>
+        <p:blipFill>
+          <a:blip r:embed="rId2" cstate="print">
+            <a:extLst>
+              <a:ext uri="{28A0092B-C50C-407E-A947-70E740481C1C}">
+                <a14:useLocalDpi xmlns:a14="http://schemas.microsoft.com/office/drawing/2010/main" val="0"/>
+              </a:ext>
+            </a:extLst>
+          </a:blip>
+          <a:srcRect/>
+          <a:stretch>
+            <a:fillRect/>
+          </a:stretch>
+        </p:blipFill>
+        <p:spPr bwMode="auto">
+          <a:xfrm>
+            <a:off x="4644008" y="3068960"/>
+            <a:ext cx="576064" cy="576064"/>
+          </a:xfrm>
+          <a:prstGeom prst="rect">
+            <a:avLst/>
+          </a:prstGeom>
+          <a:noFill/>
+          <a:extLst>
+            <a:ext uri="{909E8E84-426E-40DD-AFC4-6F175D3DCCD1}">
+              <a14:hiddenFill xmlns:a14="http://schemas.microsoft.com/office/drawing/2010/main">
+                <a:solidFill>
+                  <a:srgbClr val="FFFFFF"/>
+                </a:solidFill>
+              </a14:hiddenFill>
+            </a:ext>
+          </a:extLst>
+        </p:spPr>
+      </p:pic>
+      <p:pic>
+        <p:nvPicPr>
+          <p:cNvPr id="26" name="Picture 2" descr="丸のマークのイラスト「○」">
+            <a:extLst>
+              <a:ext uri="{FF2B5EF4-FFF2-40B4-BE49-F238E27FC236}">
+                <a16:creationId xmlns:a16="http://schemas.microsoft.com/office/drawing/2014/main" id="{AD66FA98-7C59-43F6-9545-E809D600AD44}"/>
+              </a:ext>
+            </a:extLst>
+          </p:cNvPr>
+          <p:cNvPicPr>
+            <a:picLocks noChangeAspect="1" noChangeArrowheads="1"/>
+          </p:cNvPicPr>
+          <p:nvPr/>
+        </p:nvPicPr>
+        <p:blipFill>
+          <a:blip r:embed="rId2" cstate="print">
+            <a:extLst>
+              <a:ext uri="{28A0092B-C50C-407E-A947-70E740481C1C}">
+                <a14:useLocalDpi xmlns:a14="http://schemas.microsoft.com/office/drawing/2010/main" val="0"/>
+              </a:ext>
+            </a:extLst>
+          </a:blip>
+          <a:srcRect/>
+          <a:stretch>
+            <a:fillRect/>
+          </a:stretch>
+        </p:blipFill>
+        <p:spPr bwMode="auto">
+          <a:xfrm>
+            <a:off x="5364088" y="3068960"/>
+            <a:ext cx="576064" cy="576064"/>
+          </a:xfrm>
+          <a:prstGeom prst="rect">
+            <a:avLst/>
+          </a:prstGeom>
+          <a:noFill/>
+          <a:extLst>
+            <a:ext uri="{909E8E84-426E-40DD-AFC4-6F175D3DCCD1}">
+              <a14:hiddenFill xmlns:a14="http://schemas.microsoft.com/office/drawing/2010/main">
+                <a:solidFill>
+                  <a:srgbClr val="FFFFFF"/>
+                </a:solidFill>
+              </a14:hiddenFill>
+            </a:ext>
+          </a:extLst>
+        </p:spPr>
+      </p:pic>
+      <p:sp>
+        <p:nvSpPr>
+          <p:cNvPr id="27" name="正方形/長方形 26">
+            <a:extLst>
+              <a:ext uri="{FF2B5EF4-FFF2-40B4-BE49-F238E27FC236}">
+                <a16:creationId xmlns:a16="http://schemas.microsoft.com/office/drawing/2014/main" id="{7E48C372-D5E9-42D4-B615-73C1406D9D79}"/>
+              </a:ext>
+            </a:extLst>
+          </p:cNvPr>
+          <p:cNvSpPr/>
+          <p:nvPr/>
+        </p:nvSpPr>
+        <p:spPr>
+          <a:xfrm>
+            <a:off x="6012160" y="2996952"/>
+            <a:ext cx="2880320" cy="720080"/>
+          </a:xfrm>
+          <a:prstGeom prst="rect">
+            <a:avLst/>
+          </a:prstGeom>
+          <a:solidFill>
+            <a:schemeClr val="accent3">
+              <a:lumMod val="20000"/>
+              <a:lumOff val="80000"/>
+            </a:schemeClr>
+          </a:solidFill>
+          <a:ln>
+            <a:solidFill>
+              <a:schemeClr val="tx1"/>
+            </a:solidFill>
+          </a:ln>
+        </p:spPr>
+        <p:style>
+          <a:lnRef idx="2">
+            <a:schemeClr val="accent1">
+              <a:shade val="50000"/>
+            </a:schemeClr>
+          </a:lnRef>
+          <a:fillRef idx="1">
+            <a:schemeClr val="accent1"/>
+          </a:fillRef>
+          <a:effectRef idx="0">
+            <a:schemeClr val="accent1"/>
+          </a:effectRef>
+          <a:fontRef idx="minor">
+            <a:schemeClr val="lt1"/>
+          </a:fontRef>
+        </p:style>
+        <p:txBody>
+          <a:bodyPr rtlCol="0" anchor="ctr"/>
+          <a:lstStyle/>
+          <a:p>
+            <a:pPr algn="ctr"/>
+            <a:endParaRPr kumimoji="1" lang="ja-JP" altLang="en-US">
+              <a:solidFill>
+                <a:schemeClr val="tx1"/>
+              </a:solidFill>
+            </a:endParaRPr>
+          </a:p>
+        </p:txBody>
+      </p:sp>
+      <p:pic>
+        <p:nvPicPr>
+          <p:cNvPr id="28" name="Picture 2" descr="丸のマークのイラスト「○」">
+            <a:extLst>
+              <a:ext uri="{FF2B5EF4-FFF2-40B4-BE49-F238E27FC236}">
+                <a16:creationId xmlns:a16="http://schemas.microsoft.com/office/drawing/2014/main" id="{C28DF78A-39EC-4707-B0E8-495B3A2A7DA8}"/>
+              </a:ext>
+            </a:extLst>
+          </p:cNvPr>
+          <p:cNvPicPr>
+            <a:picLocks noChangeAspect="1" noChangeArrowheads="1"/>
+          </p:cNvPicPr>
+          <p:nvPr/>
+        </p:nvPicPr>
+        <p:blipFill>
+          <a:blip r:embed="rId2" cstate="print">
+            <a:extLst>
+              <a:ext uri="{28A0092B-C50C-407E-A947-70E740481C1C}">
+                <a14:useLocalDpi xmlns:a14="http://schemas.microsoft.com/office/drawing/2010/main" val="0"/>
+              </a:ext>
+            </a:extLst>
+          </a:blip>
+          <a:srcRect/>
+          <a:stretch>
+            <a:fillRect/>
+          </a:stretch>
+        </p:blipFill>
+        <p:spPr bwMode="auto">
+          <a:xfrm>
+            <a:off x="6084168" y="3071862"/>
+            <a:ext cx="576064" cy="576064"/>
+          </a:xfrm>
+          <a:prstGeom prst="rect">
+            <a:avLst/>
+          </a:prstGeom>
+          <a:noFill/>
+          <a:extLst>
+            <a:ext uri="{909E8E84-426E-40DD-AFC4-6F175D3DCCD1}">
+              <a14:hiddenFill xmlns:a14="http://schemas.microsoft.com/office/drawing/2010/main">
+                <a:solidFill>
+                  <a:srgbClr val="FFFFFF"/>
+                </a:solidFill>
+              </a14:hiddenFill>
+            </a:ext>
+          </a:extLst>
+        </p:spPr>
+      </p:pic>
+      <p:pic>
+        <p:nvPicPr>
+          <p:cNvPr id="29" name="Picture 2" descr="丸のマークのイラスト「○」">
+            <a:extLst>
+              <a:ext uri="{FF2B5EF4-FFF2-40B4-BE49-F238E27FC236}">
+                <a16:creationId xmlns:a16="http://schemas.microsoft.com/office/drawing/2014/main" id="{F722DD92-32F9-457B-AFE5-6690E3A231A4}"/>
+              </a:ext>
+            </a:extLst>
+          </p:cNvPr>
+          <p:cNvPicPr>
+            <a:picLocks noChangeAspect="1" noChangeArrowheads="1"/>
+          </p:cNvPicPr>
+          <p:nvPr/>
+        </p:nvPicPr>
+        <p:blipFill>
+          <a:blip r:embed="rId2" cstate="print">
+            <a:extLst>
+              <a:ext uri="{28A0092B-C50C-407E-A947-70E740481C1C}">
+                <a14:useLocalDpi xmlns:a14="http://schemas.microsoft.com/office/drawing/2010/main" val="0"/>
+              </a:ext>
+            </a:extLst>
+          </a:blip>
+          <a:srcRect/>
+          <a:stretch>
+            <a:fillRect/>
+          </a:stretch>
+        </p:blipFill>
+        <p:spPr bwMode="auto">
+          <a:xfrm>
+            <a:off x="6804248" y="3068960"/>
+            <a:ext cx="576064" cy="576064"/>
+          </a:xfrm>
+          <a:prstGeom prst="rect">
+            <a:avLst/>
+          </a:prstGeom>
+          <a:noFill/>
+          <a:extLst>
+            <a:ext uri="{909E8E84-426E-40DD-AFC4-6F175D3DCCD1}">
+              <a14:hiddenFill xmlns:a14="http://schemas.microsoft.com/office/drawing/2010/main">
+                <a:solidFill>
+                  <a:srgbClr val="FFFFFF"/>
+                </a:solidFill>
+              </a14:hiddenFill>
+            </a:ext>
+          </a:extLst>
+        </p:spPr>
+      </p:pic>
+      <p:pic>
+        <p:nvPicPr>
+          <p:cNvPr id="30" name="Picture 2" descr="丸のマークのイラスト「○」">
+            <a:extLst>
+              <a:ext uri="{FF2B5EF4-FFF2-40B4-BE49-F238E27FC236}">
+                <a16:creationId xmlns:a16="http://schemas.microsoft.com/office/drawing/2014/main" id="{644ECC94-D2FD-4DC3-938A-CEA950524A64}"/>
+              </a:ext>
+            </a:extLst>
+          </p:cNvPr>
+          <p:cNvPicPr>
+            <a:picLocks noChangeAspect="1" noChangeArrowheads="1"/>
+          </p:cNvPicPr>
+          <p:nvPr/>
+        </p:nvPicPr>
+        <p:blipFill>
+          <a:blip r:embed="rId2" cstate="print">
+            <a:extLst>
+              <a:ext uri="{28A0092B-C50C-407E-A947-70E740481C1C}">
+                <a14:useLocalDpi xmlns:a14="http://schemas.microsoft.com/office/drawing/2010/main" val="0"/>
+              </a:ext>
+            </a:extLst>
+          </a:blip>
+          <a:srcRect/>
+          <a:stretch>
+            <a:fillRect/>
+          </a:stretch>
+        </p:blipFill>
+        <p:spPr bwMode="auto">
+          <a:xfrm>
+            <a:off x="7524328" y="3068960"/>
+            <a:ext cx="576064" cy="576064"/>
+          </a:xfrm>
+          <a:prstGeom prst="rect">
+            <a:avLst/>
+          </a:prstGeom>
+          <a:noFill/>
+          <a:extLst>
+            <a:ext uri="{909E8E84-426E-40DD-AFC4-6F175D3DCCD1}">
+              <a14:hiddenFill xmlns:a14="http://schemas.microsoft.com/office/drawing/2010/main">
+                <a:solidFill>
+                  <a:srgbClr val="FFFFFF"/>
+                </a:solidFill>
+              </a14:hiddenFill>
+            </a:ext>
+          </a:extLst>
+        </p:spPr>
+      </p:pic>
+      <p:pic>
+        <p:nvPicPr>
+          <p:cNvPr id="32" name="Picture 4" descr="バツのマークのイラスト「×」">
+            <a:extLst>
+              <a:ext uri="{FF2B5EF4-FFF2-40B4-BE49-F238E27FC236}">
+                <a16:creationId xmlns:a16="http://schemas.microsoft.com/office/drawing/2014/main" id="{C00B5325-A121-4D55-BF3D-F1739A02F6FF}"/>
+              </a:ext>
+            </a:extLst>
+          </p:cNvPr>
+          <p:cNvPicPr>
+            <a:picLocks noChangeAspect="1" noChangeArrowheads="1"/>
+          </p:cNvPicPr>
+          <p:nvPr/>
+        </p:nvPicPr>
+        <p:blipFill>
+          <a:blip r:embed="rId3" cstate="print">
+            <a:extLst>
+              <a:ext uri="{28A0092B-C50C-407E-A947-70E740481C1C}">
+                <a14:useLocalDpi xmlns:a14="http://schemas.microsoft.com/office/drawing/2010/main" val="0"/>
+              </a:ext>
+            </a:extLst>
+          </a:blip>
+          <a:srcRect/>
+          <a:stretch>
+            <a:fillRect/>
+          </a:stretch>
+        </p:blipFill>
+        <p:spPr bwMode="auto">
+          <a:xfrm>
+            <a:off x="8182560" y="3047752"/>
+            <a:ext cx="648072" cy="648072"/>
+          </a:xfrm>
+          <a:prstGeom prst="rect">
+            <a:avLst/>
+          </a:prstGeom>
+          <a:noFill/>
+          <a:extLst>
+            <a:ext uri="{909E8E84-426E-40DD-AFC4-6F175D3DCCD1}">
+              <a14:hiddenFill xmlns:a14="http://schemas.microsoft.com/office/drawing/2010/main">
+                <a:solidFill>
+                  <a:srgbClr val="FFFFFF"/>
+                </a:solidFill>
+              </a14:hiddenFill>
+            </a:ext>
+          </a:extLst>
+        </p:spPr>
+      </p:pic>
+      <p:sp>
+        <p:nvSpPr>
+          <p:cNvPr id="45" name="テキスト ボックス 44">
+            <a:extLst>
+              <a:ext uri="{FF2B5EF4-FFF2-40B4-BE49-F238E27FC236}">
+                <a16:creationId xmlns:a16="http://schemas.microsoft.com/office/drawing/2014/main" id="{3F80C4F2-B997-43B5-93A0-83E7FA85326D}"/>
+              </a:ext>
+            </a:extLst>
+          </p:cNvPr>
+          <p:cNvSpPr txBox="1"/>
+          <p:nvPr/>
+        </p:nvSpPr>
+        <p:spPr>
+          <a:xfrm>
+            <a:off x="179512" y="1052736"/>
+            <a:ext cx="8802410" cy="461665"/>
+          </a:xfrm>
+          <a:prstGeom prst="rect">
+            <a:avLst/>
+          </a:prstGeom>
+          <a:noFill/>
+        </p:spPr>
+        <p:txBody>
+          <a:bodyPr wrap="none" rtlCol="0">
+            <a:spAutoFit/>
+          </a:bodyPr>
+          <a:lstStyle/>
+          <a:p>
+            <a:r>
+              <a:rPr kumimoji="1" lang="ja-JP" altLang="en-US" sz="2400"/>
+              <a:t>プレディケートレジスタにより、どの要素をロードするか指定</a:t>
+            </a:r>
+          </a:p>
+        </p:txBody>
+      </p:sp>
+      <p:sp>
+        <p:nvSpPr>
+          <p:cNvPr id="46" name="テキスト ボックス 45">
+            <a:extLst>
+              <a:ext uri="{FF2B5EF4-FFF2-40B4-BE49-F238E27FC236}">
+                <a16:creationId xmlns:a16="http://schemas.microsoft.com/office/drawing/2014/main" id="{3E700915-B7FA-4757-972C-84A25055D00E}"/>
+              </a:ext>
+            </a:extLst>
+          </p:cNvPr>
+          <p:cNvSpPr txBox="1"/>
+          <p:nvPr/>
+        </p:nvSpPr>
+        <p:spPr>
+          <a:xfrm>
+            <a:off x="1331640" y="5373216"/>
+            <a:ext cx="4105611" cy="584775"/>
+          </a:xfrm>
+          <a:prstGeom prst="rect">
+            <a:avLst/>
+          </a:prstGeom>
+          <a:noFill/>
+        </p:spPr>
+        <p:txBody>
+          <a:bodyPr wrap="none" rtlCol="0">
+            <a:spAutoFit/>
+          </a:bodyPr>
+          <a:lstStyle/>
+          <a:p>
+            <a:r>
+              <a:rPr lang="ja-JP" altLang="en-US" sz="3200"/>
+              <a:t>ベクトル</a:t>
+            </a:r>
+            <a:r>
+              <a:rPr lang="en-US" altLang="ja-JP" sz="3200"/>
+              <a:t>3</a:t>
+            </a:r>
+            <a:r>
+              <a:rPr lang="ja-JP" altLang="en-US" sz="3200"/>
+              <a:t>回転で済む</a:t>
+            </a:r>
+            <a:endParaRPr kumimoji="1" lang="ja-JP" altLang="en-US" sz="3200"/>
+          </a:p>
+        </p:txBody>
+      </p:sp>
+      <p:sp>
+        <p:nvSpPr>
+          <p:cNvPr id="47" name="矢印: 右 46">
+            <a:extLst>
+              <a:ext uri="{FF2B5EF4-FFF2-40B4-BE49-F238E27FC236}">
+                <a16:creationId xmlns:a16="http://schemas.microsoft.com/office/drawing/2014/main" id="{D6F85D05-81FB-46BA-90BB-04739344400E}"/>
+              </a:ext>
+            </a:extLst>
+          </p:cNvPr>
+          <p:cNvSpPr/>
+          <p:nvPr/>
+        </p:nvSpPr>
+        <p:spPr>
+          <a:xfrm>
+            <a:off x="539552" y="5373216"/>
+            <a:ext cx="720080" cy="504056"/>
+          </a:xfrm>
+          <a:prstGeom prst="rightArrow">
+            <a:avLst/>
+          </a:prstGeom>
+          <a:solidFill>
+            <a:srgbClr val="FF0000"/>
+          </a:solidFill>
+          <a:ln>
+            <a:solidFill>
+              <a:schemeClr val="tx1"/>
+            </a:solidFill>
+          </a:ln>
+        </p:spPr>
+        <p:style>
+          <a:lnRef idx="2">
+            <a:schemeClr val="accent1">
+              <a:shade val="50000"/>
+            </a:schemeClr>
+          </a:lnRef>
+          <a:fillRef idx="1">
+            <a:schemeClr val="accent1"/>
+          </a:fillRef>
+          <a:effectRef idx="0">
+            <a:schemeClr val="accent1"/>
+          </a:effectRef>
+          <a:fontRef idx="minor">
+            <a:schemeClr val="lt1"/>
+          </a:fontRef>
+        </p:style>
+        <p:txBody>
+          <a:bodyPr rtlCol="0" anchor="ctr"/>
+          <a:lstStyle/>
+          <a:p>
+            <a:pPr algn="ctr"/>
+            <a:endParaRPr kumimoji="1" lang="ja-JP" altLang="en-US">
+              <a:solidFill>
+                <a:srgbClr val="FF0000"/>
+              </a:solidFill>
+            </a:endParaRPr>
+          </a:p>
+        </p:txBody>
+      </p:sp>
+    </p:spTree>
+    <p:extLst>
+      <p:ext uri="{BB962C8B-B14F-4D97-AF65-F5344CB8AC3E}">
+        <p14:creationId xmlns:p14="http://schemas.microsoft.com/office/powerpoint/2010/main" val="1349256375"/>
+      </p:ext>
+    </p:extLst>
+  </p:cSld>
+  <p:clrMapOvr>
+    <a:masterClrMapping/>
+  </p:clrMapOvr>
+</p:sld>
+</file>
+
+<file path=ppt/slides/slide15.xml><?xml version="1.0" encoding="utf-8"?>
+<p:sld xmlns:a="http://schemas.openxmlformats.org/drawingml/2006/main" xmlns:r="http://schemas.openxmlformats.org/officeDocument/2006/relationships" xmlns:p="http://schemas.openxmlformats.org/presentationml/2006/main">
+  <p:cSld>
+    <p:spTree>
+      <p:nvGrpSpPr>
+        <p:cNvPr id="1" name=""/>
+        <p:cNvGrpSpPr/>
+        <p:nvPr/>
+      </p:nvGrpSpPr>
+      <p:grpSpPr>
+        <a:xfrm>
+          <a:off x="0" y="0"/>
+          <a:ext cx="0" cy="0"/>
+          <a:chOff x="0" y="0"/>
+          <a:chExt cx="0" cy="0"/>
+        </a:xfrm>
+      </p:grpSpPr>
+      <p:sp>
+        <p:nvSpPr>
+          <p:cNvPr id="2" name="テキスト プレースホルダー 1">
+            <a:extLst>
+              <a:ext uri="{FF2B5EF4-FFF2-40B4-BE49-F238E27FC236}">
+                <a16:creationId xmlns:a16="http://schemas.microsoft.com/office/drawing/2014/main" id="{685563F0-4E34-4BBB-A89F-F0B53CA6AE4A}"/>
+              </a:ext>
+            </a:extLst>
+          </p:cNvPr>
+          <p:cNvSpPr>
+            <a:spLocks noGrp="1"/>
+          </p:cNvSpPr>
+          <p:nvPr>
+            <p:ph type="body" sz="quarter" idx="10"/>
+          </p:nvPr>
+        </p:nvSpPr>
+        <p:spPr/>
+        <p:txBody>
+          <a:bodyPr/>
+          <a:lstStyle/>
+          <a:p>
+            <a:r>
+              <a:rPr kumimoji="1" lang="en-US" altLang="ja-JP"/>
+              <a:t>SVE</a:t>
+            </a:r>
+            <a:r>
+              <a:rPr lang="ja-JP" altLang="en-US"/>
+              <a:t>の概要</a:t>
+            </a:r>
+            <a:endParaRPr kumimoji="1" lang="ja-JP" altLang="en-US"/>
+          </a:p>
+        </p:txBody>
+      </p:sp>
+      <p:sp>
+        <p:nvSpPr>
+          <p:cNvPr id="3" name="テキスト ボックス 2">
+            <a:extLst>
+              <a:ext uri="{FF2B5EF4-FFF2-40B4-BE49-F238E27FC236}">
+                <a16:creationId xmlns:a16="http://schemas.microsoft.com/office/drawing/2014/main" id="{36A2AA15-9282-4283-BBB5-4E2B63B372C5}"/>
+              </a:ext>
+            </a:extLst>
+          </p:cNvPr>
+          <p:cNvSpPr txBox="1"/>
+          <p:nvPr/>
+        </p:nvSpPr>
+        <p:spPr>
+          <a:xfrm>
+            <a:off x="395536" y="1340768"/>
+            <a:ext cx="4493538" cy="584775"/>
+          </a:xfrm>
+          <a:prstGeom prst="rect">
+            <a:avLst/>
+          </a:prstGeom>
+          <a:noFill/>
+        </p:spPr>
+        <p:txBody>
+          <a:bodyPr wrap="none" rtlCol="0">
+            <a:spAutoFit/>
+          </a:bodyPr>
+          <a:lstStyle/>
+          <a:p>
+            <a:r>
+              <a:rPr kumimoji="1" lang="ja-JP" altLang="en-US" sz="3200">
+                <a:solidFill>
+                  <a:srgbClr val="011893"/>
+                </a:solidFill>
+              </a:rPr>
+              <a:t>スケーラブルな</a:t>
+            </a:r>
+            <a:r>
+              <a:rPr kumimoji="1" lang="en-US" altLang="ja-JP" sz="3200">
+                <a:solidFill>
+                  <a:srgbClr val="011893"/>
+                </a:solidFill>
+              </a:rPr>
+              <a:t>SIMD</a:t>
+            </a:r>
+            <a:r>
+              <a:rPr kumimoji="1" lang="ja-JP" altLang="en-US" sz="3200">
+                <a:solidFill>
+                  <a:srgbClr val="011893"/>
+                </a:solidFill>
+              </a:rPr>
+              <a:t>幅</a:t>
+            </a:r>
+          </a:p>
+        </p:txBody>
+      </p:sp>
+      <p:sp>
+        <p:nvSpPr>
+          <p:cNvPr id="4" name="テキスト ボックス 3">
+            <a:extLst>
+              <a:ext uri="{FF2B5EF4-FFF2-40B4-BE49-F238E27FC236}">
+                <a16:creationId xmlns:a16="http://schemas.microsoft.com/office/drawing/2014/main" id="{13A7758A-D17F-4EE4-AADC-AABD49822494}"/>
+              </a:ext>
+            </a:extLst>
+          </p:cNvPr>
+          <p:cNvSpPr txBox="1"/>
+          <p:nvPr/>
+        </p:nvSpPr>
+        <p:spPr>
+          <a:xfrm>
+            <a:off x="827584" y="1988840"/>
+            <a:ext cx="8208912" cy="1200329"/>
+          </a:xfrm>
+          <a:prstGeom prst="rect">
+            <a:avLst/>
+          </a:prstGeom>
+          <a:noFill/>
+        </p:spPr>
+        <p:txBody>
+          <a:bodyPr wrap="square" rtlCol="0">
+            <a:spAutoFit/>
+          </a:bodyPr>
+          <a:lstStyle/>
+          <a:p>
+            <a:r>
+              <a:rPr kumimoji="1" lang="ja-JP" altLang="en-US" sz="2400">
+                <a:solidFill>
+                  <a:srgbClr val="FF0000"/>
+                </a:solidFill>
+              </a:rPr>
+              <a:t>スケーラブルなコードを書いておけば</a:t>
+            </a:r>
+            <a:r>
+              <a:rPr kumimoji="1" lang="ja-JP" altLang="en-US" sz="2400"/>
+              <a:t>、将来</a:t>
+            </a:r>
+            <a:r>
+              <a:rPr kumimoji="1" lang="en-US" altLang="ja-JP" sz="2400"/>
+              <a:t>SIMD</a:t>
+            </a:r>
+            <a:r>
+              <a:rPr kumimoji="1" lang="ja-JP" altLang="en-US" sz="2400"/>
+              <a:t>幅が増えたハードウェアで</a:t>
+            </a:r>
+            <a:r>
+              <a:rPr lang="ja-JP" altLang="en-US" sz="2400"/>
+              <a:t>実行した時に、その恩恵を受けることができる</a:t>
+            </a:r>
+            <a:endParaRPr kumimoji="1" lang="ja-JP" altLang="en-US" sz="2400"/>
+          </a:p>
+        </p:txBody>
+      </p:sp>
+      <p:sp>
+        <p:nvSpPr>
+          <p:cNvPr id="5" name="テキスト ボックス 4">
+            <a:extLst>
+              <a:ext uri="{FF2B5EF4-FFF2-40B4-BE49-F238E27FC236}">
+                <a16:creationId xmlns:a16="http://schemas.microsoft.com/office/drawing/2014/main" id="{B32C7308-11F7-471B-AEC9-170B6C21C69F}"/>
+              </a:ext>
+            </a:extLst>
+          </p:cNvPr>
+          <p:cNvSpPr txBox="1"/>
+          <p:nvPr/>
+        </p:nvSpPr>
+        <p:spPr>
+          <a:xfrm>
+            <a:off x="467544" y="3501008"/>
+            <a:ext cx="5104090" cy="584775"/>
+          </a:xfrm>
+          <a:prstGeom prst="rect">
+            <a:avLst/>
+          </a:prstGeom>
+          <a:noFill/>
+        </p:spPr>
+        <p:txBody>
+          <a:bodyPr wrap="none" rtlCol="0">
+            <a:spAutoFit/>
+          </a:bodyPr>
+          <a:lstStyle/>
+          <a:p>
+            <a:r>
+              <a:rPr kumimoji="1" lang="en-US" altLang="ja-JP" sz="3200">
+                <a:solidFill>
+                  <a:srgbClr val="011893"/>
+                </a:solidFill>
+              </a:rPr>
+              <a:t>Predicate-centric Approach</a:t>
+            </a:r>
+            <a:endParaRPr kumimoji="1" lang="ja-JP" altLang="en-US" sz="3200">
+              <a:solidFill>
+                <a:srgbClr val="011893"/>
+              </a:solidFill>
+            </a:endParaRPr>
+          </a:p>
+        </p:txBody>
+      </p:sp>
+      <p:sp>
+        <p:nvSpPr>
+          <p:cNvPr id="6" name="テキスト ボックス 5">
+            <a:extLst>
+              <a:ext uri="{FF2B5EF4-FFF2-40B4-BE49-F238E27FC236}">
+                <a16:creationId xmlns:a16="http://schemas.microsoft.com/office/drawing/2014/main" id="{61D2A07A-3161-4BD0-9283-99FF4B14D77D}"/>
+              </a:ext>
+            </a:extLst>
+          </p:cNvPr>
+          <p:cNvSpPr txBox="1"/>
+          <p:nvPr/>
+        </p:nvSpPr>
+        <p:spPr>
+          <a:xfrm>
+            <a:off x="827584" y="4221088"/>
+            <a:ext cx="8064896" cy="830997"/>
+          </a:xfrm>
+          <a:prstGeom prst="rect">
+            <a:avLst/>
+          </a:prstGeom>
+          <a:noFill/>
+        </p:spPr>
+        <p:txBody>
+          <a:bodyPr wrap="square" rtlCol="0">
+            <a:spAutoFit/>
+          </a:bodyPr>
+          <a:lstStyle/>
+          <a:p>
+            <a:r>
+              <a:rPr kumimoji="1" lang="ja-JP" altLang="en-US" sz="2400"/>
+              <a:t>ほぼ全ての命令にプレディケートレジスタを指定でき、どの要素にどんな命令を実行するか細かく指定できる</a:t>
+            </a:r>
+          </a:p>
+        </p:txBody>
+      </p:sp>
+    </p:spTree>
+    <p:extLst>
+      <p:ext uri="{BB962C8B-B14F-4D97-AF65-F5344CB8AC3E}">
+        <p14:creationId xmlns:p14="http://schemas.microsoft.com/office/powerpoint/2010/main" val="3484904992"/>
+      </p:ext>
+    </p:extLst>
+  </p:cSld>
+  <p:clrMapOvr>
+    <a:masterClrMapping/>
+  </p:clrMapOvr>
+</p:sld>
+</file>
+
+<file path=ppt/slides/slide16.xml><?xml version="1.0" encoding="utf-8"?>
+<p:sld xmlns:a="http://schemas.openxmlformats.org/drawingml/2006/main" xmlns:r="http://schemas.openxmlformats.org/officeDocument/2006/relationships" xmlns:p="http://schemas.openxmlformats.org/presentationml/2006/main">
+  <p:cSld>
+    <p:spTree>
+      <p:nvGrpSpPr>
+        <p:cNvPr id="1" name=""/>
+        <p:cNvGrpSpPr/>
+        <p:nvPr/>
+      </p:nvGrpSpPr>
+      <p:grpSpPr>
+        <a:xfrm>
+          <a:off x="0" y="0"/>
+          <a:ext cx="0" cy="0"/>
+          <a:chOff x="0" y="0"/>
+          <a:chExt cx="0" cy="0"/>
+        </a:xfrm>
+      </p:grpSpPr>
+      <p:sp>
+        <p:nvSpPr>
+          <p:cNvPr id="2" name="テキスト プレースホルダー 1">
+            <a:extLst>
+              <a:ext uri="{FF2B5EF4-FFF2-40B4-BE49-F238E27FC236}">
+                <a16:creationId xmlns:a16="http://schemas.microsoft.com/office/drawing/2014/main" id="{2F9958DB-2539-4B44-8667-32FAF47E54F9}"/>
+              </a:ext>
+            </a:extLst>
+          </p:cNvPr>
+          <p:cNvSpPr>
+            <a:spLocks noGrp="1"/>
+          </p:cNvSpPr>
+          <p:nvPr>
+            <p:ph type="body" sz="quarter" idx="10"/>
+          </p:nvPr>
+        </p:nvSpPr>
+        <p:spPr/>
+        <p:txBody>
+          <a:bodyPr/>
+          <a:lstStyle/>
+          <a:p>
+            <a:r>
+              <a:rPr kumimoji="1" lang="en-US" altLang="ja-JP"/>
+              <a:t>SVE</a:t>
+            </a:r>
+            <a:r>
+              <a:rPr kumimoji="1" lang="ja-JP" altLang="en-US"/>
+              <a:t>をどう使うか？</a:t>
+            </a:r>
+          </a:p>
+        </p:txBody>
+      </p:sp>
+      <p:sp>
+        <p:nvSpPr>
+          <p:cNvPr id="3" name="テキスト ボックス 2">
+            <a:extLst>
+              <a:ext uri="{FF2B5EF4-FFF2-40B4-BE49-F238E27FC236}">
+                <a16:creationId xmlns:a16="http://schemas.microsoft.com/office/drawing/2014/main" id="{1CE2674B-BF5E-4545-B09F-0A204E17289B}"/>
+              </a:ext>
+            </a:extLst>
+          </p:cNvPr>
+          <p:cNvSpPr txBox="1"/>
+          <p:nvPr/>
+        </p:nvSpPr>
+        <p:spPr>
+          <a:xfrm>
+            <a:off x="1835697" y="1988842"/>
+            <a:ext cx="3416320" cy="523220"/>
+          </a:xfrm>
+          <a:prstGeom prst="rect">
+            <a:avLst/>
+          </a:prstGeom>
+          <a:noFill/>
+        </p:spPr>
+        <p:txBody>
+          <a:bodyPr wrap="none" rtlCol="0">
+            <a:spAutoFit/>
+          </a:bodyPr>
+          <a:lstStyle/>
+          <a:p>
+            <a:r>
+              <a:rPr kumimoji="1" lang="ja-JP" altLang="en-US" sz="2800"/>
+              <a:t>コンパイラに任せる</a:t>
+            </a:r>
+          </a:p>
+        </p:txBody>
+      </p:sp>
+      <p:sp>
+        <p:nvSpPr>
+          <p:cNvPr id="4" name="テキスト ボックス 3">
+            <a:extLst>
+              <a:ext uri="{FF2B5EF4-FFF2-40B4-BE49-F238E27FC236}">
+                <a16:creationId xmlns:a16="http://schemas.microsoft.com/office/drawing/2014/main" id="{8C30EA39-51D9-4BDF-818A-112DEA8AF2A6}"/>
+              </a:ext>
+            </a:extLst>
+          </p:cNvPr>
+          <p:cNvSpPr txBox="1"/>
+          <p:nvPr/>
+        </p:nvSpPr>
+        <p:spPr>
+          <a:xfrm>
+            <a:off x="2267745" y="2708922"/>
+            <a:ext cx="4493538" cy="523220"/>
+          </a:xfrm>
+          <a:prstGeom prst="rect">
+            <a:avLst/>
+          </a:prstGeom>
+          <a:noFill/>
+        </p:spPr>
+        <p:txBody>
+          <a:bodyPr wrap="none" rtlCol="0">
+            <a:spAutoFit/>
+          </a:bodyPr>
+          <a:lstStyle/>
+          <a:p>
+            <a:r>
+              <a:rPr kumimoji="1" lang="ja-JP" altLang="en-US" sz="2800"/>
+              <a:t>ディレクティブを指定する</a:t>
+            </a:r>
+          </a:p>
+        </p:txBody>
+      </p:sp>
+      <p:sp>
+        <p:nvSpPr>
+          <p:cNvPr id="5" name="テキスト ボックス 4">
+            <a:extLst>
+              <a:ext uri="{FF2B5EF4-FFF2-40B4-BE49-F238E27FC236}">
+                <a16:creationId xmlns:a16="http://schemas.microsoft.com/office/drawing/2014/main" id="{FDF3EA40-AAD4-4346-87A3-28137BC13F81}"/>
+              </a:ext>
+            </a:extLst>
+          </p:cNvPr>
+          <p:cNvSpPr txBox="1"/>
+          <p:nvPr/>
+        </p:nvSpPr>
+        <p:spPr>
+          <a:xfrm>
+            <a:off x="2843809" y="3501010"/>
+            <a:ext cx="3416320" cy="523220"/>
+          </a:xfrm>
+          <a:prstGeom prst="rect">
+            <a:avLst/>
+          </a:prstGeom>
+          <a:noFill/>
+        </p:spPr>
+        <p:txBody>
+          <a:bodyPr wrap="none" rtlCol="0">
+            <a:spAutoFit/>
+          </a:bodyPr>
+          <a:lstStyle/>
+          <a:p>
+            <a:r>
+              <a:rPr kumimoji="1" lang="ja-JP" altLang="en-US" sz="2800">
+                <a:solidFill>
+                  <a:srgbClr val="FF0000"/>
+                </a:solidFill>
+              </a:rPr>
+              <a:t>組み込み関数で書く</a:t>
+            </a:r>
+          </a:p>
+        </p:txBody>
+      </p:sp>
+      <p:sp>
+        <p:nvSpPr>
+          <p:cNvPr id="6" name="テキスト ボックス 5">
+            <a:extLst>
+              <a:ext uri="{FF2B5EF4-FFF2-40B4-BE49-F238E27FC236}">
+                <a16:creationId xmlns:a16="http://schemas.microsoft.com/office/drawing/2014/main" id="{EC7E25AE-A821-4016-90B0-2040AC559110}"/>
+              </a:ext>
+            </a:extLst>
+          </p:cNvPr>
+          <p:cNvSpPr txBox="1"/>
+          <p:nvPr/>
+        </p:nvSpPr>
+        <p:spPr>
+          <a:xfrm>
+            <a:off x="3203849" y="4221090"/>
+            <a:ext cx="2260555" cy="523220"/>
+          </a:xfrm>
+          <a:prstGeom prst="rect">
+            <a:avLst/>
+          </a:prstGeom>
+          <a:noFill/>
+        </p:spPr>
+        <p:txBody>
+          <a:bodyPr wrap="none" rtlCol="0">
+            <a:spAutoFit/>
+          </a:bodyPr>
+          <a:lstStyle/>
+          <a:p>
+            <a:r>
+              <a:rPr kumimoji="1" lang="en-US" altLang="ja-JP" sz="2800">
+                <a:solidFill>
+                  <a:srgbClr val="FF0000"/>
+                </a:solidFill>
+              </a:rPr>
+              <a:t>Xbyak</a:t>
+            </a:r>
+            <a:r>
+              <a:rPr kumimoji="1" lang="ja-JP" altLang="en-US" sz="2800">
+                <a:solidFill>
+                  <a:srgbClr val="FF0000"/>
+                </a:solidFill>
+              </a:rPr>
+              <a:t>で書く</a:t>
+            </a:r>
+          </a:p>
+        </p:txBody>
+      </p:sp>
+      <p:sp>
+        <p:nvSpPr>
+          <p:cNvPr id="7" name="テキスト ボックス 6">
+            <a:extLst>
+              <a:ext uri="{FF2B5EF4-FFF2-40B4-BE49-F238E27FC236}">
+                <a16:creationId xmlns:a16="http://schemas.microsoft.com/office/drawing/2014/main" id="{A89788A3-8F83-41DB-8F4C-F5B7B9E657A3}"/>
+              </a:ext>
+            </a:extLst>
+          </p:cNvPr>
+          <p:cNvSpPr txBox="1"/>
+          <p:nvPr/>
+        </p:nvSpPr>
+        <p:spPr>
+          <a:xfrm>
+            <a:off x="3491881" y="4941170"/>
+            <a:ext cx="3775393" cy="523220"/>
+          </a:xfrm>
+          <a:prstGeom prst="rect">
+            <a:avLst/>
+          </a:prstGeom>
+          <a:noFill/>
+        </p:spPr>
+        <p:txBody>
+          <a:bodyPr wrap="none" rtlCol="0">
+            <a:spAutoFit/>
+          </a:bodyPr>
+          <a:lstStyle/>
+          <a:p>
+            <a:r>
+              <a:rPr kumimoji="1" lang="ja-JP" altLang="en-US" sz="2800"/>
+              <a:t>フルアセンブリで組む</a:t>
+            </a:r>
+          </a:p>
+        </p:txBody>
+      </p:sp>
+      <p:sp>
+        <p:nvSpPr>
+          <p:cNvPr id="8" name="矢印: 上下 7">
+            <a:extLst>
+              <a:ext uri="{FF2B5EF4-FFF2-40B4-BE49-F238E27FC236}">
+                <a16:creationId xmlns:a16="http://schemas.microsoft.com/office/drawing/2014/main" id="{7F54DECA-3C48-442C-8BB2-8A394305C72D}"/>
+              </a:ext>
+            </a:extLst>
+          </p:cNvPr>
+          <p:cNvSpPr/>
+          <p:nvPr/>
+        </p:nvSpPr>
+        <p:spPr>
+          <a:xfrm rot="20042355">
+            <a:off x="1513620" y="1671958"/>
+            <a:ext cx="864096" cy="4320480"/>
+          </a:xfrm>
+          <a:prstGeom prst="upDownArrow">
+            <a:avLst/>
+          </a:prstGeom>
+          <a:gradFill>
+            <a:gsLst>
+              <a:gs pos="0">
+                <a:srgbClr val="00B0F0"/>
+              </a:gs>
+              <a:gs pos="100000">
+                <a:srgbClr val="FF0000"/>
+              </a:gs>
+            </a:gsLst>
+            <a:lin ang="5400000" scaled="1"/>
+          </a:gradFill>
+          <a:ln>
+            <a:solidFill>
+              <a:schemeClr val="tx1"/>
+            </a:solidFill>
+          </a:ln>
+        </p:spPr>
+        <p:style>
+          <a:lnRef idx="2">
+            <a:schemeClr val="accent1">
+              <a:shade val="50000"/>
+            </a:schemeClr>
+          </a:lnRef>
+          <a:fillRef idx="1">
+            <a:schemeClr val="accent1"/>
+          </a:fillRef>
+          <a:effectRef idx="0">
+            <a:schemeClr val="accent1"/>
+          </a:effectRef>
+          <a:fontRef idx="minor">
+            <a:schemeClr val="lt1"/>
+          </a:fontRef>
+        </p:style>
+        <p:txBody>
+          <a:bodyPr rtlCol="0" anchor="ctr"/>
+          <a:lstStyle/>
+          <a:p>
+            <a:pPr algn="ctr"/>
+            <a:endParaRPr kumimoji="1" lang="ja-JP" altLang="en-US">
+              <a:solidFill>
+                <a:schemeClr val="tx1"/>
+              </a:solidFill>
+            </a:endParaRPr>
+          </a:p>
+        </p:txBody>
+      </p:sp>
+      <p:sp>
+        <p:nvSpPr>
+          <p:cNvPr id="9" name="テキスト ボックス 8">
+            <a:extLst>
+              <a:ext uri="{FF2B5EF4-FFF2-40B4-BE49-F238E27FC236}">
+                <a16:creationId xmlns:a16="http://schemas.microsoft.com/office/drawing/2014/main" id="{BA7FDEEB-3589-4349-986B-E29402F462FF}"/>
+              </a:ext>
+            </a:extLst>
+          </p:cNvPr>
+          <p:cNvSpPr txBox="1"/>
+          <p:nvPr/>
+        </p:nvSpPr>
+        <p:spPr>
+          <a:xfrm>
+            <a:off x="251520" y="1124744"/>
+            <a:ext cx="7136890" cy="584775"/>
+          </a:xfrm>
+          <a:prstGeom prst="rect">
+            <a:avLst/>
+          </a:prstGeom>
+          <a:noFill/>
+          <a:ln>
+            <a:solidFill>
+              <a:schemeClr val="tx1"/>
+            </a:solidFill>
+          </a:ln>
+        </p:spPr>
+        <p:txBody>
+          <a:bodyPr wrap="none" rtlCol="0">
+            <a:spAutoFit/>
+          </a:bodyPr>
+          <a:lstStyle/>
+          <a:p>
+            <a:r>
+              <a:rPr kumimoji="1" lang="ja-JP" altLang="en-US" sz="3200"/>
+              <a:t>高レイヤ </a:t>
+            </a:r>
+            <a:r>
+              <a:rPr kumimoji="1" lang="en-US" altLang="ja-JP" sz="3200"/>
+              <a:t>(</a:t>
+            </a:r>
+            <a:r>
+              <a:rPr kumimoji="1" lang="ja-JP" altLang="en-US" sz="3200"/>
+              <a:t>楽</a:t>
+            </a:r>
+            <a:r>
+              <a:rPr lang="ja-JP" altLang="en-US" sz="3200"/>
+              <a:t>だが</a:t>
+            </a:r>
+            <a:r>
+              <a:rPr kumimoji="1" lang="ja-JP" altLang="en-US" sz="3200"/>
+              <a:t>細かい調整</a:t>
+            </a:r>
+            <a:r>
+              <a:rPr lang="ja-JP" altLang="en-US" sz="3200"/>
+              <a:t>が難しい</a:t>
+            </a:r>
+            <a:r>
+              <a:rPr kumimoji="1" lang="en-US" altLang="ja-JP" sz="3200"/>
+              <a:t>)</a:t>
+            </a:r>
+            <a:endParaRPr kumimoji="1" lang="ja-JP" altLang="en-US" sz="3200"/>
+          </a:p>
+        </p:txBody>
+      </p:sp>
+      <p:sp>
+        <p:nvSpPr>
+          <p:cNvPr id="10" name="テキスト ボックス 9">
+            <a:extLst>
+              <a:ext uri="{FF2B5EF4-FFF2-40B4-BE49-F238E27FC236}">
+                <a16:creationId xmlns:a16="http://schemas.microsoft.com/office/drawing/2014/main" id="{33C48F6E-7F09-436B-9FF8-CEA37489DECC}"/>
+              </a:ext>
+            </a:extLst>
+          </p:cNvPr>
+          <p:cNvSpPr txBox="1"/>
+          <p:nvPr/>
+        </p:nvSpPr>
+        <p:spPr>
+          <a:xfrm>
+            <a:off x="1259632" y="5877272"/>
+            <a:ext cx="6726521" cy="584775"/>
+          </a:xfrm>
+          <a:prstGeom prst="rect">
+            <a:avLst/>
+          </a:prstGeom>
+          <a:noFill/>
+          <a:ln>
+            <a:solidFill>
+              <a:schemeClr val="tx1"/>
+            </a:solidFill>
+          </a:ln>
+        </p:spPr>
+        <p:txBody>
+          <a:bodyPr wrap="none" rtlCol="0">
+            <a:spAutoFit/>
+          </a:bodyPr>
+          <a:lstStyle/>
+          <a:p>
+            <a:r>
+              <a:rPr lang="ja-JP" altLang="en-US" sz="3200"/>
+              <a:t>低</a:t>
+            </a:r>
+            <a:r>
+              <a:rPr kumimoji="1" lang="ja-JP" altLang="en-US" sz="3200"/>
+              <a:t>レイヤ </a:t>
+            </a:r>
+            <a:r>
+              <a:rPr kumimoji="1" lang="en-US" altLang="ja-JP" sz="3200"/>
+              <a:t>(</a:t>
+            </a:r>
+            <a:r>
+              <a:rPr kumimoji="1" lang="ja-JP" altLang="en-US" sz="3200"/>
+              <a:t>細かく調整できるが大変</a:t>
+            </a:r>
+            <a:r>
+              <a:rPr kumimoji="1" lang="en-US" altLang="ja-JP" sz="3200"/>
+              <a:t>)</a:t>
+            </a:r>
+            <a:endParaRPr kumimoji="1" lang="ja-JP" altLang="en-US" sz="3200"/>
+          </a:p>
+        </p:txBody>
+      </p:sp>
+    </p:spTree>
+    <p:extLst>
+      <p:ext uri="{BB962C8B-B14F-4D97-AF65-F5344CB8AC3E}">
+        <p14:creationId xmlns:p14="http://schemas.microsoft.com/office/powerpoint/2010/main" val="1461919131"/>
+      </p:ext>
+    </p:extLst>
+  </p:cSld>
+  <p:clrMapOvr>
+    <a:masterClrMapping/>
+  </p:clrMapOvr>
+</p:sld>
+</file>
+
+<file path=ppt/slides/slide17.xml><?xml version="1.0" encoding="utf-8"?>
+<p:sld xmlns:a="http://schemas.openxmlformats.org/drawingml/2006/main" xmlns:r="http://schemas.openxmlformats.org/officeDocument/2006/relationships" xmlns:p="http://schemas.openxmlformats.org/presentationml/2006/main">
+  <p:cSld>
+    <p:spTree>
+      <p:nvGrpSpPr>
+        <p:cNvPr id="1" name=""/>
+        <p:cNvGrpSpPr/>
+        <p:nvPr/>
+      </p:nvGrpSpPr>
+      <p:grpSpPr>
+        <a:xfrm>
+          <a:off x="0" y="0"/>
+          <a:ext cx="0" cy="0"/>
+          <a:chOff x="0" y="0"/>
+          <a:chExt cx="0" cy="0"/>
+        </a:xfrm>
+      </p:grpSpPr>
+      <p:sp>
+        <p:nvSpPr>
+          <p:cNvPr id="2" name="テキスト プレースホルダー 1">
+            <a:extLst>
+              <a:ext uri="{FF2B5EF4-FFF2-40B4-BE49-F238E27FC236}">
+                <a16:creationId xmlns:a16="http://schemas.microsoft.com/office/drawing/2014/main" id="{FFD480EE-4344-4F8C-B675-E073D8C778E3}"/>
+              </a:ext>
+            </a:extLst>
+          </p:cNvPr>
+          <p:cNvSpPr>
+            <a:spLocks noGrp="1"/>
+          </p:cNvSpPr>
+          <p:nvPr>
+            <p:ph type="body" sz="quarter" idx="10"/>
+          </p:nvPr>
+        </p:nvSpPr>
+        <p:spPr/>
+        <p:txBody>
+          <a:bodyPr/>
+          <a:lstStyle/>
+          <a:p>
+            <a:r>
+              <a:rPr kumimoji="1" lang="ja-JP" altLang="en-US"/>
+              <a:t>組み込み関数</a:t>
+            </a:r>
+          </a:p>
+        </p:txBody>
+      </p:sp>
+    </p:spTree>
+    <p:extLst>
+      <p:ext uri="{BB962C8B-B14F-4D97-AF65-F5344CB8AC3E}">
+        <p14:creationId xmlns:p14="http://schemas.microsoft.com/office/powerpoint/2010/main" val="2521331630"/>
+      </p:ext>
+    </p:extLst>
+  </p:cSld>
+  <p:clrMapOvr>
+    <a:masterClrMapping/>
+  </p:clrMapOvr>
+</p:sld>
+</file>
+
 <file path=ppt/slides/slide2.xml><?xml version="1.0" encoding="utf-8"?>
 <p:sld xmlns:a="http://schemas.openxmlformats.org/drawingml/2006/main" xmlns:r="http://schemas.openxmlformats.org/officeDocument/2006/relationships" xmlns:p="http://schemas.openxmlformats.org/presentationml/2006/main">
   <p:cSld>
@@ -2391,6 +8301,3348 @@
     <p:extLst>
       <p:ext uri="{BB962C8B-B14F-4D97-AF65-F5344CB8AC3E}">
         <p14:creationId xmlns:p14="http://schemas.microsoft.com/office/powerpoint/2010/main" val="3359608580"/>
+      </p:ext>
+    </p:extLst>
+  </p:cSld>
+  <p:clrMapOvr>
+    <a:masterClrMapping/>
+  </p:clrMapOvr>
+</p:sld>
+</file>
+
+<file path=ppt/slides/slide5.xml><?xml version="1.0" encoding="utf-8"?>
+<p:sld xmlns:a="http://schemas.openxmlformats.org/drawingml/2006/main" xmlns:r="http://schemas.openxmlformats.org/officeDocument/2006/relationships" xmlns:p="http://schemas.openxmlformats.org/presentationml/2006/main">
+  <p:cSld>
+    <p:spTree>
+      <p:nvGrpSpPr>
+        <p:cNvPr id="1" name=""/>
+        <p:cNvGrpSpPr/>
+        <p:nvPr/>
+      </p:nvGrpSpPr>
+      <p:grpSpPr>
+        <a:xfrm>
+          <a:off x="0" y="0"/>
+          <a:ext cx="0" cy="0"/>
+          <a:chOff x="0" y="0"/>
+          <a:chExt cx="0" cy="0"/>
+        </a:xfrm>
+      </p:grpSpPr>
+      <p:sp>
+        <p:nvSpPr>
+          <p:cNvPr id="2" name="テキスト プレースホルダー 1">
+            <a:extLst>
+              <a:ext uri="{FF2B5EF4-FFF2-40B4-BE49-F238E27FC236}">
+                <a16:creationId xmlns:a16="http://schemas.microsoft.com/office/drawing/2014/main" id="{EC7F8CC6-9506-4FE9-9D42-2D829E334FAA}"/>
+              </a:ext>
+            </a:extLst>
+          </p:cNvPr>
+          <p:cNvSpPr>
+            <a:spLocks noGrp="1"/>
+          </p:cNvSpPr>
+          <p:nvPr>
+            <p:ph type="body" sz="quarter" idx="10"/>
+          </p:nvPr>
+        </p:nvSpPr>
+        <p:spPr/>
+        <p:txBody>
+          <a:bodyPr/>
+          <a:lstStyle/>
+          <a:p>
+            <a:r>
+              <a:rPr lang="ja-JP" altLang="en-US"/>
+              <a:t>富岳概要</a:t>
+            </a:r>
+            <a:endParaRPr kumimoji="1" lang="ja-JP" altLang="en-US"/>
+          </a:p>
+        </p:txBody>
+      </p:sp>
+      <p:sp>
+        <p:nvSpPr>
+          <p:cNvPr id="3" name="テキスト ボックス 2">
+            <a:extLst>
+              <a:ext uri="{FF2B5EF4-FFF2-40B4-BE49-F238E27FC236}">
+                <a16:creationId xmlns:a16="http://schemas.microsoft.com/office/drawing/2014/main" id="{32255C86-2F20-45FA-B6C4-CFB1E4EBB892}"/>
+              </a:ext>
+            </a:extLst>
+          </p:cNvPr>
+          <p:cNvSpPr txBox="1"/>
+          <p:nvPr/>
+        </p:nvSpPr>
+        <p:spPr>
+          <a:xfrm>
+            <a:off x="179512" y="1340768"/>
+            <a:ext cx="7793928" cy="3416320"/>
+          </a:xfrm>
+          <a:prstGeom prst="rect">
+            <a:avLst/>
+          </a:prstGeom>
+          <a:noFill/>
+        </p:spPr>
+        <p:txBody>
+          <a:bodyPr wrap="none" rtlCol="0">
+            <a:spAutoFit/>
+          </a:bodyPr>
+          <a:lstStyle/>
+          <a:p>
+            <a:r>
+              <a:rPr lang="ja-JP" altLang="en-US" sz="3600"/>
+              <a:t>ノード数：</a:t>
+            </a:r>
+            <a:r>
+              <a:rPr lang="en-US" altLang="ja-JP" sz="3600"/>
+              <a:t>158976</a:t>
+            </a:r>
+          </a:p>
+          <a:p>
+            <a:r>
+              <a:rPr kumimoji="1" lang="ja-JP" altLang="en-US" sz="3600"/>
+              <a:t>ネットワーク： </a:t>
+            </a:r>
+            <a:r>
+              <a:rPr kumimoji="1" lang="en-US" altLang="ja-JP" sz="3600"/>
+              <a:t>Tofu (24,23,24,2,3,2)</a:t>
+            </a:r>
+          </a:p>
+          <a:p>
+            <a:r>
+              <a:rPr kumimoji="1" lang="en-US" altLang="ja-JP" sz="3600"/>
+              <a:t>1CPU/1</a:t>
+            </a:r>
+            <a:r>
+              <a:rPr kumimoji="1" lang="ja-JP" altLang="en-US" sz="3600"/>
+              <a:t>ノード</a:t>
+            </a:r>
+            <a:endParaRPr kumimoji="1" lang="en-US" altLang="ja-JP" sz="3600"/>
+          </a:p>
+          <a:p>
+            <a:r>
+              <a:rPr lang="en-US" altLang="ja-JP" sz="3600"/>
+              <a:t>4CMG + 2</a:t>
+            </a:r>
+            <a:r>
+              <a:rPr lang="ja-JP" altLang="en-US" sz="3600"/>
+              <a:t>アシスタントコア</a:t>
+            </a:r>
+            <a:r>
+              <a:rPr lang="en-US" altLang="ja-JP" sz="3600"/>
+              <a:t>/1CPU</a:t>
+            </a:r>
+          </a:p>
+          <a:p>
+            <a:r>
+              <a:rPr lang="en-US" altLang="ja-JP" sz="3600"/>
+              <a:t>12 core/ 1CMG</a:t>
+            </a:r>
+          </a:p>
+          <a:p>
+            <a:r>
+              <a:rPr lang="en-US" altLang="ja-JP" sz="3600"/>
+              <a:t>ISA: </a:t>
+            </a:r>
+            <a:r>
+              <a:rPr lang="en-US" altLang="ja-JP" sz="3600" b="0" i="0">
+                <a:solidFill>
+                  <a:srgbClr val="000000"/>
+                </a:solidFill>
+                <a:effectLst/>
+                <a:latin typeface="FujitsuInfinityPro-Regular"/>
+              </a:rPr>
+              <a:t>Armv8.2-A + SVE</a:t>
+            </a:r>
+            <a:endParaRPr lang="en-US" altLang="ja-JP" sz="3600"/>
+          </a:p>
+        </p:txBody>
+      </p:sp>
+    </p:spTree>
+    <p:extLst>
+      <p:ext uri="{BB962C8B-B14F-4D97-AF65-F5344CB8AC3E}">
+        <p14:creationId xmlns:p14="http://schemas.microsoft.com/office/powerpoint/2010/main" val="4176003175"/>
+      </p:ext>
+    </p:extLst>
+  </p:cSld>
+  <p:clrMapOvr>
+    <a:masterClrMapping/>
+  </p:clrMapOvr>
+</p:sld>
+</file>
+
+<file path=ppt/slides/slide6.xml><?xml version="1.0" encoding="utf-8"?>
+<p:sld xmlns:a="http://schemas.openxmlformats.org/drawingml/2006/main" xmlns:r="http://schemas.openxmlformats.org/officeDocument/2006/relationships" xmlns:p="http://schemas.openxmlformats.org/presentationml/2006/main">
+  <p:cSld>
+    <p:spTree>
+      <p:nvGrpSpPr>
+        <p:cNvPr id="1" name=""/>
+        <p:cNvGrpSpPr/>
+        <p:nvPr/>
+      </p:nvGrpSpPr>
+      <p:grpSpPr>
+        <a:xfrm>
+          <a:off x="0" y="0"/>
+          <a:ext cx="0" cy="0"/>
+          <a:chOff x="0" y="0"/>
+          <a:chExt cx="0" cy="0"/>
+        </a:xfrm>
+      </p:grpSpPr>
+      <p:sp>
+        <p:nvSpPr>
+          <p:cNvPr id="2" name="テキスト プレースホルダー 1">
+            <a:extLst>
+              <a:ext uri="{FF2B5EF4-FFF2-40B4-BE49-F238E27FC236}">
+                <a16:creationId xmlns:a16="http://schemas.microsoft.com/office/drawing/2014/main" id="{EC7F8CC6-9506-4FE9-9D42-2D829E334FAA}"/>
+              </a:ext>
+            </a:extLst>
+          </p:cNvPr>
+          <p:cNvSpPr>
+            <a:spLocks noGrp="1"/>
+          </p:cNvSpPr>
+          <p:nvPr>
+            <p:ph type="body" sz="quarter" idx="10"/>
+          </p:nvPr>
+        </p:nvSpPr>
+        <p:spPr/>
+        <p:txBody>
+          <a:bodyPr/>
+          <a:lstStyle/>
+          <a:p>
+            <a:r>
+              <a:rPr lang="ja-JP" altLang="en-US"/>
+              <a:t>富岳概要</a:t>
+            </a:r>
+            <a:endParaRPr kumimoji="1" lang="ja-JP" altLang="en-US"/>
+          </a:p>
+        </p:txBody>
+      </p:sp>
+      <p:sp>
+        <p:nvSpPr>
+          <p:cNvPr id="3" name="テキスト ボックス 2">
+            <a:extLst>
+              <a:ext uri="{FF2B5EF4-FFF2-40B4-BE49-F238E27FC236}">
+                <a16:creationId xmlns:a16="http://schemas.microsoft.com/office/drawing/2014/main" id="{32255C86-2F20-45FA-B6C4-CFB1E4EBB892}"/>
+              </a:ext>
+            </a:extLst>
+          </p:cNvPr>
+          <p:cNvSpPr txBox="1"/>
+          <p:nvPr/>
+        </p:nvSpPr>
+        <p:spPr>
+          <a:xfrm>
+            <a:off x="179512" y="1340768"/>
+            <a:ext cx="7793928" cy="3416320"/>
+          </a:xfrm>
+          <a:prstGeom prst="rect">
+            <a:avLst/>
+          </a:prstGeom>
+          <a:noFill/>
+        </p:spPr>
+        <p:txBody>
+          <a:bodyPr wrap="none" rtlCol="0">
+            <a:spAutoFit/>
+          </a:bodyPr>
+          <a:lstStyle/>
+          <a:p>
+            <a:r>
+              <a:rPr lang="ja-JP" altLang="en-US" sz="3600"/>
+              <a:t>ノード数：</a:t>
+            </a:r>
+            <a:r>
+              <a:rPr lang="en-US" altLang="ja-JP" sz="3600"/>
+              <a:t>158976</a:t>
+            </a:r>
+          </a:p>
+          <a:p>
+            <a:r>
+              <a:rPr kumimoji="1" lang="ja-JP" altLang="en-US" sz="3600"/>
+              <a:t>ネットワーク： </a:t>
+            </a:r>
+            <a:r>
+              <a:rPr kumimoji="1" lang="en-US" altLang="ja-JP" sz="3600"/>
+              <a:t>Tofu (24,23,24,2,3,2)</a:t>
+            </a:r>
+          </a:p>
+          <a:p>
+            <a:r>
+              <a:rPr kumimoji="1" lang="en-US" altLang="ja-JP" sz="3600"/>
+              <a:t>1CPU/1</a:t>
+            </a:r>
+            <a:r>
+              <a:rPr kumimoji="1" lang="ja-JP" altLang="en-US" sz="3600"/>
+              <a:t>ノード</a:t>
+            </a:r>
+            <a:endParaRPr kumimoji="1" lang="en-US" altLang="ja-JP" sz="3600"/>
+          </a:p>
+          <a:p>
+            <a:r>
+              <a:rPr lang="en-US" altLang="ja-JP" sz="3600"/>
+              <a:t>4CMG + 2</a:t>
+            </a:r>
+            <a:r>
+              <a:rPr lang="ja-JP" altLang="en-US" sz="3600"/>
+              <a:t>アシスタントコア</a:t>
+            </a:r>
+            <a:r>
+              <a:rPr lang="en-US" altLang="ja-JP" sz="3600"/>
+              <a:t>/1CPU</a:t>
+            </a:r>
+          </a:p>
+          <a:p>
+            <a:r>
+              <a:rPr lang="en-US" altLang="ja-JP" sz="3600"/>
+              <a:t>12 core/ 1CMG</a:t>
+            </a:r>
+          </a:p>
+          <a:p>
+            <a:r>
+              <a:rPr lang="en-US" altLang="ja-JP" sz="3600"/>
+              <a:t>ISA: </a:t>
+            </a:r>
+            <a:r>
+              <a:rPr lang="en-US" altLang="ja-JP" sz="3600" b="0" i="0">
+                <a:solidFill>
+                  <a:srgbClr val="000000"/>
+                </a:solidFill>
+                <a:effectLst/>
+                <a:latin typeface="FujitsuInfinityPro-Regular"/>
+              </a:rPr>
+              <a:t>Armv8.2-A + </a:t>
+            </a:r>
+            <a:r>
+              <a:rPr lang="en-US" altLang="ja-JP" sz="3600" b="0" i="0">
+                <a:solidFill>
+                  <a:srgbClr val="FF0000"/>
+                </a:solidFill>
+                <a:effectLst/>
+                <a:latin typeface="FujitsuInfinityPro-Regular"/>
+              </a:rPr>
+              <a:t>SVE</a:t>
+            </a:r>
+            <a:endParaRPr lang="en-US" altLang="ja-JP" sz="3600">
+              <a:solidFill>
+                <a:srgbClr val="FF0000"/>
+              </a:solidFill>
+            </a:endParaRPr>
+          </a:p>
+        </p:txBody>
+      </p:sp>
+      <p:sp>
+        <p:nvSpPr>
+          <p:cNvPr id="4" name="吹き出し: 角を丸めた四角形 3">
+            <a:extLst>
+              <a:ext uri="{FF2B5EF4-FFF2-40B4-BE49-F238E27FC236}">
+                <a16:creationId xmlns:a16="http://schemas.microsoft.com/office/drawing/2014/main" id="{4E89125D-8836-48BF-AC4F-F412549EFD07}"/>
+              </a:ext>
+            </a:extLst>
+          </p:cNvPr>
+          <p:cNvSpPr/>
+          <p:nvPr/>
+        </p:nvSpPr>
+        <p:spPr>
+          <a:xfrm>
+            <a:off x="251520" y="548680"/>
+            <a:ext cx="3024336" cy="720080"/>
+          </a:xfrm>
+          <a:prstGeom prst="wedgeRoundRectCallout">
+            <a:avLst>
+              <a:gd name="adj1" fmla="val 57218"/>
+              <a:gd name="adj2" fmla="val -39088"/>
+              <a:gd name="adj3" fmla="val 16667"/>
+            </a:avLst>
+          </a:prstGeom>
+          <a:solidFill>
+            <a:schemeClr val="bg1"/>
+          </a:solidFill>
+          <a:ln>
+            <a:solidFill>
+              <a:schemeClr val="tx1"/>
+            </a:solidFill>
+          </a:ln>
+        </p:spPr>
+        <p:style>
+          <a:lnRef idx="2">
+            <a:schemeClr val="accent1">
+              <a:shade val="50000"/>
+            </a:schemeClr>
+          </a:lnRef>
+          <a:fillRef idx="1">
+            <a:schemeClr val="accent1"/>
+          </a:fillRef>
+          <a:effectRef idx="0">
+            <a:schemeClr val="accent1"/>
+          </a:effectRef>
+          <a:fontRef idx="minor">
+            <a:schemeClr val="lt1"/>
+          </a:fontRef>
+        </p:style>
+        <p:txBody>
+          <a:bodyPr rtlCol="0" anchor="ctr"/>
+          <a:lstStyle/>
+          <a:p>
+            <a:pPr algn="ctr"/>
+            <a:r>
+              <a:rPr lang="ja-JP" altLang="en-US" sz="2400">
+                <a:solidFill>
+                  <a:schemeClr val="tx1"/>
+                </a:solidFill>
+              </a:rPr>
+              <a:t>プログラマから見た</a:t>
+            </a:r>
+            <a:endParaRPr kumimoji="1" lang="ja-JP" altLang="en-US" sz="2400">
+              <a:solidFill>
+                <a:schemeClr val="tx1"/>
+              </a:solidFill>
+            </a:endParaRPr>
+          </a:p>
+        </p:txBody>
+      </p:sp>
+      <p:sp>
+        <p:nvSpPr>
+          <p:cNvPr id="5" name="吹き出し: 角を丸めた四角形 4">
+            <a:extLst>
+              <a:ext uri="{FF2B5EF4-FFF2-40B4-BE49-F238E27FC236}">
+                <a16:creationId xmlns:a16="http://schemas.microsoft.com/office/drawing/2014/main" id="{20ED8A62-1338-4225-B427-BE6EAB7E3546}"/>
+              </a:ext>
+            </a:extLst>
+          </p:cNvPr>
+          <p:cNvSpPr/>
+          <p:nvPr/>
+        </p:nvSpPr>
+        <p:spPr>
+          <a:xfrm>
+            <a:off x="5148064" y="1052736"/>
+            <a:ext cx="3024336" cy="720080"/>
+          </a:xfrm>
+          <a:prstGeom prst="wedgeRoundRectCallout">
+            <a:avLst>
+              <a:gd name="adj1" fmla="val -65401"/>
+              <a:gd name="adj2" fmla="val 59678"/>
+              <a:gd name="adj3" fmla="val 16667"/>
+            </a:avLst>
+          </a:prstGeom>
+          <a:solidFill>
+            <a:schemeClr val="bg1"/>
+          </a:solidFill>
+          <a:ln>
+            <a:solidFill>
+              <a:schemeClr val="tx1"/>
+            </a:solidFill>
+          </a:ln>
+        </p:spPr>
+        <p:style>
+          <a:lnRef idx="2">
+            <a:schemeClr val="accent1">
+              <a:shade val="50000"/>
+            </a:schemeClr>
+          </a:lnRef>
+          <a:fillRef idx="1">
+            <a:schemeClr val="accent1"/>
+          </a:fillRef>
+          <a:effectRef idx="0">
+            <a:schemeClr val="accent1"/>
+          </a:effectRef>
+          <a:fontRef idx="minor">
+            <a:schemeClr val="lt1"/>
+          </a:fontRef>
+        </p:style>
+        <p:txBody>
+          <a:bodyPr rtlCol="0" anchor="ctr"/>
+          <a:lstStyle/>
+          <a:p>
+            <a:pPr algn="ctr"/>
+            <a:r>
+              <a:rPr kumimoji="1" lang="ja-JP" altLang="en-US" sz="2400">
+                <a:solidFill>
+                  <a:schemeClr val="tx1"/>
+                </a:solidFill>
+              </a:rPr>
+              <a:t>この辺は</a:t>
+            </a:r>
+            <a:r>
+              <a:rPr kumimoji="1" lang="en-US" altLang="ja-JP" sz="2400">
+                <a:solidFill>
+                  <a:schemeClr val="tx1"/>
+                </a:solidFill>
+              </a:rPr>
+              <a:t>MPI</a:t>
+            </a:r>
+            <a:endParaRPr kumimoji="1" lang="ja-JP" altLang="en-US" sz="2400">
+              <a:solidFill>
+                <a:schemeClr val="tx1"/>
+              </a:solidFill>
+            </a:endParaRPr>
+          </a:p>
+        </p:txBody>
+      </p:sp>
+      <p:sp>
+        <p:nvSpPr>
+          <p:cNvPr id="6" name="吹き出し: 角を丸めた四角形 5">
+            <a:extLst>
+              <a:ext uri="{FF2B5EF4-FFF2-40B4-BE49-F238E27FC236}">
+                <a16:creationId xmlns:a16="http://schemas.microsoft.com/office/drawing/2014/main" id="{5F16CE22-2AFE-4AB8-BF8E-CC84B0E3A881}"/>
+              </a:ext>
+            </a:extLst>
+          </p:cNvPr>
+          <p:cNvSpPr/>
+          <p:nvPr/>
+        </p:nvSpPr>
+        <p:spPr>
+          <a:xfrm>
+            <a:off x="5292080" y="3717032"/>
+            <a:ext cx="3024336" cy="720080"/>
+          </a:xfrm>
+          <a:prstGeom prst="wedgeRoundRectCallout">
+            <a:avLst>
+              <a:gd name="adj1" fmla="val -99667"/>
+              <a:gd name="adj2" fmla="val -34856"/>
+              <a:gd name="adj3" fmla="val 16667"/>
+            </a:avLst>
+          </a:prstGeom>
+          <a:solidFill>
+            <a:schemeClr val="bg1"/>
+          </a:solidFill>
+          <a:ln>
+            <a:solidFill>
+              <a:schemeClr val="tx1"/>
+            </a:solidFill>
+          </a:ln>
+        </p:spPr>
+        <p:style>
+          <a:lnRef idx="2">
+            <a:schemeClr val="accent1">
+              <a:shade val="50000"/>
+            </a:schemeClr>
+          </a:lnRef>
+          <a:fillRef idx="1">
+            <a:schemeClr val="accent1"/>
+          </a:fillRef>
+          <a:effectRef idx="0">
+            <a:schemeClr val="accent1"/>
+          </a:effectRef>
+          <a:fontRef idx="minor">
+            <a:schemeClr val="lt1"/>
+          </a:fontRef>
+        </p:style>
+        <p:txBody>
+          <a:bodyPr rtlCol="0" anchor="ctr"/>
+          <a:lstStyle/>
+          <a:p>
+            <a:pPr algn="ctr"/>
+            <a:r>
+              <a:rPr kumimoji="1" lang="ja-JP" altLang="en-US" sz="2400">
+                <a:solidFill>
+                  <a:schemeClr val="tx1"/>
+                </a:solidFill>
+              </a:rPr>
+              <a:t>この辺は</a:t>
+            </a:r>
+            <a:r>
+              <a:rPr kumimoji="1" lang="en-US" altLang="ja-JP" sz="2400">
+                <a:solidFill>
+                  <a:schemeClr val="tx1"/>
+                </a:solidFill>
+              </a:rPr>
+              <a:t>OpenMP</a:t>
+            </a:r>
+            <a:endParaRPr kumimoji="1" lang="ja-JP" altLang="en-US" sz="2400">
+              <a:solidFill>
+                <a:schemeClr val="tx1"/>
+              </a:solidFill>
+            </a:endParaRPr>
+          </a:p>
+        </p:txBody>
+      </p:sp>
+      <p:sp>
+        <p:nvSpPr>
+          <p:cNvPr id="7" name="吹き出し: 角を丸めた四角形 6">
+            <a:extLst>
+              <a:ext uri="{FF2B5EF4-FFF2-40B4-BE49-F238E27FC236}">
+                <a16:creationId xmlns:a16="http://schemas.microsoft.com/office/drawing/2014/main" id="{2EF5EE44-3934-4518-BFED-529E2C3D7520}"/>
+              </a:ext>
+            </a:extLst>
+          </p:cNvPr>
+          <p:cNvSpPr/>
+          <p:nvPr/>
+        </p:nvSpPr>
+        <p:spPr>
+          <a:xfrm>
+            <a:off x="2123728" y="4941168"/>
+            <a:ext cx="3024336" cy="720080"/>
+          </a:xfrm>
+          <a:prstGeom prst="wedgeRoundRectCallout">
+            <a:avLst>
+              <a:gd name="adj1" fmla="val -2243"/>
+              <a:gd name="adj2" fmla="val -92705"/>
+              <a:gd name="adj3" fmla="val 16667"/>
+            </a:avLst>
+          </a:prstGeom>
+          <a:solidFill>
+            <a:schemeClr val="bg1"/>
+          </a:solidFill>
+          <a:ln>
+            <a:solidFill>
+              <a:schemeClr val="tx1"/>
+            </a:solidFill>
+          </a:ln>
+        </p:spPr>
+        <p:style>
+          <a:lnRef idx="2">
+            <a:schemeClr val="accent1">
+              <a:shade val="50000"/>
+            </a:schemeClr>
+          </a:lnRef>
+          <a:fillRef idx="1">
+            <a:schemeClr val="accent1"/>
+          </a:fillRef>
+          <a:effectRef idx="0">
+            <a:schemeClr val="accent1"/>
+          </a:effectRef>
+          <a:fontRef idx="minor">
+            <a:schemeClr val="lt1"/>
+          </a:fontRef>
+        </p:style>
+        <p:txBody>
+          <a:bodyPr rtlCol="0" anchor="ctr"/>
+          <a:lstStyle/>
+          <a:p>
+            <a:pPr algn="ctr"/>
+            <a:r>
+              <a:rPr kumimoji="1" lang="ja-JP" altLang="en-US" sz="2400">
+                <a:solidFill>
+                  <a:schemeClr val="tx1"/>
+                </a:solidFill>
+              </a:rPr>
+              <a:t>ここをどうするか？</a:t>
+            </a:r>
+          </a:p>
+        </p:txBody>
+      </p:sp>
+    </p:spTree>
+    <p:extLst>
+      <p:ext uri="{BB962C8B-B14F-4D97-AF65-F5344CB8AC3E}">
+        <p14:creationId xmlns:p14="http://schemas.microsoft.com/office/powerpoint/2010/main" val="2030735898"/>
+      </p:ext>
+    </p:extLst>
+  </p:cSld>
+  <p:clrMapOvr>
+    <a:masterClrMapping/>
+  </p:clrMapOvr>
+</p:sld>
+</file>
+
+<file path=ppt/slides/slide7.xml><?xml version="1.0" encoding="utf-8"?>
+<p:sld xmlns:a="http://schemas.openxmlformats.org/drawingml/2006/main" xmlns:r="http://schemas.openxmlformats.org/officeDocument/2006/relationships" xmlns:p="http://schemas.openxmlformats.org/presentationml/2006/main">
+  <p:cSld>
+    <p:spTree>
+      <p:nvGrpSpPr>
+        <p:cNvPr id="1" name=""/>
+        <p:cNvGrpSpPr/>
+        <p:nvPr/>
+      </p:nvGrpSpPr>
+      <p:grpSpPr>
+        <a:xfrm>
+          <a:off x="0" y="0"/>
+          <a:ext cx="0" cy="0"/>
+          <a:chOff x="0" y="0"/>
+          <a:chExt cx="0" cy="0"/>
+        </a:xfrm>
+      </p:grpSpPr>
+      <p:sp>
+        <p:nvSpPr>
+          <p:cNvPr id="2" name="テキスト プレースホルダー 1">
+            <a:extLst>
+              <a:ext uri="{FF2B5EF4-FFF2-40B4-BE49-F238E27FC236}">
+                <a16:creationId xmlns:a16="http://schemas.microsoft.com/office/drawing/2014/main" id="{59DD4872-4A3F-47AF-8897-EEFC5B6FBFBF}"/>
+              </a:ext>
+            </a:extLst>
+          </p:cNvPr>
+          <p:cNvSpPr>
+            <a:spLocks noGrp="1"/>
+          </p:cNvSpPr>
+          <p:nvPr>
+            <p:ph type="body" sz="quarter" idx="10"/>
+          </p:nvPr>
+        </p:nvSpPr>
+        <p:spPr/>
+        <p:txBody>
+          <a:bodyPr/>
+          <a:lstStyle/>
+          <a:p>
+            <a:r>
+              <a:rPr kumimoji="1" lang="en-US" altLang="ja-JP"/>
+              <a:t>CPU</a:t>
+            </a:r>
+            <a:r>
+              <a:rPr kumimoji="1" lang="ja-JP" altLang="en-US"/>
+              <a:t>コアの性能</a:t>
+            </a:r>
+          </a:p>
+        </p:txBody>
+      </p:sp>
+      <p:sp>
+        <p:nvSpPr>
+          <p:cNvPr id="4" name="テキスト ボックス 3">
+            <a:extLst>
+              <a:ext uri="{FF2B5EF4-FFF2-40B4-BE49-F238E27FC236}">
+                <a16:creationId xmlns:a16="http://schemas.microsoft.com/office/drawing/2014/main" id="{7B1EFE42-B096-4BD0-886A-29BA239D4B17}"/>
+              </a:ext>
+            </a:extLst>
+          </p:cNvPr>
+          <p:cNvSpPr txBox="1"/>
+          <p:nvPr/>
+        </p:nvSpPr>
+        <p:spPr>
+          <a:xfrm>
+            <a:off x="179512" y="6021288"/>
+            <a:ext cx="8152968" cy="646331"/>
+          </a:xfrm>
+          <a:prstGeom prst="rect">
+            <a:avLst/>
+          </a:prstGeom>
+          <a:noFill/>
+        </p:spPr>
+        <p:txBody>
+          <a:bodyPr wrap="square" rtlCol="0">
+            <a:spAutoFit/>
+          </a:bodyPr>
+          <a:lstStyle/>
+          <a:p>
+            <a:r>
+              <a:rPr lang="en-US" altLang="ja-JP"/>
+              <a:t>※ </a:t>
+            </a:r>
+            <a:r>
+              <a:rPr lang="ja-JP" altLang="en-US"/>
+              <a:t>演算にはレイテンシがあるが、パイプライン処理により「理想的には」</a:t>
+            </a:r>
+            <a:endParaRPr lang="en-US" altLang="ja-JP"/>
+          </a:p>
+          <a:p>
+            <a:r>
+              <a:rPr lang="en-US" altLang="ja-JP"/>
+              <a:t>1</a:t>
+            </a:r>
+            <a:r>
+              <a:rPr lang="ja-JP" altLang="en-US"/>
+              <a:t>サイクルに</a:t>
+            </a:r>
+            <a:r>
+              <a:rPr lang="en-US" altLang="ja-JP"/>
+              <a:t>1</a:t>
+            </a:r>
+            <a:r>
+              <a:rPr lang="ja-JP" altLang="en-US"/>
+              <a:t>演算できる</a:t>
+            </a:r>
+            <a:r>
+              <a:rPr lang="en-US" altLang="ja-JP"/>
+              <a:t>(</a:t>
+            </a:r>
+            <a:r>
+              <a:rPr lang="ja-JP" altLang="en-US"/>
+              <a:t>スループット</a:t>
+            </a:r>
+            <a:r>
+              <a:rPr lang="en-US" altLang="ja-JP"/>
+              <a:t>)</a:t>
+            </a:r>
+            <a:endParaRPr kumimoji="1" lang="ja-JP" altLang="en-US"/>
+          </a:p>
+        </p:txBody>
+      </p:sp>
+      <p:sp>
+        <p:nvSpPr>
+          <p:cNvPr id="6" name="四角形: 角を丸くする 5">
+            <a:extLst>
+              <a:ext uri="{FF2B5EF4-FFF2-40B4-BE49-F238E27FC236}">
+                <a16:creationId xmlns:a16="http://schemas.microsoft.com/office/drawing/2014/main" id="{ECD22E71-7994-4027-8C0E-75679325D34E}"/>
+              </a:ext>
+            </a:extLst>
+          </p:cNvPr>
+          <p:cNvSpPr/>
+          <p:nvPr/>
+        </p:nvSpPr>
+        <p:spPr>
+          <a:xfrm>
+            <a:off x="899592" y="2699628"/>
+            <a:ext cx="1080120" cy="554360"/>
+          </a:xfrm>
+          <a:prstGeom prst="roundRect">
+            <a:avLst>
+              <a:gd name="adj" fmla="val 25831"/>
+            </a:avLst>
+          </a:prstGeom>
+          <a:solidFill>
+            <a:schemeClr val="accent2">
+              <a:lumMod val="20000"/>
+              <a:lumOff val="80000"/>
+            </a:schemeClr>
+          </a:solidFill>
+          <a:ln>
+            <a:solidFill>
+              <a:schemeClr val="tx1"/>
+            </a:solidFill>
+          </a:ln>
+        </p:spPr>
+        <p:style>
+          <a:lnRef idx="2">
+            <a:schemeClr val="accent1">
+              <a:shade val="50000"/>
+            </a:schemeClr>
+          </a:lnRef>
+          <a:fillRef idx="1">
+            <a:schemeClr val="accent1"/>
+          </a:fillRef>
+          <a:effectRef idx="0">
+            <a:schemeClr val="accent1"/>
+          </a:effectRef>
+          <a:fontRef idx="minor">
+            <a:schemeClr val="lt1"/>
+          </a:fontRef>
+        </p:style>
+        <p:txBody>
+          <a:bodyPr rtlCol="0" anchor="ctr"/>
+          <a:lstStyle/>
+          <a:p>
+            <a:pPr algn="ctr"/>
+            <a:r>
+              <a:rPr kumimoji="1" lang="ja-JP" altLang="en-US">
+                <a:solidFill>
+                  <a:schemeClr val="tx1"/>
+                </a:solidFill>
+              </a:rPr>
+              <a:t>性能</a:t>
+            </a:r>
+          </a:p>
+        </p:txBody>
+      </p:sp>
+      <p:sp>
+        <p:nvSpPr>
+          <p:cNvPr id="7" name="四角形: 角を丸くする 6">
+            <a:extLst>
+              <a:ext uri="{FF2B5EF4-FFF2-40B4-BE49-F238E27FC236}">
+                <a16:creationId xmlns:a16="http://schemas.microsoft.com/office/drawing/2014/main" id="{1C57CECE-A325-4B4F-BFD2-E87FBB39145E}"/>
+              </a:ext>
+            </a:extLst>
+          </p:cNvPr>
+          <p:cNvSpPr/>
+          <p:nvPr/>
+        </p:nvSpPr>
+        <p:spPr>
+          <a:xfrm>
+            <a:off x="2483768" y="2699628"/>
+            <a:ext cx="1080120" cy="554360"/>
+          </a:xfrm>
+          <a:prstGeom prst="roundRect">
+            <a:avLst>
+              <a:gd name="adj" fmla="val 25831"/>
+            </a:avLst>
+          </a:prstGeom>
+          <a:solidFill>
+            <a:schemeClr val="accent1">
+              <a:lumMod val="20000"/>
+              <a:lumOff val="80000"/>
+            </a:schemeClr>
+          </a:solidFill>
+          <a:ln>
+            <a:solidFill>
+              <a:schemeClr val="tx1"/>
+            </a:solidFill>
+          </a:ln>
+        </p:spPr>
+        <p:style>
+          <a:lnRef idx="2">
+            <a:schemeClr val="accent1">
+              <a:shade val="50000"/>
+            </a:schemeClr>
+          </a:lnRef>
+          <a:fillRef idx="1">
+            <a:schemeClr val="accent1"/>
+          </a:fillRef>
+          <a:effectRef idx="0">
+            <a:schemeClr val="accent1"/>
+          </a:effectRef>
+          <a:fontRef idx="minor">
+            <a:schemeClr val="lt1"/>
+          </a:fontRef>
+        </p:style>
+        <p:txBody>
+          <a:bodyPr rtlCol="0" anchor="ctr"/>
+          <a:lstStyle/>
+          <a:p>
+            <a:pPr algn="ctr"/>
+            <a:r>
+              <a:rPr kumimoji="1" lang="ja-JP" altLang="en-US">
+                <a:solidFill>
+                  <a:schemeClr val="tx1"/>
+                </a:solidFill>
+              </a:rPr>
+              <a:t>動作</a:t>
+            </a:r>
+            <a:endParaRPr kumimoji="1" lang="en-US" altLang="ja-JP">
+              <a:solidFill>
+                <a:schemeClr val="tx1"/>
+              </a:solidFill>
+            </a:endParaRPr>
+          </a:p>
+          <a:p>
+            <a:pPr algn="ctr"/>
+            <a:r>
+              <a:rPr lang="ja-JP" altLang="en-US">
+                <a:solidFill>
+                  <a:schemeClr val="tx1"/>
+                </a:solidFill>
+              </a:rPr>
+              <a:t>周波数</a:t>
+            </a:r>
+            <a:endParaRPr kumimoji="1" lang="ja-JP" altLang="en-US">
+              <a:solidFill>
+                <a:schemeClr val="tx1"/>
+              </a:solidFill>
+            </a:endParaRPr>
+          </a:p>
+        </p:txBody>
+      </p:sp>
+      <p:sp>
+        <p:nvSpPr>
+          <p:cNvPr id="8" name="四角形: 角を丸くする 7">
+            <a:extLst>
+              <a:ext uri="{FF2B5EF4-FFF2-40B4-BE49-F238E27FC236}">
+                <a16:creationId xmlns:a16="http://schemas.microsoft.com/office/drawing/2014/main" id="{3E7C2AB0-5FFD-4B47-ABF0-552D61336395}"/>
+              </a:ext>
+            </a:extLst>
+          </p:cNvPr>
+          <p:cNvSpPr/>
+          <p:nvPr/>
+        </p:nvSpPr>
+        <p:spPr>
+          <a:xfrm>
+            <a:off x="4139952" y="2699628"/>
+            <a:ext cx="1080120" cy="554360"/>
+          </a:xfrm>
+          <a:prstGeom prst="roundRect">
+            <a:avLst>
+              <a:gd name="adj" fmla="val 25831"/>
+            </a:avLst>
+          </a:prstGeom>
+          <a:solidFill>
+            <a:schemeClr val="accent3">
+              <a:lumMod val="20000"/>
+              <a:lumOff val="80000"/>
+            </a:schemeClr>
+          </a:solidFill>
+          <a:ln>
+            <a:solidFill>
+              <a:schemeClr val="tx1"/>
+            </a:solidFill>
+          </a:ln>
+        </p:spPr>
+        <p:style>
+          <a:lnRef idx="2">
+            <a:schemeClr val="accent1">
+              <a:shade val="50000"/>
+            </a:schemeClr>
+          </a:lnRef>
+          <a:fillRef idx="1">
+            <a:schemeClr val="accent1"/>
+          </a:fillRef>
+          <a:effectRef idx="0">
+            <a:schemeClr val="accent1"/>
+          </a:effectRef>
+          <a:fontRef idx="minor">
+            <a:schemeClr val="lt1"/>
+          </a:fontRef>
+        </p:style>
+        <p:txBody>
+          <a:bodyPr rtlCol="0" anchor="ctr"/>
+          <a:lstStyle/>
+          <a:p>
+            <a:pPr algn="ctr"/>
+            <a:r>
+              <a:rPr kumimoji="1" lang="ja-JP" altLang="en-US">
+                <a:solidFill>
+                  <a:schemeClr val="tx1"/>
+                </a:solidFill>
+              </a:rPr>
+              <a:t>コア数</a:t>
+            </a:r>
+          </a:p>
+        </p:txBody>
+      </p:sp>
+      <p:sp>
+        <p:nvSpPr>
+          <p:cNvPr id="9" name="四角形: 角を丸くする 8">
+            <a:extLst>
+              <a:ext uri="{FF2B5EF4-FFF2-40B4-BE49-F238E27FC236}">
+                <a16:creationId xmlns:a16="http://schemas.microsoft.com/office/drawing/2014/main" id="{CA4DED5D-792C-4B3F-B791-8CB4CD286D7A}"/>
+              </a:ext>
+            </a:extLst>
+          </p:cNvPr>
+          <p:cNvSpPr/>
+          <p:nvPr/>
+        </p:nvSpPr>
+        <p:spPr>
+          <a:xfrm>
+            <a:off x="5796136" y="2699628"/>
+            <a:ext cx="1224136" cy="554360"/>
+          </a:xfrm>
+          <a:prstGeom prst="roundRect">
+            <a:avLst>
+              <a:gd name="adj" fmla="val 25831"/>
+            </a:avLst>
+          </a:prstGeom>
+          <a:solidFill>
+            <a:schemeClr val="accent6">
+              <a:lumMod val="20000"/>
+              <a:lumOff val="80000"/>
+            </a:schemeClr>
+          </a:solidFill>
+          <a:ln>
+            <a:solidFill>
+              <a:schemeClr val="tx1"/>
+            </a:solidFill>
+          </a:ln>
+        </p:spPr>
+        <p:style>
+          <a:lnRef idx="2">
+            <a:schemeClr val="accent1">
+              <a:shade val="50000"/>
+            </a:schemeClr>
+          </a:lnRef>
+          <a:fillRef idx="1">
+            <a:schemeClr val="accent1"/>
+          </a:fillRef>
+          <a:effectRef idx="0">
+            <a:schemeClr val="accent1"/>
+          </a:effectRef>
+          <a:fontRef idx="minor">
+            <a:schemeClr val="lt1"/>
+          </a:fontRef>
+        </p:style>
+        <p:txBody>
+          <a:bodyPr rtlCol="0" anchor="ctr"/>
+          <a:lstStyle/>
+          <a:p>
+            <a:pPr algn="ctr"/>
+            <a:r>
+              <a:rPr kumimoji="1" lang="ja-JP" altLang="en-US">
+                <a:solidFill>
+                  <a:schemeClr val="tx1"/>
+                </a:solidFill>
+              </a:rPr>
+              <a:t>同時命令</a:t>
+            </a:r>
+            <a:endParaRPr kumimoji="1" lang="en-US" altLang="ja-JP">
+              <a:solidFill>
+                <a:schemeClr val="tx1"/>
+              </a:solidFill>
+            </a:endParaRPr>
+          </a:p>
+          <a:p>
+            <a:pPr algn="ctr"/>
+            <a:r>
+              <a:rPr lang="ja-JP" altLang="en-US">
+                <a:solidFill>
+                  <a:schemeClr val="tx1"/>
+                </a:solidFill>
+              </a:rPr>
+              <a:t>発行数</a:t>
+            </a:r>
+            <a:endParaRPr kumimoji="1" lang="ja-JP" altLang="en-US">
+              <a:solidFill>
+                <a:schemeClr val="tx1"/>
+              </a:solidFill>
+            </a:endParaRPr>
+          </a:p>
+        </p:txBody>
+      </p:sp>
+      <p:sp>
+        <p:nvSpPr>
+          <p:cNvPr id="10" name="四角形: 角を丸くする 9">
+            <a:extLst>
+              <a:ext uri="{FF2B5EF4-FFF2-40B4-BE49-F238E27FC236}">
+                <a16:creationId xmlns:a16="http://schemas.microsoft.com/office/drawing/2014/main" id="{A9A09AF1-32E5-4B7D-8D2A-B70F584469B5}"/>
+              </a:ext>
+            </a:extLst>
+          </p:cNvPr>
+          <p:cNvSpPr/>
+          <p:nvPr/>
+        </p:nvSpPr>
+        <p:spPr>
+          <a:xfrm>
+            <a:off x="7452320" y="2699628"/>
+            <a:ext cx="1224136" cy="554360"/>
+          </a:xfrm>
+          <a:prstGeom prst="roundRect">
+            <a:avLst>
+              <a:gd name="adj" fmla="val 25831"/>
+            </a:avLst>
+          </a:prstGeom>
+          <a:solidFill>
+            <a:srgbClr val="92D050"/>
+          </a:solidFill>
+          <a:ln>
+            <a:solidFill>
+              <a:schemeClr val="tx1"/>
+            </a:solidFill>
+          </a:ln>
+        </p:spPr>
+        <p:style>
+          <a:lnRef idx="2">
+            <a:schemeClr val="accent1">
+              <a:shade val="50000"/>
+            </a:schemeClr>
+          </a:lnRef>
+          <a:fillRef idx="1">
+            <a:schemeClr val="accent1"/>
+          </a:fillRef>
+          <a:effectRef idx="0">
+            <a:schemeClr val="accent1"/>
+          </a:effectRef>
+          <a:fontRef idx="minor">
+            <a:schemeClr val="lt1"/>
+          </a:fontRef>
+        </p:style>
+        <p:txBody>
+          <a:bodyPr rtlCol="0" anchor="ctr"/>
+          <a:lstStyle/>
+          <a:p>
+            <a:pPr algn="ctr"/>
+            <a:r>
+              <a:rPr kumimoji="1" lang="en-US" altLang="ja-JP">
+                <a:solidFill>
+                  <a:schemeClr val="tx1"/>
+                </a:solidFill>
+              </a:rPr>
+              <a:t>SIMD</a:t>
+            </a:r>
+            <a:endParaRPr kumimoji="1" lang="ja-JP" altLang="en-US">
+              <a:solidFill>
+                <a:schemeClr val="tx1"/>
+              </a:solidFill>
+            </a:endParaRPr>
+          </a:p>
+        </p:txBody>
+      </p:sp>
+      <p:sp>
+        <p:nvSpPr>
+          <p:cNvPr id="11" name="テキスト ボックス 10">
+            <a:extLst>
+              <a:ext uri="{FF2B5EF4-FFF2-40B4-BE49-F238E27FC236}">
+                <a16:creationId xmlns:a16="http://schemas.microsoft.com/office/drawing/2014/main" id="{E4B6DDB4-9B7B-4F20-BB4C-195712A912CA}"/>
+              </a:ext>
+            </a:extLst>
+          </p:cNvPr>
+          <p:cNvSpPr txBox="1"/>
+          <p:nvPr/>
+        </p:nvSpPr>
+        <p:spPr>
+          <a:xfrm>
+            <a:off x="2051720" y="2834352"/>
+            <a:ext cx="319318" cy="369332"/>
+          </a:xfrm>
+          <a:prstGeom prst="rect">
+            <a:avLst/>
+          </a:prstGeom>
+          <a:noFill/>
+        </p:spPr>
+        <p:txBody>
+          <a:bodyPr wrap="none" rtlCol="0">
+            <a:spAutoFit/>
+          </a:bodyPr>
+          <a:lstStyle/>
+          <a:p>
+            <a:r>
+              <a:rPr kumimoji="1" lang="en-US" altLang="ja-JP"/>
+              <a:t>=</a:t>
+            </a:r>
+            <a:endParaRPr kumimoji="1" lang="ja-JP" altLang="en-US"/>
+          </a:p>
+        </p:txBody>
+      </p:sp>
+      <p:sp>
+        <p:nvSpPr>
+          <p:cNvPr id="12" name="テキスト ボックス 11">
+            <a:extLst>
+              <a:ext uri="{FF2B5EF4-FFF2-40B4-BE49-F238E27FC236}">
+                <a16:creationId xmlns:a16="http://schemas.microsoft.com/office/drawing/2014/main" id="{09489029-7D20-4C0D-8F38-D69C12EE2965}"/>
+              </a:ext>
+            </a:extLst>
+          </p:cNvPr>
+          <p:cNvSpPr txBox="1"/>
+          <p:nvPr/>
+        </p:nvSpPr>
+        <p:spPr>
+          <a:xfrm>
+            <a:off x="3676618" y="2834352"/>
+            <a:ext cx="300082" cy="369332"/>
+          </a:xfrm>
+          <a:prstGeom prst="rect">
+            <a:avLst/>
+          </a:prstGeom>
+          <a:noFill/>
+        </p:spPr>
+        <p:txBody>
+          <a:bodyPr wrap="none" rtlCol="0">
+            <a:spAutoFit/>
+          </a:bodyPr>
+          <a:lstStyle/>
+          <a:p>
+            <a:r>
+              <a:rPr lang="en-US" altLang="ja-JP"/>
+              <a:t>x</a:t>
+            </a:r>
+            <a:endParaRPr kumimoji="1" lang="ja-JP" altLang="en-US"/>
+          </a:p>
+        </p:txBody>
+      </p:sp>
+      <p:sp>
+        <p:nvSpPr>
+          <p:cNvPr id="13" name="テキスト ボックス 12">
+            <a:extLst>
+              <a:ext uri="{FF2B5EF4-FFF2-40B4-BE49-F238E27FC236}">
+                <a16:creationId xmlns:a16="http://schemas.microsoft.com/office/drawing/2014/main" id="{8C7EBDCB-900B-40B7-AB75-2C40BFB8F73C}"/>
+              </a:ext>
+            </a:extLst>
+          </p:cNvPr>
+          <p:cNvSpPr txBox="1"/>
+          <p:nvPr/>
+        </p:nvSpPr>
+        <p:spPr>
+          <a:xfrm>
+            <a:off x="5364088" y="2771636"/>
+            <a:ext cx="300082" cy="369332"/>
+          </a:xfrm>
+          <a:prstGeom prst="rect">
+            <a:avLst/>
+          </a:prstGeom>
+          <a:noFill/>
+        </p:spPr>
+        <p:txBody>
+          <a:bodyPr wrap="none" rtlCol="0">
+            <a:spAutoFit/>
+          </a:bodyPr>
+          <a:lstStyle/>
+          <a:p>
+            <a:r>
+              <a:rPr lang="en-US" altLang="ja-JP"/>
+              <a:t>x</a:t>
+            </a:r>
+            <a:endParaRPr kumimoji="1" lang="ja-JP" altLang="en-US"/>
+          </a:p>
+        </p:txBody>
+      </p:sp>
+      <p:sp>
+        <p:nvSpPr>
+          <p:cNvPr id="14" name="テキスト ボックス 13">
+            <a:extLst>
+              <a:ext uri="{FF2B5EF4-FFF2-40B4-BE49-F238E27FC236}">
+                <a16:creationId xmlns:a16="http://schemas.microsoft.com/office/drawing/2014/main" id="{ECE45B4E-BA90-449B-84E4-C459A49EFE03}"/>
+              </a:ext>
+            </a:extLst>
+          </p:cNvPr>
+          <p:cNvSpPr txBox="1"/>
+          <p:nvPr/>
+        </p:nvSpPr>
+        <p:spPr>
+          <a:xfrm>
+            <a:off x="7080230" y="2771636"/>
+            <a:ext cx="300082" cy="369332"/>
+          </a:xfrm>
+          <a:prstGeom prst="rect">
+            <a:avLst/>
+          </a:prstGeom>
+          <a:noFill/>
+        </p:spPr>
+        <p:txBody>
+          <a:bodyPr wrap="none" rtlCol="0">
+            <a:spAutoFit/>
+          </a:bodyPr>
+          <a:lstStyle/>
+          <a:p>
+            <a:r>
+              <a:rPr lang="en-US" altLang="ja-JP"/>
+              <a:t>x</a:t>
+            </a:r>
+            <a:endParaRPr kumimoji="1" lang="ja-JP" altLang="en-US"/>
+          </a:p>
+        </p:txBody>
+      </p:sp>
+      <p:sp>
+        <p:nvSpPr>
+          <p:cNvPr id="15" name="テキスト ボックス 14">
+            <a:extLst>
+              <a:ext uri="{FF2B5EF4-FFF2-40B4-BE49-F238E27FC236}">
+                <a16:creationId xmlns:a16="http://schemas.microsoft.com/office/drawing/2014/main" id="{9A844994-3194-4499-B144-500DFE2CE96D}"/>
+              </a:ext>
+            </a:extLst>
+          </p:cNvPr>
+          <p:cNvSpPr txBox="1"/>
+          <p:nvPr/>
+        </p:nvSpPr>
+        <p:spPr>
+          <a:xfrm>
+            <a:off x="251520" y="3707740"/>
+            <a:ext cx="3297698" cy="523220"/>
+          </a:xfrm>
+          <a:prstGeom prst="rect">
+            <a:avLst/>
+          </a:prstGeom>
+          <a:noFill/>
+        </p:spPr>
+        <p:txBody>
+          <a:bodyPr wrap="none" rtlCol="0">
+            <a:spAutoFit/>
+          </a:bodyPr>
+          <a:lstStyle/>
+          <a:p>
+            <a:r>
+              <a:rPr kumimoji="1" lang="ja-JP" altLang="en-US" sz="2800"/>
+              <a:t>富岳の場合</a:t>
+            </a:r>
+            <a:r>
+              <a:rPr kumimoji="1" lang="en-US" altLang="ja-JP" sz="2800"/>
+              <a:t>(</a:t>
+            </a:r>
+            <a:r>
+              <a:rPr kumimoji="1" lang="ja-JP" altLang="en-US" sz="2800"/>
+              <a:t>倍精度</a:t>
+            </a:r>
+            <a:r>
+              <a:rPr kumimoji="1" lang="en-US" altLang="ja-JP" sz="2800"/>
+              <a:t>)</a:t>
+            </a:r>
+            <a:endParaRPr kumimoji="1" lang="ja-JP" altLang="en-US" sz="2800"/>
+          </a:p>
+        </p:txBody>
+      </p:sp>
+      <p:sp>
+        <p:nvSpPr>
+          <p:cNvPr id="17" name="テキスト ボックス 16">
+            <a:extLst>
+              <a:ext uri="{FF2B5EF4-FFF2-40B4-BE49-F238E27FC236}">
+                <a16:creationId xmlns:a16="http://schemas.microsoft.com/office/drawing/2014/main" id="{502BD908-41D0-467F-996A-B7AE06D0B036}"/>
+              </a:ext>
+            </a:extLst>
+          </p:cNvPr>
+          <p:cNvSpPr txBox="1"/>
+          <p:nvPr/>
+        </p:nvSpPr>
+        <p:spPr>
+          <a:xfrm>
+            <a:off x="2474874" y="4427820"/>
+            <a:ext cx="1233030" cy="584775"/>
+          </a:xfrm>
+          <a:prstGeom prst="rect">
+            <a:avLst/>
+          </a:prstGeom>
+          <a:noFill/>
+        </p:spPr>
+        <p:txBody>
+          <a:bodyPr wrap="none" rtlCol="0">
+            <a:spAutoFit/>
+          </a:bodyPr>
+          <a:lstStyle/>
+          <a:p>
+            <a:r>
+              <a:rPr kumimoji="1" lang="en-US" altLang="ja-JP" sz="3200"/>
+              <a:t>2GHz</a:t>
+            </a:r>
+            <a:endParaRPr kumimoji="1" lang="ja-JP" altLang="en-US" sz="3200"/>
+          </a:p>
+        </p:txBody>
+      </p:sp>
+      <p:sp>
+        <p:nvSpPr>
+          <p:cNvPr id="18" name="テキスト ボックス 17">
+            <a:extLst>
+              <a:ext uri="{FF2B5EF4-FFF2-40B4-BE49-F238E27FC236}">
+                <a16:creationId xmlns:a16="http://schemas.microsoft.com/office/drawing/2014/main" id="{5DEA623B-F032-4FE8-9F28-1A75099F44F8}"/>
+              </a:ext>
+            </a:extLst>
+          </p:cNvPr>
+          <p:cNvSpPr txBox="1"/>
+          <p:nvPr/>
+        </p:nvSpPr>
+        <p:spPr>
+          <a:xfrm>
+            <a:off x="4346878" y="4418528"/>
+            <a:ext cx="639919" cy="584775"/>
+          </a:xfrm>
+          <a:prstGeom prst="rect">
+            <a:avLst/>
+          </a:prstGeom>
+          <a:noFill/>
+        </p:spPr>
+        <p:txBody>
+          <a:bodyPr wrap="none" rtlCol="0">
+            <a:spAutoFit/>
+          </a:bodyPr>
+          <a:lstStyle/>
+          <a:p>
+            <a:r>
+              <a:rPr lang="en-US" altLang="ja-JP" sz="3200"/>
+              <a:t>48</a:t>
+            </a:r>
+            <a:endParaRPr kumimoji="1" lang="ja-JP" altLang="en-US" sz="3200"/>
+          </a:p>
+        </p:txBody>
+      </p:sp>
+      <p:sp>
+        <p:nvSpPr>
+          <p:cNvPr id="19" name="テキスト ボックス 18">
+            <a:extLst>
+              <a:ext uri="{FF2B5EF4-FFF2-40B4-BE49-F238E27FC236}">
+                <a16:creationId xmlns:a16="http://schemas.microsoft.com/office/drawing/2014/main" id="{12BEF7DB-56D6-433E-953E-EB23959EA482}"/>
+              </a:ext>
+            </a:extLst>
+          </p:cNvPr>
+          <p:cNvSpPr txBox="1"/>
+          <p:nvPr/>
+        </p:nvSpPr>
+        <p:spPr>
+          <a:xfrm>
+            <a:off x="6228184" y="4427820"/>
+            <a:ext cx="412292" cy="584775"/>
+          </a:xfrm>
+          <a:prstGeom prst="rect">
+            <a:avLst/>
+          </a:prstGeom>
+          <a:noFill/>
+        </p:spPr>
+        <p:txBody>
+          <a:bodyPr wrap="none" rtlCol="0">
+            <a:spAutoFit/>
+          </a:bodyPr>
+          <a:lstStyle/>
+          <a:p>
+            <a:r>
+              <a:rPr kumimoji="1" lang="en-US" altLang="ja-JP" sz="3200"/>
+              <a:t>4</a:t>
+            </a:r>
+            <a:endParaRPr kumimoji="1" lang="ja-JP" altLang="en-US" sz="3200"/>
+          </a:p>
+        </p:txBody>
+      </p:sp>
+      <p:sp>
+        <p:nvSpPr>
+          <p:cNvPr id="20" name="テキスト ボックス 19">
+            <a:extLst>
+              <a:ext uri="{FF2B5EF4-FFF2-40B4-BE49-F238E27FC236}">
+                <a16:creationId xmlns:a16="http://schemas.microsoft.com/office/drawing/2014/main" id="{82D83537-5AB6-4FCD-8772-67CEBF3D1F64}"/>
+              </a:ext>
+            </a:extLst>
+          </p:cNvPr>
+          <p:cNvSpPr txBox="1"/>
+          <p:nvPr/>
+        </p:nvSpPr>
+        <p:spPr>
+          <a:xfrm>
+            <a:off x="7884368" y="4427820"/>
+            <a:ext cx="412292" cy="584775"/>
+          </a:xfrm>
+          <a:prstGeom prst="rect">
+            <a:avLst/>
+          </a:prstGeom>
+          <a:noFill/>
+        </p:spPr>
+        <p:txBody>
+          <a:bodyPr wrap="none" rtlCol="0">
+            <a:spAutoFit/>
+          </a:bodyPr>
+          <a:lstStyle/>
+          <a:p>
+            <a:r>
+              <a:rPr lang="en-US" altLang="ja-JP" sz="3200"/>
+              <a:t>8</a:t>
+            </a:r>
+            <a:endParaRPr kumimoji="1" lang="ja-JP" altLang="en-US" sz="3200"/>
+          </a:p>
+        </p:txBody>
+      </p:sp>
+      <p:sp>
+        <p:nvSpPr>
+          <p:cNvPr id="21" name="テキスト ボックス 20">
+            <a:extLst>
+              <a:ext uri="{FF2B5EF4-FFF2-40B4-BE49-F238E27FC236}">
+                <a16:creationId xmlns:a16="http://schemas.microsoft.com/office/drawing/2014/main" id="{B520F18F-215D-48F6-8E23-3750F2634777}"/>
+              </a:ext>
+            </a:extLst>
+          </p:cNvPr>
+          <p:cNvSpPr txBox="1"/>
+          <p:nvPr/>
+        </p:nvSpPr>
+        <p:spPr>
+          <a:xfrm>
+            <a:off x="5868144" y="5075892"/>
+            <a:ext cx="1172116" cy="369332"/>
+          </a:xfrm>
+          <a:prstGeom prst="rect">
+            <a:avLst/>
+          </a:prstGeom>
+          <a:noFill/>
+        </p:spPr>
+        <p:txBody>
+          <a:bodyPr wrap="none" rtlCol="0">
+            <a:spAutoFit/>
+          </a:bodyPr>
+          <a:lstStyle/>
+          <a:p>
+            <a:r>
+              <a:rPr kumimoji="1" lang="en-US" altLang="ja-JP"/>
+              <a:t>(2 x </a:t>
+            </a:r>
+            <a:r>
+              <a:rPr kumimoji="1" lang="ja-JP" altLang="en-US"/>
+              <a:t>積和</a:t>
+            </a:r>
+            <a:r>
+              <a:rPr kumimoji="1" lang="en-US" altLang="ja-JP"/>
+              <a:t>)</a:t>
+            </a:r>
+            <a:endParaRPr kumimoji="1" lang="ja-JP" altLang="en-US"/>
+          </a:p>
+        </p:txBody>
+      </p:sp>
+      <p:sp>
+        <p:nvSpPr>
+          <p:cNvPr id="22" name="テキスト ボックス 21">
+            <a:extLst>
+              <a:ext uri="{FF2B5EF4-FFF2-40B4-BE49-F238E27FC236}">
+                <a16:creationId xmlns:a16="http://schemas.microsoft.com/office/drawing/2014/main" id="{68CFD78F-DEBB-4070-B2D8-2FE6C3531649}"/>
+              </a:ext>
+            </a:extLst>
+          </p:cNvPr>
+          <p:cNvSpPr txBox="1"/>
+          <p:nvPr/>
+        </p:nvSpPr>
+        <p:spPr>
+          <a:xfrm>
+            <a:off x="3707904" y="4427820"/>
+            <a:ext cx="364202" cy="523220"/>
+          </a:xfrm>
+          <a:prstGeom prst="rect">
+            <a:avLst/>
+          </a:prstGeom>
+          <a:noFill/>
+        </p:spPr>
+        <p:txBody>
+          <a:bodyPr wrap="none" rtlCol="0">
+            <a:spAutoFit/>
+          </a:bodyPr>
+          <a:lstStyle/>
+          <a:p>
+            <a:r>
+              <a:rPr lang="en-US" altLang="ja-JP" sz="2800"/>
+              <a:t>x</a:t>
+            </a:r>
+            <a:endParaRPr kumimoji="1" lang="ja-JP" altLang="en-US" sz="2800"/>
+          </a:p>
+        </p:txBody>
+      </p:sp>
+      <p:sp>
+        <p:nvSpPr>
+          <p:cNvPr id="23" name="テキスト ボックス 22">
+            <a:extLst>
+              <a:ext uri="{FF2B5EF4-FFF2-40B4-BE49-F238E27FC236}">
+                <a16:creationId xmlns:a16="http://schemas.microsoft.com/office/drawing/2014/main" id="{AB662DAB-376D-457F-89E5-A3D8173B4950}"/>
+              </a:ext>
+            </a:extLst>
+          </p:cNvPr>
+          <p:cNvSpPr txBox="1"/>
+          <p:nvPr/>
+        </p:nvSpPr>
+        <p:spPr>
+          <a:xfrm>
+            <a:off x="5287918" y="4427820"/>
+            <a:ext cx="364202" cy="523220"/>
+          </a:xfrm>
+          <a:prstGeom prst="rect">
+            <a:avLst/>
+          </a:prstGeom>
+          <a:noFill/>
+        </p:spPr>
+        <p:txBody>
+          <a:bodyPr wrap="none" rtlCol="0">
+            <a:spAutoFit/>
+          </a:bodyPr>
+          <a:lstStyle/>
+          <a:p>
+            <a:r>
+              <a:rPr lang="en-US" altLang="ja-JP" sz="2800"/>
+              <a:t>x</a:t>
+            </a:r>
+            <a:endParaRPr kumimoji="1" lang="ja-JP" altLang="en-US" sz="2800"/>
+          </a:p>
+        </p:txBody>
+      </p:sp>
+      <p:sp>
+        <p:nvSpPr>
+          <p:cNvPr id="24" name="テキスト ボックス 23">
+            <a:extLst>
+              <a:ext uri="{FF2B5EF4-FFF2-40B4-BE49-F238E27FC236}">
+                <a16:creationId xmlns:a16="http://schemas.microsoft.com/office/drawing/2014/main" id="{7C9F0A4A-E066-4855-939A-DBF3A79E1315}"/>
+              </a:ext>
+            </a:extLst>
+          </p:cNvPr>
+          <p:cNvSpPr txBox="1"/>
+          <p:nvPr/>
+        </p:nvSpPr>
+        <p:spPr>
+          <a:xfrm>
+            <a:off x="7088118" y="4408656"/>
+            <a:ext cx="389850" cy="584775"/>
+          </a:xfrm>
+          <a:prstGeom prst="rect">
+            <a:avLst/>
+          </a:prstGeom>
+          <a:noFill/>
+        </p:spPr>
+        <p:txBody>
+          <a:bodyPr wrap="none" rtlCol="0">
+            <a:spAutoFit/>
+          </a:bodyPr>
+          <a:lstStyle/>
+          <a:p>
+            <a:r>
+              <a:rPr lang="en-US" altLang="ja-JP" sz="3200"/>
+              <a:t>x</a:t>
+            </a:r>
+            <a:endParaRPr kumimoji="1" lang="ja-JP" altLang="en-US" sz="3200"/>
+          </a:p>
+        </p:txBody>
+      </p:sp>
+      <p:sp>
+        <p:nvSpPr>
+          <p:cNvPr id="25" name="テキスト ボックス 24">
+            <a:extLst>
+              <a:ext uri="{FF2B5EF4-FFF2-40B4-BE49-F238E27FC236}">
+                <a16:creationId xmlns:a16="http://schemas.microsoft.com/office/drawing/2014/main" id="{314F5340-FFB0-458A-9C7E-3DED66F7DA25}"/>
+              </a:ext>
+            </a:extLst>
+          </p:cNvPr>
+          <p:cNvSpPr txBox="1"/>
+          <p:nvPr/>
+        </p:nvSpPr>
+        <p:spPr>
+          <a:xfrm>
+            <a:off x="2051720" y="4499828"/>
+            <a:ext cx="364202" cy="461665"/>
+          </a:xfrm>
+          <a:prstGeom prst="rect">
+            <a:avLst/>
+          </a:prstGeom>
+          <a:noFill/>
+        </p:spPr>
+        <p:txBody>
+          <a:bodyPr wrap="none" rtlCol="0">
+            <a:spAutoFit/>
+          </a:bodyPr>
+          <a:lstStyle/>
+          <a:p>
+            <a:r>
+              <a:rPr kumimoji="1" lang="en-US" altLang="ja-JP" sz="2400"/>
+              <a:t>=</a:t>
+            </a:r>
+            <a:endParaRPr kumimoji="1" lang="ja-JP" altLang="en-US" sz="2400"/>
+          </a:p>
+        </p:txBody>
+      </p:sp>
+      <p:sp>
+        <p:nvSpPr>
+          <p:cNvPr id="26" name="テキスト ボックス 25">
+            <a:extLst>
+              <a:ext uri="{FF2B5EF4-FFF2-40B4-BE49-F238E27FC236}">
+                <a16:creationId xmlns:a16="http://schemas.microsoft.com/office/drawing/2014/main" id="{41AFA57D-B9FE-482C-959F-DF34CD45CEA5}"/>
+              </a:ext>
+            </a:extLst>
+          </p:cNvPr>
+          <p:cNvSpPr txBox="1"/>
+          <p:nvPr/>
+        </p:nvSpPr>
+        <p:spPr>
+          <a:xfrm>
+            <a:off x="323528" y="4427820"/>
+            <a:ext cx="1664238" cy="584775"/>
+          </a:xfrm>
+          <a:prstGeom prst="rect">
+            <a:avLst/>
+          </a:prstGeom>
+          <a:noFill/>
+        </p:spPr>
+        <p:txBody>
+          <a:bodyPr wrap="none" rtlCol="0">
+            <a:spAutoFit/>
+          </a:bodyPr>
+          <a:lstStyle/>
+          <a:p>
+            <a:r>
+              <a:rPr kumimoji="1" lang="en-US" altLang="ja-JP" sz="3200"/>
+              <a:t>3072GF</a:t>
+            </a:r>
+            <a:endParaRPr kumimoji="1" lang="ja-JP" altLang="en-US" sz="3200"/>
+          </a:p>
+        </p:txBody>
+      </p:sp>
+    </p:spTree>
+    <p:extLst>
+      <p:ext uri="{BB962C8B-B14F-4D97-AF65-F5344CB8AC3E}">
+        <p14:creationId xmlns:p14="http://schemas.microsoft.com/office/powerpoint/2010/main" val="905048604"/>
+      </p:ext>
+    </p:extLst>
+  </p:cSld>
+  <p:clrMapOvr>
+    <a:masterClrMapping/>
+  </p:clrMapOvr>
+</p:sld>
+</file>
+
+<file path=ppt/slides/slide8.xml><?xml version="1.0" encoding="utf-8"?>
+<p:sld xmlns:a="http://schemas.openxmlformats.org/drawingml/2006/main" xmlns:r="http://schemas.openxmlformats.org/officeDocument/2006/relationships" xmlns:p="http://schemas.openxmlformats.org/presentationml/2006/main">
+  <p:cSld>
+    <p:spTree>
+      <p:nvGrpSpPr>
+        <p:cNvPr id="1" name=""/>
+        <p:cNvGrpSpPr/>
+        <p:nvPr/>
+      </p:nvGrpSpPr>
+      <p:grpSpPr>
+        <a:xfrm>
+          <a:off x="0" y="0"/>
+          <a:ext cx="0" cy="0"/>
+          <a:chOff x="0" y="0"/>
+          <a:chExt cx="0" cy="0"/>
+        </a:xfrm>
+      </p:grpSpPr>
+      <p:sp>
+        <p:nvSpPr>
+          <p:cNvPr id="2" name="テキスト プレースホルダー 1">
+            <a:extLst>
+              <a:ext uri="{FF2B5EF4-FFF2-40B4-BE49-F238E27FC236}">
+                <a16:creationId xmlns:a16="http://schemas.microsoft.com/office/drawing/2014/main" id="{59DD4872-4A3F-47AF-8897-EEFC5B6FBFBF}"/>
+              </a:ext>
+            </a:extLst>
+          </p:cNvPr>
+          <p:cNvSpPr>
+            <a:spLocks noGrp="1"/>
+          </p:cNvSpPr>
+          <p:nvPr>
+            <p:ph type="body" sz="quarter" idx="10"/>
+          </p:nvPr>
+        </p:nvSpPr>
+        <p:spPr/>
+        <p:txBody>
+          <a:bodyPr/>
+          <a:lstStyle/>
+          <a:p>
+            <a:r>
+              <a:rPr kumimoji="1" lang="en-US" altLang="ja-JP"/>
+              <a:t>CPU</a:t>
+            </a:r>
+            <a:r>
+              <a:rPr kumimoji="1" lang="ja-JP" altLang="en-US"/>
+              <a:t>コアの性能</a:t>
+            </a:r>
+          </a:p>
+        </p:txBody>
+      </p:sp>
+      <p:sp>
+        <p:nvSpPr>
+          <p:cNvPr id="6" name="四角形: 角を丸くする 5">
+            <a:extLst>
+              <a:ext uri="{FF2B5EF4-FFF2-40B4-BE49-F238E27FC236}">
+                <a16:creationId xmlns:a16="http://schemas.microsoft.com/office/drawing/2014/main" id="{ECD22E71-7994-4027-8C0E-75679325D34E}"/>
+              </a:ext>
+            </a:extLst>
+          </p:cNvPr>
+          <p:cNvSpPr/>
+          <p:nvPr/>
+        </p:nvSpPr>
+        <p:spPr>
+          <a:xfrm>
+            <a:off x="899592" y="2699628"/>
+            <a:ext cx="1080120" cy="554360"/>
+          </a:xfrm>
+          <a:prstGeom prst="roundRect">
+            <a:avLst>
+              <a:gd name="adj" fmla="val 25831"/>
+            </a:avLst>
+          </a:prstGeom>
+          <a:solidFill>
+            <a:schemeClr val="accent2">
+              <a:lumMod val="20000"/>
+              <a:lumOff val="80000"/>
+            </a:schemeClr>
+          </a:solidFill>
+          <a:ln>
+            <a:solidFill>
+              <a:schemeClr val="tx1"/>
+            </a:solidFill>
+          </a:ln>
+        </p:spPr>
+        <p:style>
+          <a:lnRef idx="2">
+            <a:schemeClr val="accent1">
+              <a:shade val="50000"/>
+            </a:schemeClr>
+          </a:lnRef>
+          <a:fillRef idx="1">
+            <a:schemeClr val="accent1"/>
+          </a:fillRef>
+          <a:effectRef idx="0">
+            <a:schemeClr val="accent1"/>
+          </a:effectRef>
+          <a:fontRef idx="minor">
+            <a:schemeClr val="lt1"/>
+          </a:fontRef>
+        </p:style>
+        <p:txBody>
+          <a:bodyPr rtlCol="0" anchor="ctr"/>
+          <a:lstStyle/>
+          <a:p>
+            <a:pPr algn="ctr"/>
+            <a:r>
+              <a:rPr kumimoji="1" lang="ja-JP" altLang="en-US">
+                <a:solidFill>
+                  <a:schemeClr val="tx1"/>
+                </a:solidFill>
+              </a:rPr>
+              <a:t>性能</a:t>
+            </a:r>
+          </a:p>
+        </p:txBody>
+      </p:sp>
+      <p:sp>
+        <p:nvSpPr>
+          <p:cNvPr id="7" name="四角形: 角を丸くする 6">
+            <a:extLst>
+              <a:ext uri="{FF2B5EF4-FFF2-40B4-BE49-F238E27FC236}">
+                <a16:creationId xmlns:a16="http://schemas.microsoft.com/office/drawing/2014/main" id="{1C57CECE-A325-4B4F-BFD2-E87FBB39145E}"/>
+              </a:ext>
+            </a:extLst>
+          </p:cNvPr>
+          <p:cNvSpPr/>
+          <p:nvPr/>
+        </p:nvSpPr>
+        <p:spPr>
+          <a:xfrm>
+            <a:off x="2483768" y="2699628"/>
+            <a:ext cx="1080120" cy="554360"/>
+          </a:xfrm>
+          <a:prstGeom prst="roundRect">
+            <a:avLst>
+              <a:gd name="adj" fmla="val 25831"/>
+            </a:avLst>
+          </a:prstGeom>
+          <a:solidFill>
+            <a:schemeClr val="accent1">
+              <a:lumMod val="20000"/>
+              <a:lumOff val="80000"/>
+            </a:schemeClr>
+          </a:solidFill>
+          <a:ln>
+            <a:solidFill>
+              <a:schemeClr val="tx1"/>
+            </a:solidFill>
+          </a:ln>
+        </p:spPr>
+        <p:style>
+          <a:lnRef idx="2">
+            <a:schemeClr val="accent1">
+              <a:shade val="50000"/>
+            </a:schemeClr>
+          </a:lnRef>
+          <a:fillRef idx="1">
+            <a:schemeClr val="accent1"/>
+          </a:fillRef>
+          <a:effectRef idx="0">
+            <a:schemeClr val="accent1"/>
+          </a:effectRef>
+          <a:fontRef idx="minor">
+            <a:schemeClr val="lt1"/>
+          </a:fontRef>
+        </p:style>
+        <p:txBody>
+          <a:bodyPr rtlCol="0" anchor="ctr"/>
+          <a:lstStyle/>
+          <a:p>
+            <a:pPr algn="ctr"/>
+            <a:r>
+              <a:rPr kumimoji="1" lang="ja-JP" altLang="en-US">
+                <a:solidFill>
+                  <a:schemeClr val="tx1"/>
+                </a:solidFill>
+              </a:rPr>
+              <a:t>動作</a:t>
+            </a:r>
+            <a:endParaRPr kumimoji="1" lang="en-US" altLang="ja-JP">
+              <a:solidFill>
+                <a:schemeClr val="tx1"/>
+              </a:solidFill>
+            </a:endParaRPr>
+          </a:p>
+          <a:p>
+            <a:pPr algn="ctr"/>
+            <a:r>
+              <a:rPr lang="ja-JP" altLang="en-US">
+                <a:solidFill>
+                  <a:schemeClr val="tx1"/>
+                </a:solidFill>
+              </a:rPr>
+              <a:t>周波数</a:t>
+            </a:r>
+            <a:endParaRPr kumimoji="1" lang="ja-JP" altLang="en-US">
+              <a:solidFill>
+                <a:schemeClr val="tx1"/>
+              </a:solidFill>
+            </a:endParaRPr>
+          </a:p>
+        </p:txBody>
+      </p:sp>
+      <p:sp>
+        <p:nvSpPr>
+          <p:cNvPr id="8" name="四角形: 角を丸くする 7">
+            <a:extLst>
+              <a:ext uri="{FF2B5EF4-FFF2-40B4-BE49-F238E27FC236}">
+                <a16:creationId xmlns:a16="http://schemas.microsoft.com/office/drawing/2014/main" id="{3E7C2AB0-5FFD-4B47-ABF0-552D61336395}"/>
+              </a:ext>
+            </a:extLst>
+          </p:cNvPr>
+          <p:cNvSpPr/>
+          <p:nvPr/>
+        </p:nvSpPr>
+        <p:spPr>
+          <a:xfrm>
+            <a:off x="4139952" y="2699628"/>
+            <a:ext cx="1080120" cy="554360"/>
+          </a:xfrm>
+          <a:prstGeom prst="roundRect">
+            <a:avLst>
+              <a:gd name="adj" fmla="val 25831"/>
+            </a:avLst>
+          </a:prstGeom>
+          <a:solidFill>
+            <a:schemeClr val="accent3">
+              <a:lumMod val="20000"/>
+              <a:lumOff val="80000"/>
+            </a:schemeClr>
+          </a:solidFill>
+          <a:ln>
+            <a:solidFill>
+              <a:schemeClr val="tx1"/>
+            </a:solidFill>
+          </a:ln>
+        </p:spPr>
+        <p:style>
+          <a:lnRef idx="2">
+            <a:schemeClr val="accent1">
+              <a:shade val="50000"/>
+            </a:schemeClr>
+          </a:lnRef>
+          <a:fillRef idx="1">
+            <a:schemeClr val="accent1"/>
+          </a:fillRef>
+          <a:effectRef idx="0">
+            <a:schemeClr val="accent1"/>
+          </a:effectRef>
+          <a:fontRef idx="minor">
+            <a:schemeClr val="lt1"/>
+          </a:fontRef>
+        </p:style>
+        <p:txBody>
+          <a:bodyPr rtlCol="0" anchor="ctr"/>
+          <a:lstStyle/>
+          <a:p>
+            <a:pPr algn="ctr"/>
+            <a:r>
+              <a:rPr kumimoji="1" lang="ja-JP" altLang="en-US">
+                <a:solidFill>
+                  <a:schemeClr val="tx1"/>
+                </a:solidFill>
+              </a:rPr>
+              <a:t>コア数</a:t>
+            </a:r>
+          </a:p>
+        </p:txBody>
+      </p:sp>
+      <p:sp>
+        <p:nvSpPr>
+          <p:cNvPr id="9" name="四角形: 角を丸くする 8">
+            <a:extLst>
+              <a:ext uri="{FF2B5EF4-FFF2-40B4-BE49-F238E27FC236}">
+                <a16:creationId xmlns:a16="http://schemas.microsoft.com/office/drawing/2014/main" id="{CA4DED5D-792C-4B3F-B791-8CB4CD286D7A}"/>
+              </a:ext>
+            </a:extLst>
+          </p:cNvPr>
+          <p:cNvSpPr/>
+          <p:nvPr/>
+        </p:nvSpPr>
+        <p:spPr>
+          <a:xfrm>
+            <a:off x="5796136" y="2699628"/>
+            <a:ext cx="1224136" cy="554360"/>
+          </a:xfrm>
+          <a:prstGeom prst="roundRect">
+            <a:avLst>
+              <a:gd name="adj" fmla="val 25831"/>
+            </a:avLst>
+          </a:prstGeom>
+          <a:solidFill>
+            <a:schemeClr val="accent6">
+              <a:lumMod val="20000"/>
+              <a:lumOff val="80000"/>
+            </a:schemeClr>
+          </a:solidFill>
+          <a:ln>
+            <a:solidFill>
+              <a:schemeClr val="tx1"/>
+            </a:solidFill>
+          </a:ln>
+        </p:spPr>
+        <p:style>
+          <a:lnRef idx="2">
+            <a:schemeClr val="accent1">
+              <a:shade val="50000"/>
+            </a:schemeClr>
+          </a:lnRef>
+          <a:fillRef idx="1">
+            <a:schemeClr val="accent1"/>
+          </a:fillRef>
+          <a:effectRef idx="0">
+            <a:schemeClr val="accent1"/>
+          </a:effectRef>
+          <a:fontRef idx="minor">
+            <a:schemeClr val="lt1"/>
+          </a:fontRef>
+        </p:style>
+        <p:txBody>
+          <a:bodyPr rtlCol="0" anchor="ctr"/>
+          <a:lstStyle/>
+          <a:p>
+            <a:pPr algn="ctr"/>
+            <a:r>
+              <a:rPr kumimoji="1" lang="ja-JP" altLang="en-US">
+                <a:solidFill>
+                  <a:schemeClr val="tx1"/>
+                </a:solidFill>
+              </a:rPr>
+              <a:t>同時命令</a:t>
+            </a:r>
+            <a:endParaRPr kumimoji="1" lang="en-US" altLang="ja-JP">
+              <a:solidFill>
+                <a:schemeClr val="tx1"/>
+              </a:solidFill>
+            </a:endParaRPr>
+          </a:p>
+          <a:p>
+            <a:pPr algn="ctr"/>
+            <a:r>
+              <a:rPr lang="ja-JP" altLang="en-US">
+                <a:solidFill>
+                  <a:schemeClr val="tx1"/>
+                </a:solidFill>
+              </a:rPr>
+              <a:t>発行数</a:t>
+            </a:r>
+            <a:endParaRPr kumimoji="1" lang="ja-JP" altLang="en-US">
+              <a:solidFill>
+                <a:schemeClr val="tx1"/>
+              </a:solidFill>
+            </a:endParaRPr>
+          </a:p>
+        </p:txBody>
+      </p:sp>
+      <p:sp>
+        <p:nvSpPr>
+          <p:cNvPr id="10" name="四角形: 角を丸くする 9">
+            <a:extLst>
+              <a:ext uri="{FF2B5EF4-FFF2-40B4-BE49-F238E27FC236}">
+                <a16:creationId xmlns:a16="http://schemas.microsoft.com/office/drawing/2014/main" id="{A9A09AF1-32E5-4B7D-8D2A-B70F584469B5}"/>
+              </a:ext>
+            </a:extLst>
+          </p:cNvPr>
+          <p:cNvSpPr/>
+          <p:nvPr/>
+        </p:nvSpPr>
+        <p:spPr>
+          <a:xfrm>
+            <a:off x="7452320" y="2699628"/>
+            <a:ext cx="1224136" cy="554360"/>
+          </a:xfrm>
+          <a:prstGeom prst="roundRect">
+            <a:avLst>
+              <a:gd name="adj" fmla="val 25831"/>
+            </a:avLst>
+          </a:prstGeom>
+          <a:solidFill>
+            <a:srgbClr val="92D050"/>
+          </a:solidFill>
+          <a:ln>
+            <a:solidFill>
+              <a:schemeClr val="tx1"/>
+            </a:solidFill>
+          </a:ln>
+        </p:spPr>
+        <p:style>
+          <a:lnRef idx="2">
+            <a:schemeClr val="accent1">
+              <a:shade val="50000"/>
+            </a:schemeClr>
+          </a:lnRef>
+          <a:fillRef idx="1">
+            <a:schemeClr val="accent1"/>
+          </a:fillRef>
+          <a:effectRef idx="0">
+            <a:schemeClr val="accent1"/>
+          </a:effectRef>
+          <a:fontRef idx="minor">
+            <a:schemeClr val="lt1"/>
+          </a:fontRef>
+        </p:style>
+        <p:txBody>
+          <a:bodyPr rtlCol="0" anchor="ctr"/>
+          <a:lstStyle/>
+          <a:p>
+            <a:pPr algn="ctr"/>
+            <a:r>
+              <a:rPr kumimoji="1" lang="en-US" altLang="ja-JP">
+                <a:solidFill>
+                  <a:schemeClr val="tx1"/>
+                </a:solidFill>
+              </a:rPr>
+              <a:t>SIMD</a:t>
+            </a:r>
+            <a:endParaRPr kumimoji="1" lang="ja-JP" altLang="en-US">
+              <a:solidFill>
+                <a:schemeClr val="tx1"/>
+              </a:solidFill>
+            </a:endParaRPr>
+          </a:p>
+        </p:txBody>
+      </p:sp>
+      <p:sp>
+        <p:nvSpPr>
+          <p:cNvPr id="11" name="テキスト ボックス 10">
+            <a:extLst>
+              <a:ext uri="{FF2B5EF4-FFF2-40B4-BE49-F238E27FC236}">
+                <a16:creationId xmlns:a16="http://schemas.microsoft.com/office/drawing/2014/main" id="{E4B6DDB4-9B7B-4F20-BB4C-195712A912CA}"/>
+              </a:ext>
+            </a:extLst>
+          </p:cNvPr>
+          <p:cNvSpPr txBox="1"/>
+          <p:nvPr/>
+        </p:nvSpPr>
+        <p:spPr>
+          <a:xfrm>
+            <a:off x="2051720" y="2834352"/>
+            <a:ext cx="319318" cy="369332"/>
+          </a:xfrm>
+          <a:prstGeom prst="rect">
+            <a:avLst/>
+          </a:prstGeom>
+          <a:noFill/>
+        </p:spPr>
+        <p:txBody>
+          <a:bodyPr wrap="none" rtlCol="0">
+            <a:spAutoFit/>
+          </a:bodyPr>
+          <a:lstStyle/>
+          <a:p>
+            <a:r>
+              <a:rPr kumimoji="1" lang="en-US" altLang="ja-JP"/>
+              <a:t>=</a:t>
+            </a:r>
+            <a:endParaRPr kumimoji="1" lang="ja-JP" altLang="en-US"/>
+          </a:p>
+        </p:txBody>
+      </p:sp>
+      <p:sp>
+        <p:nvSpPr>
+          <p:cNvPr id="12" name="テキスト ボックス 11">
+            <a:extLst>
+              <a:ext uri="{FF2B5EF4-FFF2-40B4-BE49-F238E27FC236}">
+                <a16:creationId xmlns:a16="http://schemas.microsoft.com/office/drawing/2014/main" id="{09489029-7D20-4C0D-8F38-D69C12EE2965}"/>
+              </a:ext>
+            </a:extLst>
+          </p:cNvPr>
+          <p:cNvSpPr txBox="1"/>
+          <p:nvPr/>
+        </p:nvSpPr>
+        <p:spPr>
+          <a:xfrm>
+            <a:off x="3676618" y="2834352"/>
+            <a:ext cx="300082" cy="369332"/>
+          </a:xfrm>
+          <a:prstGeom prst="rect">
+            <a:avLst/>
+          </a:prstGeom>
+          <a:noFill/>
+        </p:spPr>
+        <p:txBody>
+          <a:bodyPr wrap="none" rtlCol="0">
+            <a:spAutoFit/>
+          </a:bodyPr>
+          <a:lstStyle/>
+          <a:p>
+            <a:r>
+              <a:rPr lang="en-US" altLang="ja-JP"/>
+              <a:t>x</a:t>
+            </a:r>
+            <a:endParaRPr kumimoji="1" lang="ja-JP" altLang="en-US"/>
+          </a:p>
+        </p:txBody>
+      </p:sp>
+      <p:sp>
+        <p:nvSpPr>
+          <p:cNvPr id="13" name="テキスト ボックス 12">
+            <a:extLst>
+              <a:ext uri="{FF2B5EF4-FFF2-40B4-BE49-F238E27FC236}">
+                <a16:creationId xmlns:a16="http://schemas.microsoft.com/office/drawing/2014/main" id="{8C7EBDCB-900B-40B7-AB75-2C40BFB8F73C}"/>
+              </a:ext>
+            </a:extLst>
+          </p:cNvPr>
+          <p:cNvSpPr txBox="1"/>
+          <p:nvPr/>
+        </p:nvSpPr>
+        <p:spPr>
+          <a:xfrm>
+            <a:off x="5364088" y="2771636"/>
+            <a:ext cx="300082" cy="369332"/>
+          </a:xfrm>
+          <a:prstGeom prst="rect">
+            <a:avLst/>
+          </a:prstGeom>
+          <a:noFill/>
+        </p:spPr>
+        <p:txBody>
+          <a:bodyPr wrap="none" rtlCol="0">
+            <a:spAutoFit/>
+          </a:bodyPr>
+          <a:lstStyle/>
+          <a:p>
+            <a:r>
+              <a:rPr lang="en-US" altLang="ja-JP"/>
+              <a:t>x</a:t>
+            </a:r>
+            <a:endParaRPr kumimoji="1" lang="ja-JP" altLang="en-US"/>
+          </a:p>
+        </p:txBody>
+      </p:sp>
+      <p:sp>
+        <p:nvSpPr>
+          <p:cNvPr id="14" name="テキスト ボックス 13">
+            <a:extLst>
+              <a:ext uri="{FF2B5EF4-FFF2-40B4-BE49-F238E27FC236}">
+                <a16:creationId xmlns:a16="http://schemas.microsoft.com/office/drawing/2014/main" id="{ECE45B4E-BA90-449B-84E4-C459A49EFE03}"/>
+              </a:ext>
+            </a:extLst>
+          </p:cNvPr>
+          <p:cNvSpPr txBox="1"/>
+          <p:nvPr/>
+        </p:nvSpPr>
+        <p:spPr>
+          <a:xfrm>
+            <a:off x="7080230" y="2771636"/>
+            <a:ext cx="300082" cy="369332"/>
+          </a:xfrm>
+          <a:prstGeom prst="rect">
+            <a:avLst/>
+          </a:prstGeom>
+          <a:noFill/>
+        </p:spPr>
+        <p:txBody>
+          <a:bodyPr wrap="none" rtlCol="0">
+            <a:spAutoFit/>
+          </a:bodyPr>
+          <a:lstStyle/>
+          <a:p>
+            <a:r>
+              <a:rPr lang="en-US" altLang="ja-JP"/>
+              <a:t>x</a:t>
+            </a:r>
+            <a:endParaRPr kumimoji="1" lang="ja-JP" altLang="en-US"/>
+          </a:p>
+        </p:txBody>
+      </p:sp>
+      <p:sp>
+        <p:nvSpPr>
+          <p:cNvPr id="27" name="吹き出し: 角を丸めた四角形 26">
+            <a:extLst>
+              <a:ext uri="{FF2B5EF4-FFF2-40B4-BE49-F238E27FC236}">
+                <a16:creationId xmlns:a16="http://schemas.microsoft.com/office/drawing/2014/main" id="{6CB2C7B5-FCA9-4F91-836A-67A8E36AC389}"/>
+              </a:ext>
+            </a:extLst>
+          </p:cNvPr>
+          <p:cNvSpPr/>
+          <p:nvPr/>
+        </p:nvSpPr>
+        <p:spPr>
+          <a:xfrm>
+            <a:off x="395536" y="1268760"/>
+            <a:ext cx="2556792" cy="720080"/>
+          </a:xfrm>
+          <a:prstGeom prst="wedgeRoundRectCallout">
+            <a:avLst>
+              <a:gd name="adj1" fmla="val -5661"/>
+              <a:gd name="adj2" fmla="val 128816"/>
+              <a:gd name="adj3" fmla="val 16667"/>
+            </a:avLst>
+          </a:prstGeom>
+          <a:solidFill>
+            <a:schemeClr val="bg1"/>
+          </a:solidFill>
+          <a:ln>
+            <a:solidFill>
+              <a:schemeClr val="tx1"/>
+            </a:solidFill>
+          </a:ln>
+        </p:spPr>
+        <p:style>
+          <a:lnRef idx="2">
+            <a:schemeClr val="accent1">
+              <a:shade val="50000"/>
+            </a:schemeClr>
+          </a:lnRef>
+          <a:fillRef idx="1">
+            <a:schemeClr val="accent1"/>
+          </a:fillRef>
+          <a:effectRef idx="0">
+            <a:schemeClr val="accent1"/>
+          </a:effectRef>
+          <a:fontRef idx="minor">
+            <a:schemeClr val="lt1"/>
+          </a:fontRef>
+        </p:style>
+        <p:txBody>
+          <a:bodyPr rtlCol="0" anchor="ctr"/>
+          <a:lstStyle/>
+          <a:p>
+            <a:pPr algn="ctr"/>
+            <a:r>
+              <a:rPr lang="ja-JP" altLang="en-US" sz="2400">
+                <a:solidFill>
+                  <a:schemeClr val="tx1"/>
+                </a:solidFill>
+              </a:rPr>
+              <a:t>ここを上げたい</a:t>
+            </a:r>
+            <a:endParaRPr kumimoji="1" lang="ja-JP" altLang="en-US" sz="2400">
+              <a:solidFill>
+                <a:schemeClr val="tx1"/>
+              </a:solidFill>
+            </a:endParaRPr>
+          </a:p>
+        </p:txBody>
+      </p:sp>
+      <p:sp>
+        <p:nvSpPr>
+          <p:cNvPr id="28" name="吹き出し: 角を丸めた四角形 27">
+            <a:extLst>
+              <a:ext uri="{FF2B5EF4-FFF2-40B4-BE49-F238E27FC236}">
+                <a16:creationId xmlns:a16="http://schemas.microsoft.com/office/drawing/2014/main" id="{9973C4A6-AB3F-4683-B0F1-DAD86A53C6D8}"/>
+              </a:ext>
+            </a:extLst>
+          </p:cNvPr>
+          <p:cNvSpPr/>
+          <p:nvPr/>
+        </p:nvSpPr>
+        <p:spPr>
+          <a:xfrm>
+            <a:off x="3203848" y="1268760"/>
+            <a:ext cx="2556792" cy="720080"/>
+          </a:xfrm>
+          <a:prstGeom prst="wedgeRoundRectCallout">
+            <a:avLst>
+              <a:gd name="adj1" fmla="val -51756"/>
+              <a:gd name="adj2" fmla="val 133048"/>
+              <a:gd name="adj3" fmla="val 16667"/>
+            </a:avLst>
+          </a:prstGeom>
+          <a:solidFill>
+            <a:schemeClr val="bg1"/>
+          </a:solidFill>
+          <a:ln>
+            <a:solidFill>
+              <a:schemeClr val="tx1"/>
+            </a:solidFill>
+          </a:ln>
+        </p:spPr>
+        <p:style>
+          <a:lnRef idx="2">
+            <a:schemeClr val="accent1">
+              <a:shade val="50000"/>
+            </a:schemeClr>
+          </a:lnRef>
+          <a:fillRef idx="1">
+            <a:schemeClr val="accent1"/>
+          </a:fillRef>
+          <a:effectRef idx="0">
+            <a:schemeClr val="accent1"/>
+          </a:effectRef>
+          <a:fontRef idx="minor">
+            <a:schemeClr val="lt1"/>
+          </a:fontRef>
+        </p:style>
+        <p:txBody>
+          <a:bodyPr rtlCol="0" anchor="ctr"/>
+          <a:lstStyle/>
+          <a:p>
+            <a:pPr algn="ctr"/>
+            <a:r>
+              <a:rPr kumimoji="1" lang="ja-JP" altLang="en-US" sz="2400">
+                <a:solidFill>
+                  <a:schemeClr val="tx1"/>
+                </a:solidFill>
+              </a:rPr>
+              <a:t>ここはもう無理</a:t>
+            </a:r>
+          </a:p>
+        </p:txBody>
+      </p:sp>
+      <p:sp>
+        <p:nvSpPr>
+          <p:cNvPr id="29" name="吹き出し: 角を丸めた四角形 28">
+            <a:extLst>
+              <a:ext uri="{FF2B5EF4-FFF2-40B4-BE49-F238E27FC236}">
+                <a16:creationId xmlns:a16="http://schemas.microsoft.com/office/drawing/2014/main" id="{F330EDB6-B56E-421D-9487-9652C6495072}"/>
+              </a:ext>
+            </a:extLst>
+          </p:cNvPr>
+          <p:cNvSpPr/>
+          <p:nvPr/>
+        </p:nvSpPr>
+        <p:spPr>
+          <a:xfrm>
+            <a:off x="6156176" y="1268760"/>
+            <a:ext cx="2556792" cy="720080"/>
+          </a:xfrm>
+          <a:prstGeom prst="wedgeRoundRectCallout">
+            <a:avLst>
+              <a:gd name="adj1" fmla="val -40232"/>
+              <a:gd name="adj2" fmla="val 135871"/>
+              <a:gd name="adj3" fmla="val 16667"/>
+            </a:avLst>
+          </a:prstGeom>
+          <a:solidFill>
+            <a:schemeClr val="bg1"/>
+          </a:solidFill>
+          <a:ln>
+            <a:solidFill>
+              <a:schemeClr val="tx1"/>
+            </a:solidFill>
+          </a:ln>
+        </p:spPr>
+        <p:style>
+          <a:lnRef idx="2">
+            <a:schemeClr val="accent1">
+              <a:shade val="50000"/>
+            </a:schemeClr>
+          </a:lnRef>
+          <a:fillRef idx="1">
+            <a:schemeClr val="accent1"/>
+          </a:fillRef>
+          <a:effectRef idx="0">
+            <a:schemeClr val="accent1"/>
+          </a:effectRef>
+          <a:fontRef idx="minor">
+            <a:schemeClr val="lt1"/>
+          </a:fontRef>
+        </p:style>
+        <p:txBody>
+          <a:bodyPr rtlCol="0" anchor="ctr"/>
+          <a:lstStyle/>
+          <a:p>
+            <a:pPr algn="ctr"/>
+            <a:r>
+              <a:rPr kumimoji="1" lang="ja-JP" altLang="en-US" sz="2400">
+                <a:solidFill>
+                  <a:schemeClr val="tx1"/>
+                </a:solidFill>
+              </a:rPr>
+              <a:t>ここも多分無理</a:t>
+            </a:r>
+          </a:p>
+        </p:txBody>
+      </p:sp>
+      <p:sp>
+        <p:nvSpPr>
+          <p:cNvPr id="30" name="吹き出し: 角を丸めた四角形 29">
+            <a:extLst>
+              <a:ext uri="{FF2B5EF4-FFF2-40B4-BE49-F238E27FC236}">
+                <a16:creationId xmlns:a16="http://schemas.microsoft.com/office/drawing/2014/main" id="{9CB4B26A-46EA-4CC6-AEF4-7DD961031F46}"/>
+              </a:ext>
+            </a:extLst>
+          </p:cNvPr>
+          <p:cNvSpPr/>
+          <p:nvPr/>
+        </p:nvSpPr>
+        <p:spPr>
+          <a:xfrm>
+            <a:off x="2195736" y="4149080"/>
+            <a:ext cx="2592288" cy="864096"/>
+          </a:xfrm>
+          <a:prstGeom prst="wedgeRoundRectCallout">
+            <a:avLst>
+              <a:gd name="adj1" fmla="val 42421"/>
+              <a:gd name="adj2" fmla="val -150554"/>
+              <a:gd name="adj3" fmla="val 16667"/>
+            </a:avLst>
+          </a:prstGeom>
+          <a:solidFill>
+            <a:schemeClr val="bg1"/>
+          </a:solidFill>
+          <a:ln>
+            <a:solidFill>
+              <a:schemeClr val="tx1"/>
+            </a:solidFill>
+          </a:ln>
+        </p:spPr>
+        <p:style>
+          <a:lnRef idx="2">
+            <a:schemeClr val="accent1">
+              <a:shade val="50000"/>
+            </a:schemeClr>
+          </a:lnRef>
+          <a:fillRef idx="1">
+            <a:schemeClr val="accent1"/>
+          </a:fillRef>
+          <a:effectRef idx="0">
+            <a:schemeClr val="accent1"/>
+          </a:effectRef>
+          <a:fontRef idx="minor">
+            <a:schemeClr val="lt1"/>
+          </a:fontRef>
+        </p:style>
+        <p:txBody>
+          <a:bodyPr rtlCol="0" anchor="ctr"/>
+          <a:lstStyle/>
+          <a:p>
+            <a:pPr algn="ctr"/>
+            <a:r>
+              <a:rPr kumimoji="1" lang="ja-JP" altLang="en-US" sz="2400">
+                <a:solidFill>
+                  <a:schemeClr val="tx1"/>
+                </a:solidFill>
+              </a:rPr>
+              <a:t>ここを増やす</a:t>
+            </a:r>
+            <a:endParaRPr kumimoji="1" lang="en-US" altLang="ja-JP" sz="2400">
+              <a:solidFill>
+                <a:schemeClr val="tx1"/>
+              </a:solidFill>
+            </a:endParaRPr>
+          </a:p>
+          <a:p>
+            <a:pPr algn="ctr"/>
+            <a:r>
+              <a:rPr lang="en-US" altLang="ja-JP" sz="2400">
+                <a:solidFill>
+                  <a:schemeClr val="tx1"/>
+                </a:solidFill>
+              </a:rPr>
+              <a:t>(</a:t>
+            </a:r>
+            <a:r>
+              <a:rPr lang="ja-JP" altLang="en-US" sz="2400">
+                <a:solidFill>
+                  <a:schemeClr val="tx1"/>
+                </a:solidFill>
+              </a:rPr>
+              <a:t>メニーコア</a:t>
+            </a:r>
+            <a:r>
+              <a:rPr lang="en-US" altLang="ja-JP" sz="2400">
+                <a:solidFill>
+                  <a:schemeClr val="tx1"/>
+                </a:solidFill>
+              </a:rPr>
+              <a:t>)</a:t>
+            </a:r>
+            <a:endParaRPr kumimoji="1" lang="ja-JP" altLang="en-US" sz="2400">
+              <a:solidFill>
+                <a:schemeClr val="tx1"/>
+              </a:solidFill>
+            </a:endParaRPr>
+          </a:p>
+        </p:txBody>
+      </p:sp>
+      <p:sp>
+        <p:nvSpPr>
+          <p:cNvPr id="31" name="吹き出し: 角を丸めた四角形 30">
+            <a:extLst>
+              <a:ext uri="{FF2B5EF4-FFF2-40B4-BE49-F238E27FC236}">
+                <a16:creationId xmlns:a16="http://schemas.microsoft.com/office/drawing/2014/main" id="{7926A7E0-46DF-481E-BE5D-2A7B19A8B84D}"/>
+              </a:ext>
+            </a:extLst>
+          </p:cNvPr>
+          <p:cNvSpPr/>
+          <p:nvPr/>
+        </p:nvSpPr>
+        <p:spPr>
+          <a:xfrm>
+            <a:off x="5652120" y="4149080"/>
+            <a:ext cx="2592288" cy="864096"/>
+          </a:xfrm>
+          <a:prstGeom prst="wedgeRoundRectCallout">
+            <a:avLst>
+              <a:gd name="adj1" fmla="val 42421"/>
+              <a:gd name="adj2" fmla="val -150554"/>
+              <a:gd name="adj3" fmla="val 16667"/>
+            </a:avLst>
+          </a:prstGeom>
+          <a:solidFill>
+            <a:schemeClr val="bg1"/>
+          </a:solidFill>
+          <a:ln>
+            <a:solidFill>
+              <a:schemeClr val="tx1"/>
+            </a:solidFill>
+          </a:ln>
+        </p:spPr>
+        <p:style>
+          <a:lnRef idx="2">
+            <a:schemeClr val="accent1">
+              <a:shade val="50000"/>
+            </a:schemeClr>
+          </a:lnRef>
+          <a:fillRef idx="1">
+            <a:schemeClr val="accent1"/>
+          </a:fillRef>
+          <a:effectRef idx="0">
+            <a:schemeClr val="accent1"/>
+          </a:effectRef>
+          <a:fontRef idx="minor">
+            <a:schemeClr val="lt1"/>
+          </a:fontRef>
+        </p:style>
+        <p:txBody>
+          <a:bodyPr rtlCol="0" anchor="ctr"/>
+          <a:lstStyle/>
+          <a:p>
+            <a:pPr algn="ctr"/>
+            <a:r>
+              <a:rPr kumimoji="1" lang="ja-JP" altLang="en-US" sz="2400">
+                <a:solidFill>
+                  <a:srgbClr val="FF0000"/>
+                </a:solidFill>
+              </a:rPr>
+              <a:t>ここを増やす</a:t>
+            </a:r>
+            <a:endParaRPr kumimoji="1" lang="en-US" altLang="ja-JP" sz="2400">
+              <a:solidFill>
+                <a:srgbClr val="FF0000"/>
+              </a:solidFill>
+            </a:endParaRPr>
+          </a:p>
+          <a:p>
+            <a:pPr algn="ctr"/>
+            <a:r>
+              <a:rPr lang="en-US" altLang="ja-JP" sz="2400">
+                <a:solidFill>
+                  <a:srgbClr val="FF0000"/>
+                </a:solidFill>
+              </a:rPr>
+              <a:t>(</a:t>
+            </a:r>
+            <a:r>
+              <a:rPr lang="ja-JP" altLang="en-US" sz="2400">
+                <a:solidFill>
+                  <a:srgbClr val="FF0000"/>
+                </a:solidFill>
+              </a:rPr>
+              <a:t>幅広</a:t>
+            </a:r>
+            <a:r>
+              <a:rPr lang="en-US" altLang="ja-JP" sz="2400">
+                <a:solidFill>
+                  <a:srgbClr val="FF0000"/>
+                </a:solidFill>
+              </a:rPr>
+              <a:t>SIMD)</a:t>
+            </a:r>
+            <a:endParaRPr kumimoji="1" lang="ja-JP" altLang="en-US" sz="2400">
+              <a:solidFill>
+                <a:srgbClr val="FF0000"/>
+              </a:solidFill>
+            </a:endParaRPr>
+          </a:p>
+        </p:txBody>
+      </p:sp>
+    </p:spTree>
+    <p:extLst>
+      <p:ext uri="{BB962C8B-B14F-4D97-AF65-F5344CB8AC3E}">
+        <p14:creationId xmlns:p14="http://schemas.microsoft.com/office/powerpoint/2010/main" val="3482660361"/>
+      </p:ext>
+    </p:extLst>
+  </p:cSld>
+  <p:clrMapOvr>
+    <a:masterClrMapping/>
+  </p:clrMapOvr>
+</p:sld>
+</file>
+
+<file path=ppt/slides/slide9.xml><?xml version="1.0" encoding="utf-8"?>
+<p:sld xmlns:a="http://schemas.openxmlformats.org/drawingml/2006/main" xmlns:r="http://schemas.openxmlformats.org/officeDocument/2006/relationships" xmlns:p="http://schemas.openxmlformats.org/presentationml/2006/main">
+  <p:cSld>
+    <p:spTree>
+      <p:nvGrpSpPr>
+        <p:cNvPr id="1" name=""/>
+        <p:cNvGrpSpPr/>
+        <p:nvPr/>
+      </p:nvGrpSpPr>
+      <p:grpSpPr>
+        <a:xfrm>
+          <a:off x="0" y="0"/>
+          <a:ext cx="0" cy="0"/>
+          <a:chOff x="0" y="0"/>
+          <a:chExt cx="0" cy="0"/>
+        </a:xfrm>
+      </p:grpSpPr>
+      <p:sp>
+        <p:nvSpPr>
+          <p:cNvPr id="2" name="テキスト プレースホルダー 1">
+            <a:extLst>
+              <a:ext uri="{FF2B5EF4-FFF2-40B4-BE49-F238E27FC236}">
+                <a16:creationId xmlns:a16="http://schemas.microsoft.com/office/drawing/2014/main" id="{F5464D46-AC12-4D41-8C4A-3ADB342A5340}"/>
+              </a:ext>
+            </a:extLst>
+          </p:cNvPr>
+          <p:cNvSpPr>
+            <a:spLocks noGrp="1"/>
+          </p:cNvSpPr>
+          <p:nvPr>
+            <p:ph type="body" sz="quarter" idx="10"/>
+          </p:nvPr>
+        </p:nvSpPr>
+        <p:spPr/>
+        <p:txBody>
+          <a:bodyPr/>
+          <a:lstStyle/>
+          <a:p>
+            <a:r>
+              <a:rPr kumimoji="1" lang="en-US" altLang="ja-JP"/>
+              <a:t>SIMD</a:t>
+            </a:r>
+            <a:r>
+              <a:rPr kumimoji="1" lang="ja-JP" altLang="en-US"/>
+              <a:t>幅を伸ばす</a:t>
+            </a:r>
+          </a:p>
+        </p:txBody>
+      </p:sp>
+      <p:sp>
+        <p:nvSpPr>
+          <p:cNvPr id="3" name="テキスト ボックス 2">
+            <a:extLst>
+              <a:ext uri="{FF2B5EF4-FFF2-40B4-BE49-F238E27FC236}">
+                <a16:creationId xmlns:a16="http://schemas.microsoft.com/office/drawing/2014/main" id="{E01EE28D-408E-4128-86C0-525588FA2EA2}"/>
+              </a:ext>
+            </a:extLst>
+          </p:cNvPr>
+          <p:cNvSpPr txBox="1"/>
+          <p:nvPr/>
+        </p:nvSpPr>
+        <p:spPr>
+          <a:xfrm>
+            <a:off x="611560" y="1124744"/>
+            <a:ext cx="2076209" cy="584775"/>
+          </a:xfrm>
+          <a:prstGeom prst="rect">
+            <a:avLst/>
+          </a:prstGeom>
+          <a:noFill/>
+        </p:spPr>
+        <p:txBody>
+          <a:bodyPr wrap="none" rtlCol="0">
+            <a:spAutoFit/>
+          </a:bodyPr>
+          <a:lstStyle/>
+          <a:p>
+            <a:r>
+              <a:rPr lang="en-US" altLang="ja-JP" sz="3200"/>
+              <a:t>x86</a:t>
+            </a:r>
+            <a:r>
+              <a:rPr lang="ja-JP" altLang="en-US" sz="3200"/>
+              <a:t>の場合</a:t>
+            </a:r>
+            <a:endParaRPr kumimoji="1" lang="ja-JP" altLang="en-US" sz="3200"/>
+          </a:p>
+        </p:txBody>
+      </p:sp>
+      <p:sp>
+        <p:nvSpPr>
+          <p:cNvPr id="4" name="正方形/長方形 3">
+            <a:extLst>
+              <a:ext uri="{FF2B5EF4-FFF2-40B4-BE49-F238E27FC236}">
+                <a16:creationId xmlns:a16="http://schemas.microsoft.com/office/drawing/2014/main" id="{7F45DC31-BBC1-47F4-BB10-051D45176AC5}"/>
+              </a:ext>
+            </a:extLst>
+          </p:cNvPr>
+          <p:cNvSpPr/>
+          <p:nvPr/>
+        </p:nvSpPr>
+        <p:spPr>
+          <a:xfrm>
+            <a:off x="1691680" y="2420888"/>
+            <a:ext cx="1440160" cy="720080"/>
+          </a:xfrm>
+          <a:prstGeom prst="rect">
+            <a:avLst/>
+          </a:prstGeom>
+          <a:solidFill>
+            <a:schemeClr val="accent3">
+              <a:lumMod val="20000"/>
+              <a:lumOff val="80000"/>
+            </a:schemeClr>
+          </a:solidFill>
+          <a:ln>
+            <a:solidFill>
+              <a:schemeClr val="tx1"/>
+            </a:solidFill>
+          </a:ln>
+        </p:spPr>
+        <p:style>
+          <a:lnRef idx="2">
+            <a:schemeClr val="accent1">
+              <a:shade val="50000"/>
+            </a:schemeClr>
+          </a:lnRef>
+          <a:fillRef idx="1">
+            <a:schemeClr val="accent1"/>
+          </a:fillRef>
+          <a:effectRef idx="0">
+            <a:schemeClr val="accent1"/>
+          </a:effectRef>
+          <a:fontRef idx="minor">
+            <a:schemeClr val="lt1"/>
+          </a:fontRef>
+        </p:style>
+        <p:txBody>
+          <a:bodyPr rtlCol="0" anchor="ctr"/>
+          <a:lstStyle/>
+          <a:p>
+            <a:pPr algn="ctr"/>
+            <a:endParaRPr kumimoji="1" lang="ja-JP" altLang="en-US">
+              <a:solidFill>
+                <a:schemeClr val="tx1"/>
+              </a:solidFill>
+            </a:endParaRPr>
+          </a:p>
+        </p:txBody>
+      </p:sp>
+      <p:sp>
+        <p:nvSpPr>
+          <p:cNvPr id="5" name="正方形/長方形 4">
+            <a:extLst>
+              <a:ext uri="{FF2B5EF4-FFF2-40B4-BE49-F238E27FC236}">
+                <a16:creationId xmlns:a16="http://schemas.microsoft.com/office/drawing/2014/main" id="{46916508-56BA-4BA0-9EFC-028621F94AE9}"/>
+              </a:ext>
+            </a:extLst>
+          </p:cNvPr>
+          <p:cNvSpPr/>
+          <p:nvPr/>
+        </p:nvSpPr>
+        <p:spPr>
+          <a:xfrm>
+            <a:off x="1691680" y="3861048"/>
+            <a:ext cx="2880320" cy="720080"/>
+          </a:xfrm>
+          <a:prstGeom prst="rect">
+            <a:avLst/>
+          </a:prstGeom>
+          <a:solidFill>
+            <a:schemeClr val="accent4">
+              <a:lumMod val="20000"/>
+              <a:lumOff val="80000"/>
+            </a:schemeClr>
+          </a:solidFill>
+          <a:ln>
+            <a:solidFill>
+              <a:schemeClr val="tx1"/>
+            </a:solidFill>
+          </a:ln>
+        </p:spPr>
+        <p:style>
+          <a:lnRef idx="2">
+            <a:schemeClr val="accent1">
+              <a:shade val="50000"/>
+            </a:schemeClr>
+          </a:lnRef>
+          <a:fillRef idx="1">
+            <a:schemeClr val="accent1"/>
+          </a:fillRef>
+          <a:effectRef idx="0">
+            <a:schemeClr val="accent1"/>
+          </a:effectRef>
+          <a:fontRef idx="minor">
+            <a:schemeClr val="lt1"/>
+          </a:fontRef>
+        </p:style>
+        <p:txBody>
+          <a:bodyPr rtlCol="0" anchor="ctr"/>
+          <a:lstStyle/>
+          <a:p>
+            <a:pPr algn="ctr"/>
+            <a:endParaRPr kumimoji="1" lang="ja-JP" altLang="en-US">
+              <a:solidFill>
+                <a:schemeClr val="tx1"/>
+              </a:solidFill>
+            </a:endParaRPr>
+          </a:p>
+        </p:txBody>
+      </p:sp>
+      <p:sp>
+        <p:nvSpPr>
+          <p:cNvPr id="6" name="正方形/長方形 5">
+            <a:extLst>
+              <a:ext uri="{FF2B5EF4-FFF2-40B4-BE49-F238E27FC236}">
+                <a16:creationId xmlns:a16="http://schemas.microsoft.com/office/drawing/2014/main" id="{8C816EBF-9ED5-40A1-88F0-DE846DAAEB90}"/>
+              </a:ext>
+            </a:extLst>
+          </p:cNvPr>
+          <p:cNvSpPr/>
+          <p:nvPr/>
+        </p:nvSpPr>
+        <p:spPr>
+          <a:xfrm>
+            <a:off x="1691680" y="5301208"/>
+            <a:ext cx="5760640" cy="720080"/>
+          </a:xfrm>
+          <a:prstGeom prst="rect">
+            <a:avLst/>
+          </a:prstGeom>
+          <a:solidFill>
+            <a:srgbClr val="92D050"/>
+          </a:solidFill>
+          <a:ln>
+            <a:solidFill>
+              <a:schemeClr val="tx1"/>
+            </a:solidFill>
+          </a:ln>
+        </p:spPr>
+        <p:style>
+          <a:lnRef idx="2">
+            <a:schemeClr val="accent1">
+              <a:shade val="50000"/>
+            </a:schemeClr>
+          </a:lnRef>
+          <a:fillRef idx="1">
+            <a:schemeClr val="accent1"/>
+          </a:fillRef>
+          <a:effectRef idx="0">
+            <a:schemeClr val="accent1"/>
+          </a:effectRef>
+          <a:fontRef idx="minor">
+            <a:schemeClr val="lt1"/>
+          </a:fontRef>
+        </p:style>
+        <p:txBody>
+          <a:bodyPr rtlCol="0" anchor="ctr"/>
+          <a:lstStyle/>
+          <a:p>
+            <a:pPr algn="ctr"/>
+            <a:endParaRPr kumimoji="1" lang="ja-JP" altLang="en-US">
+              <a:solidFill>
+                <a:schemeClr val="tx1"/>
+              </a:solidFill>
+            </a:endParaRPr>
+          </a:p>
+        </p:txBody>
+      </p:sp>
+      <p:sp>
+        <p:nvSpPr>
+          <p:cNvPr id="7" name="テキスト ボックス 6">
+            <a:extLst>
+              <a:ext uri="{FF2B5EF4-FFF2-40B4-BE49-F238E27FC236}">
+                <a16:creationId xmlns:a16="http://schemas.microsoft.com/office/drawing/2014/main" id="{AF94643B-4DFF-4E2A-864E-E24F79FEBAF2}"/>
+              </a:ext>
+            </a:extLst>
+          </p:cNvPr>
+          <p:cNvSpPr txBox="1"/>
+          <p:nvPr/>
+        </p:nvSpPr>
+        <p:spPr>
+          <a:xfrm>
+            <a:off x="546942" y="2492896"/>
+            <a:ext cx="1072730" cy="584775"/>
+          </a:xfrm>
+          <a:prstGeom prst="rect">
+            <a:avLst/>
+          </a:prstGeom>
+          <a:noFill/>
+        </p:spPr>
+        <p:txBody>
+          <a:bodyPr wrap="none" rtlCol="0">
+            <a:spAutoFit/>
+          </a:bodyPr>
+          <a:lstStyle/>
+          <a:p>
+            <a:r>
+              <a:rPr kumimoji="1" lang="en-US" altLang="ja-JP" sz="3200"/>
+              <a:t>xmm</a:t>
+            </a:r>
+            <a:endParaRPr kumimoji="1" lang="ja-JP" altLang="en-US" sz="3200"/>
+          </a:p>
+        </p:txBody>
+      </p:sp>
+      <p:sp>
+        <p:nvSpPr>
+          <p:cNvPr id="8" name="テキスト ボックス 7">
+            <a:extLst>
+              <a:ext uri="{FF2B5EF4-FFF2-40B4-BE49-F238E27FC236}">
+                <a16:creationId xmlns:a16="http://schemas.microsoft.com/office/drawing/2014/main" id="{F6C94214-598A-4695-ADE4-176DA5DC0D15}"/>
+              </a:ext>
+            </a:extLst>
+          </p:cNvPr>
+          <p:cNvSpPr txBox="1"/>
+          <p:nvPr/>
+        </p:nvSpPr>
+        <p:spPr>
+          <a:xfrm>
+            <a:off x="539552" y="3933056"/>
+            <a:ext cx="1072730" cy="584775"/>
+          </a:xfrm>
+          <a:prstGeom prst="rect">
+            <a:avLst/>
+          </a:prstGeom>
+          <a:noFill/>
+        </p:spPr>
+        <p:txBody>
+          <a:bodyPr wrap="none" rtlCol="0">
+            <a:spAutoFit/>
+          </a:bodyPr>
+          <a:lstStyle/>
+          <a:p>
+            <a:r>
+              <a:rPr kumimoji="1" lang="en-US" altLang="ja-JP" sz="3200"/>
+              <a:t>ymm</a:t>
+            </a:r>
+            <a:endParaRPr kumimoji="1" lang="ja-JP" altLang="en-US" sz="3200"/>
+          </a:p>
+        </p:txBody>
+      </p:sp>
+      <p:sp>
+        <p:nvSpPr>
+          <p:cNvPr id="9" name="テキスト ボックス 8">
+            <a:extLst>
+              <a:ext uri="{FF2B5EF4-FFF2-40B4-BE49-F238E27FC236}">
+                <a16:creationId xmlns:a16="http://schemas.microsoft.com/office/drawing/2014/main" id="{0BBFF8F2-BEF6-484E-A409-DE08A6672CB8}"/>
+              </a:ext>
+            </a:extLst>
+          </p:cNvPr>
+          <p:cNvSpPr txBox="1"/>
+          <p:nvPr/>
+        </p:nvSpPr>
+        <p:spPr>
+          <a:xfrm>
+            <a:off x="539552" y="5301208"/>
+            <a:ext cx="1072730" cy="584775"/>
+          </a:xfrm>
+          <a:prstGeom prst="rect">
+            <a:avLst/>
+          </a:prstGeom>
+          <a:noFill/>
+        </p:spPr>
+        <p:txBody>
+          <a:bodyPr wrap="none" rtlCol="0">
+            <a:spAutoFit/>
+          </a:bodyPr>
+          <a:lstStyle/>
+          <a:p>
+            <a:r>
+              <a:rPr kumimoji="1" lang="en-US" altLang="ja-JP" sz="3200"/>
+              <a:t>zmm</a:t>
+            </a:r>
+            <a:endParaRPr kumimoji="1" lang="ja-JP" altLang="en-US" sz="3200"/>
+          </a:p>
+        </p:txBody>
+      </p:sp>
+      <p:cxnSp>
+        <p:nvCxnSpPr>
+          <p:cNvPr id="11" name="直線矢印コネクタ 10">
+            <a:extLst>
+              <a:ext uri="{FF2B5EF4-FFF2-40B4-BE49-F238E27FC236}">
+                <a16:creationId xmlns:a16="http://schemas.microsoft.com/office/drawing/2014/main" id="{38545FA4-D50C-49EA-A502-296F503E6EC4}"/>
+              </a:ext>
+            </a:extLst>
+          </p:cNvPr>
+          <p:cNvCxnSpPr/>
+          <p:nvPr/>
+        </p:nvCxnSpPr>
+        <p:spPr>
+          <a:xfrm>
+            <a:off x="1691680" y="2267580"/>
+            <a:ext cx="1440160" cy="0"/>
+          </a:xfrm>
+          <a:prstGeom prst="straightConnector1">
+            <a:avLst/>
+          </a:prstGeom>
+          <a:ln>
+            <a:solidFill>
+              <a:schemeClr val="tx1"/>
+            </a:solidFill>
+            <a:headEnd type="triangle"/>
+            <a:tailEnd type="triangle"/>
+          </a:ln>
+        </p:spPr>
+        <p:style>
+          <a:lnRef idx="1">
+            <a:schemeClr val="accent1"/>
+          </a:lnRef>
+          <a:fillRef idx="0">
+            <a:schemeClr val="accent1"/>
+          </a:fillRef>
+          <a:effectRef idx="0">
+            <a:schemeClr val="accent1"/>
+          </a:effectRef>
+          <a:fontRef idx="minor">
+            <a:schemeClr val="tx1"/>
+          </a:fontRef>
+        </p:style>
+      </p:cxnSp>
+      <p:sp>
+        <p:nvSpPr>
+          <p:cNvPr id="12" name="テキスト ボックス 11">
+            <a:extLst>
+              <a:ext uri="{FF2B5EF4-FFF2-40B4-BE49-F238E27FC236}">
+                <a16:creationId xmlns:a16="http://schemas.microsoft.com/office/drawing/2014/main" id="{FF5C3FE0-6653-4AFF-BACD-079C34C3215B}"/>
+              </a:ext>
+            </a:extLst>
+          </p:cNvPr>
+          <p:cNvSpPr txBox="1"/>
+          <p:nvPr/>
+        </p:nvSpPr>
+        <p:spPr>
+          <a:xfrm>
+            <a:off x="1979712" y="1907540"/>
+            <a:ext cx="877163" cy="369332"/>
+          </a:xfrm>
+          <a:prstGeom prst="rect">
+            <a:avLst/>
+          </a:prstGeom>
+          <a:noFill/>
+        </p:spPr>
+        <p:txBody>
+          <a:bodyPr wrap="none" rtlCol="0">
+            <a:spAutoFit/>
+          </a:bodyPr>
+          <a:lstStyle/>
+          <a:p>
+            <a:r>
+              <a:rPr kumimoji="1" lang="en-US" altLang="ja-JP"/>
+              <a:t>128 bit</a:t>
+            </a:r>
+            <a:endParaRPr kumimoji="1" lang="ja-JP" altLang="en-US"/>
+          </a:p>
+        </p:txBody>
+      </p:sp>
+      <p:cxnSp>
+        <p:nvCxnSpPr>
+          <p:cNvPr id="17" name="直線矢印コネクタ 16">
+            <a:extLst>
+              <a:ext uri="{FF2B5EF4-FFF2-40B4-BE49-F238E27FC236}">
+                <a16:creationId xmlns:a16="http://schemas.microsoft.com/office/drawing/2014/main" id="{F6783C87-B343-4478-961E-FE6C8697A154}"/>
+              </a:ext>
+            </a:extLst>
+          </p:cNvPr>
+          <p:cNvCxnSpPr>
+            <a:cxnSpLocks/>
+          </p:cNvCxnSpPr>
+          <p:nvPr/>
+        </p:nvCxnSpPr>
+        <p:spPr>
+          <a:xfrm>
+            <a:off x="1691680" y="3717032"/>
+            <a:ext cx="2880320" cy="0"/>
+          </a:xfrm>
+          <a:prstGeom prst="straightConnector1">
+            <a:avLst/>
+          </a:prstGeom>
+          <a:ln>
+            <a:solidFill>
+              <a:schemeClr val="tx1"/>
+            </a:solidFill>
+            <a:headEnd type="triangle"/>
+            <a:tailEnd type="triangle"/>
+          </a:ln>
+        </p:spPr>
+        <p:style>
+          <a:lnRef idx="1">
+            <a:schemeClr val="accent1"/>
+          </a:lnRef>
+          <a:fillRef idx="0">
+            <a:schemeClr val="accent1"/>
+          </a:fillRef>
+          <a:effectRef idx="0">
+            <a:schemeClr val="accent1"/>
+          </a:effectRef>
+          <a:fontRef idx="minor">
+            <a:schemeClr val="tx1"/>
+          </a:fontRef>
+        </p:style>
+      </p:cxnSp>
+      <p:sp>
+        <p:nvSpPr>
+          <p:cNvPr id="18" name="テキスト ボックス 17">
+            <a:extLst>
+              <a:ext uri="{FF2B5EF4-FFF2-40B4-BE49-F238E27FC236}">
+                <a16:creationId xmlns:a16="http://schemas.microsoft.com/office/drawing/2014/main" id="{54E4A53D-AE09-40EB-8AC7-DB1628AC0547}"/>
+              </a:ext>
+            </a:extLst>
+          </p:cNvPr>
+          <p:cNvSpPr txBox="1"/>
+          <p:nvPr/>
+        </p:nvSpPr>
+        <p:spPr>
+          <a:xfrm>
+            <a:off x="2699792" y="3356992"/>
+            <a:ext cx="1008112" cy="369332"/>
+          </a:xfrm>
+          <a:prstGeom prst="rect">
+            <a:avLst/>
+          </a:prstGeom>
+          <a:noFill/>
+        </p:spPr>
+        <p:txBody>
+          <a:bodyPr wrap="square" rtlCol="0">
+            <a:spAutoFit/>
+          </a:bodyPr>
+          <a:lstStyle/>
+          <a:p>
+            <a:r>
+              <a:rPr lang="en-US" altLang="ja-JP"/>
+              <a:t>256 </a:t>
+            </a:r>
+            <a:r>
+              <a:rPr kumimoji="1" lang="en-US" altLang="ja-JP"/>
+              <a:t>bit</a:t>
+            </a:r>
+            <a:endParaRPr kumimoji="1" lang="ja-JP" altLang="en-US"/>
+          </a:p>
+        </p:txBody>
+      </p:sp>
+      <p:cxnSp>
+        <p:nvCxnSpPr>
+          <p:cNvPr id="22" name="直線矢印コネクタ 21">
+            <a:extLst>
+              <a:ext uri="{FF2B5EF4-FFF2-40B4-BE49-F238E27FC236}">
+                <a16:creationId xmlns:a16="http://schemas.microsoft.com/office/drawing/2014/main" id="{A2641D85-DE01-4A51-A68E-8C136F478448}"/>
+              </a:ext>
+            </a:extLst>
+          </p:cNvPr>
+          <p:cNvCxnSpPr>
+            <a:cxnSpLocks/>
+          </p:cNvCxnSpPr>
+          <p:nvPr/>
+        </p:nvCxnSpPr>
+        <p:spPr>
+          <a:xfrm>
+            <a:off x="1691680" y="5157192"/>
+            <a:ext cx="5760640" cy="0"/>
+          </a:xfrm>
+          <a:prstGeom prst="straightConnector1">
+            <a:avLst/>
+          </a:prstGeom>
+          <a:ln>
+            <a:solidFill>
+              <a:schemeClr val="tx1"/>
+            </a:solidFill>
+            <a:headEnd type="triangle"/>
+            <a:tailEnd type="triangle"/>
+          </a:ln>
+        </p:spPr>
+        <p:style>
+          <a:lnRef idx="1">
+            <a:schemeClr val="accent1"/>
+          </a:lnRef>
+          <a:fillRef idx="0">
+            <a:schemeClr val="accent1"/>
+          </a:fillRef>
+          <a:effectRef idx="0">
+            <a:schemeClr val="accent1"/>
+          </a:effectRef>
+          <a:fontRef idx="minor">
+            <a:schemeClr val="tx1"/>
+          </a:fontRef>
+        </p:style>
+      </p:cxnSp>
+      <p:sp>
+        <p:nvSpPr>
+          <p:cNvPr id="24" name="テキスト ボックス 23">
+            <a:extLst>
+              <a:ext uri="{FF2B5EF4-FFF2-40B4-BE49-F238E27FC236}">
+                <a16:creationId xmlns:a16="http://schemas.microsoft.com/office/drawing/2014/main" id="{0CD5AAA7-D49E-467D-B6F1-9FC827C2121E}"/>
+              </a:ext>
+            </a:extLst>
+          </p:cNvPr>
+          <p:cNvSpPr txBox="1"/>
+          <p:nvPr/>
+        </p:nvSpPr>
+        <p:spPr>
+          <a:xfrm>
+            <a:off x="4211960" y="4797152"/>
+            <a:ext cx="1008112" cy="369332"/>
+          </a:xfrm>
+          <a:prstGeom prst="rect">
+            <a:avLst/>
+          </a:prstGeom>
+          <a:noFill/>
+        </p:spPr>
+        <p:txBody>
+          <a:bodyPr wrap="square" rtlCol="0">
+            <a:spAutoFit/>
+          </a:bodyPr>
+          <a:lstStyle/>
+          <a:p>
+            <a:r>
+              <a:rPr lang="en-US" altLang="ja-JP"/>
+              <a:t>512 </a:t>
+            </a:r>
+            <a:r>
+              <a:rPr kumimoji="1" lang="en-US" altLang="ja-JP"/>
+              <a:t>bit</a:t>
+            </a:r>
+            <a:endParaRPr kumimoji="1" lang="ja-JP" altLang="en-US"/>
+          </a:p>
+        </p:txBody>
+      </p:sp>
+      <p:sp>
+        <p:nvSpPr>
+          <p:cNvPr id="25" name="テキスト ボックス 24">
+            <a:extLst>
+              <a:ext uri="{FF2B5EF4-FFF2-40B4-BE49-F238E27FC236}">
+                <a16:creationId xmlns:a16="http://schemas.microsoft.com/office/drawing/2014/main" id="{7FB231F3-418B-4BDC-83CF-913E0A1A8EF1}"/>
+              </a:ext>
+            </a:extLst>
+          </p:cNvPr>
+          <p:cNvSpPr txBox="1"/>
+          <p:nvPr/>
+        </p:nvSpPr>
+        <p:spPr>
+          <a:xfrm>
+            <a:off x="1331640" y="6165304"/>
+            <a:ext cx="5929828" cy="584775"/>
+          </a:xfrm>
+          <a:prstGeom prst="rect">
+            <a:avLst/>
+          </a:prstGeom>
+          <a:noFill/>
+        </p:spPr>
+        <p:txBody>
+          <a:bodyPr wrap="none" rtlCol="0">
+            <a:spAutoFit/>
+          </a:bodyPr>
+          <a:lstStyle/>
+          <a:p>
+            <a:r>
+              <a:rPr kumimoji="1" lang="ja-JP" altLang="en-US" sz="3200"/>
+              <a:t>順調に倍々ゲームで増えてきた</a:t>
+            </a:r>
+          </a:p>
+        </p:txBody>
+      </p:sp>
+    </p:spTree>
+    <p:extLst>
+      <p:ext uri="{BB962C8B-B14F-4D97-AF65-F5344CB8AC3E}">
+        <p14:creationId xmlns:p14="http://schemas.microsoft.com/office/powerpoint/2010/main" val="1731860232"/>
       </p:ext>
     </p:extLst>
   </p:cSld>
@@ -2590,7 +11842,7 @@
     <a:spDef>
       <a:spPr>
         <a:solidFill>
-          <a:srgbClr val="FF0000"/>
+          <a:schemeClr val="bg1"/>
         </a:solidFill>
         <a:ln>
           <a:solidFill>
@@ -2601,7 +11853,11 @@
       <a:bodyPr rtlCol="0" anchor="ctr"/>
       <a:lstStyle>
         <a:defPPr algn="ctr">
-          <a:defRPr kumimoji="1"/>
+          <a:defRPr kumimoji="1" smtClean="0">
+            <a:solidFill>
+              <a:schemeClr val="tx1"/>
+            </a:solidFill>
+          </a:defRPr>
         </a:defPPr>
       </a:lstStyle>
       <a:style>

--- a/slide/xbyak_aarch64.pptx
+++ b/slide/xbyak_aarch64.pptx
@@ -5,7 +5,7 @@
     <p:sldMasterId id="2147483663" r:id="rId1"/>
   </p:sldMasterIdLst>
   <p:notesMasterIdLst>
-    <p:notesMasterId r:id="rId19"/>
+    <p:notesMasterId r:id="rId30"/>
   </p:notesMasterIdLst>
   <p:sldIdLst>
     <p:sldId id="256" r:id="rId2"/>
@@ -25,6 +25,17 @@
     <p:sldId id="270" r:id="rId16"/>
     <p:sldId id="271" r:id="rId17"/>
     <p:sldId id="272" r:id="rId18"/>
+    <p:sldId id="273" r:id="rId19"/>
+    <p:sldId id="274" r:id="rId20"/>
+    <p:sldId id="275" r:id="rId21"/>
+    <p:sldId id="277" r:id="rId22"/>
+    <p:sldId id="278" r:id="rId23"/>
+    <p:sldId id="279" r:id="rId24"/>
+    <p:sldId id="281" r:id="rId25"/>
+    <p:sldId id="282" r:id="rId26"/>
+    <p:sldId id="283" r:id="rId27"/>
+    <p:sldId id="280" r:id="rId28"/>
+    <p:sldId id="285" r:id="rId29"/>
   </p:sldIdLst>
   <p:sldSz cx="9144000" cy="6858000" type="screen4x3"/>
   <p:notesSz cx="6858000" cy="9144000"/>
@@ -6991,7 +7002,7 @@
         </p:nvSpPr>
         <p:spPr>
           <a:xfrm>
-            <a:off x="3203849" y="4221090"/>
+            <a:off x="3131840" y="4221088"/>
             <a:ext cx="2260555" cy="523220"/>
           </a:xfrm>
           <a:prstGeom prst="rect">
@@ -7038,7 +7049,7 @@
         </p:nvSpPr>
         <p:spPr>
           <a:xfrm>
-            <a:off x="3491881" y="4941170"/>
+            <a:off x="3275856" y="4941168"/>
             <a:ext cx="3775393" cy="523220"/>
           </a:xfrm>
           <a:prstGeom prst="rect">
@@ -7145,7 +7156,12 @@
           <a:prstGeom prst="rect">
             <a:avLst/>
           </a:prstGeom>
-          <a:noFill/>
+          <a:solidFill>
+            <a:schemeClr val="accent2">
+              <a:lumMod val="20000"/>
+              <a:lumOff val="80000"/>
+            </a:schemeClr>
+          </a:solidFill>
           <a:ln>
             <a:solidFill>
               <a:schemeClr val="tx1"/>
@@ -7210,7 +7226,9 @@
           <a:prstGeom prst="rect">
             <a:avLst/>
           </a:prstGeom>
-          <a:noFill/>
+          <a:solidFill>
+            <a:srgbClr val="FFCCFF"/>
+          </a:solidFill>
           <a:ln>
             <a:solidFill>
               <a:schemeClr val="tx1"/>
@@ -7305,10 +7323,980 @@
           </a:p>
         </p:txBody>
       </p:sp>
+      <p:sp>
+        <p:nvSpPr>
+          <p:cNvPr id="3" name="テキスト ボックス 2">
+            <a:extLst>
+              <a:ext uri="{FF2B5EF4-FFF2-40B4-BE49-F238E27FC236}">
+                <a16:creationId xmlns:a16="http://schemas.microsoft.com/office/drawing/2014/main" id="{F226388F-36AA-4090-A768-164E5E7E4AED}"/>
+              </a:ext>
+            </a:extLst>
+          </p:cNvPr>
+          <p:cNvSpPr txBox="1"/>
+          <p:nvPr/>
+        </p:nvSpPr>
+        <p:spPr>
+          <a:xfrm>
+            <a:off x="323528" y="1340768"/>
+            <a:ext cx="7571303" cy="584775"/>
+          </a:xfrm>
+          <a:prstGeom prst="rect">
+            <a:avLst/>
+          </a:prstGeom>
+          <a:noFill/>
+        </p:spPr>
+        <p:txBody>
+          <a:bodyPr wrap="none" rtlCol="0">
+            <a:spAutoFit/>
+          </a:bodyPr>
+          <a:lstStyle/>
+          <a:p>
+            <a:r>
+              <a:rPr lang="ja-JP" altLang="en-US" sz="3200"/>
+              <a:t>アセンブリと一体一対応した関数を使う</a:t>
+            </a:r>
+            <a:endParaRPr kumimoji="1" lang="ja-JP" altLang="en-US" sz="3200"/>
+          </a:p>
+        </p:txBody>
+      </p:sp>
+      <p:sp>
+        <p:nvSpPr>
+          <p:cNvPr id="5" name="テキスト ボックス 4">
+            <a:extLst>
+              <a:ext uri="{FF2B5EF4-FFF2-40B4-BE49-F238E27FC236}">
+                <a16:creationId xmlns:a16="http://schemas.microsoft.com/office/drawing/2014/main" id="{4450795F-B413-4EAA-B6BB-959D2537A50F}"/>
+              </a:ext>
+            </a:extLst>
+          </p:cNvPr>
+          <p:cNvSpPr txBox="1"/>
+          <p:nvPr/>
+        </p:nvSpPr>
+        <p:spPr>
+          <a:xfrm>
+            <a:off x="1403648" y="2132856"/>
+            <a:ext cx="2339102" cy="523220"/>
+          </a:xfrm>
+          <a:prstGeom prst="rect">
+            <a:avLst/>
+          </a:prstGeom>
+          <a:noFill/>
+        </p:spPr>
+        <p:txBody>
+          <a:bodyPr wrap="none" rtlCol="0">
+            <a:spAutoFit/>
+          </a:bodyPr>
+          <a:lstStyle/>
+          <a:p>
+            <a:r>
+              <a:rPr lang="ja-JP" altLang="en-US" sz="2800"/>
+              <a:t>組み込み関数</a:t>
+            </a:r>
+            <a:endParaRPr kumimoji="1" lang="ja-JP" altLang="en-US" sz="2800"/>
+          </a:p>
+        </p:txBody>
+      </p:sp>
+      <p:sp>
+        <p:nvSpPr>
+          <p:cNvPr id="6" name="テキスト ボックス 5">
+            <a:extLst>
+              <a:ext uri="{FF2B5EF4-FFF2-40B4-BE49-F238E27FC236}">
+                <a16:creationId xmlns:a16="http://schemas.microsoft.com/office/drawing/2014/main" id="{23B5A6A7-988D-4FD6-9514-7FCE0371843C}"/>
+              </a:ext>
+            </a:extLst>
+          </p:cNvPr>
+          <p:cNvSpPr txBox="1"/>
+          <p:nvPr/>
+        </p:nvSpPr>
+        <p:spPr>
+          <a:xfrm>
+            <a:off x="4427984" y="2132856"/>
+            <a:ext cx="1980029" cy="523220"/>
+          </a:xfrm>
+          <a:prstGeom prst="rect">
+            <a:avLst/>
+          </a:prstGeom>
+          <a:noFill/>
+        </p:spPr>
+        <p:txBody>
+          <a:bodyPr wrap="none" rtlCol="0">
+            <a:spAutoFit/>
+          </a:bodyPr>
+          <a:lstStyle/>
+          <a:p>
+            <a:r>
+              <a:rPr kumimoji="1" lang="ja-JP" altLang="en-US" sz="2800"/>
+              <a:t>アセンブリ</a:t>
+            </a:r>
+          </a:p>
+        </p:txBody>
+      </p:sp>
+      <p:sp>
+        <p:nvSpPr>
+          <p:cNvPr id="7" name="テキスト ボックス 6">
+            <a:extLst>
+              <a:ext uri="{FF2B5EF4-FFF2-40B4-BE49-F238E27FC236}">
+                <a16:creationId xmlns:a16="http://schemas.microsoft.com/office/drawing/2014/main" id="{EEA1BD23-8E2E-4162-93CC-F7719F967BAE}"/>
+              </a:ext>
+            </a:extLst>
+          </p:cNvPr>
+          <p:cNvSpPr txBox="1"/>
+          <p:nvPr/>
+        </p:nvSpPr>
+        <p:spPr>
+          <a:xfrm>
+            <a:off x="1691680" y="2852936"/>
+            <a:ext cx="2444900" cy="1569660"/>
+          </a:xfrm>
+          <a:prstGeom prst="rect">
+            <a:avLst/>
+          </a:prstGeom>
+          <a:noFill/>
+        </p:spPr>
+        <p:txBody>
+          <a:bodyPr wrap="none" rtlCol="0">
+            <a:spAutoFit/>
+          </a:bodyPr>
+          <a:lstStyle/>
+          <a:p>
+            <a:r>
+              <a:rPr kumimoji="1" lang="en-US" altLang="ja-JP" sz="3200">
+                <a:latin typeface="Consolas" panose="020B0609020204030204" pitchFamily="49" charset="0"/>
+              </a:rPr>
+              <a:t>svcntb</a:t>
+            </a:r>
+          </a:p>
+          <a:p>
+            <a:r>
+              <a:rPr lang="en-US" altLang="ja-JP" sz="3200">
+                <a:latin typeface="Consolas" panose="020B0609020204030204" pitchFamily="49" charset="0"/>
+              </a:rPr>
+              <a:t>svptrue_b8</a:t>
+            </a:r>
+          </a:p>
+          <a:p>
+            <a:r>
+              <a:rPr kumimoji="1" lang="en-US" altLang="ja-JP" sz="3200">
+                <a:latin typeface="Consolas" panose="020B0609020204030204" pitchFamily="49" charset="0"/>
+              </a:rPr>
+              <a:t>svld1_f64</a:t>
+            </a:r>
+            <a:endParaRPr kumimoji="1" lang="ja-JP" altLang="en-US" sz="3200">
+              <a:latin typeface="Consolas" panose="020B0609020204030204" pitchFamily="49" charset="0"/>
+            </a:endParaRPr>
+          </a:p>
+        </p:txBody>
+      </p:sp>
+      <p:sp>
+        <p:nvSpPr>
+          <p:cNvPr id="8" name="テキスト ボックス 7">
+            <a:extLst>
+              <a:ext uri="{FF2B5EF4-FFF2-40B4-BE49-F238E27FC236}">
+                <a16:creationId xmlns:a16="http://schemas.microsoft.com/office/drawing/2014/main" id="{8DFF6EC3-4756-46B9-84B8-A86224244421}"/>
+              </a:ext>
+            </a:extLst>
+          </p:cNvPr>
+          <p:cNvSpPr txBox="1"/>
+          <p:nvPr/>
+        </p:nvSpPr>
+        <p:spPr>
+          <a:xfrm>
+            <a:off x="4499992" y="2852936"/>
+            <a:ext cx="3575018" cy="1569660"/>
+          </a:xfrm>
+          <a:prstGeom prst="rect">
+            <a:avLst/>
+          </a:prstGeom>
+          <a:noFill/>
+        </p:spPr>
+        <p:txBody>
+          <a:bodyPr wrap="none" rtlCol="0">
+            <a:spAutoFit/>
+          </a:bodyPr>
+          <a:lstStyle/>
+          <a:p>
+            <a:r>
+              <a:rPr kumimoji="1" lang="en-US" altLang="ja-JP" sz="3200">
+                <a:latin typeface="Consolas" panose="020B0609020204030204" pitchFamily="49" charset="0"/>
+              </a:rPr>
+              <a:t>cntb</a:t>
+            </a:r>
+          </a:p>
+          <a:p>
+            <a:r>
+              <a:rPr lang="en-US" altLang="ja-JP" sz="3200">
+                <a:latin typeface="Consolas" panose="020B0609020204030204" pitchFamily="49" charset="0"/>
+              </a:rPr>
+              <a:t>ptrue p0.b, ALL</a:t>
+            </a:r>
+          </a:p>
+          <a:p>
+            <a:r>
+              <a:rPr kumimoji="1" lang="en-US" altLang="ja-JP" sz="3200">
+                <a:latin typeface="Consolas" panose="020B0609020204030204" pitchFamily="49" charset="0"/>
+              </a:rPr>
+              <a:t>ld1d</a:t>
+            </a:r>
+            <a:endParaRPr kumimoji="1" lang="ja-JP" altLang="en-US" sz="3200">
+              <a:latin typeface="Consolas" panose="020B0609020204030204" pitchFamily="49" charset="0"/>
+            </a:endParaRPr>
+          </a:p>
+        </p:txBody>
+      </p:sp>
+      <p:sp>
+        <p:nvSpPr>
+          <p:cNvPr id="9" name="テキスト ボックス 8">
+            <a:extLst>
+              <a:ext uri="{FF2B5EF4-FFF2-40B4-BE49-F238E27FC236}">
+                <a16:creationId xmlns:a16="http://schemas.microsoft.com/office/drawing/2014/main" id="{2B9073BD-39A8-490A-94A5-345EC2275B54}"/>
+              </a:ext>
+            </a:extLst>
+          </p:cNvPr>
+          <p:cNvSpPr txBox="1"/>
+          <p:nvPr/>
+        </p:nvSpPr>
+        <p:spPr>
+          <a:xfrm>
+            <a:off x="395536" y="4725144"/>
+            <a:ext cx="7824578" cy="523220"/>
+          </a:xfrm>
+          <a:prstGeom prst="rect">
+            <a:avLst/>
+          </a:prstGeom>
+          <a:noFill/>
+        </p:spPr>
+        <p:txBody>
+          <a:bodyPr wrap="none" rtlCol="0">
+            <a:spAutoFit/>
+          </a:bodyPr>
+          <a:lstStyle/>
+          <a:p>
+            <a:r>
+              <a:rPr lang="ja-JP" altLang="en-US" sz="2800"/>
+              <a:t>概ね「</a:t>
+            </a:r>
+            <a:r>
+              <a:rPr lang="en-US" altLang="ja-JP" sz="2800"/>
+              <a:t>sv + </a:t>
+            </a:r>
+            <a:r>
+              <a:rPr lang="ja-JP" altLang="en-US" sz="2800"/>
+              <a:t>アセンブリ名 </a:t>
+            </a:r>
+            <a:r>
+              <a:rPr lang="en-US" altLang="ja-JP" sz="2800"/>
+              <a:t>+ </a:t>
+            </a:r>
+            <a:r>
+              <a:rPr lang="ja-JP" altLang="en-US" sz="2800"/>
+              <a:t>型」という命名規則</a:t>
+            </a:r>
+            <a:endParaRPr kumimoji="1" lang="ja-JP" altLang="en-US" sz="2800"/>
+          </a:p>
+        </p:txBody>
+      </p:sp>
     </p:spTree>
     <p:extLst>
       <p:ext uri="{BB962C8B-B14F-4D97-AF65-F5344CB8AC3E}">
         <p14:creationId xmlns:p14="http://schemas.microsoft.com/office/powerpoint/2010/main" val="2521331630"/>
+      </p:ext>
+    </p:extLst>
+  </p:cSld>
+  <p:clrMapOvr>
+    <a:masterClrMapping/>
+  </p:clrMapOvr>
+</p:sld>
+</file>
+
+<file path=ppt/slides/slide18.xml><?xml version="1.0" encoding="utf-8"?>
+<p:sld xmlns:a="http://schemas.openxmlformats.org/drawingml/2006/main" xmlns:r="http://schemas.openxmlformats.org/officeDocument/2006/relationships" xmlns:p="http://schemas.openxmlformats.org/presentationml/2006/main">
+  <p:cSld>
+    <p:spTree>
+      <p:nvGrpSpPr>
+        <p:cNvPr id="1" name=""/>
+        <p:cNvGrpSpPr/>
+        <p:nvPr/>
+      </p:nvGrpSpPr>
+      <p:grpSpPr>
+        <a:xfrm>
+          <a:off x="0" y="0"/>
+          <a:ext cx="0" cy="0"/>
+          <a:chOff x="0" y="0"/>
+          <a:chExt cx="0" cy="0"/>
+        </a:xfrm>
+      </p:grpSpPr>
+      <p:sp>
+        <p:nvSpPr>
+          <p:cNvPr id="2" name="テキスト プレースホルダー 1">
+            <a:extLst>
+              <a:ext uri="{FF2B5EF4-FFF2-40B4-BE49-F238E27FC236}">
+                <a16:creationId xmlns:a16="http://schemas.microsoft.com/office/drawing/2014/main" id="{7EB3EC5D-C367-44A1-9D19-62AEC3C8B882}"/>
+              </a:ext>
+            </a:extLst>
+          </p:cNvPr>
+          <p:cNvSpPr>
+            <a:spLocks noGrp="1"/>
+          </p:cNvSpPr>
+          <p:nvPr>
+            <p:ph type="body" sz="quarter" idx="10"/>
+          </p:nvPr>
+        </p:nvSpPr>
+        <p:spPr/>
+        <p:txBody>
+          <a:bodyPr/>
+          <a:lstStyle/>
+          <a:p>
+            <a:r>
+              <a:rPr lang="ja-JP" altLang="en-US"/>
+              <a:t>組み込み型</a:t>
+            </a:r>
+            <a:endParaRPr kumimoji="1" lang="ja-JP" altLang="en-US"/>
+          </a:p>
+        </p:txBody>
+      </p:sp>
+      <p:sp>
+        <p:nvSpPr>
+          <p:cNvPr id="3" name="テキスト ボックス 2">
+            <a:extLst>
+              <a:ext uri="{FF2B5EF4-FFF2-40B4-BE49-F238E27FC236}">
+                <a16:creationId xmlns:a16="http://schemas.microsoft.com/office/drawing/2014/main" id="{FDA9DDBA-0B4B-458C-B0B5-1C37FCD70A63}"/>
+              </a:ext>
+            </a:extLst>
+          </p:cNvPr>
+          <p:cNvSpPr txBox="1"/>
+          <p:nvPr/>
+        </p:nvSpPr>
+        <p:spPr>
+          <a:xfrm>
+            <a:off x="251520" y="1052736"/>
+            <a:ext cx="2970685" cy="646331"/>
+          </a:xfrm>
+          <a:prstGeom prst="rect">
+            <a:avLst/>
+          </a:prstGeom>
+          <a:noFill/>
+        </p:spPr>
+        <p:txBody>
+          <a:bodyPr wrap="none" rtlCol="0">
+            <a:spAutoFit/>
+          </a:bodyPr>
+          <a:lstStyle/>
+          <a:p>
+            <a:r>
+              <a:rPr kumimoji="1" lang="en-US" altLang="ja-JP" sz="3600">
+                <a:solidFill>
+                  <a:srgbClr val="011893"/>
+                </a:solidFill>
+                <a:latin typeface="Consolas" panose="020B0609020204030204" pitchFamily="49" charset="0"/>
+              </a:rPr>
+              <a:t>svfloat64_t</a:t>
+            </a:r>
+            <a:endParaRPr kumimoji="1" lang="ja-JP" altLang="en-US" sz="3600">
+              <a:solidFill>
+                <a:srgbClr val="011893"/>
+              </a:solidFill>
+              <a:latin typeface="Consolas" panose="020B0609020204030204" pitchFamily="49" charset="0"/>
+            </a:endParaRPr>
+          </a:p>
+        </p:txBody>
+      </p:sp>
+      <p:sp>
+        <p:nvSpPr>
+          <p:cNvPr id="6" name="テキスト ボックス 5">
+            <a:extLst>
+              <a:ext uri="{FF2B5EF4-FFF2-40B4-BE49-F238E27FC236}">
+                <a16:creationId xmlns:a16="http://schemas.microsoft.com/office/drawing/2014/main" id="{9B02D9CB-FA67-4471-8196-0CA32A20650F}"/>
+              </a:ext>
+            </a:extLst>
+          </p:cNvPr>
+          <p:cNvSpPr txBox="1"/>
+          <p:nvPr/>
+        </p:nvSpPr>
+        <p:spPr>
+          <a:xfrm>
+            <a:off x="755576" y="1700808"/>
+            <a:ext cx="7669087" cy="1384995"/>
+          </a:xfrm>
+          <a:prstGeom prst="rect">
+            <a:avLst/>
+          </a:prstGeom>
+          <a:noFill/>
+        </p:spPr>
+        <p:txBody>
+          <a:bodyPr wrap="none" rtlCol="0">
+            <a:spAutoFit/>
+          </a:bodyPr>
+          <a:lstStyle/>
+          <a:p>
+            <a:r>
+              <a:rPr kumimoji="1" lang="ja-JP" altLang="en-US" sz="2800"/>
+              <a:t>レジスタに</a:t>
+            </a:r>
+            <a:r>
+              <a:rPr kumimoji="1" lang="en-US" altLang="ja-JP" sz="2800"/>
+              <a:t>float64_t</a:t>
+            </a:r>
+            <a:r>
+              <a:rPr kumimoji="1" lang="ja-JP" altLang="en-US" sz="2800"/>
+              <a:t>が詰まっているとして扱う</a:t>
+            </a:r>
+            <a:endParaRPr kumimoji="1" lang="en-US" altLang="ja-JP" sz="2800"/>
+          </a:p>
+          <a:p>
+            <a:r>
+              <a:rPr kumimoji="1" lang="ja-JP" altLang="en-US" sz="2800">
+                <a:solidFill>
+                  <a:srgbClr val="FF0000"/>
+                </a:solidFill>
+              </a:rPr>
+              <a:t>コンパイル時に要素数が</a:t>
+            </a:r>
+            <a:r>
+              <a:rPr lang="ja-JP" altLang="en-US" sz="2800">
+                <a:solidFill>
+                  <a:srgbClr val="FF0000"/>
+                </a:solidFill>
+              </a:rPr>
+              <a:t>確定しない</a:t>
+            </a:r>
+            <a:endParaRPr kumimoji="1" lang="en-US" altLang="ja-JP" sz="2800">
+              <a:solidFill>
+                <a:srgbClr val="FF0000"/>
+              </a:solidFill>
+            </a:endParaRPr>
+          </a:p>
+          <a:p>
+            <a:r>
+              <a:rPr lang="en-US" altLang="ja-JP" sz="2800"/>
+              <a:t>512</a:t>
+            </a:r>
+            <a:r>
+              <a:rPr lang="ja-JP" altLang="en-US" sz="2800"/>
+              <a:t>ビットレジスタなら</a:t>
+            </a:r>
+            <a:r>
+              <a:rPr lang="en-US" altLang="ja-JP" sz="2800"/>
+              <a:t>8</a:t>
+            </a:r>
+            <a:r>
+              <a:rPr lang="ja-JP" altLang="en-US" sz="2800"/>
+              <a:t>要素</a:t>
+            </a:r>
+            <a:endParaRPr kumimoji="1" lang="ja-JP" altLang="en-US" sz="2800"/>
+          </a:p>
+        </p:txBody>
+      </p:sp>
+      <p:sp>
+        <p:nvSpPr>
+          <p:cNvPr id="8" name="テキスト ボックス 7">
+            <a:extLst>
+              <a:ext uri="{FF2B5EF4-FFF2-40B4-BE49-F238E27FC236}">
+                <a16:creationId xmlns:a16="http://schemas.microsoft.com/office/drawing/2014/main" id="{78D62E70-6A55-4B16-8E7A-783D72AD84AF}"/>
+              </a:ext>
+            </a:extLst>
+          </p:cNvPr>
+          <p:cNvSpPr txBox="1"/>
+          <p:nvPr/>
+        </p:nvSpPr>
+        <p:spPr>
+          <a:xfrm>
+            <a:off x="179512" y="5373216"/>
+            <a:ext cx="8280920" cy="1384995"/>
+          </a:xfrm>
+          <a:prstGeom prst="rect">
+            <a:avLst/>
+          </a:prstGeom>
+          <a:noFill/>
+          <a:ln>
+            <a:solidFill>
+              <a:schemeClr val="tx1"/>
+            </a:solidFill>
+          </a:ln>
+        </p:spPr>
+        <p:txBody>
+          <a:bodyPr wrap="square">
+            <a:spAutoFit/>
+          </a:bodyPr>
+          <a:lstStyle/>
+          <a:p>
+            <a:r>
+              <a:rPr lang="en-US" altLang="ja-JP" sz="2800">
+                <a:latin typeface="Consolas" panose="020B0609020204030204" pitchFamily="49" charset="0"/>
+              </a:rPr>
+              <a:t>std::vector&lt;float64_t&gt; a;</a:t>
+            </a:r>
+          </a:p>
+          <a:p>
+            <a:r>
+              <a:rPr lang="en-US" altLang="ja-JP" sz="2800">
+                <a:latin typeface="Consolas" panose="020B0609020204030204" pitchFamily="49" charset="0"/>
+              </a:rPr>
+              <a:t>svbool_t tp = </a:t>
+            </a:r>
+            <a:r>
+              <a:rPr lang="en-US" altLang="ja-JP" sz="2800">
+                <a:solidFill>
+                  <a:srgbClr val="011893"/>
+                </a:solidFill>
+                <a:latin typeface="Consolas" panose="020B0609020204030204" pitchFamily="49" charset="0"/>
+              </a:rPr>
+              <a:t>svptrue_b64</a:t>
+            </a:r>
+            <a:r>
+              <a:rPr lang="en-US" altLang="ja-JP" sz="2800">
+                <a:latin typeface="Consolas" panose="020B0609020204030204" pitchFamily="49" charset="0"/>
+              </a:rPr>
+              <a:t>();</a:t>
+            </a:r>
+          </a:p>
+          <a:p>
+            <a:r>
+              <a:rPr lang="en-US" altLang="ja-JP" sz="2800">
+                <a:solidFill>
+                  <a:srgbClr val="011893"/>
+                </a:solidFill>
+                <a:latin typeface="Consolas" panose="020B0609020204030204" pitchFamily="49" charset="0"/>
+              </a:rPr>
+              <a:t>svfloat64_t </a:t>
+            </a:r>
+            <a:r>
+              <a:rPr lang="en-US" altLang="ja-JP" sz="2800">
+                <a:latin typeface="Consolas" panose="020B0609020204030204" pitchFamily="49" charset="0"/>
+              </a:rPr>
+              <a:t>va = </a:t>
+            </a:r>
+            <a:r>
+              <a:rPr lang="en-US" altLang="ja-JP" sz="2800">
+                <a:solidFill>
+                  <a:srgbClr val="011893"/>
+                </a:solidFill>
+                <a:latin typeface="Consolas" panose="020B0609020204030204" pitchFamily="49" charset="0"/>
+              </a:rPr>
+              <a:t>svld1_f64</a:t>
+            </a:r>
+            <a:r>
+              <a:rPr lang="en-US" altLang="ja-JP" sz="2800">
+                <a:latin typeface="Consolas" panose="020B0609020204030204" pitchFamily="49" charset="0"/>
+              </a:rPr>
+              <a:t>(tp, a.data());</a:t>
+            </a:r>
+          </a:p>
+        </p:txBody>
+      </p:sp>
+      <p:sp>
+        <p:nvSpPr>
+          <p:cNvPr id="9" name="テキスト ボックス 8">
+            <a:extLst>
+              <a:ext uri="{FF2B5EF4-FFF2-40B4-BE49-F238E27FC236}">
+                <a16:creationId xmlns:a16="http://schemas.microsoft.com/office/drawing/2014/main" id="{D425A654-12CD-4E2D-9019-710383DCF1CF}"/>
+              </a:ext>
+            </a:extLst>
+          </p:cNvPr>
+          <p:cNvSpPr txBox="1"/>
+          <p:nvPr/>
+        </p:nvSpPr>
+        <p:spPr>
+          <a:xfrm>
+            <a:off x="251520" y="3194973"/>
+            <a:ext cx="2210862" cy="646331"/>
+          </a:xfrm>
+          <a:prstGeom prst="rect">
+            <a:avLst/>
+          </a:prstGeom>
+          <a:noFill/>
+        </p:spPr>
+        <p:txBody>
+          <a:bodyPr wrap="none" rtlCol="0">
+            <a:spAutoFit/>
+          </a:bodyPr>
+          <a:lstStyle/>
+          <a:p>
+            <a:r>
+              <a:rPr kumimoji="1" lang="en-US" altLang="ja-JP" sz="3600">
+                <a:solidFill>
+                  <a:srgbClr val="011893"/>
+                </a:solidFill>
+                <a:latin typeface="Consolas" panose="020B0609020204030204" pitchFamily="49" charset="0"/>
+              </a:rPr>
+              <a:t>svbool_t</a:t>
+            </a:r>
+            <a:endParaRPr kumimoji="1" lang="ja-JP" altLang="en-US" sz="3600">
+              <a:solidFill>
+                <a:srgbClr val="011893"/>
+              </a:solidFill>
+              <a:latin typeface="Consolas" panose="020B0609020204030204" pitchFamily="49" charset="0"/>
+            </a:endParaRPr>
+          </a:p>
+        </p:txBody>
+      </p:sp>
+      <p:sp>
+        <p:nvSpPr>
+          <p:cNvPr id="10" name="テキスト ボックス 9">
+            <a:extLst>
+              <a:ext uri="{FF2B5EF4-FFF2-40B4-BE49-F238E27FC236}">
+                <a16:creationId xmlns:a16="http://schemas.microsoft.com/office/drawing/2014/main" id="{5502AAD0-D842-4B45-ADA2-EAF57FB2C05E}"/>
+              </a:ext>
+            </a:extLst>
+          </p:cNvPr>
+          <p:cNvSpPr txBox="1"/>
+          <p:nvPr/>
+        </p:nvSpPr>
+        <p:spPr>
+          <a:xfrm>
+            <a:off x="755576" y="3771037"/>
+            <a:ext cx="6288901" cy="954107"/>
+          </a:xfrm>
+          <a:prstGeom prst="rect">
+            <a:avLst/>
+          </a:prstGeom>
+          <a:noFill/>
+        </p:spPr>
+        <p:txBody>
+          <a:bodyPr wrap="none" rtlCol="0">
+            <a:spAutoFit/>
+          </a:bodyPr>
+          <a:lstStyle/>
+          <a:p>
+            <a:r>
+              <a:rPr kumimoji="1" lang="ja-JP" altLang="en-US" sz="2800"/>
+              <a:t>プレディケートレジスタを表す型</a:t>
+            </a:r>
+            <a:endParaRPr kumimoji="1" lang="en-US" altLang="ja-JP" sz="2800"/>
+          </a:p>
+          <a:p>
+            <a:r>
+              <a:rPr lang="ja-JP" altLang="en-US" sz="2800">
+                <a:solidFill>
+                  <a:srgbClr val="FF0000"/>
+                </a:solidFill>
+              </a:rPr>
+              <a:t>コンパイル時にビット長が確定しない</a:t>
+            </a:r>
+            <a:endParaRPr kumimoji="1" lang="ja-JP" altLang="en-US" sz="2800">
+              <a:solidFill>
+                <a:srgbClr val="FF0000"/>
+              </a:solidFill>
+            </a:endParaRPr>
+          </a:p>
+        </p:txBody>
+      </p:sp>
+      <p:sp>
+        <p:nvSpPr>
+          <p:cNvPr id="11" name="テキスト ボックス 10">
+            <a:extLst>
+              <a:ext uri="{FF2B5EF4-FFF2-40B4-BE49-F238E27FC236}">
+                <a16:creationId xmlns:a16="http://schemas.microsoft.com/office/drawing/2014/main" id="{4C6E4CD2-460F-4440-A113-5BFA91D79E0E}"/>
+              </a:ext>
+            </a:extLst>
+          </p:cNvPr>
+          <p:cNvSpPr txBox="1"/>
+          <p:nvPr/>
+        </p:nvSpPr>
+        <p:spPr>
+          <a:xfrm>
+            <a:off x="179512" y="4941168"/>
+            <a:ext cx="2031325" cy="369332"/>
+          </a:xfrm>
+          <a:prstGeom prst="rect">
+            <a:avLst/>
+          </a:prstGeom>
+          <a:noFill/>
+        </p:spPr>
+        <p:txBody>
+          <a:bodyPr wrap="none" rtlCol="0">
+            <a:spAutoFit/>
+          </a:bodyPr>
+          <a:lstStyle/>
+          <a:p>
+            <a:r>
+              <a:rPr lang="ja-JP" altLang="en-US"/>
+              <a:t>こんな感じに使う</a:t>
+            </a:r>
+            <a:endParaRPr kumimoji="1" lang="ja-JP" altLang="en-US"/>
+          </a:p>
+        </p:txBody>
+      </p:sp>
+    </p:spTree>
+    <p:extLst>
+      <p:ext uri="{BB962C8B-B14F-4D97-AF65-F5344CB8AC3E}">
+        <p14:creationId xmlns:p14="http://schemas.microsoft.com/office/powerpoint/2010/main" val="290168005"/>
+      </p:ext>
+    </p:extLst>
+  </p:cSld>
+  <p:clrMapOvr>
+    <a:masterClrMapping/>
+  </p:clrMapOvr>
+</p:sld>
+</file>
+
+<file path=ppt/slides/slide19.xml><?xml version="1.0" encoding="utf-8"?>
+<p:sld xmlns:a="http://schemas.openxmlformats.org/drawingml/2006/main" xmlns:r="http://schemas.openxmlformats.org/officeDocument/2006/relationships" xmlns:p="http://schemas.openxmlformats.org/presentationml/2006/main">
+  <p:cSld>
+    <p:spTree>
+      <p:nvGrpSpPr>
+        <p:cNvPr id="1" name=""/>
+        <p:cNvGrpSpPr/>
+        <p:nvPr/>
+      </p:nvGrpSpPr>
+      <p:grpSpPr>
+        <a:xfrm>
+          <a:off x="0" y="0"/>
+          <a:ext cx="0" cy="0"/>
+          <a:chOff x="0" y="0"/>
+          <a:chExt cx="0" cy="0"/>
+        </a:xfrm>
+      </p:grpSpPr>
+      <p:sp>
+        <p:nvSpPr>
+          <p:cNvPr id="2" name="テキスト プレースホルダー 1">
+            <a:extLst>
+              <a:ext uri="{FF2B5EF4-FFF2-40B4-BE49-F238E27FC236}">
+                <a16:creationId xmlns:a16="http://schemas.microsoft.com/office/drawing/2014/main" id="{19F9CD2B-44F5-46A9-A7BF-477D1B6745C0}"/>
+              </a:ext>
+            </a:extLst>
+          </p:cNvPr>
+          <p:cNvSpPr>
+            <a:spLocks noGrp="1"/>
+          </p:cNvSpPr>
+          <p:nvPr>
+            <p:ph type="body" sz="quarter" idx="10"/>
+          </p:nvPr>
+        </p:nvSpPr>
+        <p:spPr/>
+        <p:txBody>
+          <a:bodyPr/>
+          <a:lstStyle/>
+          <a:p>
+            <a:r>
+              <a:rPr kumimoji="1" lang="ja-JP" altLang="en-US"/>
+              <a:t>組み込み関数を使う</a:t>
+            </a:r>
+          </a:p>
+        </p:txBody>
+      </p:sp>
+      <p:sp>
+        <p:nvSpPr>
+          <p:cNvPr id="3" name="テキスト ボックス 2">
+            <a:extLst>
+              <a:ext uri="{FF2B5EF4-FFF2-40B4-BE49-F238E27FC236}">
+                <a16:creationId xmlns:a16="http://schemas.microsoft.com/office/drawing/2014/main" id="{7827BAF5-2190-493D-9F8A-37D884CB32B2}"/>
+              </a:ext>
+            </a:extLst>
+          </p:cNvPr>
+          <p:cNvSpPr txBox="1"/>
+          <p:nvPr/>
+        </p:nvSpPr>
+        <p:spPr>
+          <a:xfrm>
+            <a:off x="179512" y="1052736"/>
+            <a:ext cx="1239442" cy="707886"/>
+          </a:xfrm>
+          <a:prstGeom prst="rect">
+            <a:avLst/>
+          </a:prstGeom>
+          <a:noFill/>
+        </p:spPr>
+        <p:txBody>
+          <a:bodyPr wrap="none" rtlCol="0">
+            <a:spAutoFit/>
+          </a:bodyPr>
+          <a:lstStyle/>
+          <a:p>
+            <a:r>
+              <a:rPr kumimoji="1" lang="en-US" altLang="ja-JP" sz="4000">
+                <a:solidFill>
+                  <a:srgbClr val="011893"/>
+                </a:solidFill>
+              </a:rPr>
+              <a:t>Pros</a:t>
+            </a:r>
+            <a:endParaRPr kumimoji="1" lang="ja-JP" altLang="en-US" sz="4000">
+              <a:solidFill>
+                <a:srgbClr val="011893"/>
+              </a:solidFill>
+            </a:endParaRPr>
+          </a:p>
+        </p:txBody>
+      </p:sp>
+      <p:sp>
+        <p:nvSpPr>
+          <p:cNvPr id="4" name="テキスト ボックス 3">
+            <a:extLst>
+              <a:ext uri="{FF2B5EF4-FFF2-40B4-BE49-F238E27FC236}">
+                <a16:creationId xmlns:a16="http://schemas.microsoft.com/office/drawing/2014/main" id="{458A9ED2-17CD-408D-9D87-FC31F63C5C51}"/>
+              </a:ext>
+            </a:extLst>
+          </p:cNvPr>
+          <p:cNvSpPr txBox="1"/>
+          <p:nvPr/>
+        </p:nvSpPr>
+        <p:spPr>
+          <a:xfrm>
+            <a:off x="539552" y="1798945"/>
+            <a:ext cx="8032968" cy="2062103"/>
+          </a:xfrm>
+          <a:prstGeom prst="rect">
+            <a:avLst/>
+          </a:prstGeom>
+          <a:noFill/>
+        </p:spPr>
+        <p:txBody>
+          <a:bodyPr wrap="none" rtlCol="0">
+            <a:spAutoFit/>
+          </a:bodyPr>
+          <a:lstStyle/>
+          <a:p>
+            <a:pPr marL="457200" indent="-457200">
+              <a:buFont typeface="Arial" panose="020B0604020202020204" pitchFamily="34" charset="0"/>
+              <a:buChar char="•"/>
+            </a:pPr>
+            <a:r>
+              <a:rPr kumimoji="1" lang="ja-JP" altLang="en-US" sz="3200"/>
+              <a:t>関数の呼び出し規約を気にしなくて良い</a:t>
+            </a:r>
+            <a:endParaRPr kumimoji="1" lang="en-US" altLang="ja-JP" sz="3200"/>
+          </a:p>
+          <a:p>
+            <a:pPr marL="457200" indent="-457200">
+              <a:buFont typeface="Arial" panose="020B0604020202020204" pitchFamily="34" charset="0"/>
+              <a:buChar char="•"/>
+            </a:pPr>
+            <a:r>
+              <a:rPr lang="ja-JP" altLang="en-US" sz="3200"/>
+              <a:t>アドレッシングを気にしなくて良い</a:t>
+            </a:r>
+            <a:endParaRPr lang="en-US" altLang="ja-JP" sz="3200"/>
+          </a:p>
+          <a:p>
+            <a:pPr marL="457200" indent="-457200">
+              <a:buFont typeface="Arial" panose="020B0604020202020204" pitchFamily="34" charset="0"/>
+              <a:buChar char="•"/>
+            </a:pPr>
+            <a:r>
+              <a:rPr kumimoji="1" lang="ja-JP" altLang="en-US" sz="3200"/>
+              <a:t>レジスタ割り当てを気にしなくて良い</a:t>
+            </a:r>
+            <a:endParaRPr kumimoji="1" lang="en-US" altLang="ja-JP" sz="3200"/>
+          </a:p>
+          <a:p>
+            <a:pPr marL="457200" indent="-457200">
+              <a:buFont typeface="Arial" panose="020B0604020202020204" pitchFamily="34" charset="0"/>
+              <a:buChar char="•"/>
+            </a:pPr>
+            <a:r>
+              <a:rPr lang="ja-JP" altLang="en-US" sz="3200"/>
+              <a:t>コンパイラによる最適化が期待できる</a:t>
+            </a:r>
+            <a:endParaRPr kumimoji="1" lang="ja-JP" altLang="en-US" sz="3200"/>
+          </a:p>
+        </p:txBody>
+      </p:sp>
+      <p:sp>
+        <p:nvSpPr>
+          <p:cNvPr id="5" name="テキスト ボックス 4">
+            <a:extLst>
+              <a:ext uri="{FF2B5EF4-FFF2-40B4-BE49-F238E27FC236}">
+                <a16:creationId xmlns:a16="http://schemas.microsoft.com/office/drawing/2014/main" id="{E694C5A5-4FB2-4089-B8D7-9B596F0C00E6}"/>
+              </a:ext>
+            </a:extLst>
+          </p:cNvPr>
+          <p:cNvSpPr txBox="1"/>
+          <p:nvPr/>
+        </p:nvSpPr>
+        <p:spPr>
+          <a:xfrm>
+            <a:off x="179512" y="3933056"/>
+            <a:ext cx="1382110" cy="707886"/>
+          </a:xfrm>
+          <a:prstGeom prst="rect">
+            <a:avLst/>
+          </a:prstGeom>
+          <a:noFill/>
+        </p:spPr>
+        <p:txBody>
+          <a:bodyPr wrap="none" rtlCol="0">
+            <a:spAutoFit/>
+          </a:bodyPr>
+          <a:lstStyle/>
+          <a:p>
+            <a:r>
+              <a:rPr lang="en-US" altLang="ja-JP" sz="4000">
+                <a:solidFill>
+                  <a:srgbClr val="011893"/>
+                </a:solidFill>
+              </a:rPr>
+              <a:t>Con</a:t>
+            </a:r>
+            <a:r>
+              <a:rPr kumimoji="1" lang="en-US" altLang="ja-JP" sz="4000">
+                <a:solidFill>
+                  <a:srgbClr val="011893"/>
+                </a:solidFill>
+              </a:rPr>
+              <a:t>s</a:t>
+            </a:r>
+            <a:endParaRPr kumimoji="1" lang="ja-JP" altLang="en-US" sz="4000">
+              <a:solidFill>
+                <a:srgbClr val="011893"/>
+              </a:solidFill>
+            </a:endParaRPr>
+          </a:p>
+        </p:txBody>
+      </p:sp>
+      <p:sp>
+        <p:nvSpPr>
+          <p:cNvPr id="6" name="テキスト ボックス 5">
+            <a:extLst>
+              <a:ext uri="{FF2B5EF4-FFF2-40B4-BE49-F238E27FC236}">
+                <a16:creationId xmlns:a16="http://schemas.microsoft.com/office/drawing/2014/main" id="{4D7BF8D1-AD7E-49C9-A623-9A7B4623C0C6}"/>
+              </a:ext>
+            </a:extLst>
+          </p:cNvPr>
+          <p:cNvSpPr txBox="1"/>
+          <p:nvPr/>
+        </p:nvSpPr>
+        <p:spPr>
+          <a:xfrm>
+            <a:off x="539552" y="4653136"/>
+            <a:ext cx="8443337" cy="1077218"/>
+          </a:xfrm>
+          <a:prstGeom prst="rect">
+            <a:avLst/>
+          </a:prstGeom>
+          <a:noFill/>
+        </p:spPr>
+        <p:txBody>
+          <a:bodyPr wrap="none" rtlCol="0">
+            <a:spAutoFit/>
+          </a:bodyPr>
+          <a:lstStyle/>
+          <a:p>
+            <a:pPr marL="457200" indent="-457200">
+              <a:buFont typeface="Arial" panose="020B0604020202020204" pitchFamily="34" charset="0"/>
+              <a:buChar char="•"/>
+            </a:pPr>
+            <a:r>
+              <a:rPr lang="ja-JP" altLang="en-US" sz="3200"/>
+              <a:t>組み込み関数以外の場所は制御できない</a:t>
+            </a:r>
+            <a:endParaRPr lang="en-US" altLang="ja-JP" sz="3200"/>
+          </a:p>
+          <a:p>
+            <a:pPr marL="457200" indent="-457200">
+              <a:buFont typeface="Arial" panose="020B0604020202020204" pitchFamily="34" charset="0"/>
+              <a:buChar char="•"/>
+            </a:pPr>
+            <a:r>
+              <a:rPr kumimoji="1" lang="ja-JP" altLang="en-US" sz="3200"/>
+              <a:t>コンパイラが余計なことをする場合がある</a:t>
+            </a:r>
+            <a:endParaRPr kumimoji="1" lang="en-US" altLang="ja-JP" sz="3200"/>
+          </a:p>
+        </p:txBody>
+      </p:sp>
+    </p:spTree>
+    <p:extLst>
+      <p:ext uri="{BB962C8B-B14F-4D97-AF65-F5344CB8AC3E}">
+        <p14:creationId xmlns:p14="http://schemas.microsoft.com/office/powerpoint/2010/main" val="774190420"/>
       </p:ext>
     </p:extLst>
   </p:cSld>
@@ -7494,6 +8482,3203 @@
     <p:extLst>
       <p:ext uri="{BB962C8B-B14F-4D97-AF65-F5344CB8AC3E}">
         <p14:creationId xmlns:p14="http://schemas.microsoft.com/office/powerpoint/2010/main" val="4253713017"/>
+      </p:ext>
+    </p:extLst>
+  </p:cSld>
+  <p:clrMapOvr>
+    <a:masterClrMapping/>
+  </p:clrMapOvr>
+</p:sld>
+</file>
+
+<file path=ppt/slides/slide20.xml><?xml version="1.0" encoding="utf-8"?>
+<p:sld xmlns:a="http://schemas.openxmlformats.org/drawingml/2006/main" xmlns:r="http://schemas.openxmlformats.org/officeDocument/2006/relationships" xmlns:p="http://schemas.openxmlformats.org/presentationml/2006/main">
+  <p:cSld>
+    <p:spTree>
+      <p:nvGrpSpPr>
+        <p:cNvPr id="1" name=""/>
+        <p:cNvGrpSpPr/>
+        <p:nvPr/>
+      </p:nvGrpSpPr>
+      <p:grpSpPr>
+        <a:xfrm>
+          <a:off x="0" y="0"/>
+          <a:ext cx="0" cy="0"/>
+          <a:chOff x="0" y="0"/>
+          <a:chExt cx="0" cy="0"/>
+        </a:xfrm>
+      </p:grpSpPr>
+      <p:sp>
+        <p:nvSpPr>
+          <p:cNvPr id="2" name="テキスト プレースホルダー 1">
+            <a:extLst>
+              <a:ext uri="{FF2B5EF4-FFF2-40B4-BE49-F238E27FC236}">
+                <a16:creationId xmlns:a16="http://schemas.microsoft.com/office/drawing/2014/main" id="{D5175DBE-EE65-43FC-B6E3-39A3966BED94}"/>
+              </a:ext>
+            </a:extLst>
+          </p:cNvPr>
+          <p:cNvSpPr>
+            <a:spLocks noGrp="1"/>
+          </p:cNvSpPr>
+          <p:nvPr>
+            <p:ph type="body" sz="quarter" idx="10"/>
+          </p:nvPr>
+        </p:nvSpPr>
+        <p:spPr/>
+        <p:txBody>
+          <a:bodyPr/>
+          <a:lstStyle/>
+          <a:p>
+            <a:r>
+              <a:rPr kumimoji="1" lang="en-US" altLang="ja-JP"/>
+              <a:t>Xbyak</a:t>
+            </a:r>
+            <a:r>
+              <a:rPr kumimoji="1" lang="ja-JP" altLang="en-US"/>
+              <a:t>とは</a:t>
+            </a:r>
+          </a:p>
+        </p:txBody>
+      </p:sp>
+      <p:sp>
+        <p:nvSpPr>
+          <p:cNvPr id="3" name="テキスト ボックス 2">
+            <a:extLst>
+              <a:ext uri="{FF2B5EF4-FFF2-40B4-BE49-F238E27FC236}">
+                <a16:creationId xmlns:a16="http://schemas.microsoft.com/office/drawing/2014/main" id="{F48D0E65-E6CA-41FE-AC26-F4AF5367A30B}"/>
+              </a:ext>
+            </a:extLst>
+          </p:cNvPr>
+          <p:cNvSpPr txBox="1"/>
+          <p:nvPr/>
+        </p:nvSpPr>
+        <p:spPr>
+          <a:xfrm>
+            <a:off x="323528" y="1268760"/>
+            <a:ext cx="8686993" cy="2062103"/>
+          </a:xfrm>
+          <a:prstGeom prst="rect">
+            <a:avLst/>
+          </a:prstGeom>
+          <a:noFill/>
+        </p:spPr>
+        <p:txBody>
+          <a:bodyPr wrap="none" rtlCol="0">
+            <a:spAutoFit/>
+          </a:bodyPr>
+          <a:lstStyle/>
+          <a:p>
+            <a:r>
+              <a:rPr kumimoji="1" lang="en-US" altLang="ja-JP" sz="3200"/>
+              <a:t>Xbyak</a:t>
+            </a:r>
+            <a:r>
+              <a:rPr kumimoji="1" lang="ja-JP" altLang="en-US" sz="3200"/>
+              <a:t> </a:t>
+            </a:r>
+            <a:r>
+              <a:rPr kumimoji="1" lang="en-US" altLang="ja-JP" sz="3200"/>
+              <a:t>(</a:t>
+            </a:r>
+            <a:r>
+              <a:rPr kumimoji="1" lang="ja-JP" altLang="en-US" sz="3200"/>
+              <a:t>カイビャック</a:t>
+            </a:r>
+            <a:r>
+              <a:rPr kumimoji="1" lang="en-US" altLang="ja-JP" sz="3200"/>
+              <a:t>)</a:t>
+            </a:r>
+            <a:r>
+              <a:rPr kumimoji="1" lang="ja-JP" altLang="en-US" sz="3200"/>
+              <a:t>は</a:t>
+            </a:r>
+            <a:r>
+              <a:rPr kumimoji="1" lang="en-US" altLang="ja-JP" sz="3200"/>
+              <a:t>JIT</a:t>
+            </a:r>
+            <a:r>
+              <a:rPr kumimoji="1" lang="ja-JP" altLang="en-US" sz="3200"/>
+              <a:t>アセンブラ</a:t>
+            </a:r>
+            <a:endParaRPr kumimoji="1" lang="en-US" altLang="ja-JP" sz="3200"/>
+          </a:p>
+          <a:p>
+            <a:r>
+              <a:rPr lang="ja-JP" altLang="en-US" sz="3200"/>
+              <a:t>作者は光成</a:t>
+            </a:r>
+            <a:r>
+              <a:rPr lang="en-US" altLang="ja-JP" sz="3200"/>
+              <a:t>(herumi)</a:t>
+            </a:r>
+            <a:r>
+              <a:rPr lang="ja-JP" altLang="en-US" sz="3200"/>
+              <a:t>さん</a:t>
+            </a:r>
+            <a:endParaRPr lang="en-US" altLang="ja-JP" sz="3200"/>
+          </a:p>
+          <a:p>
+            <a:r>
+              <a:rPr kumimoji="1" lang="ja-JP" altLang="en-US" sz="3200">
+                <a:solidFill>
+                  <a:srgbClr val="FF0000"/>
+                </a:solidFill>
+              </a:rPr>
+              <a:t>実行する命令を</a:t>
+            </a:r>
+            <a:r>
+              <a:rPr lang="ja-JP" altLang="en-US" sz="3200">
+                <a:solidFill>
+                  <a:srgbClr val="FF0000"/>
+                </a:solidFill>
+              </a:rPr>
+              <a:t>関数単位で</a:t>
+            </a:r>
+            <a:r>
+              <a:rPr kumimoji="1" lang="ja-JP" altLang="en-US" sz="3200">
+                <a:solidFill>
+                  <a:srgbClr val="FF0000"/>
+                </a:solidFill>
+              </a:rPr>
+              <a:t>実行時に作る</a:t>
+            </a:r>
+            <a:endParaRPr kumimoji="1" lang="en-US" altLang="ja-JP" sz="3200">
+              <a:solidFill>
+                <a:srgbClr val="FF0000"/>
+              </a:solidFill>
+            </a:endParaRPr>
+          </a:p>
+          <a:p>
+            <a:r>
+              <a:rPr kumimoji="1" lang="en-US" altLang="ja-JP" sz="3200"/>
+              <a:t>Intel</a:t>
+            </a:r>
+            <a:r>
+              <a:rPr kumimoji="1" lang="ja-JP" altLang="en-US" sz="3200"/>
+              <a:t>の</a:t>
+            </a:r>
+            <a:r>
+              <a:rPr lang="ja-JP" altLang="en-US" sz="3200"/>
+              <a:t>機械学習ライブラリ</a:t>
+            </a:r>
+            <a:r>
+              <a:rPr lang="en-US" altLang="ja-JP" sz="3200"/>
+              <a:t>oneDNN</a:t>
+            </a:r>
+            <a:r>
+              <a:rPr lang="ja-JP" altLang="en-US" sz="3200"/>
+              <a:t>などが利用</a:t>
+            </a:r>
+            <a:endParaRPr kumimoji="1" lang="ja-JP" altLang="en-US" sz="3200"/>
+          </a:p>
+        </p:txBody>
+      </p:sp>
+      <p:sp>
+        <p:nvSpPr>
+          <p:cNvPr id="5" name="テキスト ボックス 4">
+            <a:extLst>
+              <a:ext uri="{FF2B5EF4-FFF2-40B4-BE49-F238E27FC236}">
+                <a16:creationId xmlns:a16="http://schemas.microsoft.com/office/drawing/2014/main" id="{187062B3-6FAF-4807-A926-FE175C6AB9AE}"/>
+              </a:ext>
+            </a:extLst>
+          </p:cNvPr>
+          <p:cNvSpPr txBox="1"/>
+          <p:nvPr/>
+        </p:nvSpPr>
+        <p:spPr>
+          <a:xfrm>
+            <a:off x="683568" y="4428401"/>
+            <a:ext cx="6984776" cy="584775"/>
+          </a:xfrm>
+          <a:prstGeom prst="rect">
+            <a:avLst/>
+          </a:prstGeom>
+          <a:noFill/>
+        </p:spPr>
+        <p:txBody>
+          <a:bodyPr wrap="square">
+            <a:spAutoFit/>
+          </a:bodyPr>
+          <a:lstStyle/>
+          <a:p>
+            <a:r>
+              <a:rPr lang="ja-JP" altLang="en-US" sz="3200"/>
+              <a:t>https://github.com/herumi/xbyak</a:t>
+            </a:r>
+          </a:p>
+        </p:txBody>
+      </p:sp>
+      <p:sp>
+        <p:nvSpPr>
+          <p:cNvPr id="6" name="テキスト ボックス 5">
+            <a:extLst>
+              <a:ext uri="{FF2B5EF4-FFF2-40B4-BE49-F238E27FC236}">
+                <a16:creationId xmlns:a16="http://schemas.microsoft.com/office/drawing/2014/main" id="{7C01381E-3509-4417-98A1-4659749DD8CD}"/>
+              </a:ext>
+            </a:extLst>
+          </p:cNvPr>
+          <p:cNvSpPr txBox="1"/>
+          <p:nvPr/>
+        </p:nvSpPr>
+        <p:spPr>
+          <a:xfrm>
+            <a:off x="251520" y="3708321"/>
+            <a:ext cx="1851789" cy="646331"/>
+          </a:xfrm>
+          <a:prstGeom prst="rect">
+            <a:avLst/>
+          </a:prstGeom>
+          <a:noFill/>
+        </p:spPr>
+        <p:txBody>
+          <a:bodyPr wrap="none" rtlCol="0">
+            <a:spAutoFit/>
+          </a:bodyPr>
+          <a:lstStyle/>
+          <a:p>
+            <a:r>
+              <a:rPr kumimoji="1" lang="en-US" altLang="ja-JP" sz="3600"/>
+              <a:t>x86</a:t>
+            </a:r>
+            <a:r>
+              <a:rPr kumimoji="1" lang="ja-JP" altLang="en-US" sz="3600"/>
+              <a:t>向け</a:t>
+            </a:r>
+          </a:p>
+        </p:txBody>
+      </p:sp>
+      <p:sp>
+        <p:nvSpPr>
+          <p:cNvPr id="7" name="テキスト ボックス 6">
+            <a:extLst>
+              <a:ext uri="{FF2B5EF4-FFF2-40B4-BE49-F238E27FC236}">
+                <a16:creationId xmlns:a16="http://schemas.microsoft.com/office/drawing/2014/main" id="{EB7F5943-C29F-4F3D-AD74-E8CED51E018E}"/>
+              </a:ext>
+            </a:extLst>
+          </p:cNvPr>
+          <p:cNvSpPr txBox="1"/>
+          <p:nvPr/>
+        </p:nvSpPr>
+        <p:spPr>
+          <a:xfrm>
+            <a:off x="683568" y="5940569"/>
+            <a:ext cx="7488832" cy="584775"/>
+          </a:xfrm>
+          <a:prstGeom prst="rect">
+            <a:avLst/>
+          </a:prstGeom>
+          <a:noFill/>
+        </p:spPr>
+        <p:txBody>
+          <a:bodyPr wrap="square">
+            <a:spAutoFit/>
+          </a:bodyPr>
+          <a:lstStyle/>
+          <a:p>
+            <a:r>
+              <a:rPr lang="en-US" altLang="ja-JP" sz="3200"/>
+              <a:t>https://github.com/</a:t>
+            </a:r>
+            <a:r>
+              <a:rPr lang="en-US" altLang="ja-JP" sz="3200">
+                <a:solidFill>
+                  <a:srgbClr val="FF0000"/>
+                </a:solidFill>
+              </a:rPr>
+              <a:t>fujitsu</a:t>
+            </a:r>
+            <a:r>
+              <a:rPr lang="en-US" altLang="ja-JP" sz="3200"/>
+              <a:t>/xbyak_aarch64</a:t>
+            </a:r>
+            <a:endParaRPr lang="ja-JP" altLang="en-US" sz="3200"/>
+          </a:p>
+        </p:txBody>
+      </p:sp>
+      <p:sp>
+        <p:nvSpPr>
+          <p:cNvPr id="8" name="テキスト ボックス 7">
+            <a:extLst>
+              <a:ext uri="{FF2B5EF4-FFF2-40B4-BE49-F238E27FC236}">
+                <a16:creationId xmlns:a16="http://schemas.microsoft.com/office/drawing/2014/main" id="{ECD2C359-F53D-4E5F-96E3-FEC85B503E19}"/>
+              </a:ext>
+            </a:extLst>
+          </p:cNvPr>
+          <p:cNvSpPr txBox="1"/>
+          <p:nvPr/>
+        </p:nvSpPr>
+        <p:spPr>
+          <a:xfrm>
+            <a:off x="251520" y="5292497"/>
+            <a:ext cx="2826415" cy="646331"/>
+          </a:xfrm>
+          <a:prstGeom prst="rect">
+            <a:avLst/>
+          </a:prstGeom>
+          <a:noFill/>
+        </p:spPr>
+        <p:txBody>
+          <a:bodyPr wrap="none" rtlCol="0">
+            <a:spAutoFit/>
+          </a:bodyPr>
+          <a:lstStyle/>
+          <a:p>
+            <a:r>
+              <a:rPr kumimoji="1" lang="en-US" altLang="ja-JP" sz="3600"/>
+              <a:t>Aarch64</a:t>
+            </a:r>
+            <a:r>
+              <a:rPr kumimoji="1" lang="ja-JP" altLang="en-US" sz="3600"/>
+              <a:t>向け</a:t>
+            </a:r>
+          </a:p>
+        </p:txBody>
+      </p:sp>
+      <p:pic>
+        <p:nvPicPr>
+          <p:cNvPr id="1026" name="Picture 2" descr="目の表情のイラスト（斜め上）">
+            <a:extLst>
+              <a:ext uri="{FF2B5EF4-FFF2-40B4-BE49-F238E27FC236}">
+                <a16:creationId xmlns:a16="http://schemas.microsoft.com/office/drawing/2014/main" id="{AE925DBE-43B7-449F-B7B1-2E0E056C7D7F}"/>
+              </a:ext>
+            </a:extLst>
+          </p:cNvPr>
+          <p:cNvPicPr>
+            <a:picLocks noChangeAspect="1" noChangeArrowheads="1"/>
+          </p:cNvPicPr>
+          <p:nvPr/>
+        </p:nvPicPr>
+        <p:blipFill>
+          <a:blip r:embed="rId2">
+            <a:extLst>
+              <a:ext uri="{28A0092B-C50C-407E-A947-70E740481C1C}">
+                <a14:useLocalDpi xmlns:a14="http://schemas.microsoft.com/office/drawing/2010/main" val="0"/>
+              </a:ext>
+            </a:extLst>
+          </a:blip>
+          <a:srcRect/>
+          <a:stretch>
+            <a:fillRect/>
+          </a:stretch>
+        </p:blipFill>
+        <p:spPr bwMode="auto">
+          <a:xfrm flipV="1">
+            <a:off x="5004048" y="5292497"/>
+            <a:ext cx="1137663" cy="597273"/>
+          </a:xfrm>
+          <a:prstGeom prst="rect">
+            <a:avLst/>
+          </a:prstGeom>
+          <a:noFill/>
+          <a:extLst>
+            <a:ext uri="{909E8E84-426E-40DD-AFC4-6F175D3DCCD1}">
+              <a14:hiddenFill xmlns:a14="http://schemas.microsoft.com/office/drawing/2010/main">
+                <a:solidFill>
+                  <a:srgbClr val="FFFFFF"/>
+                </a:solidFill>
+              </a14:hiddenFill>
+            </a:ext>
+          </a:extLst>
+        </p:spPr>
+      </p:pic>
+      <p:cxnSp>
+        <p:nvCxnSpPr>
+          <p:cNvPr id="10" name="直線矢印コネクタ 9">
+            <a:extLst>
+              <a:ext uri="{FF2B5EF4-FFF2-40B4-BE49-F238E27FC236}">
+                <a16:creationId xmlns:a16="http://schemas.microsoft.com/office/drawing/2014/main" id="{5F82DF70-6FB5-4E9E-BDA8-C8827B5C393A}"/>
+              </a:ext>
+            </a:extLst>
+          </p:cNvPr>
+          <p:cNvCxnSpPr>
+            <a:cxnSpLocks/>
+          </p:cNvCxnSpPr>
+          <p:nvPr/>
+        </p:nvCxnSpPr>
+        <p:spPr>
+          <a:xfrm flipH="1">
+            <a:off x="4716016" y="5724545"/>
+            <a:ext cx="360040" cy="288032"/>
+          </a:xfrm>
+          <a:prstGeom prst="straightConnector1">
+            <a:avLst/>
+          </a:prstGeom>
+          <a:ln>
+            <a:solidFill>
+              <a:schemeClr val="tx1"/>
+            </a:solidFill>
+            <a:headEnd type="none" w="med" len="med"/>
+            <a:tailEnd type="triangle"/>
+          </a:ln>
+        </p:spPr>
+        <p:style>
+          <a:lnRef idx="1">
+            <a:schemeClr val="accent1"/>
+          </a:lnRef>
+          <a:fillRef idx="0">
+            <a:schemeClr val="accent1"/>
+          </a:fillRef>
+          <a:effectRef idx="0">
+            <a:schemeClr val="accent1"/>
+          </a:effectRef>
+          <a:fontRef idx="minor">
+            <a:schemeClr val="tx1"/>
+          </a:fontRef>
+        </p:style>
+      </p:cxnSp>
+    </p:spTree>
+    <p:extLst>
+      <p:ext uri="{BB962C8B-B14F-4D97-AF65-F5344CB8AC3E}">
+        <p14:creationId xmlns:p14="http://schemas.microsoft.com/office/powerpoint/2010/main" val="149660619"/>
+      </p:ext>
+    </p:extLst>
+  </p:cSld>
+  <p:clrMapOvr>
+    <a:masterClrMapping/>
+  </p:clrMapOvr>
+</p:sld>
+</file>
+
+<file path=ppt/slides/slide21.xml><?xml version="1.0" encoding="utf-8"?>
+<p:sld xmlns:a="http://schemas.openxmlformats.org/drawingml/2006/main" xmlns:r="http://schemas.openxmlformats.org/officeDocument/2006/relationships" xmlns:p="http://schemas.openxmlformats.org/presentationml/2006/main">
+  <p:cSld>
+    <p:spTree>
+      <p:nvGrpSpPr>
+        <p:cNvPr id="1" name=""/>
+        <p:cNvGrpSpPr/>
+        <p:nvPr/>
+      </p:nvGrpSpPr>
+      <p:grpSpPr>
+        <a:xfrm>
+          <a:off x="0" y="0"/>
+          <a:ext cx="0" cy="0"/>
+          <a:chOff x="0" y="0"/>
+          <a:chExt cx="0" cy="0"/>
+        </a:xfrm>
+      </p:grpSpPr>
+      <p:sp>
+        <p:nvSpPr>
+          <p:cNvPr id="2" name="テキスト プレースホルダー 1">
+            <a:extLst>
+              <a:ext uri="{FF2B5EF4-FFF2-40B4-BE49-F238E27FC236}">
+                <a16:creationId xmlns:a16="http://schemas.microsoft.com/office/drawing/2014/main" id="{D9B69771-D8E5-4D36-B434-10F08B43449E}"/>
+              </a:ext>
+            </a:extLst>
+          </p:cNvPr>
+          <p:cNvSpPr>
+            <a:spLocks noGrp="1"/>
+          </p:cNvSpPr>
+          <p:nvPr>
+            <p:ph type="body" sz="quarter" idx="10"/>
+          </p:nvPr>
+        </p:nvSpPr>
+        <p:spPr/>
+        <p:txBody>
+          <a:bodyPr/>
+          <a:lstStyle/>
+          <a:p>
+            <a:r>
+              <a:rPr kumimoji="1" lang="en-US" altLang="ja-JP"/>
+              <a:t>Xbyak</a:t>
+            </a:r>
+            <a:r>
+              <a:rPr kumimoji="1" lang="ja-JP" altLang="en-US"/>
+              <a:t>の使い方</a:t>
+            </a:r>
+          </a:p>
+        </p:txBody>
+      </p:sp>
+      <p:sp>
+        <p:nvSpPr>
+          <p:cNvPr id="3" name="テキスト ボックス 2">
+            <a:extLst>
+              <a:ext uri="{FF2B5EF4-FFF2-40B4-BE49-F238E27FC236}">
+                <a16:creationId xmlns:a16="http://schemas.microsoft.com/office/drawing/2014/main" id="{B53E9AF2-9F9B-4F1A-824D-0C6228EF5FE7}"/>
+              </a:ext>
+            </a:extLst>
+          </p:cNvPr>
+          <p:cNvSpPr txBox="1"/>
+          <p:nvPr/>
+        </p:nvSpPr>
+        <p:spPr>
+          <a:xfrm>
+            <a:off x="251520" y="1844824"/>
+            <a:ext cx="4034224" cy="2031325"/>
+          </a:xfrm>
+          <a:prstGeom prst="rect">
+            <a:avLst/>
+          </a:prstGeom>
+          <a:noFill/>
+          <a:ln>
+            <a:solidFill>
+              <a:schemeClr val="tx1"/>
+            </a:solidFill>
+          </a:ln>
+        </p:spPr>
+        <p:txBody>
+          <a:bodyPr wrap="square">
+            <a:spAutoFit/>
+          </a:bodyPr>
+          <a:lstStyle/>
+          <a:p>
+            <a:r>
+              <a:rPr lang="ja-JP" altLang="en-US">
+                <a:latin typeface="Consolas" panose="020B0609020204030204" pitchFamily="49" charset="0"/>
+              </a:rPr>
+              <a:t>struct Code : Xbyak_aarch64::CodeGenerator {</a:t>
+            </a:r>
+          </a:p>
+          <a:p>
+            <a:r>
+              <a:rPr lang="ja-JP" altLang="en-US">
+                <a:latin typeface="Consolas" panose="020B0609020204030204" pitchFamily="49" charset="0"/>
+              </a:rPr>
+              <a:t>  Code() {</a:t>
+            </a:r>
+          </a:p>
+          <a:p>
+            <a:r>
+              <a:rPr lang="ja-JP" altLang="en-US">
+                <a:solidFill>
+                  <a:srgbClr val="FF0000"/>
+                </a:solidFill>
+                <a:latin typeface="Consolas" panose="020B0609020204030204" pitchFamily="49" charset="0"/>
+              </a:rPr>
+              <a:t>    mov(w0, 1);</a:t>
+            </a:r>
+          </a:p>
+          <a:p>
+            <a:r>
+              <a:rPr lang="ja-JP" altLang="en-US">
+                <a:solidFill>
+                  <a:srgbClr val="FF0000"/>
+                </a:solidFill>
+                <a:latin typeface="Consolas" panose="020B0609020204030204" pitchFamily="49" charset="0"/>
+              </a:rPr>
+              <a:t>    ret();</a:t>
+            </a:r>
+          </a:p>
+          <a:p>
+            <a:r>
+              <a:rPr lang="ja-JP" altLang="en-US">
+                <a:latin typeface="Consolas" panose="020B0609020204030204" pitchFamily="49" charset="0"/>
+              </a:rPr>
+              <a:t>  }</a:t>
+            </a:r>
+          </a:p>
+          <a:p>
+            <a:r>
+              <a:rPr lang="ja-JP" altLang="en-US">
+                <a:latin typeface="Consolas" panose="020B0609020204030204" pitchFamily="49" charset="0"/>
+              </a:rPr>
+              <a:t>};</a:t>
+            </a:r>
+          </a:p>
+        </p:txBody>
+      </p:sp>
+      <p:sp>
+        <p:nvSpPr>
+          <p:cNvPr id="7" name="テキスト ボックス 6">
+            <a:extLst>
+              <a:ext uri="{FF2B5EF4-FFF2-40B4-BE49-F238E27FC236}">
+                <a16:creationId xmlns:a16="http://schemas.microsoft.com/office/drawing/2014/main" id="{2263A582-7E5A-403E-BAF0-370D182B8EBC}"/>
+              </a:ext>
+            </a:extLst>
+          </p:cNvPr>
+          <p:cNvSpPr txBox="1"/>
+          <p:nvPr/>
+        </p:nvSpPr>
+        <p:spPr>
+          <a:xfrm>
+            <a:off x="251520" y="4869160"/>
+            <a:ext cx="4587240" cy="1754326"/>
+          </a:xfrm>
+          <a:prstGeom prst="rect">
+            <a:avLst/>
+          </a:prstGeom>
+          <a:noFill/>
+          <a:ln>
+            <a:solidFill>
+              <a:schemeClr val="tx1"/>
+            </a:solidFill>
+          </a:ln>
+        </p:spPr>
+        <p:txBody>
+          <a:bodyPr wrap="square">
+            <a:spAutoFit/>
+          </a:bodyPr>
+          <a:lstStyle/>
+          <a:p>
+            <a:r>
+              <a:rPr lang="en-US" altLang="ja-JP">
+                <a:latin typeface="Consolas" panose="020B0609020204030204" pitchFamily="49" charset="0"/>
+              </a:rPr>
+              <a:t>int main() {</a:t>
+            </a:r>
+          </a:p>
+          <a:p>
+            <a:r>
+              <a:rPr lang="en-US" altLang="ja-JP">
+                <a:latin typeface="Consolas" panose="020B0609020204030204" pitchFamily="49" charset="0"/>
+              </a:rPr>
+              <a:t>  </a:t>
+            </a:r>
+            <a:r>
+              <a:rPr lang="en-US" altLang="ja-JP">
+                <a:solidFill>
+                  <a:srgbClr val="FF0000"/>
+                </a:solidFill>
+                <a:latin typeface="Consolas" panose="020B0609020204030204" pitchFamily="49" charset="0"/>
+              </a:rPr>
+              <a:t>Code c</a:t>
+            </a:r>
+            <a:r>
+              <a:rPr lang="en-US" altLang="ja-JP">
+                <a:latin typeface="Consolas" panose="020B0609020204030204" pitchFamily="49" charset="0"/>
+              </a:rPr>
+              <a:t>;</a:t>
+            </a:r>
+          </a:p>
+          <a:p>
+            <a:r>
+              <a:rPr lang="en-US" altLang="ja-JP">
+                <a:latin typeface="Consolas" panose="020B0609020204030204" pitchFamily="49" charset="0"/>
+              </a:rPr>
+              <a:t>  auto </a:t>
+            </a:r>
+            <a:r>
+              <a:rPr lang="en-US" altLang="ja-JP">
+                <a:solidFill>
+                  <a:srgbClr val="FF0000"/>
+                </a:solidFill>
+                <a:latin typeface="Consolas" panose="020B0609020204030204" pitchFamily="49" charset="0"/>
+              </a:rPr>
+              <a:t>f</a:t>
+            </a:r>
+            <a:r>
+              <a:rPr lang="en-US" altLang="ja-JP">
+                <a:latin typeface="Consolas" panose="020B0609020204030204" pitchFamily="49" charset="0"/>
+              </a:rPr>
+              <a:t> = c.</a:t>
+            </a:r>
+            <a:r>
+              <a:rPr lang="en-US" altLang="ja-JP">
+                <a:solidFill>
+                  <a:srgbClr val="FF0000"/>
+                </a:solidFill>
+                <a:latin typeface="Consolas" panose="020B0609020204030204" pitchFamily="49" charset="0"/>
+              </a:rPr>
+              <a:t>getCode</a:t>
+            </a:r>
+            <a:r>
+              <a:rPr lang="en-US" altLang="ja-JP">
+                <a:latin typeface="Consolas" panose="020B0609020204030204" pitchFamily="49" charset="0"/>
+              </a:rPr>
+              <a:t>&lt;</a:t>
+            </a:r>
+            <a:r>
+              <a:rPr lang="en-US" altLang="ja-JP">
+                <a:solidFill>
+                  <a:srgbClr val="011893"/>
+                </a:solidFill>
+                <a:latin typeface="Consolas" panose="020B0609020204030204" pitchFamily="49" charset="0"/>
+              </a:rPr>
+              <a:t>int (*)()&gt;</a:t>
+            </a:r>
+            <a:r>
+              <a:rPr lang="en-US" altLang="ja-JP">
+                <a:latin typeface="Consolas" panose="020B0609020204030204" pitchFamily="49" charset="0"/>
+              </a:rPr>
+              <a:t>();</a:t>
+            </a:r>
+          </a:p>
+          <a:p>
+            <a:r>
+              <a:rPr lang="en-US" altLang="ja-JP">
+                <a:latin typeface="Consolas" panose="020B0609020204030204" pitchFamily="49" charset="0"/>
+              </a:rPr>
+              <a:t>  c.ready();</a:t>
+            </a:r>
+          </a:p>
+          <a:p>
+            <a:r>
+              <a:rPr lang="en-US" altLang="ja-JP">
+                <a:latin typeface="Consolas" panose="020B0609020204030204" pitchFamily="49" charset="0"/>
+              </a:rPr>
+              <a:t>  printf("%d\n",</a:t>
+            </a:r>
+            <a:r>
+              <a:rPr lang="en-US" altLang="ja-JP">
+                <a:solidFill>
+                  <a:srgbClr val="FF0000"/>
+                </a:solidFill>
+                <a:latin typeface="Consolas" panose="020B0609020204030204" pitchFamily="49" charset="0"/>
+              </a:rPr>
+              <a:t>f()</a:t>
+            </a:r>
+            <a:r>
+              <a:rPr lang="en-US" altLang="ja-JP">
+                <a:latin typeface="Consolas" panose="020B0609020204030204" pitchFamily="49" charset="0"/>
+              </a:rPr>
+              <a:t>);</a:t>
+            </a:r>
+          </a:p>
+          <a:p>
+            <a:r>
+              <a:rPr lang="en-US" altLang="ja-JP">
+                <a:latin typeface="Consolas" panose="020B0609020204030204" pitchFamily="49" charset="0"/>
+              </a:rPr>
+              <a:t>}</a:t>
+            </a:r>
+            <a:endParaRPr lang="ja-JP" altLang="en-US">
+              <a:latin typeface="Consolas" panose="020B0609020204030204" pitchFamily="49" charset="0"/>
+            </a:endParaRPr>
+          </a:p>
+        </p:txBody>
+      </p:sp>
+      <p:sp>
+        <p:nvSpPr>
+          <p:cNvPr id="9" name="テキスト ボックス 8">
+            <a:extLst>
+              <a:ext uri="{FF2B5EF4-FFF2-40B4-BE49-F238E27FC236}">
+                <a16:creationId xmlns:a16="http://schemas.microsoft.com/office/drawing/2014/main" id="{98864B34-4C0B-4012-B8B2-62EDD265F68E}"/>
+              </a:ext>
+            </a:extLst>
+          </p:cNvPr>
+          <p:cNvSpPr txBox="1"/>
+          <p:nvPr/>
+        </p:nvSpPr>
+        <p:spPr>
+          <a:xfrm>
+            <a:off x="251520" y="980728"/>
+            <a:ext cx="7272808" cy="707886"/>
+          </a:xfrm>
+          <a:prstGeom prst="rect">
+            <a:avLst/>
+          </a:prstGeom>
+          <a:noFill/>
+        </p:spPr>
+        <p:txBody>
+          <a:bodyPr wrap="square" rtlCol="0">
+            <a:spAutoFit/>
+          </a:bodyPr>
+          <a:lstStyle/>
+          <a:p>
+            <a:r>
+              <a:rPr lang="en-US" altLang="ja-JP" sz="2000"/>
+              <a:t>Xbyak_aarch64::CodeGenerator</a:t>
+            </a:r>
+            <a:r>
+              <a:rPr lang="ja-JP" altLang="en-US" sz="2000"/>
+              <a:t>を継承し、コンストラクタに</a:t>
+            </a:r>
+            <a:r>
+              <a:rPr kumimoji="1" lang="ja-JP" altLang="en-US" sz="2000"/>
+              <a:t>アセンブリに対応</a:t>
+            </a:r>
+            <a:r>
+              <a:rPr lang="ja-JP" altLang="en-US" sz="2000"/>
+              <a:t>したコードを並べておく</a:t>
+            </a:r>
+            <a:endParaRPr kumimoji="1" lang="ja-JP" altLang="en-US" sz="2000"/>
+          </a:p>
+        </p:txBody>
+      </p:sp>
+      <p:sp>
+        <p:nvSpPr>
+          <p:cNvPr id="10" name="テキスト ボックス 9">
+            <a:extLst>
+              <a:ext uri="{FF2B5EF4-FFF2-40B4-BE49-F238E27FC236}">
+                <a16:creationId xmlns:a16="http://schemas.microsoft.com/office/drawing/2014/main" id="{5FD2EE93-D820-4C85-A4C4-133461F54178}"/>
+              </a:ext>
+            </a:extLst>
+          </p:cNvPr>
+          <p:cNvSpPr txBox="1"/>
+          <p:nvPr/>
+        </p:nvSpPr>
+        <p:spPr>
+          <a:xfrm>
+            <a:off x="323528" y="4149080"/>
+            <a:ext cx="7340471" cy="646331"/>
+          </a:xfrm>
+          <a:prstGeom prst="rect">
+            <a:avLst/>
+          </a:prstGeom>
+          <a:noFill/>
+        </p:spPr>
+        <p:txBody>
+          <a:bodyPr wrap="none" rtlCol="0">
+            <a:spAutoFit/>
+          </a:bodyPr>
+          <a:lstStyle/>
+          <a:p>
+            <a:r>
+              <a:rPr lang="ja-JP" altLang="en-US"/>
+              <a:t>テンプレートに関数のシグネチャを指定して関数へのポインタを取得</a:t>
+            </a:r>
+            <a:endParaRPr lang="en-US" altLang="ja-JP"/>
+          </a:p>
+          <a:p>
+            <a:r>
+              <a:rPr kumimoji="1" lang="ja-JP" altLang="en-US"/>
+              <a:t>そ</a:t>
+            </a:r>
+            <a:r>
+              <a:rPr lang="ja-JP" altLang="en-US"/>
+              <a:t>の関数を呼び出す</a:t>
+            </a:r>
+            <a:endParaRPr kumimoji="1" lang="ja-JP" altLang="en-US"/>
+          </a:p>
+        </p:txBody>
+      </p:sp>
+    </p:spTree>
+    <p:extLst>
+      <p:ext uri="{BB962C8B-B14F-4D97-AF65-F5344CB8AC3E}">
+        <p14:creationId xmlns:p14="http://schemas.microsoft.com/office/powerpoint/2010/main" val="1545706289"/>
+      </p:ext>
+    </p:extLst>
+  </p:cSld>
+  <p:clrMapOvr>
+    <a:masterClrMapping/>
+  </p:clrMapOvr>
+</p:sld>
+</file>
+
+<file path=ppt/slides/slide22.xml><?xml version="1.0" encoding="utf-8"?>
+<p:sld xmlns:a="http://schemas.openxmlformats.org/drawingml/2006/main" xmlns:r="http://schemas.openxmlformats.org/officeDocument/2006/relationships" xmlns:p="http://schemas.openxmlformats.org/presentationml/2006/main">
+  <p:cSld>
+    <p:spTree>
+      <p:nvGrpSpPr>
+        <p:cNvPr id="1" name=""/>
+        <p:cNvGrpSpPr/>
+        <p:nvPr/>
+      </p:nvGrpSpPr>
+      <p:grpSpPr>
+        <a:xfrm>
+          <a:off x="0" y="0"/>
+          <a:ext cx="0" cy="0"/>
+          <a:chOff x="0" y="0"/>
+          <a:chExt cx="0" cy="0"/>
+        </a:xfrm>
+      </p:grpSpPr>
+      <p:sp>
+        <p:nvSpPr>
+          <p:cNvPr id="2" name="テキスト プレースホルダー 1">
+            <a:extLst>
+              <a:ext uri="{FF2B5EF4-FFF2-40B4-BE49-F238E27FC236}">
+                <a16:creationId xmlns:a16="http://schemas.microsoft.com/office/drawing/2014/main" id="{B6ED1E33-EC59-45F0-A657-D500C3553A00}"/>
+              </a:ext>
+            </a:extLst>
+          </p:cNvPr>
+          <p:cNvSpPr>
+            <a:spLocks noGrp="1"/>
+          </p:cNvSpPr>
+          <p:nvPr>
+            <p:ph type="body" sz="quarter" idx="10"/>
+          </p:nvPr>
+        </p:nvSpPr>
+        <p:spPr/>
+        <p:txBody>
+          <a:bodyPr/>
+          <a:lstStyle/>
+          <a:p>
+            <a:r>
+              <a:rPr kumimoji="1" lang="en-US" altLang="ja-JP"/>
+              <a:t>Xbyak</a:t>
+            </a:r>
+            <a:r>
+              <a:rPr lang="ja-JP" altLang="en-US"/>
+              <a:t>の動作原理</a:t>
+            </a:r>
+            <a:endParaRPr kumimoji="1" lang="ja-JP" altLang="en-US"/>
+          </a:p>
+        </p:txBody>
+      </p:sp>
+      <p:sp>
+        <p:nvSpPr>
+          <p:cNvPr id="3" name="テキスト ボックス 2">
+            <a:extLst>
+              <a:ext uri="{FF2B5EF4-FFF2-40B4-BE49-F238E27FC236}">
+                <a16:creationId xmlns:a16="http://schemas.microsoft.com/office/drawing/2014/main" id="{1AB1CE05-6BA9-4E47-87D3-27EFDF4C9372}"/>
+              </a:ext>
+            </a:extLst>
+          </p:cNvPr>
+          <p:cNvSpPr txBox="1"/>
+          <p:nvPr/>
+        </p:nvSpPr>
+        <p:spPr>
+          <a:xfrm>
+            <a:off x="179512" y="980728"/>
+            <a:ext cx="8186857" cy="461665"/>
+          </a:xfrm>
+          <a:prstGeom prst="rect">
+            <a:avLst/>
+          </a:prstGeom>
+          <a:noFill/>
+        </p:spPr>
+        <p:txBody>
+          <a:bodyPr wrap="none" rtlCol="0">
+            <a:spAutoFit/>
+          </a:bodyPr>
+          <a:lstStyle/>
+          <a:p>
+            <a:r>
+              <a:rPr kumimoji="1" lang="ja-JP" altLang="en-US" sz="2400">
+                <a:solidFill>
+                  <a:srgbClr val="FF0000"/>
+                </a:solidFill>
+              </a:rPr>
+              <a:t>実行時に</a:t>
+            </a:r>
+            <a:r>
+              <a:rPr kumimoji="1" lang="ja-JP" altLang="en-US" sz="2400"/>
+              <a:t>メモリを確保して、そこに</a:t>
+            </a:r>
+            <a:r>
+              <a:rPr lang="ja-JP" altLang="en-US" sz="2400">
+                <a:solidFill>
+                  <a:srgbClr val="FF0000"/>
+                </a:solidFill>
+              </a:rPr>
+              <a:t>実行時</a:t>
+            </a:r>
+            <a:r>
+              <a:rPr kumimoji="1" lang="ja-JP" altLang="en-US" sz="2400">
+                <a:solidFill>
+                  <a:srgbClr val="FF0000"/>
+                </a:solidFill>
+              </a:rPr>
+              <a:t>に</a:t>
+            </a:r>
+            <a:r>
+              <a:rPr kumimoji="1" lang="ja-JP" altLang="en-US" sz="2400"/>
+              <a:t>命令を並べる</a:t>
+            </a:r>
+          </a:p>
+        </p:txBody>
+      </p:sp>
+      <p:sp>
+        <p:nvSpPr>
+          <p:cNvPr id="5" name="テキスト ボックス 4">
+            <a:extLst>
+              <a:ext uri="{FF2B5EF4-FFF2-40B4-BE49-F238E27FC236}">
+                <a16:creationId xmlns:a16="http://schemas.microsoft.com/office/drawing/2014/main" id="{46ACC0FB-C120-4049-9FC8-621FB3F4C3A9}"/>
+              </a:ext>
+            </a:extLst>
+          </p:cNvPr>
+          <p:cNvSpPr txBox="1"/>
+          <p:nvPr/>
+        </p:nvSpPr>
+        <p:spPr>
+          <a:xfrm>
+            <a:off x="323528" y="1484784"/>
+            <a:ext cx="4034224" cy="2031325"/>
+          </a:xfrm>
+          <a:prstGeom prst="rect">
+            <a:avLst/>
+          </a:prstGeom>
+          <a:noFill/>
+          <a:ln>
+            <a:solidFill>
+              <a:schemeClr val="tx1"/>
+            </a:solidFill>
+          </a:ln>
+        </p:spPr>
+        <p:txBody>
+          <a:bodyPr wrap="square">
+            <a:spAutoFit/>
+          </a:bodyPr>
+          <a:lstStyle/>
+          <a:p>
+            <a:r>
+              <a:rPr lang="ja-JP" altLang="en-US">
+                <a:latin typeface="Consolas" panose="020B0609020204030204" pitchFamily="49" charset="0"/>
+              </a:rPr>
+              <a:t>struct Code : Xbyak_aarch64::CodeGenerator {</a:t>
+            </a:r>
+          </a:p>
+          <a:p>
+            <a:r>
+              <a:rPr lang="ja-JP" altLang="en-US">
+                <a:latin typeface="Consolas" panose="020B0609020204030204" pitchFamily="49" charset="0"/>
+              </a:rPr>
+              <a:t>  Code() {</a:t>
+            </a:r>
+          </a:p>
+          <a:p>
+            <a:r>
+              <a:rPr lang="ja-JP" altLang="en-US">
+                <a:solidFill>
+                  <a:srgbClr val="FF0000"/>
+                </a:solidFill>
+                <a:latin typeface="Consolas" panose="020B0609020204030204" pitchFamily="49" charset="0"/>
+              </a:rPr>
+              <a:t>    mov(w0, 1);</a:t>
+            </a:r>
+          </a:p>
+          <a:p>
+            <a:r>
+              <a:rPr lang="ja-JP" altLang="en-US">
+                <a:solidFill>
+                  <a:srgbClr val="FF0000"/>
+                </a:solidFill>
+                <a:latin typeface="Consolas" panose="020B0609020204030204" pitchFamily="49" charset="0"/>
+              </a:rPr>
+              <a:t>    ret();</a:t>
+            </a:r>
+          </a:p>
+          <a:p>
+            <a:r>
+              <a:rPr lang="ja-JP" altLang="en-US">
+                <a:latin typeface="Consolas" panose="020B0609020204030204" pitchFamily="49" charset="0"/>
+              </a:rPr>
+              <a:t>  }</a:t>
+            </a:r>
+          </a:p>
+          <a:p>
+            <a:r>
+              <a:rPr lang="ja-JP" altLang="en-US">
+                <a:latin typeface="Consolas" panose="020B0609020204030204" pitchFamily="49" charset="0"/>
+              </a:rPr>
+              <a:t>};</a:t>
+            </a:r>
+          </a:p>
+        </p:txBody>
+      </p:sp>
+      <p:sp>
+        <p:nvSpPr>
+          <p:cNvPr id="6" name="テキスト ボックス 5">
+            <a:extLst>
+              <a:ext uri="{FF2B5EF4-FFF2-40B4-BE49-F238E27FC236}">
+                <a16:creationId xmlns:a16="http://schemas.microsoft.com/office/drawing/2014/main" id="{B46E0417-9ABA-47F3-B8EA-0E990F330C61}"/>
+              </a:ext>
+            </a:extLst>
+          </p:cNvPr>
+          <p:cNvSpPr txBox="1"/>
+          <p:nvPr/>
+        </p:nvSpPr>
+        <p:spPr>
+          <a:xfrm>
+            <a:off x="6012160" y="1628800"/>
+            <a:ext cx="2550698" cy="1384995"/>
+          </a:xfrm>
+          <a:prstGeom prst="rect">
+            <a:avLst/>
+          </a:prstGeom>
+          <a:noFill/>
+          <a:ln>
+            <a:solidFill>
+              <a:schemeClr val="tx1"/>
+            </a:solidFill>
+          </a:ln>
+        </p:spPr>
+        <p:txBody>
+          <a:bodyPr wrap="none" rtlCol="0">
+            <a:spAutoFit/>
+          </a:bodyPr>
+          <a:lstStyle/>
+          <a:p>
+            <a:r>
+              <a:rPr kumimoji="1" lang="en-US" altLang="ja-JP" sz="2800">
+                <a:latin typeface="Consolas" panose="020B0609020204030204" pitchFamily="49" charset="0"/>
+              </a:rPr>
+              <a:t>f:</a:t>
+            </a:r>
+          </a:p>
+          <a:p>
+            <a:r>
+              <a:rPr lang="en-US" altLang="ja-JP" sz="2800">
+                <a:latin typeface="Consolas" panose="020B0609020204030204" pitchFamily="49" charset="0"/>
+              </a:rPr>
+              <a:t>   mov w0, 1</a:t>
+            </a:r>
+          </a:p>
+          <a:p>
+            <a:r>
+              <a:rPr kumimoji="1" lang="en-US" altLang="ja-JP" sz="2800">
+                <a:latin typeface="Consolas" panose="020B0609020204030204" pitchFamily="49" charset="0"/>
+              </a:rPr>
+              <a:t>   ret</a:t>
+            </a:r>
+            <a:endParaRPr kumimoji="1" lang="ja-JP" altLang="en-US" sz="2800">
+              <a:latin typeface="Consolas" panose="020B0609020204030204" pitchFamily="49" charset="0"/>
+            </a:endParaRPr>
+          </a:p>
+        </p:txBody>
+      </p:sp>
+      <p:sp>
+        <p:nvSpPr>
+          <p:cNvPr id="7" name="テキスト ボックス 6">
+            <a:extLst>
+              <a:ext uri="{FF2B5EF4-FFF2-40B4-BE49-F238E27FC236}">
+                <a16:creationId xmlns:a16="http://schemas.microsoft.com/office/drawing/2014/main" id="{FE0C0F0A-6C53-443E-ABE5-EA95468E43F3}"/>
+              </a:ext>
+            </a:extLst>
+          </p:cNvPr>
+          <p:cNvSpPr txBox="1"/>
+          <p:nvPr/>
+        </p:nvSpPr>
+        <p:spPr>
+          <a:xfrm>
+            <a:off x="251520" y="4653136"/>
+            <a:ext cx="4587240" cy="1754326"/>
+          </a:xfrm>
+          <a:prstGeom prst="rect">
+            <a:avLst/>
+          </a:prstGeom>
+          <a:noFill/>
+          <a:ln>
+            <a:solidFill>
+              <a:schemeClr val="tx1"/>
+            </a:solidFill>
+          </a:ln>
+        </p:spPr>
+        <p:txBody>
+          <a:bodyPr wrap="square">
+            <a:spAutoFit/>
+          </a:bodyPr>
+          <a:lstStyle/>
+          <a:p>
+            <a:r>
+              <a:rPr lang="en-US" altLang="ja-JP">
+                <a:latin typeface="Consolas" panose="020B0609020204030204" pitchFamily="49" charset="0"/>
+              </a:rPr>
+              <a:t>int main() {</a:t>
+            </a:r>
+          </a:p>
+          <a:p>
+            <a:r>
+              <a:rPr lang="en-US" altLang="ja-JP">
+                <a:latin typeface="Consolas" panose="020B0609020204030204" pitchFamily="49" charset="0"/>
+              </a:rPr>
+              <a:t>  </a:t>
+            </a:r>
+            <a:r>
+              <a:rPr lang="en-US" altLang="ja-JP">
+                <a:solidFill>
+                  <a:srgbClr val="FF0000"/>
+                </a:solidFill>
+                <a:latin typeface="Consolas" panose="020B0609020204030204" pitchFamily="49" charset="0"/>
+              </a:rPr>
+              <a:t>Code c</a:t>
+            </a:r>
+            <a:r>
+              <a:rPr lang="en-US" altLang="ja-JP">
+                <a:latin typeface="Consolas" panose="020B0609020204030204" pitchFamily="49" charset="0"/>
+              </a:rPr>
+              <a:t>;</a:t>
+            </a:r>
+          </a:p>
+          <a:p>
+            <a:r>
+              <a:rPr lang="en-US" altLang="ja-JP">
+                <a:latin typeface="Consolas" panose="020B0609020204030204" pitchFamily="49" charset="0"/>
+              </a:rPr>
+              <a:t>  auto </a:t>
+            </a:r>
+            <a:r>
+              <a:rPr lang="en-US" altLang="ja-JP">
+                <a:solidFill>
+                  <a:srgbClr val="FF0000"/>
+                </a:solidFill>
+                <a:latin typeface="Consolas" panose="020B0609020204030204" pitchFamily="49" charset="0"/>
+              </a:rPr>
+              <a:t>f</a:t>
+            </a:r>
+            <a:r>
+              <a:rPr lang="en-US" altLang="ja-JP">
+                <a:latin typeface="Consolas" panose="020B0609020204030204" pitchFamily="49" charset="0"/>
+              </a:rPr>
+              <a:t> = c.</a:t>
+            </a:r>
+            <a:r>
+              <a:rPr lang="en-US" altLang="ja-JP">
+                <a:solidFill>
+                  <a:srgbClr val="FF0000"/>
+                </a:solidFill>
+                <a:latin typeface="Consolas" panose="020B0609020204030204" pitchFamily="49" charset="0"/>
+              </a:rPr>
+              <a:t>getCode</a:t>
+            </a:r>
+            <a:r>
+              <a:rPr lang="en-US" altLang="ja-JP">
+                <a:latin typeface="Consolas" panose="020B0609020204030204" pitchFamily="49" charset="0"/>
+              </a:rPr>
+              <a:t>&lt;</a:t>
+            </a:r>
+            <a:r>
+              <a:rPr lang="en-US" altLang="ja-JP">
+                <a:solidFill>
+                  <a:srgbClr val="011893"/>
+                </a:solidFill>
+                <a:latin typeface="Consolas" panose="020B0609020204030204" pitchFamily="49" charset="0"/>
+              </a:rPr>
+              <a:t>int (*)()&gt;</a:t>
+            </a:r>
+            <a:r>
+              <a:rPr lang="en-US" altLang="ja-JP">
+                <a:latin typeface="Consolas" panose="020B0609020204030204" pitchFamily="49" charset="0"/>
+              </a:rPr>
+              <a:t>();</a:t>
+            </a:r>
+          </a:p>
+          <a:p>
+            <a:r>
+              <a:rPr lang="en-US" altLang="ja-JP">
+                <a:latin typeface="Consolas" panose="020B0609020204030204" pitchFamily="49" charset="0"/>
+              </a:rPr>
+              <a:t>  c.ready();</a:t>
+            </a:r>
+          </a:p>
+          <a:p>
+            <a:r>
+              <a:rPr lang="en-US" altLang="ja-JP">
+                <a:latin typeface="Consolas" panose="020B0609020204030204" pitchFamily="49" charset="0"/>
+              </a:rPr>
+              <a:t>  printf("%d\n",</a:t>
+            </a:r>
+            <a:r>
+              <a:rPr lang="en-US" altLang="ja-JP">
+                <a:solidFill>
+                  <a:srgbClr val="FF0000"/>
+                </a:solidFill>
+                <a:latin typeface="Consolas" panose="020B0609020204030204" pitchFamily="49" charset="0"/>
+              </a:rPr>
+              <a:t>f()</a:t>
+            </a:r>
+            <a:r>
+              <a:rPr lang="en-US" altLang="ja-JP">
+                <a:latin typeface="Consolas" panose="020B0609020204030204" pitchFamily="49" charset="0"/>
+              </a:rPr>
+              <a:t>);</a:t>
+            </a:r>
+          </a:p>
+          <a:p>
+            <a:r>
+              <a:rPr lang="en-US" altLang="ja-JP">
+                <a:latin typeface="Consolas" panose="020B0609020204030204" pitchFamily="49" charset="0"/>
+              </a:rPr>
+              <a:t>}</a:t>
+            </a:r>
+            <a:endParaRPr lang="ja-JP" altLang="en-US">
+              <a:latin typeface="Consolas" panose="020B0609020204030204" pitchFamily="49" charset="0"/>
+            </a:endParaRPr>
+          </a:p>
+        </p:txBody>
+      </p:sp>
+      <p:sp>
+        <p:nvSpPr>
+          <p:cNvPr id="9" name="楕円 8">
+            <a:extLst>
+              <a:ext uri="{FF2B5EF4-FFF2-40B4-BE49-F238E27FC236}">
+                <a16:creationId xmlns:a16="http://schemas.microsoft.com/office/drawing/2014/main" id="{F01E6065-CD99-4B98-9840-3DA080D31F91}"/>
+              </a:ext>
+            </a:extLst>
+          </p:cNvPr>
+          <p:cNvSpPr/>
+          <p:nvPr/>
+        </p:nvSpPr>
+        <p:spPr>
+          <a:xfrm>
+            <a:off x="5940152" y="1827463"/>
+            <a:ext cx="144016" cy="158418"/>
+          </a:xfrm>
+          <a:prstGeom prst="ellipse">
+            <a:avLst/>
+          </a:prstGeom>
+          <a:solidFill>
+            <a:srgbClr val="FF0000"/>
+          </a:solidFill>
+          <a:ln>
+            <a:solidFill>
+              <a:schemeClr val="tx1"/>
+            </a:solidFill>
+          </a:ln>
+        </p:spPr>
+        <p:style>
+          <a:lnRef idx="2">
+            <a:schemeClr val="accent1">
+              <a:shade val="50000"/>
+            </a:schemeClr>
+          </a:lnRef>
+          <a:fillRef idx="1">
+            <a:schemeClr val="accent1"/>
+          </a:fillRef>
+          <a:effectRef idx="0">
+            <a:schemeClr val="accent1"/>
+          </a:effectRef>
+          <a:fontRef idx="minor">
+            <a:schemeClr val="lt1"/>
+          </a:fontRef>
+        </p:style>
+        <p:txBody>
+          <a:bodyPr rtlCol="0" anchor="ctr"/>
+          <a:lstStyle/>
+          <a:p>
+            <a:pPr algn="ctr"/>
+            <a:endParaRPr kumimoji="1" lang="ja-JP" altLang="en-US">
+              <a:solidFill>
+                <a:schemeClr val="tx1"/>
+              </a:solidFill>
+            </a:endParaRPr>
+          </a:p>
+        </p:txBody>
+      </p:sp>
+      <p:sp>
+        <p:nvSpPr>
+          <p:cNvPr id="10" name="楕円 9">
+            <a:extLst>
+              <a:ext uri="{FF2B5EF4-FFF2-40B4-BE49-F238E27FC236}">
+                <a16:creationId xmlns:a16="http://schemas.microsoft.com/office/drawing/2014/main" id="{563C0CDF-FE6A-4A6D-A5F4-4C4AE7B9461E}"/>
+              </a:ext>
+            </a:extLst>
+          </p:cNvPr>
+          <p:cNvSpPr/>
+          <p:nvPr/>
+        </p:nvSpPr>
+        <p:spPr>
+          <a:xfrm>
+            <a:off x="2843808" y="5852710"/>
+            <a:ext cx="144016" cy="158418"/>
+          </a:xfrm>
+          <a:prstGeom prst="ellipse">
+            <a:avLst/>
+          </a:prstGeom>
+          <a:solidFill>
+            <a:srgbClr val="FF0000"/>
+          </a:solidFill>
+          <a:ln>
+            <a:solidFill>
+              <a:schemeClr val="tx1"/>
+            </a:solidFill>
+          </a:ln>
+        </p:spPr>
+        <p:style>
+          <a:lnRef idx="2">
+            <a:schemeClr val="accent1">
+              <a:shade val="50000"/>
+            </a:schemeClr>
+          </a:lnRef>
+          <a:fillRef idx="1">
+            <a:schemeClr val="accent1"/>
+          </a:fillRef>
+          <a:effectRef idx="0">
+            <a:schemeClr val="accent1"/>
+          </a:effectRef>
+          <a:fontRef idx="minor">
+            <a:schemeClr val="lt1"/>
+          </a:fontRef>
+        </p:style>
+        <p:txBody>
+          <a:bodyPr rtlCol="0" anchor="ctr"/>
+          <a:lstStyle/>
+          <a:p>
+            <a:pPr algn="ctr"/>
+            <a:endParaRPr kumimoji="1" lang="ja-JP" altLang="en-US">
+              <a:solidFill>
+                <a:schemeClr val="tx1"/>
+              </a:solidFill>
+            </a:endParaRPr>
+          </a:p>
+        </p:txBody>
+      </p:sp>
+      <p:cxnSp>
+        <p:nvCxnSpPr>
+          <p:cNvPr id="12" name="コネクタ: カギ線 11">
+            <a:extLst>
+              <a:ext uri="{FF2B5EF4-FFF2-40B4-BE49-F238E27FC236}">
+                <a16:creationId xmlns:a16="http://schemas.microsoft.com/office/drawing/2014/main" id="{95D8670B-F092-4E74-891A-73E3944200B6}"/>
+              </a:ext>
+            </a:extLst>
+          </p:cNvPr>
+          <p:cNvCxnSpPr>
+            <a:cxnSpLocks/>
+            <a:stCxn id="10" idx="6"/>
+            <a:endCxn id="9" idx="2"/>
+          </p:cNvCxnSpPr>
+          <p:nvPr/>
+        </p:nvCxnSpPr>
+        <p:spPr>
+          <a:xfrm flipV="1">
+            <a:off x="2987824" y="1906672"/>
+            <a:ext cx="2952328" cy="4025247"/>
+          </a:xfrm>
+          <a:prstGeom prst="bentConnector3">
+            <a:avLst>
+              <a:gd name="adj1" fmla="val 71681"/>
+            </a:avLst>
+          </a:prstGeom>
+          <a:ln w="19050">
+            <a:solidFill>
+              <a:srgbClr val="FF0000"/>
+            </a:solidFill>
+            <a:headEnd type="none" w="med" len="med"/>
+            <a:tailEnd type="triangle"/>
+          </a:ln>
+        </p:spPr>
+        <p:style>
+          <a:lnRef idx="1">
+            <a:schemeClr val="accent1"/>
+          </a:lnRef>
+          <a:fillRef idx="0">
+            <a:schemeClr val="accent1"/>
+          </a:fillRef>
+          <a:effectRef idx="0">
+            <a:schemeClr val="accent1"/>
+          </a:effectRef>
+          <a:fontRef idx="minor">
+            <a:schemeClr val="tx1"/>
+          </a:fontRef>
+        </p:style>
+      </p:cxnSp>
+      <p:sp>
+        <p:nvSpPr>
+          <p:cNvPr id="8" name="テキスト ボックス 7">
+            <a:extLst>
+              <a:ext uri="{FF2B5EF4-FFF2-40B4-BE49-F238E27FC236}">
+                <a16:creationId xmlns:a16="http://schemas.microsoft.com/office/drawing/2014/main" id="{6592DECA-9F9A-4D11-A7E3-C9BF03882DF1}"/>
+              </a:ext>
+            </a:extLst>
+          </p:cNvPr>
+          <p:cNvSpPr txBox="1"/>
+          <p:nvPr/>
+        </p:nvSpPr>
+        <p:spPr>
+          <a:xfrm>
+            <a:off x="323528" y="3645024"/>
+            <a:ext cx="6340197" cy="830997"/>
+          </a:xfrm>
+          <a:prstGeom prst="rect">
+            <a:avLst/>
+          </a:prstGeom>
+          <a:noFill/>
+        </p:spPr>
+        <p:txBody>
+          <a:bodyPr wrap="none" rtlCol="0">
+            <a:spAutoFit/>
+          </a:bodyPr>
+          <a:lstStyle/>
+          <a:p>
+            <a:r>
+              <a:rPr lang="ja-JP" altLang="en-US" sz="2400">
+                <a:solidFill>
+                  <a:srgbClr val="FF0000"/>
+                </a:solidFill>
+              </a:rPr>
+              <a:t>その領域に実行権限をつけ</a:t>
+            </a:r>
+            <a:r>
+              <a:rPr lang="ja-JP" altLang="en-US" sz="2400"/>
+              <a:t>、先頭アドレスを</a:t>
+            </a:r>
+            <a:endParaRPr lang="en-US" altLang="ja-JP" sz="2400"/>
+          </a:p>
+          <a:p>
+            <a:r>
+              <a:rPr lang="ja-JP" altLang="en-US" sz="2400"/>
+              <a:t>呼び出すことで関数として使う</a:t>
+            </a:r>
+            <a:endParaRPr kumimoji="1" lang="ja-JP" altLang="en-US" sz="2400"/>
+          </a:p>
+        </p:txBody>
+      </p:sp>
+    </p:spTree>
+    <p:extLst>
+      <p:ext uri="{BB962C8B-B14F-4D97-AF65-F5344CB8AC3E}">
+        <p14:creationId xmlns:p14="http://schemas.microsoft.com/office/powerpoint/2010/main" val="90936892"/>
+      </p:ext>
+    </p:extLst>
+  </p:cSld>
+  <p:clrMapOvr>
+    <a:masterClrMapping/>
+  </p:clrMapOvr>
+</p:sld>
+</file>
+
+<file path=ppt/slides/slide23.xml><?xml version="1.0" encoding="utf-8"?>
+<p:sld xmlns:a="http://schemas.openxmlformats.org/drawingml/2006/main" xmlns:r="http://schemas.openxmlformats.org/officeDocument/2006/relationships" xmlns:p="http://schemas.openxmlformats.org/presentationml/2006/main">
+  <p:cSld>
+    <p:spTree>
+      <p:nvGrpSpPr>
+        <p:cNvPr id="1" name=""/>
+        <p:cNvGrpSpPr/>
+        <p:nvPr/>
+      </p:nvGrpSpPr>
+      <p:grpSpPr>
+        <a:xfrm>
+          <a:off x="0" y="0"/>
+          <a:ext cx="0" cy="0"/>
+          <a:chOff x="0" y="0"/>
+          <a:chExt cx="0" cy="0"/>
+        </a:xfrm>
+      </p:grpSpPr>
+      <p:sp>
+        <p:nvSpPr>
+          <p:cNvPr id="2" name="テキスト プレースホルダー 1">
+            <a:extLst>
+              <a:ext uri="{FF2B5EF4-FFF2-40B4-BE49-F238E27FC236}">
+                <a16:creationId xmlns:a16="http://schemas.microsoft.com/office/drawing/2014/main" id="{268E5302-500A-4E1A-B9F0-705737C5CA25}"/>
+              </a:ext>
+            </a:extLst>
+          </p:cNvPr>
+          <p:cNvSpPr>
+            <a:spLocks noGrp="1"/>
+          </p:cNvSpPr>
+          <p:nvPr>
+            <p:ph type="body" sz="quarter" idx="10"/>
+          </p:nvPr>
+        </p:nvSpPr>
+        <p:spPr/>
+        <p:txBody>
+          <a:bodyPr/>
+          <a:lstStyle/>
+          <a:p>
+            <a:r>
+              <a:rPr kumimoji="1" lang="en-US" altLang="ja-JP"/>
+              <a:t>Xbyak</a:t>
+            </a:r>
+            <a:r>
+              <a:rPr kumimoji="1" lang="ja-JP" altLang="en-US"/>
+              <a:t>を使う</a:t>
+            </a:r>
+          </a:p>
+        </p:txBody>
+      </p:sp>
+      <p:sp>
+        <p:nvSpPr>
+          <p:cNvPr id="3" name="テキスト ボックス 2">
+            <a:extLst>
+              <a:ext uri="{FF2B5EF4-FFF2-40B4-BE49-F238E27FC236}">
+                <a16:creationId xmlns:a16="http://schemas.microsoft.com/office/drawing/2014/main" id="{6E1347E9-BA8C-4E4C-AE29-8C6FA55A64E3}"/>
+              </a:ext>
+            </a:extLst>
+          </p:cNvPr>
+          <p:cNvSpPr txBox="1"/>
+          <p:nvPr/>
+        </p:nvSpPr>
+        <p:spPr>
+          <a:xfrm>
+            <a:off x="107504" y="764704"/>
+            <a:ext cx="1239442" cy="707886"/>
+          </a:xfrm>
+          <a:prstGeom prst="rect">
+            <a:avLst/>
+          </a:prstGeom>
+          <a:noFill/>
+        </p:spPr>
+        <p:txBody>
+          <a:bodyPr wrap="none" rtlCol="0">
+            <a:spAutoFit/>
+          </a:bodyPr>
+          <a:lstStyle/>
+          <a:p>
+            <a:r>
+              <a:rPr kumimoji="1" lang="en-US" altLang="ja-JP" sz="4000">
+                <a:solidFill>
+                  <a:srgbClr val="011893"/>
+                </a:solidFill>
+              </a:rPr>
+              <a:t>Pros</a:t>
+            </a:r>
+            <a:endParaRPr kumimoji="1" lang="ja-JP" altLang="en-US" sz="4000">
+              <a:solidFill>
+                <a:srgbClr val="011893"/>
+              </a:solidFill>
+            </a:endParaRPr>
+          </a:p>
+        </p:txBody>
+      </p:sp>
+      <p:sp>
+        <p:nvSpPr>
+          <p:cNvPr id="4" name="テキスト ボックス 3">
+            <a:extLst>
+              <a:ext uri="{FF2B5EF4-FFF2-40B4-BE49-F238E27FC236}">
+                <a16:creationId xmlns:a16="http://schemas.microsoft.com/office/drawing/2014/main" id="{51D4E58C-74EB-4545-89A0-C89A86AC0363}"/>
+              </a:ext>
+            </a:extLst>
+          </p:cNvPr>
+          <p:cNvSpPr txBox="1"/>
+          <p:nvPr/>
+        </p:nvSpPr>
+        <p:spPr>
+          <a:xfrm>
+            <a:off x="467544" y="1340768"/>
+            <a:ext cx="8443337" cy="2554545"/>
+          </a:xfrm>
+          <a:prstGeom prst="rect">
+            <a:avLst/>
+          </a:prstGeom>
+          <a:noFill/>
+        </p:spPr>
+        <p:txBody>
+          <a:bodyPr wrap="none" rtlCol="0">
+            <a:spAutoFit/>
+          </a:bodyPr>
+          <a:lstStyle/>
+          <a:p>
+            <a:pPr marL="457200" indent="-457200">
+              <a:buFont typeface="Arial" panose="020B0604020202020204" pitchFamily="34" charset="0"/>
+              <a:buChar char="•"/>
+            </a:pPr>
+            <a:r>
+              <a:rPr kumimoji="1" lang="ja-JP" altLang="en-US" sz="3200"/>
+              <a:t>実行時の情報を使ったコード生成ができる</a:t>
+            </a:r>
+            <a:endParaRPr kumimoji="1" lang="en-US" altLang="ja-JP" sz="3200"/>
+          </a:p>
+          <a:p>
+            <a:pPr marL="914400" lvl="1" indent="-457200">
+              <a:buFont typeface="Arial" panose="020B0604020202020204" pitchFamily="34" charset="0"/>
+              <a:buChar char="•"/>
+            </a:pPr>
+            <a:r>
+              <a:rPr lang="ja-JP" altLang="en-US" sz="3200"/>
+              <a:t>キャッシュサイズや</a:t>
+            </a:r>
+            <a:r>
+              <a:rPr lang="en-US" altLang="ja-JP" sz="3200"/>
+              <a:t>CPU</a:t>
+            </a:r>
+            <a:r>
+              <a:rPr lang="ja-JP" altLang="en-US" sz="3200"/>
+              <a:t>の種類</a:t>
+            </a:r>
+            <a:endParaRPr lang="en-US" altLang="ja-JP" sz="3200"/>
+          </a:p>
+          <a:p>
+            <a:pPr marL="914400" lvl="1" indent="-457200">
+              <a:buFont typeface="Arial" panose="020B0604020202020204" pitchFamily="34" charset="0"/>
+              <a:buChar char="•"/>
+            </a:pPr>
+            <a:r>
+              <a:rPr lang="ja-JP" altLang="en-US" sz="3200"/>
+              <a:t>コンパイル時に決まらない実行時定数</a:t>
+            </a:r>
+            <a:endParaRPr lang="en-US" altLang="ja-JP" sz="3200"/>
+          </a:p>
+          <a:p>
+            <a:pPr marL="457200" indent="-457200">
+              <a:buFont typeface="Arial" panose="020B0604020202020204" pitchFamily="34" charset="0"/>
+              <a:buChar char="•"/>
+            </a:pPr>
+            <a:r>
+              <a:rPr kumimoji="1" lang="ja-JP" altLang="en-US" sz="3200">
+                <a:solidFill>
+                  <a:srgbClr val="FF0000"/>
+                </a:solidFill>
+              </a:rPr>
+              <a:t>書いた通りに動く</a:t>
+            </a:r>
+            <a:endParaRPr lang="en-US" altLang="ja-JP" sz="3200"/>
+          </a:p>
+          <a:p>
+            <a:pPr marL="457200" indent="-457200">
+              <a:buFont typeface="Arial" panose="020B0604020202020204" pitchFamily="34" charset="0"/>
+              <a:buChar char="•"/>
+            </a:pPr>
+            <a:r>
+              <a:rPr lang="ja-JP" altLang="en-US" sz="3200"/>
+              <a:t>生アセンブリより書きやすい</a:t>
+            </a:r>
+            <a:endParaRPr lang="en-US" altLang="ja-JP" sz="3200"/>
+          </a:p>
+        </p:txBody>
+      </p:sp>
+      <p:sp>
+        <p:nvSpPr>
+          <p:cNvPr id="6" name="テキスト ボックス 5">
+            <a:extLst>
+              <a:ext uri="{FF2B5EF4-FFF2-40B4-BE49-F238E27FC236}">
+                <a16:creationId xmlns:a16="http://schemas.microsoft.com/office/drawing/2014/main" id="{85E12B25-5A63-4E99-8D62-4832B4A3BD8D}"/>
+              </a:ext>
+            </a:extLst>
+          </p:cNvPr>
+          <p:cNvSpPr txBox="1"/>
+          <p:nvPr/>
+        </p:nvSpPr>
+        <p:spPr>
+          <a:xfrm>
+            <a:off x="0" y="3933056"/>
+            <a:ext cx="1382110" cy="707886"/>
+          </a:xfrm>
+          <a:prstGeom prst="rect">
+            <a:avLst/>
+          </a:prstGeom>
+          <a:noFill/>
+        </p:spPr>
+        <p:txBody>
+          <a:bodyPr wrap="none" rtlCol="0">
+            <a:spAutoFit/>
+          </a:bodyPr>
+          <a:lstStyle/>
+          <a:p>
+            <a:r>
+              <a:rPr lang="en-US" altLang="ja-JP" sz="4000">
+                <a:solidFill>
+                  <a:srgbClr val="011893"/>
+                </a:solidFill>
+              </a:rPr>
+              <a:t>Con</a:t>
+            </a:r>
+            <a:r>
+              <a:rPr kumimoji="1" lang="en-US" altLang="ja-JP" sz="4000">
+                <a:solidFill>
+                  <a:srgbClr val="011893"/>
+                </a:solidFill>
+              </a:rPr>
+              <a:t>s</a:t>
+            </a:r>
+            <a:endParaRPr kumimoji="1" lang="ja-JP" altLang="en-US" sz="4000">
+              <a:solidFill>
+                <a:srgbClr val="011893"/>
+              </a:solidFill>
+            </a:endParaRPr>
+          </a:p>
+        </p:txBody>
+      </p:sp>
+      <p:sp>
+        <p:nvSpPr>
+          <p:cNvPr id="7" name="テキスト ボックス 6">
+            <a:extLst>
+              <a:ext uri="{FF2B5EF4-FFF2-40B4-BE49-F238E27FC236}">
+                <a16:creationId xmlns:a16="http://schemas.microsoft.com/office/drawing/2014/main" id="{5A4322CA-C9E5-4DED-A93F-F2465BEB1AFB}"/>
+              </a:ext>
+            </a:extLst>
+          </p:cNvPr>
+          <p:cNvSpPr txBox="1"/>
+          <p:nvPr/>
+        </p:nvSpPr>
+        <p:spPr>
+          <a:xfrm>
+            <a:off x="395536" y="4509120"/>
+            <a:ext cx="8640960" cy="2062103"/>
+          </a:xfrm>
+          <a:prstGeom prst="rect">
+            <a:avLst/>
+          </a:prstGeom>
+          <a:noFill/>
+        </p:spPr>
+        <p:txBody>
+          <a:bodyPr wrap="square" rtlCol="0">
+            <a:spAutoFit/>
+          </a:bodyPr>
+          <a:lstStyle/>
+          <a:p>
+            <a:pPr marL="457200" indent="-457200">
+              <a:buFont typeface="Arial" panose="020B0604020202020204" pitchFamily="34" charset="0"/>
+              <a:buChar char="•"/>
+            </a:pPr>
+            <a:r>
+              <a:rPr kumimoji="1" lang="ja-JP" altLang="en-US" sz="3200">
+                <a:solidFill>
+                  <a:srgbClr val="FF0000"/>
+                </a:solidFill>
+              </a:rPr>
+              <a:t>関数の呼び出し規約やアドレッシング等のアセンブリの知識必須</a:t>
+            </a:r>
+            <a:endParaRPr kumimoji="1" lang="en-US" altLang="ja-JP" sz="3200">
+              <a:solidFill>
+                <a:srgbClr val="FF0000"/>
+              </a:solidFill>
+            </a:endParaRPr>
+          </a:p>
+          <a:p>
+            <a:pPr marL="457200" indent="-457200">
+              <a:buFont typeface="Arial" panose="020B0604020202020204" pitchFamily="34" charset="0"/>
+              <a:buChar char="•"/>
+            </a:pPr>
+            <a:r>
+              <a:rPr kumimoji="1" lang="ja-JP" altLang="en-US" sz="3200"/>
+              <a:t>ローカル変数を自分で管理する必要がある</a:t>
+            </a:r>
+            <a:endParaRPr kumimoji="1" lang="en-US" altLang="ja-JP" sz="3200"/>
+          </a:p>
+          <a:p>
+            <a:pPr marL="457200" indent="-457200">
+              <a:buFont typeface="Arial" panose="020B0604020202020204" pitchFamily="34" charset="0"/>
+              <a:buChar char="•"/>
+            </a:pPr>
+            <a:r>
+              <a:rPr kumimoji="1" lang="ja-JP" altLang="en-US" sz="3200"/>
+              <a:t>レジスタ割り当てをする必要がある</a:t>
+            </a:r>
+            <a:endParaRPr kumimoji="1" lang="en-US" altLang="ja-JP" sz="3200"/>
+          </a:p>
+        </p:txBody>
+      </p:sp>
+    </p:spTree>
+    <p:extLst>
+      <p:ext uri="{BB962C8B-B14F-4D97-AF65-F5344CB8AC3E}">
+        <p14:creationId xmlns:p14="http://schemas.microsoft.com/office/powerpoint/2010/main" val="63541478"/>
+      </p:ext>
+    </p:extLst>
+  </p:cSld>
+  <p:clrMapOvr>
+    <a:masterClrMapping/>
+  </p:clrMapOvr>
+</p:sld>
+</file>
+
+<file path=ppt/slides/slide24.xml><?xml version="1.0" encoding="utf-8"?>
+<p:sld xmlns:a="http://schemas.openxmlformats.org/drawingml/2006/main" xmlns:r="http://schemas.openxmlformats.org/officeDocument/2006/relationships" xmlns:p="http://schemas.openxmlformats.org/presentationml/2006/main">
+  <p:cSld>
+    <p:spTree>
+      <p:nvGrpSpPr>
+        <p:cNvPr id="1" name=""/>
+        <p:cNvGrpSpPr/>
+        <p:nvPr/>
+      </p:nvGrpSpPr>
+      <p:grpSpPr>
+        <a:xfrm>
+          <a:off x="0" y="0"/>
+          <a:ext cx="0" cy="0"/>
+          <a:chOff x="0" y="0"/>
+          <a:chExt cx="0" cy="0"/>
+        </a:xfrm>
+      </p:grpSpPr>
+      <p:sp>
+        <p:nvSpPr>
+          <p:cNvPr id="2" name="テキスト プレースホルダー 1">
+            <a:extLst>
+              <a:ext uri="{FF2B5EF4-FFF2-40B4-BE49-F238E27FC236}">
+                <a16:creationId xmlns:a16="http://schemas.microsoft.com/office/drawing/2014/main" id="{08C6F220-65BB-4D97-B8A3-1C649275E4A1}"/>
+              </a:ext>
+            </a:extLst>
+          </p:cNvPr>
+          <p:cNvSpPr>
+            <a:spLocks noGrp="1"/>
+          </p:cNvSpPr>
+          <p:nvPr>
+            <p:ph type="body" sz="quarter" idx="10"/>
+          </p:nvPr>
+        </p:nvSpPr>
+        <p:spPr/>
+        <p:txBody>
+          <a:bodyPr/>
+          <a:lstStyle/>
+          <a:p>
+            <a:r>
+              <a:rPr kumimoji="1" lang="ja-JP" altLang="en-US"/>
+              <a:t>ハンズオン編</a:t>
+            </a:r>
+          </a:p>
+        </p:txBody>
+      </p:sp>
+      <p:sp>
+        <p:nvSpPr>
+          <p:cNvPr id="4" name="テキスト ボックス 3">
+            <a:extLst>
+              <a:ext uri="{FF2B5EF4-FFF2-40B4-BE49-F238E27FC236}">
+                <a16:creationId xmlns:a16="http://schemas.microsoft.com/office/drawing/2014/main" id="{609505AB-E3E2-408F-BEFB-1D5FF88FEA79}"/>
+              </a:ext>
+            </a:extLst>
+          </p:cNvPr>
+          <p:cNvSpPr txBox="1"/>
+          <p:nvPr/>
+        </p:nvSpPr>
+        <p:spPr>
+          <a:xfrm>
+            <a:off x="251520" y="1412776"/>
+            <a:ext cx="8280920" cy="954107"/>
+          </a:xfrm>
+          <a:prstGeom prst="rect">
+            <a:avLst/>
+          </a:prstGeom>
+          <a:noFill/>
+        </p:spPr>
+        <p:txBody>
+          <a:bodyPr wrap="square" rtlCol="0">
+            <a:spAutoFit/>
+          </a:bodyPr>
+          <a:lstStyle/>
+          <a:p>
+            <a:r>
+              <a:rPr kumimoji="1" lang="ja-JP" altLang="en-US" sz="2800"/>
+              <a:t>先ほど</a:t>
+            </a:r>
+            <a:r>
+              <a:rPr kumimoji="1" lang="en-US" altLang="ja-JP" sz="2800"/>
+              <a:t>make</a:t>
+            </a:r>
+            <a:r>
+              <a:rPr lang="ja-JP" altLang="en-US" sz="2800"/>
+              <a:t>したディレクトリで</a:t>
+            </a:r>
+            <a:r>
+              <a:rPr lang="en-US" altLang="ja-JP" sz="2800"/>
+              <a:t>make run</a:t>
+            </a:r>
+            <a:r>
+              <a:rPr lang="ja-JP" altLang="en-US" sz="2800"/>
+              <a:t>すれば</a:t>
+            </a:r>
+            <a:r>
+              <a:rPr lang="en-US" altLang="ja-JP" sz="2800"/>
+              <a:t>Docker</a:t>
+            </a:r>
+            <a:r>
+              <a:rPr lang="ja-JP" altLang="en-US" sz="2800"/>
+              <a:t>の中に入ることができる</a:t>
+            </a:r>
+            <a:endParaRPr kumimoji="1" lang="en-US" altLang="ja-JP" sz="2800"/>
+          </a:p>
+        </p:txBody>
+      </p:sp>
+      <p:sp>
+        <p:nvSpPr>
+          <p:cNvPr id="6" name="テキスト ボックス 5">
+            <a:extLst>
+              <a:ext uri="{FF2B5EF4-FFF2-40B4-BE49-F238E27FC236}">
+                <a16:creationId xmlns:a16="http://schemas.microsoft.com/office/drawing/2014/main" id="{FE492800-7F23-4490-B26F-3BD8AA10DA63}"/>
+              </a:ext>
+            </a:extLst>
+          </p:cNvPr>
+          <p:cNvSpPr txBox="1"/>
+          <p:nvPr/>
+        </p:nvSpPr>
+        <p:spPr>
+          <a:xfrm>
+            <a:off x="323528" y="2708920"/>
+            <a:ext cx="5004048" cy="954107"/>
+          </a:xfrm>
+          <a:prstGeom prst="rect">
+            <a:avLst/>
+          </a:prstGeom>
+          <a:noFill/>
+          <a:ln>
+            <a:solidFill>
+              <a:schemeClr val="tx1"/>
+            </a:solidFill>
+          </a:ln>
+        </p:spPr>
+        <p:txBody>
+          <a:bodyPr wrap="square">
+            <a:spAutoFit/>
+          </a:bodyPr>
+          <a:lstStyle/>
+          <a:p>
+            <a:r>
+              <a:rPr lang="ja-JP" altLang="en-US" sz="2800">
+                <a:latin typeface="Consolas" panose="020B0609020204030204" pitchFamily="49" charset="0"/>
+              </a:rPr>
+              <a:t>$ make run</a:t>
+            </a:r>
+          </a:p>
+          <a:p>
+            <a:r>
+              <a:rPr lang="ja-JP" altLang="en-US" sz="2800">
+                <a:latin typeface="Consolas" panose="020B0609020204030204" pitchFamily="49" charset="0"/>
+              </a:rPr>
+              <a:t>[user@291e9d9cad93 ~]$</a:t>
+            </a:r>
+          </a:p>
+        </p:txBody>
+      </p:sp>
+      <p:sp>
+        <p:nvSpPr>
+          <p:cNvPr id="7" name="テキスト ボックス 6">
+            <a:extLst>
+              <a:ext uri="{FF2B5EF4-FFF2-40B4-BE49-F238E27FC236}">
+                <a16:creationId xmlns:a16="http://schemas.microsoft.com/office/drawing/2014/main" id="{B12F2227-CC58-4948-BD77-80F8270D10A7}"/>
+              </a:ext>
+            </a:extLst>
+          </p:cNvPr>
+          <p:cNvSpPr txBox="1"/>
+          <p:nvPr/>
+        </p:nvSpPr>
+        <p:spPr>
+          <a:xfrm>
+            <a:off x="179512" y="3861048"/>
+            <a:ext cx="8093882" cy="461665"/>
+          </a:xfrm>
+          <a:prstGeom prst="rect">
+            <a:avLst/>
+          </a:prstGeom>
+          <a:noFill/>
+        </p:spPr>
+        <p:txBody>
+          <a:bodyPr wrap="none" rtlCol="0">
+            <a:spAutoFit/>
+          </a:bodyPr>
+          <a:lstStyle/>
+          <a:p>
+            <a:r>
+              <a:rPr kumimoji="1" lang="en-US" altLang="ja-JP" sz="2400"/>
+              <a:t>xbyak_aarch64_handson/sample</a:t>
+            </a:r>
+            <a:r>
+              <a:rPr kumimoji="1" lang="ja-JP" altLang="en-US" sz="2400"/>
+              <a:t>にサンプルコードがある</a:t>
+            </a:r>
+          </a:p>
+        </p:txBody>
+      </p:sp>
+      <p:sp>
+        <p:nvSpPr>
+          <p:cNvPr id="8" name="テキスト ボックス 7">
+            <a:extLst>
+              <a:ext uri="{FF2B5EF4-FFF2-40B4-BE49-F238E27FC236}">
+                <a16:creationId xmlns:a16="http://schemas.microsoft.com/office/drawing/2014/main" id="{4C9838DC-F3E1-41FB-BD70-732A079DA6FA}"/>
+              </a:ext>
+            </a:extLst>
+          </p:cNvPr>
+          <p:cNvSpPr txBox="1"/>
+          <p:nvPr/>
+        </p:nvSpPr>
+        <p:spPr>
+          <a:xfrm>
+            <a:off x="323528" y="5445224"/>
+            <a:ext cx="4307589" cy="954107"/>
+          </a:xfrm>
+          <a:prstGeom prst="rect">
+            <a:avLst/>
+          </a:prstGeom>
+          <a:noFill/>
+          <a:ln>
+            <a:noFill/>
+          </a:ln>
+        </p:spPr>
+        <p:txBody>
+          <a:bodyPr wrap="none" rtlCol="0">
+            <a:spAutoFit/>
+          </a:bodyPr>
+          <a:lstStyle/>
+          <a:p>
+            <a:pPr marL="457200" indent="-457200">
+              <a:buFont typeface="Arial" panose="020B0604020202020204" pitchFamily="34" charset="0"/>
+              <a:buChar char="•"/>
+            </a:pPr>
+            <a:r>
+              <a:rPr kumimoji="1" lang="en-US" altLang="ja-JP" sz="2800"/>
+              <a:t>intrinsic/01_sve_length</a:t>
+            </a:r>
+          </a:p>
+          <a:p>
+            <a:pPr marL="457200" indent="-457200">
+              <a:buFont typeface="Arial" panose="020B0604020202020204" pitchFamily="34" charset="0"/>
+              <a:buChar char="•"/>
+            </a:pPr>
+            <a:r>
+              <a:rPr lang="en-US" altLang="ja-JP" sz="2800"/>
+              <a:t>xbyak/01_test</a:t>
+            </a:r>
+            <a:endParaRPr kumimoji="1" lang="ja-JP" altLang="en-US" sz="2800"/>
+          </a:p>
+        </p:txBody>
+      </p:sp>
+      <p:sp>
+        <p:nvSpPr>
+          <p:cNvPr id="9" name="テキスト ボックス 8">
+            <a:extLst>
+              <a:ext uri="{FF2B5EF4-FFF2-40B4-BE49-F238E27FC236}">
+                <a16:creationId xmlns:a16="http://schemas.microsoft.com/office/drawing/2014/main" id="{0496D840-49E2-464C-92F8-031EE6936357}"/>
+              </a:ext>
+            </a:extLst>
+          </p:cNvPr>
+          <p:cNvSpPr txBox="1"/>
+          <p:nvPr/>
+        </p:nvSpPr>
+        <p:spPr>
+          <a:xfrm>
+            <a:off x="251520" y="4653136"/>
+            <a:ext cx="5570756" cy="523220"/>
+          </a:xfrm>
+          <a:prstGeom prst="rect">
+            <a:avLst/>
+          </a:prstGeom>
+          <a:noFill/>
+        </p:spPr>
+        <p:txBody>
+          <a:bodyPr wrap="none" rtlCol="0">
+            <a:spAutoFit/>
+          </a:bodyPr>
+          <a:lstStyle/>
+          <a:p>
+            <a:r>
+              <a:rPr lang="ja-JP" altLang="en-US" sz="2800"/>
+              <a:t>以下でそれぞれ動作テストをする</a:t>
+            </a:r>
+            <a:endParaRPr kumimoji="1" lang="ja-JP" altLang="en-US" sz="2800"/>
+          </a:p>
+        </p:txBody>
+      </p:sp>
+    </p:spTree>
+    <p:extLst>
+      <p:ext uri="{BB962C8B-B14F-4D97-AF65-F5344CB8AC3E}">
+        <p14:creationId xmlns:p14="http://schemas.microsoft.com/office/powerpoint/2010/main" val="3434941161"/>
+      </p:ext>
+    </p:extLst>
+  </p:cSld>
+  <p:clrMapOvr>
+    <a:masterClrMapping/>
+  </p:clrMapOvr>
+</p:sld>
+</file>
+
+<file path=ppt/slides/slide25.xml><?xml version="1.0" encoding="utf-8"?>
+<p:sld xmlns:a="http://schemas.openxmlformats.org/drawingml/2006/main" xmlns:r="http://schemas.openxmlformats.org/officeDocument/2006/relationships" xmlns:p="http://schemas.openxmlformats.org/presentationml/2006/main">
+  <p:cSld>
+    <p:spTree>
+      <p:nvGrpSpPr>
+        <p:cNvPr id="1" name=""/>
+        <p:cNvGrpSpPr/>
+        <p:nvPr/>
+      </p:nvGrpSpPr>
+      <p:grpSpPr>
+        <a:xfrm>
+          <a:off x="0" y="0"/>
+          <a:ext cx="0" cy="0"/>
+          <a:chOff x="0" y="0"/>
+          <a:chExt cx="0" cy="0"/>
+        </a:xfrm>
+      </p:grpSpPr>
+      <p:sp>
+        <p:nvSpPr>
+          <p:cNvPr id="2" name="テキスト プレースホルダー 1">
+            <a:extLst>
+              <a:ext uri="{FF2B5EF4-FFF2-40B4-BE49-F238E27FC236}">
+                <a16:creationId xmlns:a16="http://schemas.microsoft.com/office/drawing/2014/main" id="{14CB0817-DE45-4BE9-962C-2208EFA53197}"/>
+              </a:ext>
+            </a:extLst>
+          </p:cNvPr>
+          <p:cNvSpPr>
+            <a:spLocks noGrp="1"/>
+          </p:cNvSpPr>
+          <p:nvPr>
+            <p:ph type="body" sz="quarter" idx="10"/>
+          </p:nvPr>
+        </p:nvSpPr>
+        <p:spPr/>
+        <p:txBody>
+          <a:bodyPr/>
+          <a:lstStyle/>
+          <a:p>
+            <a:r>
+              <a:rPr kumimoji="1" lang="ja-JP" altLang="en-US"/>
+              <a:t>組み込み関数編 </a:t>
+            </a:r>
+            <a:r>
+              <a:rPr kumimoji="1" lang="en-US" altLang="ja-JP"/>
+              <a:t>(1)</a:t>
+            </a:r>
+            <a:endParaRPr kumimoji="1" lang="ja-JP" altLang="en-US"/>
+          </a:p>
+        </p:txBody>
+      </p:sp>
+      <p:sp>
+        <p:nvSpPr>
+          <p:cNvPr id="3" name="テキスト ボックス 2">
+            <a:extLst>
+              <a:ext uri="{FF2B5EF4-FFF2-40B4-BE49-F238E27FC236}">
+                <a16:creationId xmlns:a16="http://schemas.microsoft.com/office/drawing/2014/main" id="{CE7DFEB2-B346-4AAF-85FD-0A59C85B0591}"/>
+              </a:ext>
+            </a:extLst>
+          </p:cNvPr>
+          <p:cNvSpPr txBox="1"/>
+          <p:nvPr/>
+        </p:nvSpPr>
+        <p:spPr>
+          <a:xfrm>
+            <a:off x="251520" y="1268760"/>
+            <a:ext cx="5655715" cy="584775"/>
+          </a:xfrm>
+          <a:prstGeom prst="rect">
+            <a:avLst/>
+          </a:prstGeom>
+          <a:noFill/>
+        </p:spPr>
+        <p:txBody>
+          <a:bodyPr wrap="none" rtlCol="0">
+            <a:spAutoFit/>
+          </a:bodyPr>
+          <a:lstStyle/>
+          <a:p>
+            <a:r>
+              <a:rPr kumimoji="1" lang="ja-JP" altLang="en-US" sz="3200"/>
+              <a:t>プレディケートレジスタ </a:t>
+            </a:r>
+            <a:r>
+              <a:rPr kumimoji="1" lang="en-US" altLang="ja-JP" sz="3200"/>
+              <a:t>(PR)</a:t>
+            </a:r>
+            <a:endParaRPr kumimoji="1" lang="ja-JP" altLang="en-US" sz="3200"/>
+          </a:p>
+        </p:txBody>
+      </p:sp>
+      <p:sp>
+        <p:nvSpPr>
+          <p:cNvPr id="5" name="テキスト ボックス 4">
+            <a:extLst>
+              <a:ext uri="{FF2B5EF4-FFF2-40B4-BE49-F238E27FC236}">
+                <a16:creationId xmlns:a16="http://schemas.microsoft.com/office/drawing/2014/main" id="{4A46A2D4-5D42-40CB-9F2D-7DC051D86CC1}"/>
+              </a:ext>
+            </a:extLst>
+          </p:cNvPr>
+          <p:cNvSpPr txBox="1"/>
+          <p:nvPr/>
+        </p:nvSpPr>
+        <p:spPr>
+          <a:xfrm>
+            <a:off x="539552" y="1988840"/>
+            <a:ext cx="7207422" cy="1815882"/>
+          </a:xfrm>
+          <a:prstGeom prst="rect">
+            <a:avLst/>
+          </a:prstGeom>
+          <a:noFill/>
+        </p:spPr>
+        <p:txBody>
+          <a:bodyPr wrap="none" rtlCol="0">
+            <a:spAutoFit/>
+          </a:bodyPr>
+          <a:lstStyle/>
+          <a:p>
+            <a:r>
+              <a:rPr kumimoji="1" lang="en-US" altLang="ja-JP" sz="2800"/>
+              <a:t>SVE</a:t>
+            </a:r>
+            <a:r>
+              <a:rPr kumimoji="1" lang="ja-JP" altLang="en-US" sz="2800"/>
+              <a:t>のレジスタは</a:t>
+            </a:r>
+            <a:r>
+              <a:rPr kumimoji="1" lang="en-US" altLang="ja-JP" sz="2800"/>
+              <a:t>128</a:t>
+            </a:r>
+            <a:r>
+              <a:rPr kumimoji="1" lang="ja-JP" altLang="en-US" sz="2800"/>
+              <a:t>ビット </a:t>
+            </a:r>
+            <a:r>
+              <a:rPr kumimoji="1" lang="en-US" altLang="ja-JP" sz="2800"/>
+              <a:t>x N</a:t>
+            </a:r>
+          </a:p>
+          <a:p>
+            <a:r>
+              <a:rPr kumimoji="1" lang="ja-JP" altLang="en-US" sz="2800"/>
+              <a:t>プレディケートレジスタは最低</a:t>
+            </a:r>
+            <a:r>
+              <a:rPr kumimoji="1" lang="en-US" altLang="ja-JP" sz="2800"/>
+              <a:t>8</a:t>
+            </a:r>
+            <a:r>
+              <a:rPr kumimoji="1" lang="ja-JP" altLang="en-US" sz="2800"/>
+              <a:t>ビット単位</a:t>
+            </a:r>
+            <a:endParaRPr kumimoji="1" lang="en-US" altLang="ja-JP" sz="2800"/>
+          </a:p>
+          <a:p>
+            <a:r>
+              <a:rPr lang="ja-JP" altLang="en-US" sz="2800"/>
+              <a:t>→ レジスタ長は</a:t>
+            </a:r>
+            <a:r>
+              <a:rPr lang="en-US" altLang="ja-JP" sz="2800"/>
+              <a:t>16</a:t>
+            </a:r>
+            <a:r>
+              <a:rPr lang="ja-JP" altLang="en-US" sz="2800"/>
+              <a:t>ビット </a:t>
+            </a:r>
+            <a:r>
+              <a:rPr lang="en-US" altLang="ja-JP" sz="2800"/>
+              <a:t>x N</a:t>
+            </a:r>
+          </a:p>
+          <a:p>
+            <a:r>
+              <a:rPr lang="en-US" altLang="ja-JP" sz="2800"/>
+              <a:t>512</a:t>
+            </a:r>
+            <a:r>
+              <a:rPr lang="ja-JP" altLang="en-US" sz="2800"/>
+              <a:t>ビットなら</a:t>
+            </a:r>
+            <a:r>
+              <a:rPr lang="en-US" altLang="ja-JP" sz="2800"/>
+              <a:t>N=4</a:t>
+            </a:r>
+            <a:r>
+              <a:rPr lang="ja-JP" altLang="en-US" sz="2800"/>
+              <a:t>なので、</a:t>
+            </a:r>
+            <a:r>
+              <a:rPr lang="en-US" altLang="ja-JP" sz="2800"/>
+              <a:t>PR</a:t>
+            </a:r>
+            <a:r>
+              <a:rPr lang="ja-JP" altLang="en-US" sz="2800"/>
+              <a:t>は</a:t>
+            </a:r>
+            <a:r>
+              <a:rPr lang="en-US" altLang="ja-JP" sz="2800"/>
+              <a:t>64</a:t>
+            </a:r>
+            <a:r>
+              <a:rPr lang="ja-JP" altLang="en-US" sz="2800"/>
+              <a:t>ビット</a:t>
+            </a:r>
+            <a:endParaRPr kumimoji="1" lang="ja-JP" altLang="en-US" sz="2800"/>
+          </a:p>
+        </p:txBody>
+      </p:sp>
+      <p:sp>
+        <p:nvSpPr>
+          <p:cNvPr id="6" name="テキスト ボックス 5">
+            <a:extLst>
+              <a:ext uri="{FF2B5EF4-FFF2-40B4-BE49-F238E27FC236}">
+                <a16:creationId xmlns:a16="http://schemas.microsoft.com/office/drawing/2014/main" id="{5BE12D2D-8F7E-4247-8B2D-D5242F3A9B88}"/>
+              </a:ext>
+            </a:extLst>
+          </p:cNvPr>
+          <p:cNvSpPr txBox="1"/>
+          <p:nvPr/>
+        </p:nvSpPr>
+        <p:spPr>
+          <a:xfrm>
+            <a:off x="467544" y="5013176"/>
+            <a:ext cx="8186857" cy="1384995"/>
+          </a:xfrm>
+          <a:prstGeom prst="rect">
+            <a:avLst/>
+          </a:prstGeom>
+          <a:noFill/>
+        </p:spPr>
+        <p:txBody>
+          <a:bodyPr wrap="none" rtlCol="0">
+            <a:spAutoFit/>
+          </a:bodyPr>
+          <a:lstStyle/>
+          <a:p>
+            <a:pPr marL="457200" indent="-457200">
+              <a:buFont typeface="+mj-lt"/>
+              <a:buAutoNum type="arabicPeriod"/>
+            </a:pPr>
+            <a:r>
+              <a:rPr lang="ja-JP" altLang="en-US" sz="2800"/>
+              <a:t>どの</a:t>
+            </a:r>
+            <a:r>
+              <a:rPr kumimoji="1" lang="ja-JP" altLang="en-US" sz="2800"/>
+              <a:t>型に使うかにより、立てるビットが異なる</a:t>
+            </a:r>
+            <a:endParaRPr kumimoji="1" lang="en-US" altLang="ja-JP" sz="2800"/>
+          </a:p>
+          <a:p>
+            <a:pPr marL="457200" indent="-457200">
+              <a:buFont typeface="+mj-lt"/>
+              <a:buAutoNum type="arabicPeriod"/>
+            </a:pPr>
+            <a:r>
+              <a:rPr kumimoji="1" lang="ja-JP" altLang="en-US" sz="2800"/>
+              <a:t>立てるパターンを指定できる</a:t>
+            </a:r>
+            <a:endParaRPr kumimoji="1" lang="en-US" altLang="ja-JP" sz="2800"/>
+          </a:p>
+          <a:p>
+            <a:pPr marL="457200" indent="-457200">
+              <a:buFont typeface="+mj-lt"/>
+              <a:buAutoNum type="arabicPeriod"/>
+            </a:pPr>
+            <a:r>
+              <a:rPr kumimoji="1" lang="ja-JP" altLang="en-US" sz="2800"/>
+              <a:t>レジスタ長を変えて実行してみる</a:t>
+            </a:r>
+          </a:p>
+        </p:txBody>
+      </p:sp>
+      <p:sp>
+        <p:nvSpPr>
+          <p:cNvPr id="7" name="テキスト ボックス 6">
+            <a:extLst>
+              <a:ext uri="{FF2B5EF4-FFF2-40B4-BE49-F238E27FC236}">
+                <a16:creationId xmlns:a16="http://schemas.microsoft.com/office/drawing/2014/main" id="{4CB2A7EC-5F06-4A50-8C32-A29444976DFC}"/>
+              </a:ext>
+            </a:extLst>
+          </p:cNvPr>
+          <p:cNvSpPr txBox="1"/>
+          <p:nvPr/>
+        </p:nvSpPr>
+        <p:spPr>
+          <a:xfrm>
+            <a:off x="251520" y="4293096"/>
+            <a:ext cx="2646878" cy="584775"/>
+          </a:xfrm>
+          <a:prstGeom prst="rect">
+            <a:avLst/>
+          </a:prstGeom>
+          <a:noFill/>
+        </p:spPr>
+        <p:txBody>
+          <a:bodyPr wrap="none" rtlCol="0">
+            <a:spAutoFit/>
+          </a:bodyPr>
+          <a:lstStyle/>
+          <a:p>
+            <a:r>
+              <a:rPr lang="ja-JP" altLang="en-US" sz="3200"/>
+              <a:t>確認すること</a:t>
+            </a:r>
+            <a:endParaRPr kumimoji="1" lang="ja-JP" altLang="en-US" sz="3200"/>
+          </a:p>
+        </p:txBody>
+      </p:sp>
+    </p:spTree>
+    <p:extLst>
+      <p:ext uri="{BB962C8B-B14F-4D97-AF65-F5344CB8AC3E}">
+        <p14:creationId xmlns:p14="http://schemas.microsoft.com/office/powerpoint/2010/main" val="63122609"/>
+      </p:ext>
+    </p:extLst>
+  </p:cSld>
+  <p:clrMapOvr>
+    <a:masterClrMapping/>
+  </p:clrMapOvr>
+</p:sld>
+</file>
+
+<file path=ppt/slides/slide26.xml><?xml version="1.0" encoding="utf-8"?>
+<p:sld xmlns:a="http://schemas.openxmlformats.org/drawingml/2006/main" xmlns:r="http://schemas.openxmlformats.org/officeDocument/2006/relationships" xmlns:p="http://schemas.openxmlformats.org/presentationml/2006/main">
+  <p:cSld>
+    <p:spTree>
+      <p:nvGrpSpPr>
+        <p:cNvPr id="1" name=""/>
+        <p:cNvGrpSpPr/>
+        <p:nvPr/>
+      </p:nvGrpSpPr>
+      <p:grpSpPr>
+        <a:xfrm>
+          <a:off x="0" y="0"/>
+          <a:ext cx="0" cy="0"/>
+          <a:chOff x="0" y="0"/>
+          <a:chExt cx="0" cy="0"/>
+        </a:xfrm>
+      </p:grpSpPr>
+      <p:sp>
+        <p:nvSpPr>
+          <p:cNvPr id="2" name="テキスト プレースホルダー 1">
+            <a:extLst>
+              <a:ext uri="{FF2B5EF4-FFF2-40B4-BE49-F238E27FC236}">
+                <a16:creationId xmlns:a16="http://schemas.microsoft.com/office/drawing/2014/main" id="{2F11B89A-3CC3-4FFF-9982-5EBD381A7071}"/>
+              </a:ext>
+            </a:extLst>
+          </p:cNvPr>
+          <p:cNvSpPr>
+            <a:spLocks noGrp="1"/>
+          </p:cNvSpPr>
+          <p:nvPr>
+            <p:ph type="body" sz="quarter" idx="10"/>
+          </p:nvPr>
+        </p:nvSpPr>
+        <p:spPr/>
+        <p:txBody>
+          <a:bodyPr/>
+          <a:lstStyle/>
+          <a:p>
+            <a:r>
+              <a:rPr kumimoji="1" lang="ja-JP" altLang="en-US"/>
+              <a:t>組み込み関数編 </a:t>
+            </a:r>
+            <a:r>
+              <a:rPr kumimoji="1" lang="en-US" altLang="ja-JP"/>
+              <a:t>(2)</a:t>
+            </a:r>
+            <a:endParaRPr kumimoji="1" lang="ja-JP" altLang="en-US"/>
+          </a:p>
+        </p:txBody>
+      </p:sp>
+      <p:sp>
+        <p:nvSpPr>
+          <p:cNvPr id="3" name="テキスト ボックス 2">
+            <a:extLst>
+              <a:ext uri="{FF2B5EF4-FFF2-40B4-BE49-F238E27FC236}">
+                <a16:creationId xmlns:a16="http://schemas.microsoft.com/office/drawing/2014/main" id="{387E46CB-568F-4236-AF71-BF638BA8C487}"/>
+              </a:ext>
+            </a:extLst>
+          </p:cNvPr>
+          <p:cNvSpPr txBox="1"/>
+          <p:nvPr/>
+        </p:nvSpPr>
+        <p:spPr>
+          <a:xfrm>
+            <a:off x="107504" y="1268760"/>
+            <a:ext cx="3877985" cy="584775"/>
+          </a:xfrm>
+          <a:prstGeom prst="rect">
+            <a:avLst/>
+          </a:prstGeom>
+          <a:noFill/>
+        </p:spPr>
+        <p:txBody>
+          <a:bodyPr wrap="none" rtlCol="0">
+            <a:spAutoFit/>
+          </a:bodyPr>
+          <a:lstStyle/>
+          <a:p>
+            <a:r>
+              <a:rPr kumimoji="1" lang="ja-JP" altLang="en-US" sz="3200"/>
+              <a:t>レジスタへのロード</a:t>
+            </a:r>
+          </a:p>
+        </p:txBody>
+      </p:sp>
+      <p:sp>
+        <p:nvSpPr>
+          <p:cNvPr id="4" name="テキスト ボックス 3">
+            <a:extLst>
+              <a:ext uri="{FF2B5EF4-FFF2-40B4-BE49-F238E27FC236}">
+                <a16:creationId xmlns:a16="http://schemas.microsoft.com/office/drawing/2014/main" id="{83084287-548A-4ABB-82B5-79A11711473B}"/>
+              </a:ext>
+            </a:extLst>
+          </p:cNvPr>
+          <p:cNvSpPr txBox="1"/>
+          <p:nvPr/>
+        </p:nvSpPr>
+        <p:spPr>
+          <a:xfrm>
+            <a:off x="107504" y="3356992"/>
+            <a:ext cx="2646878" cy="584775"/>
+          </a:xfrm>
+          <a:prstGeom prst="rect">
+            <a:avLst/>
+          </a:prstGeom>
+          <a:noFill/>
+        </p:spPr>
+        <p:txBody>
+          <a:bodyPr wrap="none" rtlCol="0">
+            <a:spAutoFit/>
+          </a:bodyPr>
+          <a:lstStyle/>
+          <a:p>
+            <a:r>
+              <a:rPr lang="ja-JP" altLang="en-US" sz="3200"/>
+              <a:t>確認すること</a:t>
+            </a:r>
+            <a:endParaRPr kumimoji="1" lang="ja-JP" altLang="en-US" sz="3200"/>
+          </a:p>
+        </p:txBody>
+      </p:sp>
+      <p:sp>
+        <p:nvSpPr>
+          <p:cNvPr id="5" name="テキスト ボックス 4">
+            <a:extLst>
+              <a:ext uri="{FF2B5EF4-FFF2-40B4-BE49-F238E27FC236}">
+                <a16:creationId xmlns:a16="http://schemas.microsoft.com/office/drawing/2014/main" id="{BC2AD323-F23A-41D8-8177-6B253A3582EF}"/>
+              </a:ext>
+            </a:extLst>
+          </p:cNvPr>
+          <p:cNvSpPr txBox="1"/>
+          <p:nvPr/>
+        </p:nvSpPr>
+        <p:spPr>
+          <a:xfrm>
+            <a:off x="323528" y="4077072"/>
+            <a:ext cx="8648521" cy="2308324"/>
+          </a:xfrm>
+          <a:prstGeom prst="rect">
+            <a:avLst/>
+          </a:prstGeom>
+          <a:noFill/>
+        </p:spPr>
+        <p:txBody>
+          <a:bodyPr wrap="none" rtlCol="0">
+            <a:spAutoFit/>
+          </a:bodyPr>
+          <a:lstStyle/>
+          <a:p>
+            <a:pPr marL="457200" indent="-457200">
+              <a:buFont typeface="+mj-lt"/>
+              <a:buAutoNum type="arabicPeriod"/>
+            </a:pPr>
+            <a:r>
+              <a:rPr kumimoji="1" lang="ja-JP" altLang="en-US" sz="2400"/>
+              <a:t>指定の先頭アドレスからまとめてレジスタにロードできる</a:t>
+            </a:r>
+            <a:endParaRPr kumimoji="1" lang="en-US" altLang="ja-JP" sz="2400"/>
+          </a:p>
+          <a:p>
+            <a:pPr marL="457200" indent="-457200">
+              <a:buFont typeface="+mj-lt"/>
+              <a:buAutoNum type="arabicPeriod"/>
+            </a:pPr>
+            <a:r>
+              <a:rPr kumimoji="1" lang="ja-JP" altLang="en-US" sz="2400"/>
+              <a:t>一回の命令で複数要素まとめて演算できる</a:t>
+            </a:r>
+            <a:endParaRPr kumimoji="1" lang="en-US" altLang="ja-JP" sz="2400"/>
+          </a:p>
+          <a:p>
+            <a:pPr marL="457200" indent="-457200">
+              <a:buFont typeface="+mj-lt"/>
+              <a:buAutoNum type="arabicPeriod"/>
+            </a:pPr>
+            <a:r>
+              <a:rPr kumimoji="1" lang="ja-JP" altLang="en-US" sz="2400"/>
+              <a:t>演算にマスク処理ができる</a:t>
+            </a:r>
+            <a:endParaRPr lang="en-US" altLang="ja-JP" sz="2400"/>
+          </a:p>
+          <a:p>
+            <a:pPr marL="457200" indent="-457200">
+              <a:buFont typeface="+mj-lt"/>
+              <a:buAutoNum type="arabicPeriod"/>
+            </a:pPr>
+            <a:r>
+              <a:rPr kumimoji="1" lang="en-US" altLang="ja-JP" sz="2400"/>
+              <a:t>inactive</a:t>
+            </a:r>
+            <a:r>
+              <a:rPr kumimoji="1" lang="ja-JP" altLang="en-US" sz="2400"/>
+              <a:t>な要素に対して</a:t>
+            </a:r>
+            <a:endParaRPr kumimoji="1" lang="en-US" altLang="ja-JP" sz="2400"/>
+          </a:p>
+          <a:p>
+            <a:pPr marL="914400" lvl="1" indent="-457200">
+              <a:buFont typeface="+mj-lt"/>
+              <a:buAutoNum type="arabicPeriod"/>
+            </a:pPr>
+            <a:r>
+              <a:rPr lang="ja-JP" altLang="en-US" sz="2400"/>
+              <a:t>ゼロクリアする </a:t>
+            </a:r>
+            <a:r>
+              <a:rPr lang="en-US" altLang="ja-JP" sz="2400"/>
+              <a:t>(zeroing predication)</a:t>
+            </a:r>
+          </a:p>
+          <a:p>
+            <a:pPr marL="914400" lvl="1" indent="-457200">
+              <a:buFont typeface="+mj-lt"/>
+              <a:buAutoNum type="arabicPeriod"/>
+            </a:pPr>
+            <a:r>
+              <a:rPr kumimoji="1" lang="ja-JP" altLang="en-US" sz="2400"/>
+              <a:t>第一引数透過    </a:t>
+            </a:r>
+            <a:r>
+              <a:rPr kumimoji="1" lang="en-US" altLang="ja-JP" sz="2400"/>
+              <a:t>(merging predication)</a:t>
+            </a:r>
+          </a:p>
+        </p:txBody>
+      </p:sp>
+      <p:sp>
+        <p:nvSpPr>
+          <p:cNvPr id="6" name="テキスト ボックス 5">
+            <a:extLst>
+              <a:ext uri="{FF2B5EF4-FFF2-40B4-BE49-F238E27FC236}">
+                <a16:creationId xmlns:a16="http://schemas.microsoft.com/office/drawing/2014/main" id="{A3F149D1-63A1-4470-843A-E4EBB54A8F7D}"/>
+              </a:ext>
+            </a:extLst>
+          </p:cNvPr>
+          <p:cNvSpPr txBox="1"/>
+          <p:nvPr/>
+        </p:nvSpPr>
+        <p:spPr>
+          <a:xfrm>
+            <a:off x="467544" y="1988840"/>
+            <a:ext cx="7310014" cy="523220"/>
+          </a:xfrm>
+          <a:prstGeom prst="rect">
+            <a:avLst/>
+          </a:prstGeom>
+          <a:noFill/>
+        </p:spPr>
+        <p:txBody>
+          <a:bodyPr wrap="none" rtlCol="0">
+            <a:spAutoFit/>
+          </a:bodyPr>
+          <a:lstStyle/>
+          <a:p>
+            <a:r>
+              <a:rPr kumimoji="1" lang="en-US" altLang="ja-JP" sz="2800"/>
+              <a:t>svfloat64_t</a:t>
+            </a:r>
+            <a:r>
+              <a:rPr kumimoji="1" lang="ja-JP" altLang="en-US" sz="2800"/>
+              <a:t>型へのロードや加算を試してみる</a:t>
+            </a:r>
+          </a:p>
+        </p:txBody>
+      </p:sp>
+    </p:spTree>
+    <p:extLst>
+      <p:ext uri="{BB962C8B-B14F-4D97-AF65-F5344CB8AC3E}">
+        <p14:creationId xmlns:p14="http://schemas.microsoft.com/office/powerpoint/2010/main" val="171762738"/>
+      </p:ext>
+    </p:extLst>
+  </p:cSld>
+  <p:clrMapOvr>
+    <a:masterClrMapping/>
+  </p:clrMapOvr>
+</p:sld>
+</file>
+
+<file path=ppt/slides/slide27.xml><?xml version="1.0" encoding="utf-8"?>
+<p:sld xmlns:a="http://schemas.openxmlformats.org/drawingml/2006/main" xmlns:r="http://schemas.openxmlformats.org/officeDocument/2006/relationships" xmlns:p="http://schemas.openxmlformats.org/presentationml/2006/main">
+  <p:cSld>
+    <p:spTree>
+      <p:nvGrpSpPr>
+        <p:cNvPr id="1" name=""/>
+        <p:cNvGrpSpPr/>
+        <p:nvPr/>
+      </p:nvGrpSpPr>
+      <p:grpSpPr>
+        <a:xfrm>
+          <a:off x="0" y="0"/>
+          <a:ext cx="0" cy="0"/>
+          <a:chOff x="0" y="0"/>
+          <a:chExt cx="0" cy="0"/>
+        </a:xfrm>
+      </p:grpSpPr>
+      <p:sp>
+        <p:nvSpPr>
+          <p:cNvPr id="2" name="テキスト プレースホルダー 1">
+            <a:extLst>
+              <a:ext uri="{FF2B5EF4-FFF2-40B4-BE49-F238E27FC236}">
+                <a16:creationId xmlns:a16="http://schemas.microsoft.com/office/drawing/2014/main" id="{740076DF-8D78-4A99-A2BC-D9867A2D59E5}"/>
+              </a:ext>
+            </a:extLst>
+          </p:cNvPr>
+          <p:cNvSpPr>
+            <a:spLocks noGrp="1"/>
+          </p:cNvSpPr>
+          <p:nvPr>
+            <p:ph type="body" sz="quarter" idx="10"/>
+          </p:nvPr>
+        </p:nvSpPr>
+        <p:spPr/>
+        <p:txBody>
+          <a:bodyPr/>
+          <a:lstStyle/>
+          <a:p>
+            <a:r>
+              <a:rPr kumimoji="1" lang="en-US" altLang="ja-JP"/>
+              <a:t>Xbyak</a:t>
+            </a:r>
+            <a:r>
+              <a:rPr kumimoji="1" lang="ja-JP" altLang="en-US"/>
+              <a:t>編</a:t>
+            </a:r>
+            <a:r>
+              <a:rPr kumimoji="1" lang="en-US" altLang="ja-JP"/>
+              <a:t>(1)</a:t>
+            </a:r>
+            <a:r>
+              <a:rPr kumimoji="1" lang="ja-JP" altLang="en-US"/>
+              <a:t>：呼び出し規約</a:t>
+            </a:r>
+          </a:p>
+        </p:txBody>
+      </p:sp>
+      <p:sp>
+        <p:nvSpPr>
+          <p:cNvPr id="5" name="テキスト ボックス 4">
+            <a:extLst>
+              <a:ext uri="{FF2B5EF4-FFF2-40B4-BE49-F238E27FC236}">
+                <a16:creationId xmlns:a16="http://schemas.microsoft.com/office/drawing/2014/main" id="{002139D9-E438-440D-B77A-B097BE26D5A1}"/>
+              </a:ext>
+            </a:extLst>
+          </p:cNvPr>
+          <p:cNvSpPr txBox="1"/>
+          <p:nvPr/>
+        </p:nvSpPr>
+        <p:spPr>
+          <a:xfrm>
+            <a:off x="611560" y="980728"/>
+            <a:ext cx="7992888" cy="1200329"/>
+          </a:xfrm>
+          <a:prstGeom prst="rect">
+            <a:avLst/>
+          </a:prstGeom>
+          <a:noFill/>
+        </p:spPr>
+        <p:txBody>
+          <a:bodyPr wrap="square" rtlCol="0">
+            <a:spAutoFit/>
+          </a:bodyPr>
+          <a:lstStyle/>
+          <a:p>
+            <a:r>
+              <a:rPr kumimoji="1" lang="en-US" altLang="ja-JP" sz="2400"/>
+              <a:t>ABI (Application Binary Interface)</a:t>
+            </a:r>
+            <a:r>
+              <a:rPr kumimoji="1" lang="ja-JP" altLang="en-US" sz="2400"/>
+              <a:t>が定めるものの一つ</a:t>
+            </a:r>
+            <a:endParaRPr kumimoji="1" lang="en-US" altLang="ja-JP" sz="2400"/>
+          </a:p>
+          <a:p>
+            <a:r>
+              <a:rPr kumimoji="1" lang="ja-JP" altLang="en-US" sz="2400"/>
+              <a:t>関数を呼び出す時、引数をどうやって渡すか、返り値をどう返すかを定める</a:t>
+            </a:r>
+          </a:p>
+        </p:txBody>
+      </p:sp>
+      <p:sp>
+        <p:nvSpPr>
+          <p:cNvPr id="7" name="テキスト ボックス 6">
+            <a:extLst>
+              <a:ext uri="{FF2B5EF4-FFF2-40B4-BE49-F238E27FC236}">
+                <a16:creationId xmlns:a16="http://schemas.microsoft.com/office/drawing/2014/main" id="{04D296C4-24B2-47C8-BE05-56642200E8CC}"/>
+              </a:ext>
+            </a:extLst>
+          </p:cNvPr>
+          <p:cNvSpPr txBox="1"/>
+          <p:nvPr/>
+        </p:nvSpPr>
+        <p:spPr>
+          <a:xfrm>
+            <a:off x="251520" y="2780928"/>
+            <a:ext cx="3168352" cy="1384995"/>
+          </a:xfrm>
+          <a:prstGeom prst="rect">
+            <a:avLst/>
+          </a:prstGeom>
+          <a:noFill/>
+          <a:ln>
+            <a:solidFill>
+              <a:schemeClr val="tx1"/>
+            </a:solidFill>
+          </a:ln>
+        </p:spPr>
+        <p:txBody>
+          <a:bodyPr wrap="square">
+            <a:spAutoFit/>
+          </a:bodyPr>
+          <a:lstStyle/>
+          <a:p>
+            <a:r>
+              <a:rPr lang="ja-JP" altLang="en-US" sz="2800">
+                <a:latin typeface="Consolas" panose="020B0609020204030204" pitchFamily="49" charset="0"/>
+              </a:rPr>
+              <a:t>int f(int i){</a:t>
+            </a:r>
+          </a:p>
+          <a:p>
+            <a:r>
+              <a:rPr lang="ja-JP" altLang="en-US" sz="2800">
+                <a:latin typeface="Consolas" panose="020B0609020204030204" pitchFamily="49" charset="0"/>
+              </a:rPr>
+              <a:t>  return i + 1;</a:t>
+            </a:r>
+          </a:p>
+          <a:p>
+            <a:r>
+              <a:rPr lang="ja-JP" altLang="en-US" sz="2800">
+                <a:latin typeface="Consolas" panose="020B0609020204030204" pitchFamily="49" charset="0"/>
+              </a:rPr>
+              <a:t>}</a:t>
+            </a:r>
+          </a:p>
+        </p:txBody>
+      </p:sp>
+      <p:sp>
+        <p:nvSpPr>
+          <p:cNvPr id="9" name="テキスト ボックス 8">
+            <a:extLst>
+              <a:ext uri="{FF2B5EF4-FFF2-40B4-BE49-F238E27FC236}">
+                <a16:creationId xmlns:a16="http://schemas.microsoft.com/office/drawing/2014/main" id="{727E8204-CD74-4E59-ACBC-8F46075835FA}"/>
+              </a:ext>
+            </a:extLst>
+          </p:cNvPr>
+          <p:cNvSpPr txBox="1"/>
+          <p:nvPr/>
+        </p:nvSpPr>
+        <p:spPr>
+          <a:xfrm>
+            <a:off x="3635896" y="2780928"/>
+            <a:ext cx="5256584" cy="2677656"/>
+          </a:xfrm>
+          <a:prstGeom prst="rect">
+            <a:avLst/>
+          </a:prstGeom>
+          <a:noFill/>
+          <a:ln>
+            <a:solidFill>
+              <a:schemeClr val="tx1"/>
+            </a:solidFill>
+          </a:ln>
+        </p:spPr>
+        <p:txBody>
+          <a:bodyPr wrap="square">
+            <a:spAutoFit/>
+          </a:bodyPr>
+          <a:lstStyle/>
+          <a:p>
+            <a:r>
+              <a:rPr lang="en-US" altLang="ja-JP" sz="2400">
+                <a:latin typeface="Consolas" panose="020B0609020204030204" pitchFamily="49" charset="0"/>
+              </a:rPr>
+              <a:t>struct Code : Xbyak_aarch64::CodeGenerator {</a:t>
+            </a:r>
+          </a:p>
+          <a:p>
+            <a:r>
+              <a:rPr lang="en-US" altLang="ja-JP" sz="2400">
+                <a:latin typeface="Consolas" panose="020B0609020204030204" pitchFamily="49" charset="0"/>
+              </a:rPr>
+              <a:t>  Code() {</a:t>
+            </a:r>
+          </a:p>
+          <a:p>
+            <a:r>
+              <a:rPr lang="en-US" altLang="ja-JP" sz="2400">
+                <a:latin typeface="Consolas" panose="020B0609020204030204" pitchFamily="49" charset="0"/>
+              </a:rPr>
+              <a:t>    add(w0, w0, 1);</a:t>
+            </a:r>
+          </a:p>
+          <a:p>
+            <a:r>
+              <a:rPr lang="en-US" altLang="ja-JP" sz="2400">
+                <a:latin typeface="Consolas" panose="020B0609020204030204" pitchFamily="49" charset="0"/>
+              </a:rPr>
+              <a:t>    ret();</a:t>
+            </a:r>
+          </a:p>
+          <a:p>
+            <a:r>
+              <a:rPr lang="en-US" altLang="ja-JP" sz="2400">
+                <a:latin typeface="Consolas" panose="020B0609020204030204" pitchFamily="49" charset="0"/>
+              </a:rPr>
+              <a:t>  }</a:t>
+            </a:r>
+          </a:p>
+          <a:p>
+            <a:r>
+              <a:rPr lang="en-US" altLang="ja-JP" sz="2400">
+                <a:latin typeface="Consolas" panose="020B0609020204030204" pitchFamily="49" charset="0"/>
+              </a:rPr>
+              <a:t>};</a:t>
+            </a:r>
+            <a:endParaRPr lang="ja-JP" altLang="en-US" sz="2400">
+              <a:latin typeface="Consolas" panose="020B0609020204030204" pitchFamily="49" charset="0"/>
+            </a:endParaRPr>
+          </a:p>
+        </p:txBody>
+      </p:sp>
+      <p:sp>
+        <p:nvSpPr>
+          <p:cNvPr id="10" name="テキスト ボックス 9">
+            <a:extLst>
+              <a:ext uri="{FF2B5EF4-FFF2-40B4-BE49-F238E27FC236}">
+                <a16:creationId xmlns:a16="http://schemas.microsoft.com/office/drawing/2014/main" id="{5CA046DE-5CA4-47FD-8736-C5ECF9F03497}"/>
+              </a:ext>
+            </a:extLst>
+          </p:cNvPr>
+          <p:cNvSpPr txBox="1"/>
+          <p:nvPr/>
+        </p:nvSpPr>
+        <p:spPr>
+          <a:xfrm>
+            <a:off x="395536" y="2348880"/>
+            <a:ext cx="2492990" cy="369332"/>
+          </a:xfrm>
+          <a:prstGeom prst="rect">
+            <a:avLst/>
+          </a:prstGeom>
+          <a:noFill/>
+        </p:spPr>
+        <p:txBody>
+          <a:bodyPr wrap="none" rtlCol="0">
+            <a:spAutoFit/>
+          </a:bodyPr>
+          <a:lstStyle/>
+          <a:p>
+            <a:r>
+              <a:rPr kumimoji="1" lang="ja-JP" altLang="en-US"/>
+              <a:t>こんな関数を作りたい</a:t>
+            </a:r>
+          </a:p>
+        </p:txBody>
+      </p:sp>
+      <p:sp>
+        <p:nvSpPr>
+          <p:cNvPr id="11" name="テキスト ボックス 10">
+            <a:extLst>
+              <a:ext uri="{FF2B5EF4-FFF2-40B4-BE49-F238E27FC236}">
+                <a16:creationId xmlns:a16="http://schemas.microsoft.com/office/drawing/2014/main" id="{3F4194C7-4E65-4F29-8574-BFEB388EC91B}"/>
+              </a:ext>
+            </a:extLst>
+          </p:cNvPr>
+          <p:cNvSpPr txBox="1"/>
+          <p:nvPr/>
+        </p:nvSpPr>
+        <p:spPr>
+          <a:xfrm>
+            <a:off x="5004048" y="2348880"/>
+            <a:ext cx="2210862" cy="369332"/>
+          </a:xfrm>
+          <a:prstGeom prst="rect">
+            <a:avLst/>
+          </a:prstGeom>
+          <a:noFill/>
+        </p:spPr>
+        <p:txBody>
+          <a:bodyPr wrap="none" rtlCol="0">
+            <a:spAutoFit/>
+          </a:bodyPr>
+          <a:lstStyle/>
+          <a:p>
+            <a:r>
+              <a:rPr kumimoji="1" lang="en-US" altLang="ja-JP"/>
+              <a:t>Xbyak</a:t>
+            </a:r>
+            <a:r>
+              <a:rPr kumimoji="1" lang="ja-JP" altLang="en-US"/>
+              <a:t>ではこう書く</a:t>
+            </a:r>
+          </a:p>
+        </p:txBody>
+      </p:sp>
+      <p:sp>
+        <p:nvSpPr>
+          <p:cNvPr id="12" name="テキスト ボックス 11">
+            <a:extLst>
+              <a:ext uri="{FF2B5EF4-FFF2-40B4-BE49-F238E27FC236}">
+                <a16:creationId xmlns:a16="http://schemas.microsoft.com/office/drawing/2014/main" id="{61890F1C-897F-4B43-8B16-BE0981826E6A}"/>
+              </a:ext>
+            </a:extLst>
+          </p:cNvPr>
+          <p:cNvSpPr txBox="1"/>
+          <p:nvPr/>
+        </p:nvSpPr>
+        <p:spPr>
+          <a:xfrm>
+            <a:off x="323528" y="5733256"/>
+            <a:ext cx="7344816" cy="830997"/>
+          </a:xfrm>
+          <a:prstGeom prst="rect">
+            <a:avLst/>
+          </a:prstGeom>
+          <a:noFill/>
+        </p:spPr>
+        <p:txBody>
+          <a:bodyPr wrap="square" rtlCol="0">
+            <a:spAutoFit/>
+          </a:bodyPr>
+          <a:lstStyle/>
+          <a:p>
+            <a:r>
+              <a:rPr kumimoji="1" lang="ja-JP" altLang="en-US" sz="2400"/>
+              <a:t>整数の第一引数が</a:t>
+            </a:r>
+            <a:r>
+              <a:rPr lang="ja-JP" altLang="en-US" sz="2400"/>
+              <a:t>レジスタ</a:t>
+            </a:r>
+            <a:r>
+              <a:rPr lang="en-US" altLang="ja-JP" sz="2400"/>
+              <a:t>w0</a:t>
+            </a:r>
+            <a:r>
+              <a:rPr lang="ja-JP" altLang="en-US" sz="2400"/>
+              <a:t>に渡され、返り値を</a:t>
+            </a:r>
+            <a:r>
+              <a:rPr lang="en-US" altLang="ja-JP" sz="2400"/>
+              <a:t>w0</a:t>
+            </a:r>
+            <a:r>
+              <a:rPr lang="ja-JP" altLang="en-US" sz="2400"/>
+              <a:t>に入れて</a:t>
+            </a:r>
+            <a:r>
+              <a:rPr lang="en-US" altLang="ja-JP" sz="2400"/>
+              <a:t>ret</a:t>
+            </a:r>
+            <a:r>
+              <a:rPr lang="ja-JP" altLang="en-US" sz="2400"/>
+              <a:t>することを知っている必要がある</a:t>
+            </a:r>
+            <a:endParaRPr kumimoji="1" lang="ja-JP" altLang="en-US" sz="2400"/>
+          </a:p>
+        </p:txBody>
+      </p:sp>
+    </p:spTree>
+    <p:extLst>
+      <p:ext uri="{BB962C8B-B14F-4D97-AF65-F5344CB8AC3E}">
+        <p14:creationId xmlns:p14="http://schemas.microsoft.com/office/powerpoint/2010/main" val="700861427"/>
+      </p:ext>
+    </p:extLst>
+  </p:cSld>
+  <p:clrMapOvr>
+    <a:masterClrMapping/>
+  </p:clrMapOvr>
+</p:sld>
+</file>
+
+<file path=ppt/slides/slide28.xml><?xml version="1.0" encoding="utf-8"?>
+<p:sld xmlns:a="http://schemas.openxmlformats.org/drawingml/2006/main" xmlns:r="http://schemas.openxmlformats.org/officeDocument/2006/relationships" xmlns:p="http://schemas.openxmlformats.org/presentationml/2006/main">
+  <p:cSld>
+    <p:spTree>
+      <p:nvGrpSpPr>
+        <p:cNvPr id="1" name=""/>
+        <p:cNvGrpSpPr/>
+        <p:nvPr/>
+      </p:nvGrpSpPr>
+      <p:grpSpPr>
+        <a:xfrm>
+          <a:off x="0" y="0"/>
+          <a:ext cx="0" cy="0"/>
+          <a:chOff x="0" y="0"/>
+          <a:chExt cx="0" cy="0"/>
+        </a:xfrm>
+      </p:grpSpPr>
+      <p:sp>
+        <p:nvSpPr>
+          <p:cNvPr id="2" name="テキスト プレースホルダー 1">
+            <a:extLst>
+              <a:ext uri="{FF2B5EF4-FFF2-40B4-BE49-F238E27FC236}">
+                <a16:creationId xmlns:a16="http://schemas.microsoft.com/office/drawing/2014/main" id="{DCBD1ED4-81C7-4C6F-9A40-4639718BB782}"/>
+              </a:ext>
+            </a:extLst>
+          </p:cNvPr>
+          <p:cNvSpPr>
+            <a:spLocks noGrp="1"/>
+          </p:cNvSpPr>
+          <p:nvPr>
+            <p:ph type="body" sz="quarter" idx="10"/>
+          </p:nvPr>
+        </p:nvSpPr>
+        <p:spPr/>
+        <p:txBody>
+          <a:bodyPr/>
+          <a:lstStyle/>
+          <a:p>
+            <a:r>
+              <a:rPr kumimoji="1" lang="en-US" altLang="ja-JP"/>
+              <a:t>Xbyak</a:t>
+            </a:r>
+            <a:r>
+              <a:rPr kumimoji="1" lang="ja-JP" altLang="en-US"/>
+              <a:t>編</a:t>
+            </a:r>
+            <a:r>
+              <a:rPr kumimoji="1" lang="en-US" altLang="ja-JP"/>
+              <a:t>(3)</a:t>
+            </a:r>
+            <a:r>
+              <a:rPr kumimoji="1" lang="ja-JP" altLang="en-US"/>
+              <a:t>：</a:t>
+            </a:r>
+            <a:r>
+              <a:rPr kumimoji="1" lang="en-US" altLang="ja-JP"/>
+              <a:t>FizzBuzz</a:t>
+            </a:r>
+            <a:endParaRPr kumimoji="1" lang="ja-JP" altLang="en-US"/>
+          </a:p>
+        </p:txBody>
+      </p:sp>
+    </p:spTree>
+    <p:extLst>
+      <p:ext uri="{BB962C8B-B14F-4D97-AF65-F5344CB8AC3E}">
+        <p14:creationId xmlns:p14="http://schemas.microsoft.com/office/powerpoint/2010/main" val="3115403390"/>
       </p:ext>
     </p:extLst>
   </p:cSld>

--- a/slide/xbyak_aarch64.pptx
+++ b/slide/xbyak_aarch64.pptx
@@ -12584,19 +12584,25 @@
               <a:rPr lang="en-US" altLang="ja-JP" sz="2400" dirty="0">
                 <a:latin typeface="Consolas" panose="020B0609020204030204" pitchFamily="49" charset="0"/>
               </a:rPr>
-              <a:t>svptrue_</a:t>
-            </a:r>
-            <a:r>
-              <a:rPr lang="en-US" altLang="ja-JP" sz="2400" dirty="0">
+              <a:t>svptrue</a:t>
+            </a:r>
+            <a:r>
+              <a:rPr lang="en-US" altLang="ja-JP" sz="2400">
+                <a:latin typeface="Consolas" panose="020B0609020204030204" pitchFamily="49" charset="0"/>
+              </a:rPr>
+              <a:t>_</a:t>
+            </a:r>
+            <a:r>
+              <a:rPr lang="en-US" altLang="ja-JP" sz="2400">
                 <a:solidFill>
                   <a:srgbClr val="FF0000"/>
                 </a:solidFill>
                 <a:latin typeface="Consolas" panose="020B0609020204030204" pitchFamily="49" charset="0"/>
               </a:rPr>
-              <a:t>b32</a:t>
-            </a:r>
-            <a:r>
-              <a:rPr lang="en-US" altLang="ja-JP" sz="2400" dirty="0">
+              <a:t>b64</a:t>
+            </a:r>
+            <a:r>
+              <a:rPr lang="en-US" altLang="ja-JP" sz="2400">
                 <a:latin typeface="Consolas" panose="020B0609020204030204" pitchFamily="49" charset="0"/>
               </a:rPr>
               <a:t> </a:t>
